--- a/powerpoint/ml project.pptx
+++ b/powerpoint/ml project.pptx
@@ -13,6 +13,7 @@
     <p:sldId id="259" r:id="rId8"/>
     <p:sldId id="260" r:id="rId9"/>
     <p:sldId id="261" r:id="rId10"/>
+    <p:sldId id="262" r:id="rId11"/>
   </p:sldIdLst>
   <p:sldSz cx="10080625" cy="7559675"/>
   <p:notesSz cx="7772400" cy="10058400"/>
@@ -70,8 +71,8 @@
         </p:nvSpPr>
         <p:spPr>
           <a:xfrm>
-            <a:off x="2699280" y="2699280"/>
-            <a:ext cx="4679280" cy="2159640"/>
+            <a:off x="504000" y="301320"/>
+            <a:ext cx="9072000" cy="1261800"/>
           </a:xfrm>
           <a:prstGeom prst="rect">
             <a:avLst/>
@@ -101,19 +102,19 @@
         </p:nvSpPr>
         <p:spPr>
           <a:xfrm>
-            <a:off x="3419640" y="5040000"/>
-            <a:ext cx="6298920" cy="1029960"/>
-          </a:xfrm>
-          <a:prstGeom prst="rect">
-            <a:avLst/>
-          </a:prstGeom>
-        </p:spPr>
-        <p:txBody>
-          <a:bodyPr lIns="0" rIns="0" tIns="0" bIns="0">
-            <a:normAutofit/>
-          </a:bodyPr>
-          <a:p>
-            <a:endParaRPr b="0" lang="en-US" sz="3190" spc="-1" strike="noStrike">
+            <a:off x="504000" y="1768680"/>
+            <a:ext cx="9072000" cy="2090880"/>
+          </a:xfrm>
+          <a:prstGeom prst="rect">
+            <a:avLst/>
+          </a:prstGeom>
+        </p:spPr>
+        <p:txBody>
+          <a:bodyPr lIns="0" rIns="0" tIns="0" bIns="0">
+            <a:normAutofit/>
+          </a:bodyPr>
+          <a:p>
+            <a:endParaRPr b="0" lang="en-US" sz="3200" spc="-1" strike="noStrike">
               <a:latin typeface="Arial"/>
             </a:endParaRPr>
           </a:p>
@@ -131,19 +132,19 @@
         </p:nvSpPr>
         <p:spPr>
           <a:xfrm>
-            <a:off x="3419640" y="6168240"/>
-            <a:ext cx="6298920" cy="1029960"/>
-          </a:xfrm>
-          <a:prstGeom prst="rect">
-            <a:avLst/>
-          </a:prstGeom>
-        </p:spPr>
-        <p:txBody>
-          <a:bodyPr lIns="0" rIns="0" tIns="0" bIns="0">
-            <a:normAutofit/>
-          </a:bodyPr>
-          <a:p>
-            <a:endParaRPr b="0" lang="en-US" sz="3190" spc="-1" strike="noStrike">
+            <a:off x="504000" y="4058640"/>
+            <a:ext cx="9072000" cy="2090880"/>
+          </a:xfrm>
+          <a:prstGeom prst="rect">
+            <a:avLst/>
+          </a:prstGeom>
+        </p:spPr>
+        <p:txBody>
+          <a:bodyPr lIns="0" rIns="0" tIns="0" bIns="0">
+            <a:normAutofit/>
+          </a:bodyPr>
+          <a:p>
+            <a:endParaRPr b="0" lang="en-US" sz="3200" spc="-1" strike="noStrike">
               <a:latin typeface="Arial"/>
             </a:endParaRPr>
           </a:p>
@@ -183,8 +184,8 @@
         </p:nvSpPr>
         <p:spPr>
           <a:xfrm>
-            <a:off x="2699280" y="2699280"/>
-            <a:ext cx="4679280" cy="2159640"/>
+            <a:off x="504000" y="301320"/>
+            <a:ext cx="9072000" cy="1261800"/>
           </a:xfrm>
           <a:prstGeom prst="rect">
             <a:avLst/>
@@ -214,19 +215,19 @@
         </p:nvSpPr>
         <p:spPr>
           <a:xfrm>
-            <a:off x="3419640" y="5040000"/>
-            <a:ext cx="3073680" cy="1029960"/>
-          </a:xfrm>
-          <a:prstGeom prst="rect">
-            <a:avLst/>
-          </a:prstGeom>
-        </p:spPr>
-        <p:txBody>
-          <a:bodyPr lIns="0" rIns="0" tIns="0" bIns="0">
-            <a:normAutofit/>
-          </a:bodyPr>
-          <a:p>
-            <a:endParaRPr b="0" lang="en-US" sz="3190" spc="-1" strike="noStrike">
+            <a:off x="504000" y="1768680"/>
+            <a:ext cx="4426920" cy="2090880"/>
+          </a:xfrm>
+          <a:prstGeom prst="rect">
+            <a:avLst/>
+          </a:prstGeom>
+        </p:spPr>
+        <p:txBody>
+          <a:bodyPr lIns="0" rIns="0" tIns="0" bIns="0">
+            <a:normAutofit/>
+          </a:bodyPr>
+          <a:p>
+            <a:endParaRPr b="0" lang="en-US" sz="3200" spc="-1" strike="noStrike">
               <a:latin typeface="Arial"/>
             </a:endParaRPr>
           </a:p>
@@ -244,19 +245,19 @@
         </p:nvSpPr>
         <p:spPr>
           <a:xfrm>
-            <a:off x="6647400" y="5040000"/>
-            <a:ext cx="3073680" cy="1029960"/>
-          </a:xfrm>
-          <a:prstGeom prst="rect">
-            <a:avLst/>
-          </a:prstGeom>
-        </p:spPr>
-        <p:txBody>
-          <a:bodyPr lIns="0" rIns="0" tIns="0" bIns="0">
-            <a:normAutofit/>
-          </a:bodyPr>
-          <a:p>
-            <a:endParaRPr b="0" lang="en-US" sz="3190" spc="-1" strike="noStrike">
+            <a:off x="5152680" y="1768680"/>
+            <a:ext cx="4426920" cy="2090880"/>
+          </a:xfrm>
+          <a:prstGeom prst="rect">
+            <a:avLst/>
+          </a:prstGeom>
+        </p:spPr>
+        <p:txBody>
+          <a:bodyPr lIns="0" rIns="0" tIns="0" bIns="0">
+            <a:normAutofit/>
+          </a:bodyPr>
+          <a:p>
+            <a:endParaRPr b="0" lang="en-US" sz="3200" spc="-1" strike="noStrike">
               <a:latin typeface="Arial"/>
             </a:endParaRPr>
           </a:p>
@@ -274,19 +275,19 @@
         </p:nvSpPr>
         <p:spPr>
           <a:xfrm>
-            <a:off x="3419640" y="6168240"/>
-            <a:ext cx="3073680" cy="1029960"/>
-          </a:xfrm>
-          <a:prstGeom prst="rect">
-            <a:avLst/>
-          </a:prstGeom>
-        </p:spPr>
-        <p:txBody>
-          <a:bodyPr lIns="0" rIns="0" tIns="0" bIns="0">
-            <a:normAutofit/>
-          </a:bodyPr>
-          <a:p>
-            <a:endParaRPr b="0" lang="en-US" sz="3190" spc="-1" strike="noStrike">
+            <a:off x="504000" y="4058640"/>
+            <a:ext cx="4426920" cy="2090880"/>
+          </a:xfrm>
+          <a:prstGeom prst="rect">
+            <a:avLst/>
+          </a:prstGeom>
+        </p:spPr>
+        <p:txBody>
+          <a:bodyPr lIns="0" rIns="0" tIns="0" bIns="0">
+            <a:normAutofit/>
+          </a:bodyPr>
+          <a:p>
+            <a:endParaRPr b="0" lang="en-US" sz="3200" spc="-1" strike="noStrike">
               <a:latin typeface="Arial"/>
             </a:endParaRPr>
           </a:p>
@@ -304,19 +305,19 @@
         </p:nvSpPr>
         <p:spPr>
           <a:xfrm>
-            <a:off x="6647400" y="6168240"/>
-            <a:ext cx="3073680" cy="1029960"/>
-          </a:xfrm>
-          <a:prstGeom prst="rect">
-            <a:avLst/>
-          </a:prstGeom>
-        </p:spPr>
-        <p:txBody>
-          <a:bodyPr lIns="0" rIns="0" tIns="0" bIns="0">
-            <a:normAutofit/>
-          </a:bodyPr>
-          <a:p>
-            <a:endParaRPr b="0" lang="en-US" sz="3190" spc="-1" strike="noStrike">
+            <a:off x="5152680" y="4058640"/>
+            <a:ext cx="4426920" cy="2090880"/>
+          </a:xfrm>
+          <a:prstGeom prst="rect">
+            <a:avLst/>
+          </a:prstGeom>
+        </p:spPr>
+        <p:txBody>
+          <a:bodyPr lIns="0" rIns="0" tIns="0" bIns="0">
+            <a:normAutofit/>
+          </a:bodyPr>
+          <a:p>
+            <a:endParaRPr b="0" lang="en-US" sz="3200" spc="-1" strike="noStrike">
               <a:latin typeface="Arial"/>
             </a:endParaRPr>
           </a:p>
@@ -356,8 +357,8 @@
         </p:nvSpPr>
         <p:spPr>
           <a:xfrm>
-            <a:off x="2699280" y="2699280"/>
-            <a:ext cx="4679280" cy="2159640"/>
+            <a:off x="504000" y="301320"/>
+            <a:ext cx="9072000" cy="1261800"/>
           </a:xfrm>
           <a:prstGeom prst="rect">
             <a:avLst/>
@@ -387,19 +388,19 @@
         </p:nvSpPr>
         <p:spPr>
           <a:xfrm>
-            <a:off x="3419640" y="5040000"/>
-            <a:ext cx="2027880" cy="1029960"/>
-          </a:xfrm>
-          <a:prstGeom prst="rect">
-            <a:avLst/>
-          </a:prstGeom>
-        </p:spPr>
-        <p:txBody>
-          <a:bodyPr lIns="0" rIns="0" tIns="0" bIns="0">
-            <a:normAutofit/>
-          </a:bodyPr>
-          <a:p>
-            <a:endParaRPr b="0" lang="en-US" sz="3190" spc="-1" strike="noStrike">
+            <a:off x="504000" y="1768680"/>
+            <a:ext cx="2921040" cy="2090880"/>
+          </a:xfrm>
+          <a:prstGeom prst="rect">
+            <a:avLst/>
+          </a:prstGeom>
+        </p:spPr>
+        <p:txBody>
+          <a:bodyPr lIns="0" rIns="0" tIns="0" bIns="0">
+            <a:normAutofit/>
+          </a:bodyPr>
+          <a:p>
+            <a:endParaRPr b="0" lang="en-US" sz="3200" spc="-1" strike="noStrike">
               <a:latin typeface="Arial"/>
             </a:endParaRPr>
           </a:p>
@@ -417,19 +418,19 @@
         </p:nvSpPr>
         <p:spPr>
           <a:xfrm>
-            <a:off x="5549400" y="5040000"/>
-            <a:ext cx="2027880" cy="1029960"/>
-          </a:xfrm>
-          <a:prstGeom prst="rect">
-            <a:avLst/>
-          </a:prstGeom>
-        </p:spPr>
-        <p:txBody>
-          <a:bodyPr lIns="0" rIns="0" tIns="0" bIns="0">
-            <a:normAutofit/>
-          </a:bodyPr>
-          <a:p>
-            <a:endParaRPr b="0" lang="en-US" sz="3190" spc="-1" strike="noStrike">
+            <a:off x="3571560" y="1768680"/>
+            <a:ext cx="2921040" cy="2090880"/>
+          </a:xfrm>
+          <a:prstGeom prst="rect">
+            <a:avLst/>
+          </a:prstGeom>
+        </p:spPr>
+        <p:txBody>
+          <a:bodyPr lIns="0" rIns="0" tIns="0" bIns="0">
+            <a:normAutofit/>
+          </a:bodyPr>
+          <a:p>
+            <a:endParaRPr b="0" lang="en-US" sz="3200" spc="-1" strike="noStrike">
               <a:latin typeface="Arial"/>
             </a:endParaRPr>
           </a:p>
@@ -447,19 +448,19 @@
         </p:nvSpPr>
         <p:spPr>
           <a:xfrm>
-            <a:off x="7678800" y="5040000"/>
-            <a:ext cx="2027880" cy="1029960"/>
-          </a:xfrm>
-          <a:prstGeom prst="rect">
-            <a:avLst/>
-          </a:prstGeom>
-        </p:spPr>
-        <p:txBody>
-          <a:bodyPr lIns="0" rIns="0" tIns="0" bIns="0">
-            <a:normAutofit/>
-          </a:bodyPr>
-          <a:p>
-            <a:endParaRPr b="0" lang="en-US" sz="3190" spc="-1" strike="noStrike">
+            <a:off x="6639120" y="1768680"/>
+            <a:ext cx="2921040" cy="2090880"/>
+          </a:xfrm>
+          <a:prstGeom prst="rect">
+            <a:avLst/>
+          </a:prstGeom>
+        </p:spPr>
+        <p:txBody>
+          <a:bodyPr lIns="0" rIns="0" tIns="0" bIns="0">
+            <a:normAutofit/>
+          </a:bodyPr>
+          <a:p>
+            <a:endParaRPr b="0" lang="en-US" sz="3200" spc="-1" strike="noStrike">
               <a:latin typeface="Arial"/>
             </a:endParaRPr>
           </a:p>
@@ -477,19 +478,19 @@
         </p:nvSpPr>
         <p:spPr>
           <a:xfrm>
-            <a:off x="3419640" y="6168240"/>
-            <a:ext cx="2027880" cy="1029960"/>
-          </a:xfrm>
-          <a:prstGeom prst="rect">
-            <a:avLst/>
-          </a:prstGeom>
-        </p:spPr>
-        <p:txBody>
-          <a:bodyPr lIns="0" rIns="0" tIns="0" bIns="0">
-            <a:normAutofit/>
-          </a:bodyPr>
-          <a:p>
-            <a:endParaRPr b="0" lang="en-US" sz="3190" spc="-1" strike="noStrike">
+            <a:off x="504000" y="4058640"/>
+            <a:ext cx="2921040" cy="2090880"/>
+          </a:xfrm>
+          <a:prstGeom prst="rect">
+            <a:avLst/>
+          </a:prstGeom>
+        </p:spPr>
+        <p:txBody>
+          <a:bodyPr lIns="0" rIns="0" tIns="0" bIns="0">
+            <a:normAutofit/>
+          </a:bodyPr>
+          <a:p>
+            <a:endParaRPr b="0" lang="en-US" sz="3200" spc="-1" strike="noStrike">
               <a:latin typeface="Arial"/>
             </a:endParaRPr>
           </a:p>
@@ -507,19 +508,19 @@
         </p:nvSpPr>
         <p:spPr>
           <a:xfrm>
-            <a:off x="5549400" y="6168240"/>
-            <a:ext cx="2027880" cy="1029960"/>
-          </a:xfrm>
-          <a:prstGeom prst="rect">
-            <a:avLst/>
-          </a:prstGeom>
-        </p:spPr>
-        <p:txBody>
-          <a:bodyPr lIns="0" rIns="0" tIns="0" bIns="0">
-            <a:normAutofit/>
-          </a:bodyPr>
-          <a:p>
-            <a:endParaRPr b="0" lang="en-US" sz="3190" spc="-1" strike="noStrike">
+            <a:off x="3571560" y="4058640"/>
+            <a:ext cx="2921040" cy="2090880"/>
+          </a:xfrm>
+          <a:prstGeom prst="rect">
+            <a:avLst/>
+          </a:prstGeom>
+        </p:spPr>
+        <p:txBody>
+          <a:bodyPr lIns="0" rIns="0" tIns="0" bIns="0">
+            <a:normAutofit/>
+          </a:bodyPr>
+          <a:p>
+            <a:endParaRPr b="0" lang="en-US" sz="3200" spc="-1" strike="noStrike">
               <a:latin typeface="Arial"/>
             </a:endParaRPr>
           </a:p>
@@ -537,19 +538,19 @@
         </p:nvSpPr>
         <p:spPr>
           <a:xfrm>
-            <a:off x="7678800" y="6168240"/>
-            <a:ext cx="2027880" cy="1029960"/>
-          </a:xfrm>
-          <a:prstGeom prst="rect">
-            <a:avLst/>
-          </a:prstGeom>
-        </p:spPr>
-        <p:txBody>
-          <a:bodyPr lIns="0" rIns="0" tIns="0" bIns="0">
-            <a:normAutofit/>
-          </a:bodyPr>
-          <a:p>
-            <a:endParaRPr b="0" lang="en-US" sz="3190" spc="-1" strike="noStrike">
+            <a:off x="6639120" y="4058640"/>
+            <a:ext cx="2921040" cy="2090880"/>
+          </a:xfrm>
+          <a:prstGeom prst="rect">
+            <a:avLst/>
+          </a:prstGeom>
+        </p:spPr>
+        <p:txBody>
+          <a:bodyPr lIns="0" rIns="0" tIns="0" bIns="0">
+            <a:normAutofit/>
+          </a:bodyPr>
+          <a:p>
+            <a:endParaRPr b="0" lang="en-US" sz="3200" spc="-1" strike="noStrike">
               <a:latin typeface="Arial"/>
             </a:endParaRPr>
           </a:p>
@@ -611,8 +612,8 @@
         </p:nvSpPr>
         <p:spPr>
           <a:xfrm>
-            <a:off x="2699280" y="2699280"/>
-            <a:ext cx="4679280" cy="2159640"/>
+            <a:off x="504000" y="301320"/>
+            <a:ext cx="9072000" cy="1261800"/>
           </a:xfrm>
           <a:prstGeom prst="rect">
             <a:avLst/>
@@ -642,8 +643,8 @@
         </p:nvSpPr>
         <p:spPr>
           <a:xfrm>
-            <a:off x="3419640" y="5040000"/>
-            <a:ext cx="6298920" cy="2159640"/>
+            <a:off x="504000" y="1768680"/>
+            <a:ext cx="9072000" cy="4384080"/>
           </a:xfrm>
           <a:prstGeom prst="rect">
             <a:avLst/>
@@ -695,8 +696,8 @@
         </p:nvSpPr>
         <p:spPr>
           <a:xfrm>
-            <a:off x="2699280" y="2699280"/>
-            <a:ext cx="4679280" cy="2159640"/>
+            <a:off x="504000" y="301320"/>
+            <a:ext cx="9072000" cy="1261800"/>
           </a:xfrm>
           <a:prstGeom prst="rect">
             <a:avLst/>
@@ -726,19 +727,19 @@
         </p:nvSpPr>
         <p:spPr>
           <a:xfrm>
-            <a:off x="3419640" y="5040000"/>
-            <a:ext cx="6298920" cy="2159640"/>
-          </a:xfrm>
-          <a:prstGeom prst="rect">
-            <a:avLst/>
-          </a:prstGeom>
-        </p:spPr>
-        <p:txBody>
-          <a:bodyPr lIns="0" rIns="0" tIns="0" bIns="0">
-            <a:normAutofit/>
-          </a:bodyPr>
-          <a:p>
-            <a:endParaRPr b="0" lang="en-US" sz="3190" spc="-1" strike="noStrike">
+            <a:off x="504000" y="1768680"/>
+            <a:ext cx="9072000" cy="4384080"/>
+          </a:xfrm>
+          <a:prstGeom prst="rect">
+            <a:avLst/>
+          </a:prstGeom>
+        </p:spPr>
+        <p:txBody>
+          <a:bodyPr lIns="0" rIns="0" tIns="0" bIns="0">
+            <a:normAutofit/>
+          </a:bodyPr>
+          <a:p>
+            <a:endParaRPr b="0" lang="en-US" sz="3200" spc="-1" strike="noStrike">
               <a:latin typeface="Arial"/>
             </a:endParaRPr>
           </a:p>
@@ -778,8 +779,8 @@
         </p:nvSpPr>
         <p:spPr>
           <a:xfrm>
-            <a:off x="2699280" y="2699280"/>
-            <a:ext cx="4679280" cy="2159640"/>
+            <a:off x="504000" y="301320"/>
+            <a:ext cx="9072000" cy="1261800"/>
           </a:xfrm>
           <a:prstGeom prst="rect">
             <a:avLst/>
@@ -809,19 +810,19 @@
         </p:nvSpPr>
         <p:spPr>
           <a:xfrm>
-            <a:off x="3419640" y="5040000"/>
-            <a:ext cx="3073680" cy="2159640"/>
-          </a:xfrm>
-          <a:prstGeom prst="rect">
-            <a:avLst/>
-          </a:prstGeom>
-        </p:spPr>
-        <p:txBody>
-          <a:bodyPr lIns="0" rIns="0" tIns="0" bIns="0">
-            <a:normAutofit/>
-          </a:bodyPr>
-          <a:p>
-            <a:endParaRPr b="0" lang="en-US" sz="3190" spc="-1" strike="noStrike">
+            <a:off x="504000" y="1768680"/>
+            <a:ext cx="4426920" cy="4384080"/>
+          </a:xfrm>
+          <a:prstGeom prst="rect">
+            <a:avLst/>
+          </a:prstGeom>
+        </p:spPr>
+        <p:txBody>
+          <a:bodyPr lIns="0" rIns="0" tIns="0" bIns="0">
+            <a:normAutofit/>
+          </a:bodyPr>
+          <a:p>
+            <a:endParaRPr b="0" lang="en-US" sz="3200" spc="-1" strike="noStrike">
               <a:latin typeface="Arial"/>
             </a:endParaRPr>
           </a:p>
@@ -839,19 +840,19 @@
         </p:nvSpPr>
         <p:spPr>
           <a:xfrm>
-            <a:off x="6647400" y="5040000"/>
-            <a:ext cx="3073680" cy="2159640"/>
-          </a:xfrm>
-          <a:prstGeom prst="rect">
-            <a:avLst/>
-          </a:prstGeom>
-        </p:spPr>
-        <p:txBody>
-          <a:bodyPr lIns="0" rIns="0" tIns="0" bIns="0">
-            <a:normAutofit/>
-          </a:bodyPr>
-          <a:p>
-            <a:endParaRPr b="0" lang="en-US" sz="3190" spc="-1" strike="noStrike">
+            <a:off x="5152680" y="1768680"/>
+            <a:ext cx="4426920" cy="4384080"/>
+          </a:xfrm>
+          <a:prstGeom prst="rect">
+            <a:avLst/>
+          </a:prstGeom>
+        </p:spPr>
+        <p:txBody>
+          <a:bodyPr lIns="0" rIns="0" tIns="0" bIns="0">
+            <a:normAutofit/>
+          </a:bodyPr>
+          <a:p>
+            <a:endParaRPr b="0" lang="en-US" sz="3200" spc="-1" strike="noStrike">
               <a:latin typeface="Arial"/>
             </a:endParaRPr>
           </a:p>
@@ -891,8 +892,8 @@
         </p:nvSpPr>
         <p:spPr>
           <a:xfrm>
-            <a:off x="2699280" y="2699280"/>
-            <a:ext cx="4679280" cy="2159640"/>
+            <a:off x="504000" y="301320"/>
+            <a:ext cx="9072000" cy="1261800"/>
           </a:xfrm>
           <a:prstGeom prst="rect">
             <a:avLst/>
@@ -944,8 +945,8 @@
         </p:nvSpPr>
         <p:spPr>
           <a:xfrm>
-            <a:off x="2699280" y="2699280"/>
-            <a:ext cx="4679280" cy="10011960"/>
+            <a:off x="504000" y="301320"/>
+            <a:ext cx="9072000" cy="5850360"/>
           </a:xfrm>
           <a:prstGeom prst="rect">
             <a:avLst/>
@@ -997,8 +998,8 @@
         </p:nvSpPr>
         <p:spPr>
           <a:xfrm>
-            <a:off x="2699280" y="2699280"/>
-            <a:ext cx="4679280" cy="2159640"/>
+            <a:off x="504000" y="301320"/>
+            <a:ext cx="9072000" cy="1261800"/>
           </a:xfrm>
           <a:prstGeom prst="rect">
             <a:avLst/>
@@ -1028,19 +1029,19 @@
         </p:nvSpPr>
         <p:spPr>
           <a:xfrm>
-            <a:off x="3419640" y="5040000"/>
-            <a:ext cx="3073680" cy="1029960"/>
-          </a:xfrm>
-          <a:prstGeom prst="rect">
-            <a:avLst/>
-          </a:prstGeom>
-        </p:spPr>
-        <p:txBody>
-          <a:bodyPr lIns="0" rIns="0" tIns="0" bIns="0">
-            <a:normAutofit/>
-          </a:bodyPr>
-          <a:p>
-            <a:endParaRPr b="0" lang="en-US" sz="3190" spc="-1" strike="noStrike">
+            <a:off x="504000" y="1768680"/>
+            <a:ext cx="4426920" cy="2090880"/>
+          </a:xfrm>
+          <a:prstGeom prst="rect">
+            <a:avLst/>
+          </a:prstGeom>
+        </p:spPr>
+        <p:txBody>
+          <a:bodyPr lIns="0" rIns="0" tIns="0" bIns="0">
+            <a:normAutofit/>
+          </a:bodyPr>
+          <a:p>
+            <a:endParaRPr b="0" lang="en-US" sz="3200" spc="-1" strike="noStrike">
               <a:latin typeface="Arial"/>
             </a:endParaRPr>
           </a:p>
@@ -1058,19 +1059,19 @@
         </p:nvSpPr>
         <p:spPr>
           <a:xfrm>
-            <a:off x="6647400" y="5040000"/>
-            <a:ext cx="3073680" cy="2159640"/>
-          </a:xfrm>
-          <a:prstGeom prst="rect">
-            <a:avLst/>
-          </a:prstGeom>
-        </p:spPr>
-        <p:txBody>
-          <a:bodyPr lIns="0" rIns="0" tIns="0" bIns="0">
-            <a:normAutofit/>
-          </a:bodyPr>
-          <a:p>
-            <a:endParaRPr b="0" lang="en-US" sz="3190" spc="-1" strike="noStrike">
+            <a:off x="5152680" y="1768680"/>
+            <a:ext cx="4426920" cy="4384080"/>
+          </a:xfrm>
+          <a:prstGeom prst="rect">
+            <a:avLst/>
+          </a:prstGeom>
+        </p:spPr>
+        <p:txBody>
+          <a:bodyPr lIns="0" rIns="0" tIns="0" bIns="0">
+            <a:normAutofit/>
+          </a:bodyPr>
+          <a:p>
+            <a:endParaRPr b="0" lang="en-US" sz="3200" spc="-1" strike="noStrike">
               <a:latin typeface="Arial"/>
             </a:endParaRPr>
           </a:p>
@@ -1088,19 +1089,19 @@
         </p:nvSpPr>
         <p:spPr>
           <a:xfrm>
-            <a:off x="3419640" y="6168240"/>
-            <a:ext cx="3073680" cy="1029960"/>
-          </a:xfrm>
-          <a:prstGeom prst="rect">
-            <a:avLst/>
-          </a:prstGeom>
-        </p:spPr>
-        <p:txBody>
-          <a:bodyPr lIns="0" rIns="0" tIns="0" bIns="0">
-            <a:normAutofit/>
-          </a:bodyPr>
-          <a:p>
-            <a:endParaRPr b="0" lang="en-US" sz="3190" spc="-1" strike="noStrike">
+            <a:off x="504000" y="4058640"/>
+            <a:ext cx="4426920" cy="2090880"/>
+          </a:xfrm>
+          <a:prstGeom prst="rect">
+            <a:avLst/>
+          </a:prstGeom>
+        </p:spPr>
+        <p:txBody>
+          <a:bodyPr lIns="0" rIns="0" tIns="0" bIns="0">
+            <a:normAutofit/>
+          </a:bodyPr>
+          <a:p>
+            <a:endParaRPr b="0" lang="en-US" sz="3200" spc="-1" strike="noStrike">
               <a:latin typeface="Arial"/>
             </a:endParaRPr>
           </a:p>
@@ -1140,8 +1141,8 @@
         </p:nvSpPr>
         <p:spPr>
           <a:xfrm>
-            <a:off x="2699280" y="2699280"/>
-            <a:ext cx="4679280" cy="2159640"/>
+            <a:off x="504000" y="301320"/>
+            <a:ext cx="9072000" cy="1261800"/>
           </a:xfrm>
           <a:prstGeom prst="rect">
             <a:avLst/>
@@ -1171,8 +1172,8 @@
         </p:nvSpPr>
         <p:spPr>
           <a:xfrm>
-            <a:off x="3419640" y="5040000"/>
-            <a:ext cx="6298920" cy="2159640"/>
+            <a:off x="504000" y="1768680"/>
+            <a:ext cx="9072000" cy="4384080"/>
           </a:xfrm>
           <a:prstGeom prst="rect">
             <a:avLst/>
@@ -1224,8 +1225,8 @@
         </p:nvSpPr>
         <p:spPr>
           <a:xfrm>
-            <a:off x="2699280" y="2699280"/>
-            <a:ext cx="4679280" cy="2159640"/>
+            <a:off x="504000" y="301320"/>
+            <a:ext cx="9072000" cy="1261800"/>
           </a:xfrm>
           <a:prstGeom prst="rect">
             <a:avLst/>
@@ -1255,19 +1256,19 @@
         </p:nvSpPr>
         <p:spPr>
           <a:xfrm>
-            <a:off x="3419640" y="5040000"/>
-            <a:ext cx="3073680" cy="2159640"/>
-          </a:xfrm>
-          <a:prstGeom prst="rect">
-            <a:avLst/>
-          </a:prstGeom>
-        </p:spPr>
-        <p:txBody>
-          <a:bodyPr lIns="0" rIns="0" tIns="0" bIns="0">
-            <a:normAutofit/>
-          </a:bodyPr>
-          <a:p>
-            <a:endParaRPr b="0" lang="en-US" sz="3190" spc="-1" strike="noStrike">
+            <a:off x="504000" y="1768680"/>
+            <a:ext cx="4426920" cy="4384080"/>
+          </a:xfrm>
+          <a:prstGeom prst="rect">
+            <a:avLst/>
+          </a:prstGeom>
+        </p:spPr>
+        <p:txBody>
+          <a:bodyPr lIns="0" rIns="0" tIns="0" bIns="0">
+            <a:normAutofit/>
+          </a:bodyPr>
+          <a:p>
+            <a:endParaRPr b="0" lang="en-US" sz="3200" spc="-1" strike="noStrike">
               <a:latin typeface="Arial"/>
             </a:endParaRPr>
           </a:p>
@@ -1285,19 +1286,19 @@
         </p:nvSpPr>
         <p:spPr>
           <a:xfrm>
-            <a:off x="6647400" y="5040000"/>
-            <a:ext cx="3073680" cy="1029960"/>
-          </a:xfrm>
-          <a:prstGeom prst="rect">
-            <a:avLst/>
-          </a:prstGeom>
-        </p:spPr>
-        <p:txBody>
-          <a:bodyPr lIns="0" rIns="0" tIns="0" bIns="0">
-            <a:normAutofit/>
-          </a:bodyPr>
-          <a:p>
-            <a:endParaRPr b="0" lang="en-US" sz="3190" spc="-1" strike="noStrike">
+            <a:off x="5152680" y="1768680"/>
+            <a:ext cx="4426920" cy="2090880"/>
+          </a:xfrm>
+          <a:prstGeom prst="rect">
+            <a:avLst/>
+          </a:prstGeom>
+        </p:spPr>
+        <p:txBody>
+          <a:bodyPr lIns="0" rIns="0" tIns="0" bIns="0">
+            <a:normAutofit/>
+          </a:bodyPr>
+          <a:p>
+            <a:endParaRPr b="0" lang="en-US" sz="3200" spc="-1" strike="noStrike">
               <a:latin typeface="Arial"/>
             </a:endParaRPr>
           </a:p>
@@ -1315,19 +1316,19 @@
         </p:nvSpPr>
         <p:spPr>
           <a:xfrm>
-            <a:off x="6647400" y="6168240"/>
-            <a:ext cx="3073680" cy="1029960"/>
-          </a:xfrm>
-          <a:prstGeom prst="rect">
-            <a:avLst/>
-          </a:prstGeom>
-        </p:spPr>
-        <p:txBody>
-          <a:bodyPr lIns="0" rIns="0" tIns="0" bIns="0">
-            <a:normAutofit/>
-          </a:bodyPr>
-          <a:p>
-            <a:endParaRPr b="0" lang="en-US" sz="3190" spc="-1" strike="noStrike">
+            <a:off x="5152680" y="4058640"/>
+            <a:ext cx="4426920" cy="2090880"/>
+          </a:xfrm>
+          <a:prstGeom prst="rect">
+            <a:avLst/>
+          </a:prstGeom>
+        </p:spPr>
+        <p:txBody>
+          <a:bodyPr lIns="0" rIns="0" tIns="0" bIns="0">
+            <a:normAutofit/>
+          </a:bodyPr>
+          <a:p>
+            <a:endParaRPr b="0" lang="en-US" sz="3200" spc="-1" strike="noStrike">
               <a:latin typeface="Arial"/>
             </a:endParaRPr>
           </a:p>
@@ -1367,8 +1368,8 @@
         </p:nvSpPr>
         <p:spPr>
           <a:xfrm>
-            <a:off x="2699280" y="2699280"/>
-            <a:ext cx="4679280" cy="2159640"/>
+            <a:off x="504000" y="301320"/>
+            <a:ext cx="9072000" cy="1261800"/>
           </a:xfrm>
           <a:prstGeom prst="rect">
             <a:avLst/>
@@ -1398,19 +1399,19 @@
         </p:nvSpPr>
         <p:spPr>
           <a:xfrm>
-            <a:off x="3419640" y="5040000"/>
-            <a:ext cx="3073680" cy="1029960"/>
-          </a:xfrm>
-          <a:prstGeom prst="rect">
-            <a:avLst/>
-          </a:prstGeom>
-        </p:spPr>
-        <p:txBody>
-          <a:bodyPr lIns="0" rIns="0" tIns="0" bIns="0">
-            <a:normAutofit/>
-          </a:bodyPr>
-          <a:p>
-            <a:endParaRPr b="0" lang="en-US" sz="3190" spc="-1" strike="noStrike">
+            <a:off x="504000" y="1768680"/>
+            <a:ext cx="4426920" cy="2090880"/>
+          </a:xfrm>
+          <a:prstGeom prst="rect">
+            <a:avLst/>
+          </a:prstGeom>
+        </p:spPr>
+        <p:txBody>
+          <a:bodyPr lIns="0" rIns="0" tIns="0" bIns="0">
+            <a:normAutofit/>
+          </a:bodyPr>
+          <a:p>
+            <a:endParaRPr b="0" lang="en-US" sz="3200" spc="-1" strike="noStrike">
               <a:latin typeface="Arial"/>
             </a:endParaRPr>
           </a:p>
@@ -1428,19 +1429,19 @@
         </p:nvSpPr>
         <p:spPr>
           <a:xfrm>
-            <a:off x="6647400" y="5040000"/>
-            <a:ext cx="3073680" cy="1029960"/>
-          </a:xfrm>
-          <a:prstGeom prst="rect">
-            <a:avLst/>
-          </a:prstGeom>
-        </p:spPr>
-        <p:txBody>
-          <a:bodyPr lIns="0" rIns="0" tIns="0" bIns="0">
-            <a:normAutofit/>
-          </a:bodyPr>
-          <a:p>
-            <a:endParaRPr b="0" lang="en-US" sz="3190" spc="-1" strike="noStrike">
+            <a:off x="5152680" y="1768680"/>
+            <a:ext cx="4426920" cy="2090880"/>
+          </a:xfrm>
+          <a:prstGeom prst="rect">
+            <a:avLst/>
+          </a:prstGeom>
+        </p:spPr>
+        <p:txBody>
+          <a:bodyPr lIns="0" rIns="0" tIns="0" bIns="0">
+            <a:normAutofit/>
+          </a:bodyPr>
+          <a:p>
+            <a:endParaRPr b="0" lang="en-US" sz="3200" spc="-1" strike="noStrike">
               <a:latin typeface="Arial"/>
             </a:endParaRPr>
           </a:p>
@@ -1458,19 +1459,19 @@
         </p:nvSpPr>
         <p:spPr>
           <a:xfrm>
-            <a:off x="3419640" y="6168240"/>
-            <a:ext cx="6298920" cy="1029960"/>
-          </a:xfrm>
-          <a:prstGeom prst="rect">
-            <a:avLst/>
-          </a:prstGeom>
-        </p:spPr>
-        <p:txBody>
-          <a:bodyPr lIns="0" rIns="0" tIns="0" bIns="0">
-            <a:normAutofit/>
-          </a:bodyPr>
-          <a:p>
-            <a:endParaRPr b="0" lang="en-US" sz="3190" spc="-1" strike="noStrike">
+            <a:off x="504000" y="4058640"/>
+            <a:ext cx="9072000" cy="2090880"/>
+          </a:xfrm>
+          <a:prstGeom prst="rect">
+            <a:avLst/>
+          </a:prstGeom>
+        </p:spPr>
+        <p:txBody>
+          <a:bodyPr lIns="0" rIns="0" tIns="0" bIns="0">
+            <a:normAutofit/>
+          </a:bodyPr>
+          <a:p>
+            <a:endParaRPr b="0" lang="en-US" sz="3200" spc="-1" strike="noStrike">
               <a:latin typeface="Arial"/>
             </a:endParaRPr>
           </a:p>
@@ -1510,8 +1511,8 @@
         </p:nvSpPr>
         <p:spPr>
           <a:xfrm>
-            <a:off x="2699280" y="2699280"/>
-            <a:ext cx="4679280" cy="2159640"/>
+            <a:off x="504000" y="301320"/>
+            <a:ext cx="9072000" cy="1261800"/>
           </a:xfrm>
           <a:prstGeom prst="rect">
             <a:avLst/>
@@ -1541,19 +1542,19 @@
         </p:nvSpPr>
         <p:spPr>
           <a:xfrm>
-            <a:off x="3419640" y="5040000"/>
-            <a:ext cx="6298920" cy="1029960"/>
-          </a:xfrm>
-          <a:prstGeom prst="rect">
-            <a:avLst/>
-          </a:prstGeom>
-        </p:spPr>
-        <p:txBody>
-          <a:bodyPr lIns="0" rIns="0" tIns="0" bIns="0">
-            <a:normAutofit/>
-          </a:bodyPr>
-          <a:p>
-            <a:endParaRPr b="0" lang="en-US" sz="3190" spc="-1" strike="noStrike">
+            <a:off x="504000" y="1768680"/>
+            <a:ext cx="9072000" cy="2090880"/>
+          </a:xfrm>
+          <a:prstGeom prst="rect">
+            <a:avLst/>
+          </a:prstGeom>
+        </p:spPr>
+        <p:txBody>
+          <a:bodyPr lIns="0" rIns="0" tIns="0" bIns="0">
+            <a:normAutofit/>
+          </a:bodyPr>
+          <a:p>
+            <a:endParaRPr b="0" lang="en-US" sz="3200" spc="-1" strike="noStrike">
               <a:latin typeface="Arial"/>
             </a:endParaRPr>
           </a:p>
@@ -1571,19 +1572,19 @@
         </p:nvSpPr>
         <p:spPr>
           <a:xfrm>
-            <a:off x="3419640" y="6168240"/>
-            <a:ext cx="6298920" cy="1029960"/>
-          </a:xfrm>
-          <a:prstGeom prst="rect">
-            <a:avLst/>
-          </a:prstGeom>
-        </p:spPr>
-        <p:txBody>
-          <a:bodyPr lIns="0" rIns="0" tIns="0" bIns="0">
-            <a:normAutofit/>
-          </a:bodyPr>
-          <a:p>
-            <a:endParaRPr b="0" lang="en-US" sz="3190" spc="-1" strike="noStrike">
+            <a:off x="504000" y="4058640"/>
+            <a:ext cx="9072000" cy="2090880"/>
+          </a:xfrm>
+          <a:prstGeom prst="rect">
+            <a:avLst/>
+          </a:prstGeom>
+        </p:spPr>
+        <p:txBody>
+          <a:bodyPr lIns="0" rIns="0" tIns="0" bIns="0">
+            <a:normAutofit/>
+          </a:bodyPr>
+          <a:p>
+            <a:endParaRPr b="0" lang="en-US" sz="3200" spc="-1" strike="noStrike">
               <a:latin typeface="Arial"/>
             </a:endParaRPr>
           </a:p>
@@ -1623,8 +1624,8 @@
         </p:nvSpPr>
         <p:spPr>
           <a:xfrm>
-            <a:off x="2699280" y="2699280"/>
-            <a:ext cx="4679280" cy="2159640"/>
+            <a:off x="504000" y="301320"/>
+            <a:ext cx="9072000" cy="1261800"/>
           </a:xfrm>
           <a:prstGeom prst="rect">
             <a:avLst/>
@@ -1654,19 +1655,19 @@
         </p:nvSpPr>
         <p:spPr>
           <a:xfrm>
-            <a:off x="3419640" y="5040000"/>
-            <a:ext cx="3073680" cy="1029960"/>
-          </a:xfrm>
-          <a:prstGeom prst="rect">
-            <a:avLst/>
-          </a:prstGeom>
-        </p:spPr>
-        <p:txBody>
-          <a:bodyPr lIns="0" rIns="0" tIns="0" bIns="0">
-            <a:normAutofit/>
-          </a:bodyPr>
-          <a:p>
-            <a:endParaRPr b="0" lang="en-US" sz="3190" spc="-1" strike="noStrike">
+            <a:off x="504000" y="1768680"/>
+            <a:ext cx="4426920" cy="2090880"/>
+          </a:xfrm>
+          <a:prstGeom prst="rect">
+            <a:avLst/>
+          </a:prstGeom>
+        </p:spPr>
+        <p:txBody>
+          <a:bodyPr lIns="0" rIns="0" tIns="0" bIns="0">
+            <a:normAutofit/>
+          </a:bodyPr>
+          <a:p>
+            <a:endParaRPr b="0" lang="en-US" sz="3200" spc="-1" strike="noStrike">
               <a:latin typeface="Arial"/>
             </a:endParaRPr>
           </a:p>
@@ -1684,19 +1685,19 @@
         </p:nvSpPr>
         <p:spPr>
           <a:xfrm>
-            <a:off x="6647400" y="5040000"/>
-            <a:ext cx="3073680" cy="1029960"/>
-          </a:xfrm>
-          <a:prstGeom prst="rect">
-            <a:avLst/>
-          </a:prstGeom>
-        </p:spPr>
-        <p:txBody>
-          <a:bodyPr lIns="0" rIns="0" tIns="0" bIns="0">
-            <a:normAutofit/>
-          </a:bodyPr>
-          <a:p>
-            <a:endParaRPr b="0" lang="en-US" sz="3190" spc="-1" strike="noStrike">
+            <a:off x="5152680" y="1768680"/>
+            <a:ext cx="4426920" cy="2090880"/>
+          </a:xfrm>
+          <a:prstGeom prst="rect">
+            <a:avLst/>
+          </a:prstGeom>
+        </p:spPr>
+        <p:txBody>
+          <a:bodyPr lIns="0" rIns="0" tIns="0" bIns="0">
+            <a:normAutofit/>
+          </a:bodyPr>
+          <a:p>
+            <a:endParaRPr b="0" lang="en-US" sz="3200" spc="-1" strike="noStrike">
               <a:latin typeface="Arial"/>
             </a:endParaRPr>
           </a:p>
@@ -1714,19 +1715,19 @@
         </p:nvSpPr>
         <p:spPr>
           <a:xfrm>
-            <a:off x="3419640" y="6168240"/>
-            <a:ext cx="3073680" cy="1029960"/>
-          </a:xfrm>
-          <a:prstGeom prst="rect">
-            <a:avLst/>
-          </a:prstGeom>
-        </p:spPr>
-        <p:txBody>
-          <a:bodyPr lIns="0" rIns="0" tIns="0" bIns="0">
-            <a:normAutofit/>
-          </a:bodyPr>
-          <a:p>
-            <a:endParaRPr b="0" lang="en-US" sz="3190" spc="-1" strike="noStrike">
+            <a:off x="504000" y="4058640"/>
+            <a:ext cx="4426920" cy="2090880"/>
+          </a:xfrm>
+          <a:prstGeom prst="rect">
+            <a:avLst/>
+          </a:prstGeom>
+        </p:spPr>
+        <p:txBody>
+          <a:bodyPr lIns="0" rIns="0" tIns="0" bIns="0">
+            <a:normAutofit/>
+          </a:bodyPr>
+          <a:p>
+            <a:endParaRPr b="0" lang="en-US" sz="3200" spc="-1" strike="noStrike">
               <a:latin typeface="Arial"/>
             </a:endParaRPr>
           </a:p>
@@ -1744,19 +1745,19 @@
         </p:nvSpPr>
         <p:spPr>
           <a:xfrm>
-            <a:off x="6647400" y="6168240"/>
-            <a:ext cx="3073680" cy="1029960"/>
-          </a:xfrm>
-          <a:prstGeom prst="rect">
-            <a:avLst/>
-          </a:prstGeom>
-        </p:spPr>
-        <p:txBody>
-          <a:bodyPr lIns="0" rIns="0" tIns="0" bIns="0">
-            <a:normAutofit/>
-          </a:bodyPr>
-          <a:p>
-            <a:endParaRPr b="0" lang="en-US" sz="3190" spc="-1" strike="noStrike">
+            <a:off x="5152680" y="4058640"/>
+            <a:ext cx="4426920" cy="2090880"/>
+          </a:xfrm>
+          <a:prstGeom prst="rect">
+            <a:avLst/>
+          </a:prstGeom>
+        </p:spPr>
+        <p:txBody>
+          <a:bodyPr lIns="0" rIns="0" tIns="0" bIns="0">
+            <a:normAutofit/>
+          </a:bodyPr>
+          <a:p>
+            <a:endParaRPr b="0" lang="en-US" sz="3200" spc="-1" strike="noStrike">
               <a:latin typeface="Arial"/>
             </a:endParaRPr>
           </a:p>
@@ -1796,8 +1797,8 @@
         </p:nvSpPr>
         <p:spPr>
           <a:xfrm>
-            <a:off x="2699280" y="2699280"/>
-            <a:ext cx="4679280" cy="2159640"/>
+            <a:off x="504000" y="301320"/>
+            <a:ext cx="9072000" cy="1261800"/>
           </a:xfrm>
           <a:prstGeom prst="rect">
             <a:avLst/>
@@ -1827,19 +1828,19 @@
         </p:nvSpPr>
         <p:spPr>
           <a:xfrm>
-            <a:off x="3419640" y="5040000"/>
-            <a:ext cx="2027880" cy="1029960"/>
-          </a:xfrm>
-          <a:prstGeom prst="rect">
-            <a:avLst/>
-          </a:prstGeom>
-        </p:spPr>
-        <p:txBody>
-          <a:bodyPr lIns="0" rIns="0" tIns="0" bIns="0">
-            <a:normAutofit/>
-          </a:bodyPr>
-          <a:p>
-            <a:endParaRPr b="0" lang="en-US" sz="3190" spc="-1" strike="noStrike">
+            <a:off x="504000" y="1768680"/>
+            <a:ext cx="2921040" cy="2090880"/>
+          </a:xfrm>
+          <a:prstGeom prst="rect">
+            <a:avLst/>
+          </a:prstGeom>
+        </p:spPr>
+        <p:txBody>
+          <a:bodyPr lIns="0" rIns="0" tIns="0" bIns="0">
+            <a:normAutofit/>
+          </a:bodyPr>
+          <a:p>
+            <a:endParaRPr b="0" lang="en-US" sz="3200" spc="-1" strike="noStrike">
               <a:latin typeface="Arial"/>
             </a:endParaRPr>
           </a:p>
@@ -1857,19 +1858,19 @@
         </p:nvSpPr>
         <p:spPr>
           <a:xfrm>
-            <a:off x="5549400" y="5040000"/>
-            <a:ext cx="2027880" cy="1029960"/>
-          </a:xfrm>
-          <a:prstGeom prst="rect">
-            <a:avLst/>
-          </a:prstGeom>
-        </p:spPr>
-        <p:txBody>
-          <a:bodyPr lIns="0" rIns="0" tIns="0" bIns="0">
-            <a:normAutofit/>
-          </a:bodyPr>
-          <a:p>
-            <a:endParaRPr b="0" lang="en-US" sz="3190" spc="-1" strike="noStrike">
+            <a:off x="3571560" y="1768680"/>
+            <a:ext cx="2921040" cy="2090880"/>
+          </a:xfrm>
+          <a:prstGeom prst="rect">
+            <a:avLst/>
+          </a:prstGeom>
+        </p:spPr>
+        <p:txBody>
+          <a:bodyPr lIns="0" rIns="0" tIns="0" bIns="0">
+            <a:normAutofit/>
+          </a:bodyPr>
+          <a:p>
+            <a:endParaRPr b="0" lang="en-US" sz="3200" spc="-1" strike="noStrike">
               <a:latin typeface="Arial"/>
             </a:endParaRPr>
           </a:p>
@@ -1887,19 +1888,19 @@
         </p:nvSpPr>
         <p:spPr>
           <a:xfrm>
-            <a:off x="7678800" y="5040000"/>
-            <a:ext cx="2027880" cy="1029960"/>
-          </a:xfrm>
-          <a:prstGeom prst="rect">
-            <a:avLst/>
-          </a:prstGeom>
-        </p:spPr>
-        <p:txBody>
-          <a:bodyPr lIns="0" rIns="0" tIns="0" bIns="0">
-            <a:normAutofit/>
-          </a:bodyPr>
-          <a:p>
-            <a:endParaRPr b="0" lang="en-US" sz="3190" spc="-1" strike="noStrike">
+            <a:off x="6639120" y="1768680"/>
+            <a:ext cx="2921040" cy="2090880"/>
+          </a:xfrm>
+          <a:prstGeom prst="rect">
+            <a:avLst/>
+          </a:prstGeom>
+        </p:spPr>
+        <p:txBody>
+          <a:bodyPr lIns="0" rIns="0" tIns="0" bIns="0">
+            <a:normAutofit/>
+          </a:bodyPr>
+          <a:p>
+            <a:endParaRPr b="0" lang="en-US" sz="3200" spc="-1" strike="noStrike">
               <a:latin typeface="Arial"/>
             </a:endParaRPr>
           </a:p>
@@ -1917,19 +1918,19 @@
         </p:nvSpPr>
         <p:spPr>
           <a:xfrm>
-            <a:off x="3419640" y="6168240"/>
-            <a:ext cx="2027880" cy="1029960"/>
-          </a:xfrm>
-          <a:prstGeom prst="rect">
-            <a:avLst/>
-          </a:prstGeom>
-        </p:spPr>
-        <p:txBody>
-          <a:bodyPr lIns="0" rIns="0" tIns="0" bIns="0">
-            <a:normAutofit/>
-          </a:bodyPr>
-          <a:p>
-            <a:endParaRPr b="0" lang="en-US" sz="3190" spc="-1" strike="noStrike">
+            <a:off x="504000" y="4058640"/>
+            <a:ext cx="2921040" cy="2090880"/>
+          </a:xfrm>
+          <a:prstGeom prst="rect">
+            <a:avLst/>
+          </a:prstGeom>
+        </p:spPr>
+        <p:txBody>
+          <a:bodyPr lIns="0" rIns="0" tIns="0" bIns="0">
+            <a:normAutofit/>
+          </a:bodyPr>
+          <a:p>
+            <a:endParaRPr b="0" lang="en-US" sz="3200" spc="-1" strike="noStrike">
               <a:latin typeface="Arial"/>
             </a:endParaRPr>
           </a:p>
@@ -1947,19 +1948,19 @@
         </p:nvSpPr>
         <p:spPr>
           <a:xfrm>
-            <a:off x="5549400" y="6168240"/>
-            <a:ext cx="2027880" cy="1029960"/>
-          </a:xfrm>
-          <a:prstGeom prst="rect">
-            <a:avLst/>
-          </a:prstGeom>
-        </p:spPr>
-        <p:txBody>
-          <a:bodyPr lIns="0" rIns="0" tIns="0" bIns="0">
-            <a:normAutofit/>
-          </a:bodyPr>
-          <a:p>
-            <a:endParaRPr b="0" lang="en-US" sz="3190" spc="-1" strike="noStrike">
+            <a:off x="3571560" y="4058640"/>
+            <a:ext cx="2921040" cy="2090880"/>
+          </a:xfrm>
+          <a:prstGeom prst="rect">
+            <a:avLst/>
+          </a:prstGeom>
+        </p:spPr>
+        <p:txBody>
+          <a:bodyPr lIns="0" rIns="0" tIns="0" bIns="0">
+            <a:normAutofit/>
+          </a:bodyPr>
+          <a:p>
+            <a:endParaRPr b="0" lang="en-US" sz="3200" spc="-1" strike="noStrike">
               <a:latin typeface="Arial"/>
             </a:endParaRPr>
           </a:p>
@@ -1977,19 +1978,19 @@
         </p:nvSpPr>
         <p:spPr>
           <a:xfrm>
-            <a:off x="7678800" y="6168240"/>
-            <a:ext cx="2027880" cy="1029960"/>
-          </a:xfrm>
-          <a:prstGeom prst="rect">
-            <a:avLst/>
-          </a:prstGeom>
-        </p:spPr>
-        <p:txBody>
-          <a:bodyPr lIns="0" rIns="0" tIns="0" bIns="0">
-            <a:normAutofit/>
-          </a:bodyPr>
-          <a:p>
-            <a:endParaRPr b="0" lang="en-US" sz="3190" spc="-1" strike="noStrike">
+            <a:off x="6639120" y="4058640"/>
+            <a:ext cx="2921040" cy="2090880"/>
+          </a:xfrm>
+          <a:prstGeom prst="rect">
+            <a:avLst/>
+          </a:prstGeom>
+        </p:spPr>
+        <p:txBody>
+          <a:bodyPr lIns="0" rIns="0" tIns="0" bIns="0">
+            <a:normAutofit/>
+          </a:bodyPr>
+          <a:p>
+            <a:endParaRPr b="0" lang="en-US" sz="3200" spc="-1" strike="noStrike">
               <a:latin typeface="Arial"/>
             </a:endParaRPr>
           </a:p>
@@ -2051,8 +2052,8 @@
         </p:nvSpPr>
         <p:spPr>
           <a:xfrm>
-            <a:off x="2699280" y="2699280"/>
-            <a:ext cx="4679280" cy="2159640"/>
+            <a:off x="504000" y="301320"/>
+            <a:ext cx="9072000" cy="1261800"/>
           </a:xfrm>
           <a:prstGeom prst="rect">
             <a:avLst/>
@@ -2082,8 +2083,8 @@
         </p:nvSpPr>
         <p:spPr>
           <a:xfrm>
-            <a:off x="3419640" y="5040000"/>
-            <a:ext cx="6298920" cy="2159640"/>
+            <a:off x="504000" y="1768680"/>
+            <a:ext cx="9072000" cy="4384080"/>
           </a:xfrm>
           <a:prstGeom prst="rect">
             <a:avLst/>
@@ -2135,8 +2136,8 @@
         </p:nvSpPr>
         <p:spPr>
           <a:xfrm>
-            <a:off x="2699280" y="2699280"/>
-            <a:ext cx="4679280" cy="2159640"/>
+            <a:off x="504000" y="301320"/>
+            <a:ext cx="9072000" cy="1261800"/>
           </a:xfrm>
           <a:prstGeom prst="rect">
             <a:avLst/>
@@ -2166,19 +2167,19 @@
         </p:nvSpPr>
         <p:spPr>
           <a:xfrm>
-            <a:off x="3419640" y="5040000"/>
-            <a:ext cx="6298920" cy="2159640"/>
-          </a:xfrm>
-          <a:prstGeom prst="rect">
-            <a:avLst/>
-          </a:prstGeom>
-        </p:spPr>
-        <p:txBody>
-          <a:bodyPr lIns="0" rIns="0" tIns="0" bIns="0">
-            <a:normAutofit/>
-          </a:bodyPr>
-          <a:p>
-            <a:endParaRPr b="0" lang="en-US" sz="3190" spc="-1" strike="noStrike">
+            <a:off x="504000" y="1768680"/>
+            <a:ext cx="9072000" cy="4384080"/>
+          </a:xfrm>
+          <a:prstGeom prst="rect">
+            <a:avLst/>
+          </a:prstGeom>
+        </p:spPr>
+        <p:txBody>
+          <a:bodyPr lIns="0" rIns="0" tIns="0" bIns="0">
+            <a:normAutofit/>
+          </a:bodyPr>
+          <a:p>
+            <a:endParaRPr b="0" lang="en-US" sz="3200" spc="-1" strike="noStrike">
               <a:latin typeface="Arial"/>
             </a:endParaRPr>
           </a:p>
@@ -2218,8 +2219,8 @@
         </p:nvSpPr>
         <p:spPr>
           <a:xfrm>
-            <a:off x="2699280" y="2699280"/>
-            <a:ext cx="4679280" cy="2159640"/>
+            <a:off x="504000" y="301320"/>
+            <a:ext cx="9072000" cy="1261800"/>
           </a:xfrm>
           <a:prstGeom prst="rect">
             <a:avLst/>
@@ -2249,19 +2250,19 @@
         </p:nvSpPr>
         <p:spPr>
           <a:xfrm>
-            <a:off x="3419640" y="5040000"/>
-            <a:ext cx="3073680" cy="2159640"/>
-          </a:xfrm>
-          <a:prstGeom prst="rect">
-            <a:avLst/>
-          </a:prstGeom>
-        </p:spPr>
-        <p:txBody>
-          <a:bodyPr lIns="0" rIns="0" tIns="0" bIns="0">
-            <a:normAutofit/>
-          </a:bodyPr>
-          <a:p>
-            <a:endParaRPr b="0" lang="en-US" sz="3190" spc="-1" strike="noStrike">
+            <a:off x="504000" y="1768680"/>
+            <a:ext cx="4426920" cy="4384080"/>
+          </a:xfrm>
+          <a:prstGeom prst="rect">
+            <a:avLst/>
+          </a:prstGeom>
+        </p:spPr>
+        <p:txBody>
+          <a:bodyPr lIns="0" rIns="0" tIns="0" bIns="0">
+            <a:normAutofit/>
+          </a:bodyPr>
+          <a:p>
+            <a:endParaRPr b="0" lang="en-US" sz="3200" spc="-1" strike="noStrike">
               <a:latin typeface="Arial"/>
             </a:endParaRPr>
           </a:p>
@@ -2279,19 +2280,19 @@
         </p:nvSpPr>
         <p:spPr>
           <a:xfrm>
-            <a:off x="6647400" y="5040000"/>
-            <a:ext cx="3073680" cy="2159640"/>
-          </a:xfrm>
-          <a:prstGeom prst="rect">
-            <a:avLst/>
-          </a:prstGeom>
-        </p:spPr>
-        <p:txBody>
-          <a:bodyPr lIns="0" rIns="0" tIns="0" bIns="0">
-            <a:normAutofit/>
-          </a:bodyPr>
-          <a:p>
-            <a:endParaRPr b="0" lang="en-US" sz="3190" spc="-1" strike="noStrike">
+            <a:off x="5152680" y="1768680"/>
+            <a:ext cx="4426920" cy="4384080"/>
+          </a:xfrm>
+          <a:prstGeom prst="rect">
+            <a:avLst/>
+          </a:prstGeom>
+        </p:spPr>
+        <p:txBody>
+          <a:bodyPr lIns="0" rIns="0" tIns="0" bIns="0">
+            <a:normAutofit/>
+          </a:bodyPr>
+          <a:p>
+            <a:endParaRPr b="0" lang="en-US" sz="3200" spc="-1" strike="noStrike">
               <a:latin typeface="Arial"/>
             </a:endParaRPr>
           </a:p>
@@ -2331,8 +2332,8 @@
         </p:nvSpPr>
         <p:spPr>
           <a:xfrm>
-            <a:off x="2699280" y="2699280"/>
-            <a:ext cx="4679280" cy="2159640"/>
+            <a:off x="504000" y="301320"/>
+            <a:ext cx="9072000" cy="1261800"/>
           </a:xfrm>
           <a:prstGeom prst="rect">
             <a:avLst/>
@@ -2384,8 +2385,8 @@
         </p:nvSpPr>
         <p:spPr>
           <a:xfrm>
-            <a:off x="2699280" y="2699280"/>
-            <a:ext cx="4679280" cy="2159640"/>
+            <a:off x="504000" y="301320"/>
+            <a:ext cx="9072000" cy="1261800"/>
           </a:xfrm>
           <a:prstGeom prst="rect">
             <a:avLst/>
@@ -2415,19 +2416,19 @@
         </p:nvSpPr>
         <p:spPr>
           <a:xfrm>
-            <a:off x="3419640" y="5040000"/>
-            <a:ext cx="6298920" cy="2159640"/>
-          </a:xfrm>
-          <a:prstGeom prst="rect">
-            <a:avLst/>
-          </a:prstGeom>
-        </p:spPr>
-        <p:txBody>
-          <a:bodyPr lIns="0" rIns="0" tIns="0" bIns="0">
-            <a:normAutofit/>
-          </a:bodyPr>
-          <a:p>
-            <a:endParaRPr b="0" lang="en-US" sz="3190" spc="-1" strike="noStrike">
+            <a:off x="504000" y="1768680"/>
+            <a:ext cx="9072000" cy="4384080"/>
+          </a:xfrm>
+          <a:prstGeom prst="rect">
+            <a:avLst/>
+          </a:prstGeom>
+        </p:spPr>
+        <p:txBody>
+          <a:bodyPr lIns="0" rIns="0" tIns="0" bIns="0">
+            <a:normAutofit/>
+          </a:bodyPr>
+          <a:p>
+            <a:endParaRPr b="0" lang="en-US" sz="3200" spc="-1" strike="noStrike">
               <a:latin typeface="Arial"/>
             </a:endParaRPr>
           </a:p>
@@ -2467,8 +2468,8 @@
         </p:nvSpPr>
         <p:spPr>
           <a:xfrm>
-            <a:off x="2699280" y="2699280"/>
-            <a:ext cx="4679280" cy="10011960"/>
+            <a:off x="504000" y="301320"/>
+            <a:ext cx="9072000" cy="5850360"/>
           </a:xfrm>
           <a:prstGeom prst="rect">
             <a:avLst/>
@@ -2520,8 +2521,8 @@
         </p:nvSpPr>
         <p:spPr>
           <a:xfrm>
-            <a:off x="2699280" y="2699280"/>
-            <a:ext cx="4679280" cy="2159640"/>
+            <a:off x="504000" y="301320"/>
+            <a:ext cx="9072000" cy="1261800"/>
           </a:xfrm>
           <a:prstGeom prst="rect">
             <a:avLst/>
@@ -2551,19 +2552,19 @@
         </p:nvSpPr>
         <p:spPr>
           <a:xfrm>
-            <a:off x="3419640" y="5040000"/>
-            <a:ext cx="3073680" cy="1029960"/>
-          </a:xfrm>
-          <a:prstGeom prst="rect">
-            <a:avLst/>
-          </a:prstGeom>
-        </p:spPr>
-        <p:txBody>
-          <a:bodyPr lIns="0" rIns="0" tIns="0" bIns="0">
-            <a:normAutofit/>
-          </a:bodyPr>
-          <a:p>
-            <a:endParaRPr b="0" lang="en-US" sz="3190" spc="-1" strike="noStrike">
+            <a:off x="504000" y="1768680"/>
+            <a:ext cx="4426920" cy="2090880"/>
+          </a:xfrm>
+          <a:prstGeom prst="rect">
+            <a:avLst/>
+          </a:prstGeom>
+        </p:spPr>
+        <p:txBody>
+          <a:bodyPr lIns="0" rIns="0" tIns="0" bIns="0">
+            <a:normAutofit/>
+          </a:bodyPr>
+          <a:p>
+            <a:endParaRPr b="0" lang="en-US" sz="3200" spc="-1" strike="noStrike">
               <a:latin typeface="Arial"/>
             </a:endParaRPr>
           </a:p>
@@ -2581,19 +2582,19 @@
         </p:nvSpPr>
         <p:spPr>
           <a:xfrm>
-            <a:off x="6647400" y="5040000"/>
-            <a:ext cx="3073680" cy="2159640"/>
-          </a:xfrm>
-          <a:prstGeom prst="rect">
-            <a:avLst/>
-          </a:prstGeom>
-        </p:spPr>
-        <p:txBody>
-          <a:bodyPr lIns="0" rIns="0" tIns="0" bIns="0">
-            <a:normAutofit/>
-          </a:bodyPr>
-          <a:p>
-            <a:endParaRPr b="0" lang="en-US" sz="3190" spc="-1" strike="noStrike">
+            <a:off x="5152680" y="1768680"/>
+            <a:ext cx="4426920" cy="4384080"/>
+          </a:xfrm>
+          <a:prstGeom prst="rect">
+            <a:avLst/>
+          </a:prstGeom>
+        </p:spPr>
+        <p:txBody>
+          <a:bodyPr lIns="0" rIns="0" tIns="0" bIns="0">
+            <a:normAutofit/>
+          </a:bodyPr>
+          <a:p>
+            <a:endParaRPr b="0" lang="en-US" sz="3200" spc="-1" strike="noStrike">
               <a:latin typeface="Arial"/>
             </a:endParaRPr>
           </a:p>
@@ -2611,19 +2612,19 @@
         </p:nvSpPr>
         <p:spPr>
           <a:xfrm>
-            <a:off x="3419640" y="6168240"/>
-            <a:ext cx="3073680" cy="1029960"/>
-          </a:xfrm>
-          <a:prstGeom prst="rect">
-            <a:avLst/>
-          </a:prstGeom>
-        </p:spPr>
-        <p:txBody>
-          <a:bodyPr lIns="0" rIns="0" tIns="0" bIns="0">
-            <a:normAutofit/>
-          </a:bodyPr>
-          <a:p>
-            <a:endParaRPr b="0" lang="en-US" sz="3190" spc="-1" strike="noStrike">
+            <a:off x="504000" y="4058640"/>
+            <a:ext cx="4426920" cy="2090880"/>
+          </a:xfrm>
+          <a:prstGeom prst="rect">
+            <a:avLst/>
+          </a:prstGeom>
+        </p:spPr>
+        <p:txBody>
+          <a:bodyPr lIns="0" rIns="0" tIns="0" bIns="0">
+            <a:normAutofit/>
+          </a:bodyPr>
+          <a:p>
+            <a:endParaRPr b="0" lang="en-US" sz="3200" spc="-1" strike="noStrike">
               <a:latin typeface="Arial"/>
             </a:endParaRPr>
           </a:p>
@@ -2663,8 +2664,8 @@
         </p:nvSpPr>
         <p:spPr>
           <a:xfrm>
-            <a:off x="2699280" y="2699280"/>
-            <a:ext cx="4679280" cy="2159640"/>
+            <a:off x="504000" y="301320"/>
+            <a:ext cx="9072000" cy="1261800"/>
           </a:xfrm>
           <a:prstGeom prst="rect">
             <a:avLst/>
@@ -2694,19 +2695,19 @@
         </p:nvSpPr>
         <p:spPr>
           <a:xfrm>
-            <a:off x="3419640" y="5040000"/>
-            <a:ext cx="3073680" cy="2159640"/>
-          </a:xfrm>
-          <a:prstGeom prst="rect">
-            <a:avLst/>
-          </a:prstGeom>
-        </p:spPr>
-        <p:txBody>
-          <a:bodyPr lIns="0" rIns="0" tIns="0" bIns="0">
-            <a:normAutofit/>
-          </a:bodyPr>
-          <a:p>
-            <a:endParaRPr b="0" lang="en-US" sz="3190" spc="-1" strike="noStrike">
+            <a:off x="504000" y="1768680"/>
+            <a:ext cx="4426920" cy="4384080"/>
+          </a:xfrm>
+          <a:prstGeom prst="rect">
+            <a:avLst/>
+          </a:prstGeom>
+        </p:spPr>
+        <p:txBody>
+          <a:bodyPr lIns="0" rIns="0" tIns="0" bIns="0">
+            <a:normAutofit/>
+          </a:bodyPr>
+          <a:p>
+            <a:endParaRPr b="0" lang="en-US" sz="3200" spc="-1" strike="noStrike">
               <a:latin typeface="Arial"/>
             </a:endParaRPr>
           </a:p>
@@ -2724,19 +2725,19 @@
         </p:nvSpPr>
         <p:spPr>
           <a:xfrm>
-            <a:off x="6647400" y="5040000"/>
-            <a:ext cx="3073680" cy="1029960"/>
-          </a:xfrm>
-          <a:prstGeom prst="rect">
-            <a:avLst/>
-          </a:prstGeom>
-        </p:spPr>
-        <p:txBody>
-          <a:bodyPr lIns="0" rIns="0" tIns="0" bIns="0">
-            <a:normAutofit/>
-          </a:bodyPr>
-          <a:p>
-            <a:endParaRPr b="0" lang="en-US" sz="3190" spc="-1" strike="noStrike">
+            <a:off x="5152680" y="1768680"/>
+            <a:ext cx="4426920" cy="2090880"/>
+          </a:xfrm>
+          <a:prstGeom prst="rect">
+            <a:avLst/>
+          </a:prstGeom>
+        </p:spPr>
+        <p:txBody>
+          <a:bodyPr lIns="0" rIns="0" tIns="0" bIns="0">
+            <a:normAutofit/>
+          </a:bodyPr>
+          <a:p>
+            <a:endParaRPr b="0" lang="en-US" sz="3200" spc="-1" strike="noStrike">
               <a:latin typeface="Arial"/>
             </a:endParaRPr>
           </a:p>
@@ -2754,19 +2755,19 @@
         </p:nvSpPr>
         <p:spPr>
           <a:xfrm>
-            <a:off x="6647400" y="6168240"/>
-            <a:ext cx="3073680" cy="1029960"/>
-          </a:xfrm>
-          <a:prstGeom prst="rect">
-            <a:avLst/>
-          </a:prstGeom>
-        </p:spPr>
-        <p:txBody>
-          <a:bodyPr lIns="0" rIns="0" tIns="0" bIns="0">
-            <a:normAutofit/>
-          </a:bodyPr>
-          <a:p>
-            <a:endParaRPr b="0" lang="en-US" sz="3190" spc="-1" strike="noStrike">
+            <a:off x="5152680" y="4058640"/>
+            <a:ext cx="4426920" cy="2090880"/>
+          </a:xfrm>
+          <a:prstGeom prst="rect">
+            <a:avLst/>
+          </a:prstGeom>
+        </p:spPr>
+        <p:txBody>
+          <a:bodyPr lIns="0" rIns="0" tIns="0" bIns="0">
+            <a:normAutofit/>
+          </a:bodyPr>
+          <a:p>
+            <a:endParaRPr b="0" lang="en-US" sz="3200" spc="-1" strike="noStrike">
               <a:latin typeface="Arial"/>
             </a:endParaRPr>
           </a:p>
@@ -2806,8 +2807,8 @@
         </p:nvSpPr>
         <p:spPr>
           <a:xfrm>
-            <a:off x="2699280" y="2699280"/>
-            <a:ext cx="4679280" cy="2159640"/>
+            <a:off x="504000" y="301320"/>
+            <a:ext cx="9072000" cy="1261800"/>
           </a:xfrm>
           <a:prstGeom prst="rect">
             <a:avLst/>
@@ -2837,19 +2838,19 @@
         </p:nvSpPr>
         <p:spPr>
           <a:xfrm>
-            <a:off x="3419640" y="5040000"/>
-            <a:ext cx="3073680" cy="1029960"/>
-          </a:xfrm>
-          <a:prstGeom prst="rect">
-            <a:avLst/>
-          </a:prstGeom>
-        </p:spPr>
-        <p:txBody>
-          <a:bodyPr lIns="0" rIns="0" tIns="0" bIns="0">
-            <a:normAutofit/>
-          </a:bodyPr>
-          <a:p>
-            <a:endParaRPr b="0" lang="en-US" sz="3190" spc="-1" strike="noStrike">
+            <a:off x="504000" y="1768680"/>
+            <a:ext cx="4426920" cy="2090880"/>
+          </a:xfrm>
+          <a:prstGeom prst="rect">
+            <a:avLst/>
+          </a:prstGeom>
+        </p:spPr>
+        <p:txBody>
+          <a:bodyPr lIns="0" rIns="0" tIns="0" bIns="0">
+            <a:normAutofit/>
+          </a:bodyPr>
+          <a:p>
+            <a:endParaRPr b="0" lang="en-US" sz="3200" spc="-1" strike="noStrike">
               <a:latin typeface="Arial"/>
             </a:endParaRPr>
           </a:p>
@@ -2867,19 +2868,19 @@
         </p:nvSpPr>
         <p:spPr>
           <a:xfrm>
-            <a:off x="6647400" y="5040000"/>
-            <a:ext cx="3073680" cy="1029960"/>
-          </a:xfrm>
-          <a:prstGeom prst="rect">
-            <a:avLst/>
-          </a:prstGeom>
-        </p:spPr>
-        <p:txBody>
-          <a:bodyPr lIns="0" rIns="0" tIns="0" bIns="0">
-            <a:normAutofit/>
-          </a:bodyPr>
-          <a:p>
-            <a:endParaRPr b="0" lang="en-US" sz="3190" spc="-1" strike="noStrike">
+            <a:off x="5152680" y="1768680"/>
+            <a:ext cx="4426920" cy="2090880"/>
+          </a:xfrm>
+          <a:prstGeom prst="rect">
+            <a:avLst/>
+          </a:prstGeom>
+        </p:spPr>
+        <p:txBody>
+          <a:bodyPr lIns="0" rIns="0" tIns="0" bIns="0">
+            <a:normAutofit/>
+          </a:bodyPr>
+          <a:p>
+            <a:endParaRPr b="0" lang="en-US" sz="3200" spc="-1" strike="noStrike">
               <a:latin typeface="Arial"/>
             </a:endParaRPr>
           </a:p>
@@ -2897,19 +2898,19 @@
         </p:nvSpPr>
         <p:spPr>
           <a:xfrm>
-            <a:off x="3419640" y="6168240"/>
-            <a:ext cx="6298920" cy="1029960"/>
-          </a:xfrm>
-          <a:prstGeom prst="rect">
-            <a:avLst/>
-          </a:prstGeom>
-        </p:spPr>
-        <p:txBody>
-          <a:bodyPr lIns="0" rIns="0" tIns="0" bIns="0">
-            <a:normAutofit/>
-          </a:bodyPr>
-          <a:p>
-            <a:endParaRPr b="0" lang="en-US" sz="3190" spc="-1" strike="noStrike">
+            <a:off x="504000" y="4058640"/>
+            <a:ext cx="9072000" cy="2090880"/>
+          </a:xfrm>
+          <a:prstGeom prst="rect">
+            <a:avLst/>
+          </a:prstGeom>
+        </p:spPr>
+        <p:txBody>
+          <a:bodyPr lIns="0" rIns="0" tIns="0" bIns="0">
+            <a:normAutofit/>
+          </a:bodyPr>
+          <a:p>
+            <a:endParaRPr b="0" lang="en-US" sz="3200" spc="-1" strike="noStrike">
               <a:latin typeface="Arial"/>
             </a:endParaRPr>
           </a:p>
@@ -2949,8 +2950,8 @@
         </p:nvSpPr>
         <p:spPr>
           <a:xfrm>
-            <a:off x="2699280" y="2699280"/>
-            <a:ext cx="4679280" cy="2159640"/>
+            <a:off x="504000" y="301320"/>
+            <a:ext cx="9072000" cy="1261800"/>
           </a:xfrm>
           <a:prstGeom prst="rect">
             <a:avLst/>
@@ -2980,19 +2981,19 @@
         </p:nvSpPr>
         <p:spPr>
           <a:xfrm>
-            <a:off x="3419640" y="5040000"/>
-            <a:ext cx="6298920" cy="1029960"/>
-          </a:xfrm>
-          <a:prstGeom prst="rect">
-            <a:avLst/>
-          </a:prstGeom>
-        </p:spPr>
-        <p:txBody>
-          <a:bodyPr lIns="0" rIns="0" tIns="0" bIns="0">
-            <a:normAutofit/>
-          </a:bodyPr>
-          <a:p>
-            <a:endParaRPr b="0" lang="en-US" sz="3190" spc="-1" strike="noStrike">
+            <a:off x="504000" y="1768680"/>
+            <a:ext cx="9072000" cy="2090880"/>
+          </a:xfrm>
+          <a:prstGeom prst="rect">
+            <a:avLst/>
+          </a:prstGeom>
+        </p:spPr>
+        <p:txBody>
+          <a:bodyPr lIns="0" rIns="0" tIns="0" bIns="0">
+            <a:normAutofit/>
+          </a:bodyPr>
+          <a:p>
+            <a:endParaRPr b="0" lang="en-US" sz="3200" spc="-1" strike="noStrike">
               <a:latin typeface="Arial"/>
             </a:endParaRPr>
           </a:p>
@@ -3010,19 +3011,19 @@
         </p:nvSpPr>
         <p:spPr>
           <a:xfrm>
-            <a:off x="3419640" y="6168240"/>
-            <a:ext cx="6298920" cy="1029960"/>
-          </a:xfrm>
-          <a:prstGeom prst="rect">
-            <a:avLst/>
-          </a:prstGeom>
-        </p:spPr>
-        <p:txBody>
-          <a:bodyPr lIns="0" rIns="0" tIns="0" bIns="0">
-            <a:normAutofit/>
-          </a:bodyPr>
-          <a:p>
-            <a:endParaRPr b="0" lang="en-US" sz="3190" spc="-1" strike="noStrike">
+            <a:off x="504000" y="4058640"/>
+            <a:ext cx="9072000" cy="2090880"/>
+          </a:xfrm>
+          <a:prstGeom prst="rect">
+            <a:avLst/>
+          </a:prstGeom>
+        </p:spPr>
+        <p:txBody>
+          <a:bodyPr lIns="0" rIns="0" tIns="0" bIns="0">
+            <a:normAutofit/>
+          </a:bodyPr>
+          <a:p>
+            <a:endParaRPr b="0" lang="en-US" sz="3200" spc="-1" strike="noStrike">
               <a:latin typeface="Arial"/>
             </a:endParaRPr>
           </a:p>
@@ -3062,8 +3063,8 @@
         </p:nvSpPr>
         <p:spPr>
           <a:xfrm>
-            <a:off x="2699280" y="2699280"/>
-            <a:ext cx="4679280" cy="2159640"/>
+            <a:off x="504000" y="301320"/>
+            <a:ext cx="9072000" cy="1261800"/>
           </a:xfrm>
           <a:prstGeom prst="rect">
             <a:avLst/>
@@ -3093,19 +3094,19 @@
         </p:nvSpPr>
         <p:spPr>
           <a:xfrm>
-            <a:off x="3419640" y="5040000"/>
-            <a:ext cx="3073680" cy="1029960"/>
-          </a:xfrm>
-          <a:prstGeom prst="rect">
-            <a:avLst/>
-          </a:prstGeom>
-        </p:spPr>
-        <p:txBody>
-          <a:bodyPr lIns="0" rIns="0" tIns="0" bIns="0">
-            <a:normAutofit/>
-          </a:bodyPr>
-          <a:p>
-            <a:endParaRPr b="0" lang="en-US" sz="3190" spc="-1" strike="noStrike">
+            <a:off x="504000" y="1768680"/>
+            <a:ext cx="4426920" cy="2090880"/>
+          </a:xfrm>
+          <a:prstGeom prst="rect">
+            <a:avLst/>
+          </a:prstGeom>
+        </p:spPr>
+        <p:txBody>
+          <a:bodyPr lIns="0" rIns="0" tIns="0" bIns="0">
+            <a:normAutofit/>
+          </a:bodyPr>
+          <a:p>
+            <a:endParaRPr b="0" lang="en-US" sz="3200" spc="-1" strike="noStrike">
               <a:latin typeface="Arial"/>
             </a:endParaRPr>
           </a:p>
@@ -3123,19 +3124,19 @@
         </p:nvSpPr>
         <p:spPr>
           <a:xfrm>
-            <a:off x="6647400" y="5040000"/>
-            <a:ext cx="3073680" cy="1029960"/>
-          </a:xfrm>
-          <a:prstGeom prst="rect">
-            <a:avLst/>
-          </a:prstGeom>
-        </p:spPr>
-        <p:txBody>
-          <a:bodyPr lIns="0" rIns="0" tIns="0" bIns="0">
-            <a:normAutofit/>
-          </a:bodyPr>
-          <a:p>
-            <a:endParaRPr b="0" lang="en-US" sz="3190" spc="-1" strike="noStrike">
+            <a:off x="5152680" y="1768680"/>
+            <a:ext cx="4426920" cy="2090880"/>
+          </a:xfrm>
+          <a:prstGeom prst="rect">
+            <a:avLst/>
+          </a:prstGeom>
+        </p:spPr>
+        <p:txBody>
+          <a:bodyPr lIns="0" rIns="0" tIns="0" bIns="0">
+            <a:normAutofit/>
+          </a:bodyPr>
+          <a:p>
+            <a:endParaRPr b="0" lang="en-US" sz="3200" spc="-1" strike="noStrike">
               <a:latin typeface="Arial"/>
             </a:endParaRPr>
           </a:p>
@@ -3153,19 +3154,19 @@
         </p:nvSpPr>
         <p:spPr>
           <a:xfrm>
-            <a:off x="3419640" y="6168240"/>
-            <a:ext cx="3073680" cy="1029960"/>
-          </a:xfrm>
-          <a:prstGeom prst="rect">
-            <a:avLst/>
-          </a:prstGeom>
-        </p:spPr>
-        <p:txBody>
-          <a:bodyPr lIns="0" rIns="0" tIns="0" bIns="0">
-            <a:normAutofit/>
-          </a:bodyPr>
-          <a:p>
-            <a:endParaRPr b="0" lang="en-US" sz="3190" spc="-1" strike="noStrike">
+            <a:off x="504000" y="4058640"/>
+            <a:ext cx="4426920" cy="2090880"/>
+          </a:xfrm>
+          <a:prstGeom prst="rect">
+            <a:avLst/>
+          </a:prstGeom>
+        </p:spPr>
+        <p:txBody>
+          <a:bodyPr lIns="0" rIns="0" tIns="0" bIns="0">
+            <a:normAutofit/>
+          </a:bodyPr>
+          <a:p>
+            <a:endParaRPr b="0" lang="en-US" sz="3200" spc="-1" strike="noStrike">
               <a:latin typeface="Arial"/>
             </a:endParaRPr>
           </a:p>
@@ -3183,19 +3184,19 @@
         </p:nvSpPr>
         <p:spPr>
           <a:xfrm>
-            <a:off x="6647400" y="6168240"/>
-            <a:ext cx="3073680" cy="1029960"/>
-          </a:xfrm>
-          <a:prstGeom prst="rect">
-            <a:avLst/>
-          </a:prstGeom>
-        </p:spPr>
-        <p:txBody>
-          <a:bodyPr lIns="0" rIns="0" tIns="0" bIns="0">
-            <a:normAutofit/>
-          </a:bodyPr>
-          <a:p>
-            <a:endParaRPr b="0" lang="en-US" sz="3190" spc="-1" strike="noStrike">
+            <a:off x="5152680" y="4058640"/>
+            <a:ext cx="4426920" cy="2090880"/>
+          </a:xfrm>
+          <a:prstGeom prst="rect">
+            <a:avLst/>
+          </a:prstGeom>
+        </p:spPr>
+        <p:txBody>
+          <a:bodyPr lIns="0" rIns="0" tIns="0" bIns="0">
+            <a:normAutofit/>
+          </a:bodyPr>
+          <a:p>
+            <a:endParaRPr b="0" lang="en-US" sz="3200" spc="-1" strike="noStrike">
               <a:latin typeface="Arial"/>
             </a:endParaRPr>
           </a:p>
@@ -3235,8 +3236,8 @@
         </p:nvSpPr>
         <p:spPr>
           <a:xfrm>
-            <a:off x="2699280" y="2699280"/>
-            <a:ext cx="4679280" cy="2159640"/>
+            <a:off x="504000" y="301320"/>
+            <a:ext cx="9072000" cy="1261800"/>
           </a:xfrm>
           <a:prstGeom prst="rect">
             <a:avLst/>
@@ -3266,19 +3267,19 @@
         </p:nvSpPr>
         <p:spPr>
           <a:xfrm>
-            <a:off x="3419640" y="5040000"/>
-            <a:ext cx="2027880" cy="1029960"/>
-          </a:xfrm>
-          <a:prstGeom prst="rect">
-            <a:avLst/>
-          </a:prstGeom>
-        </p:spPr>
-        <p:txBody>
-          <a:bodyPr lIns="0" rIns="0" tIns="0" bIns="0">
-            <a:normAutofit/>
-          </a:bodyPr>
-          <a:p>
-            <a:endParaRPr b="0" lang="en-US" sz="3190" spc="-1" strike="noStrike">
+            <a:off x="504000" y="1768680"/>
+            <a:ext cx="2921040" cy="2090880"/>
+          </a:xfrm>
+          <a:prstGeom prst="rect">
+            <a:avLst/>
+          </a:prstGeom>
+        </p:spPr>
+        <p:txBody>
+          <a:bodyPr lIns="0" rIns="0" tIns="0" bIns="0">
+            <a:normAutofit/>
+          </a:bodyPr>
+          <a:p>
+            <a:endParaRPr b="0" lang="en-US" sz="3200" spc="-1" strike="noStrike">
               <a:latin typeface="Arial"/>
             </a:endParaRPr>
           </a:p>
@@ -3296,19 +3297,19 @@
         </p:nvSpPr>
         <p:spPr>
           <a:xfrm>
-            <a:off x="5549400" y="5040000"/>
-            <a:ext cx="2027880" cy="1029960"/>
-          </a:xfrm>
-          <a:prstGeom prst="rect">
-            <a:avLst/>
-          </a:prstGeom>
-        </p:spPr>
-        <p:txBody>
-          <a:bodyPr lIns="0" rIns="0" tIns="0" bIns="0">
-            <a:normAutofit/>
-          </a:bodyPr>
-          <a:p>
-            <a:endParaRPr b="0" lang="en-US" sz="3190" spc="-1" strike="noStrike">
+            <a:off x="3571560" y="1768680"/>
+            <a:ext cx="2921040" cy="2090880"/>
+          </a:xfrm>
+          <a:prstGeom prst="rect">
+            <a:avLst/>
+          </a:prstGeom>
+        </p:spPr>
+        <p:txBody>
+          <a:bodyPr lIns="0" rIns="0" tIns="0" bIns="0">
+            <a:normAutofit/>
+          </a:bodyPr>
+          <a:p>
+            <a:endParaRPr b="0" lang="en-US" sz="3200" spc="-1" strike="noStrike">
               <a:latin typeface="Arial"/>
             </a:endParaRPr>
           </a:p>
@@ -3326,19 +3327,19 @@
         </p:nvSpPr>
         <p:spPr>
           <a:xfrm>
-            <a:off x="7678800" y="5040000"/>
-            <a:ext cx="2027880" cy="1029960"/>
-          </a:xfrm>
-          <a:prstGeom prst="rect">
-            <a:avLst/>
-          </a:prstGeom>
-        </p:spPr>
-        <p:txBody>
-          <a:bodyPr lIns="0" rIns="0" tIns="0" bIns="0">
-            <a:normAutofit/>
-          </a:bodyPr>
-          <a:p>
-            <a:endParaRPr b="0" lang="en-US" sz="3190" spc="-1" strike="noStrike">
+            <a:off x="6639120" y="1768680"/>
+            <a:ext cx="2921040" cy="2090880"/>
+          </a:xfrm>
+          <a:prstGeom prst="rect">
+            <a:avLst/>
+          </a:prstGeom>
+        </p:spPr>
+        <p:txBody>
+          <a:bodyPr lIns="0" rIns="0" tIns="0" bIns="0">
+            <a:normAutofit/>
+          </a:bodyPr>
+          <a:p>
+            <a:endParaRPr b="0" lang="en-US" sz="3200" spc="-1" strike="noStrike">
               <a:latin typeface="Arial"/>
             </a:endParaRPr>
           </a:p>
@@ -3356,19 +3357,19 @@
         </p:nvSpPr>
         <p:spPr>
           <a:xfrm>
-            <a:off x="3419640" y="6168240"/>
-            <a:ext cx="2027880" cy="1029960"/>
-          </a:xfrm>
-          <a:prstGeom prst="rect">
-            <a:avLst/>
-          </a:prstGeom>
-        </p:spPr>
-        <p:txBody>
-          <a:bodyPr lIns="0" rIns="0" tIns="0" bIns="0">
-            <a:normAutofit/>
-          </a:bodyPr>
-          <a:p>
-            <a:endParaRPr b="0" lang="en-US" sz="3190" spc="-1" strike="noStrike">
+            <a:off x="504000" y="4058640"/>
+            <a:ext cx="2921040" cy="2090880"/>
+          </a:xfrm>
+          <a:prstGeom prst="rect">
+            <a:avLst/>
+          </a:prstGeom>
+        </p:spPr>
+        <p:txBody>
+          <a:bodyPr lIns="0" rIns="0" tIns="0" bIns="0">
+            <a:normAutofit/>
+          </a:bodyPr>
+          <a:p>
+            <a:endParaRPr b="0" lang="en-US" sz="3200" spc="-1" strike="noStrike">
               <a:latin typeface="Arial"/>
             </a:endParaRPr>
           </a:p>
@@ -3386,19 +3387,19 @@
         </p:nvSpPr>
         <p:spPr>
           <a:xfrm>
-            <a:off x="5549400" y="6168240"/>
-            <a:ext cx="2027880" cy="1029960"/>
-          </a:xfrm>
-          <a:prstGeom prst="rect">
-            <a:avLst/>
-          </a:prstGeom>
-        </p:spPr>
-        <p:txBody>
-          <a:bodyPr lIns="0" rIns="0" tIns="0" bIns="0">
-            <a:normAutofit/>
-          </a:bodyPr>
-          <a:p>
-            <a:endParaRPr b="0" lang="en-US" sz="3190" spc="-1" strike="noStrike">
+            <a:off x="3571560" y="4058640"/>
+            <a:ext cx="2921040" cy="2090880"/>
+          </a:xfrm>
+          <a:prstGeom prst="rect">
+            <a:avLst/>
+          </a:prstGeom>
+        </p:spPr>
+        <p:txBody>
+          <a:bodyPr lIns="0" rIns="0" tIns="0" bIns="0">
+            <a:normAutofit/>
+          </a:bodyPr>
+          <a:p>
+            <a:endParaRPr b="0" lang="en-US" sz="3200" spc="-1" strike="noStrike">
               <a:latin typeface="Arial"/>
             </a:endParaRPr>
           </a:p>
@@ -3416,19 +3417,19 @@
         </p:nvSpPr>
         <p:spPr>
           <a:xfrm>
-            <a:off x="7678800" y="6168240"/>
-            <a:ext cx="2027880" cy="1029960"/>
-          </a:xfrm>
-          <a:prstGeom prst="rect">
-            <a:avLst/>
-          </a:prstGeom>
-        </p:spPr>
-        <p:txBody>
-          <a:bodyPr lIns="0" rIns="0" tIns="0" bIns="0">
-            <a:normAutofit/>
-          </a:bodyPr>
-          <a:p>
-            <a:endParaRPr b="0" lang="en-US" sz="3190" spc="-1" strike="noStrike">
+            <a:off x="6639120" y="4058640"/>
+            <a:ext cx="2921040" cy="2090880"/>
+          </a:xfrm>
+          <a:prstGeom prst="rect">
+            <a:avLst/>
+          </a:prstGeom>
+        </p:spPr>
+        <p:txBody>
+          <a:bodyPr lIns="0" rIns="0" tIns="0" bIns="0">
+            <a:normAutofit/>
+          </a:bodyPr>
+          <a:p>
+            <a:endParaRPr b="0" lang="en-US" sz="3200" spc="-1" strike="noStrike">
               <a:latin typeface="Arial"/>
             </a:endParaRPr>
           </a:p>
@@ -3468,8 +3469,8 @@
         </p:nvSpPr>
         <p:spPr>
           <a:xfrm>
-            <a:off x="2699280" y="2699280"/>
-            <a:ext cx="4679280" cy="2159640"/>
+            <a:off x="504000" y="301320"/>
+            <a:ext cx="9072000" cy="1261800"/>
           </a:xfrm>
           <a:prstGeom prst="rect">
             <a:avLst/>
@@ -3499,19 +3500,19 @@
         </p:nvSpPr>
         <p:spPr>
           <a:xfrm>
-            <a:off x="3419640" y="5040000"/>
-            <a:ext cx="3073680" cy="2159640"/>
-          </a:xfrm>
-          <a:prstGeom prst="rect">
-            <a:avLst/>
-          </a:prstGeom>
-        </p:spPr>
-        <p:txBody>
-          <a:bodyPr lIns="0" rIns="0" tIns="0" bIns="0">
-            <a:normAutofit/>
-          </a:bodyPr>
-          <a:p>
-            <a:endParaRPr b="0" lang="en-US" sz="3190" spc="-1" strike="noStrike">
+            <a:off x="504000" y="1768680"/>
+            <a:ext cx="4426920" cy="4384080"/>
+          </a:xfrm>
+          <a:prstGeom prst="rect">
+            <a:avLst/>
+          </a:prstGeom>
+        </p:spPr>
+        <p:txBody>
+          <a:bodyPr lIns="0" rIns="0" tIns="0" bIns="0">
+            <a:normAutofit/>
+          </a:bodyPr>
+          <a:p>
+            <a:endParaRPr b="0" lang="en-US" sz="3200" spc="-1" strike="noStrike">
               <a:latin typeface="Arial"/>
             </a:endParaRPr>
           </a:p>
@@ -3529,19 +3530,19 @@
         </p:nvSpPr>
         <p:spPr>
           <a:xfrm>
-            <a:off x="6647400" y="5040000"/>
-            <a:ext cx="3073680" cy="2159640"/>
-          </a:xfrm>
-          <a:prstGeom prst="rect">
-            <a:avLst/>
-          </a:prstGeom>
-        </p:spPr>
-        <p:txBody>
-          <a:bodyPr lIns="0" rIns="0" tIns="0" bIns="0">
-            <a:normAutofit/>
-          </a:bodyPr>
-          <a:p>
-            <a:endParaRPr b="0" lang="en-US" sz="3190" spc="-1" strike="noStrike">
+            <a:off x="5152680" y="1768680"/>
+            <a:ext cx="4426920" cy="4384080"/>
+          </a:xfrm>
+          <a:prstGeom prst="rect">
+            <a:avLst/>
+          </a:prstGeom>
+        </p:spPr>
+        <p:txBody>
+          <a:bodyPr lIns="0" rIns="0" tIns="0" bIns="0">
+            <a:normAutofit/>
+          </a:bodyPr>
+          <a:p>
+            <a:endParaRPr b="0" lang="en-US" sz="3200" spc="-1" strike="noStrike">
               <a:latin typeface="Arial"/>
             </a:endParaRPr>
           </a:p>
@@ -3581,8 +3582,8 @@
         </p:nvSpPr>
         <p:spPr>
           <a:xfrm>
-            <a:off x="2699280" y="2699280"/>
-            <a:ext cx="4679280" cy="2159640"/>
+            <a:off x="504000" y="301320"/>
+            <a:ext cx="9072000" cy="1261800"/>
           </a:xfrm>
           <a:prstGeom prst="rect">
             <a:avLst/>
@@ -3634,8 +3635,8 @@
         </p:nvSpPr>
         <p:spPr>
           <a:xfrm>
-            <a:off x="2699280" y="2699280"/>
-            <a:ext cx="4679280" cy="10011960"/>
+            <a:off x="504000" y="301320"/>
+            <a:ext cx="9072000" cy="5850360"/>
           </a:xfrm>
           <a:prstGeom prst="rect">
             <a:avLst/>
@@ -3687,8 +3688,8 @@
         </p:nvSpPr>
         <p:spPr>
           <a:xfrm>
-            <a:off x="2699280" y="2699280"/>
-            <a:ext cx="4679280" cy="2159640"/>
+            <a:off x="504000" y="301320"/>
+            <a:ext cx="9072000" cy="1261800"/>
           </a:xfrm>
           <a:prstGeom prst="rect">
             <a:avLst/>
@@ -3718,19 +3719,19 @@
         </p:nvSpPr>
         <p:spPr>
           <a:xfrm>
-            <a:off x="3419640" y="5040000"/>
-            <a:ext cx="3073680" cy="1029960"/>
-          </a:xfrm>
-          <a:prstGeom prst="rect">
-            <a:avLst/>
-          </a:prstGeom>
-        </p:spPr>
-        <p:txBody>
-          <a:bodyPr lIns="0" rIns="0" tIns="0" bIns="0">
-            <a:normAutofit/>
-          </a:bodyPr>
-          <a:p>
-            <a:endParaRPr b="0" lang="en-US" sz="3190" spc="-1" strike="noStrike">
+            <a:off x="504000" y="1768680"/>
+            <a:ext cx="4426920" cy="2090880"/>
+          </a:xfrm>
+          <a:prstGeom prst="rect">
+            <a:avLst/>
+          </a:prstGeom>
+        </p:spPr>
+        <p:txBody>
+          <a:bodyPr lIns="0" rIns="0" tIns="0" bIns="0">
+            <a:normAutofit/>
+          </a:bodyPr>
+          <a:p>
+            <a:endParaRPr b="0" lang="en-US" sz="3200" spc="-1" strike="noStrike">
               <a:latin typeface="Arial"/>
             </a:endParaRPr>
           </a:p>
@@ -3748,19 +3749,19 @@
         </p:nvSpPr>
         <p:spPr>
           <a:xfrm>
-            <a:off x="6647400" y="5040000"/>
-            <a:ext cx="3073680" cy="2159640"/>
-          </a:xfrm>
-          <a:prstGeom prst="rect">
-            <a:avLst/>
-          </a:prstGeom>
-        </p:spPr>
-        <p:txBody>
-          <a:bodyPr lIns="0" rIns="0" tIns="0" bIns="0">
-            <a:normAutofit/>
-          </a:bodyPr>
-          <a:p>
-            <a:endParaRPr b="0" lang="en-US" sz="3190" spc="-1" strike="noStrike">
+            <a:off x="5152680" y="1768680"/>
+            <a:ext cx="4426920" cy="4384080"/>
+          </a:xfrm>
+          <a:prstGeom prst="rect">
+            <a:avLst/>
+          </a:prstGeom>
+        </p:spPr>
+        <p:txBody>
+          <a:bodyPr lIns="0" rIns="0" tIns="0" bIns="0">
+            <a:normAutofit/>
+          </a:bodyPr>
+          <a:p>
+            <a:endParaRPr b="0" lang="en-US" sz="3200" spc="-1" strike="noStrike">
               <a:latin typeface="Arial"/>
             </a:endParaRPr>
           </a:p>
@@ -3778,19 +3779,19 @@
         </p:nvSpPr>
         <p:spPr>
           <a:xfrm>
-            <a:off x="3419640" y="6168240"/>
-            <a:ext cx="3073680" cy="1029960"/>
-          </a:xfrm>
-          <a:prstGeom prst="rect">
-            <a:avLst/>
-          </a:prstGeom>
-        </p:spPr>
-        <p:txBody>
-          <a:bodyPr lIns="0" rIns="0" tIns="0" bIns="0">
-            <a:normAutofit/>
-          </a:bodyPr>
-          <a:p>
-            <a:endParaRPr b="0" lang="en-US" sz="3190" spc="-1" strike="noStrike">
+            <a:off x="504000" y="4058640"/>
+            <a:ext cx="4426920" cy="2090880"/>
+          </a:xfrm>
+          <a:prstGeom prst="rect">
+            <a:avLst/>
+          </a:prstGeom>
+        </p:spPr>
+        <p:txBody>
+          <a:bodyPr lIns="0" rIns="0" tIns="0" bIns="0">
+            <a:normAutofit/>
+          </a:bodyPr>
+          <a:p>
+            <a:endParaRPr b="0" lang="en-US" sz="3200" spc="-1" strike="noStrike">
               <a:latin typeface="Arial"/>
             </a:endParaRPr>
           </a:p>
@@ -3830,8 +3831,8 @@
         </p:nvSpPr>
         <p:spPr>
           <a:xfrm>
-            <a:off x="2699280" y="2699280"/>
-            <a:ext cx="4679280" cy="2159640"/>
+            <a:off x="504000" y="301320"/>
+            <a:ext cx="9072000" cy="1261800"/>
           </a:xfrm>
           <a:prstGeom prst="rect">
             <a:avLst/>
@@ -3861,19 +3862,19 @@
         </p:nvSpPr>
         <p:spPr>
           <a:xfrm>
-            <a:off x="3419640" y="5040000"/>
-            <a:ext cx="3073680" cy="2159640"/>
-          </a:xfrm>
-          <a:prstGeom prst="rect">
-            <a:avLst/>
-          </a:prstGeom>
-        </p:spPr>
-        <p:txBody>
-          <a:bodyPr lIns="0" rIns="0" tIns="0" bIns="0">
-            <a:normAutofit/>
-          </a:bodyPr>
-          <a:p>
-            <a:endParaRPr b="0" lang="en-US" sz="3190" spc="-1" strike="noStrike">
+            <a:off x="504000" y="1768680"/>
+            <a:ext cx="4426920" cy="4384080"/>
+          </a:xfrm>
+          <a:prstGeom prst="rect">
+            <a:avLst/>
+          </a:prstGeom>
+        </p:spPr>
+        <p:txBody>
+          <a:bodyPr lIns="0" rIns="0" tIns="0" bIns="0">
+            <a:normAutofit/>
+          </a:bodyPr>
+          <a:p>
+            <a:endParaRPr b="0" lang="en-US" sz="3200" spc="-1" strike="noStrike">
               <a:latin typeface="Arial"/>
             </a:endParaRPr>
           </a:p>
@@ -3891,19 +3892,19 @@
         </p:nvSpPr>
         <p:spPr>
           <a:xfrm>
-            <a:off x="6647400" y="5040000"/>
-            <a:ext cx="3073680" cy="1029960"/>
-          </a:xfrm>
-          <a:prstGeom prst="rect">
-            <a:avLst/>
-          </a:prstGeom>
-        </p:spPr>
-        <p:txBody>
-          <a:bodyPr lIns="0" rIns="0" tIns="0" bIns="0">
-            <a:normAutofit/>
-          </a:bodyPr>
-          <a:p>
-            <a:endParaRPr b="0" lang="en-US" sz="3190" spc="-1" strike="noStrike">
+            <a:off x="5152680" y="1768680"/>
+            <a:ext cx="4426920" cy="2090880"/>
+          </a:xfrm>
+          <a:prstGeom prst="rect">
+            <a:avLst/>
+          </a:prstGeom>
+        </p:spPr>
+        <p:txBody>
+          <a:bodyPr lIns="0" rIns="0" tIns="0" bIns="0">
+            <a:normAutofit/>
+          </a:bodyPr>
+          <a:p>
+            <a:endParaRPr b="0" lang="en-US" sz="3200" spc="-1" strike="noStrike">
               <a:latin typeface="Arial"/>
             </a:endParaRPr>
           </a:p>
@@ -3921,19 +3922,19 @@
         </p:nvSpPr>
         <p:spPr>
           <a:xfrm>
-            <a:off x="6647400" y="6168240"/>
-            <a:ext cx="3073680" cy="1029960"/>
-          </a:xfrm>
-          <a:prstGeom prst="rect">
-            <a:avLst/>
-          </a:prstGeom>
-        </p:spPr>
-        <p:txBody>
-          <a:bodyPr lIns="0" rIns="0" tIns="0" bIns="0">
-            <a:normAutofit/>
-          </a:bodyPr>
-          <a:p>
-            <a:endParaRPr b="0" lang="en-US" sz="3190" spc="-1" strike="noStrike">
+            <a:off x="5152680" y="4058640"/>
+            <a:ext cx="4426920" cy="2090880"/>
+          </a:xfrm>
+          <a:prstGeom prst="rect">
+            <a:avLst/>
+          </a:prstGeom>
+        </p:spPr>
+        <p:txBody>
+          <a:bodyPr lIns="0" rIns="0" tIns="0" bIns="0">
+            <a:normAutofit/>
+          </a:bodyPr>
+          <a:p>
+            <a:endParaRPr b="0" lang="en-US" sz="3200" spc="-1" strike="noStrike">
               <a:latin typeface="Arial"/>
             </a:endParaRPr>
           </a:p>
@@ -3973,8 +3974,8 @@
         </p:nvSpPr>
         <p:spPr>
           <a:xfrm>
-            <a:off x="2699280" y="2699280"/>
-            <a:ext cx="4679280" cy="2159640"/>
+            <a:off x="504000" y="301320"/>
+            <a:ext cx="9072000" cy="1261800"/>
           </a:xfrm>
           <a:prstGeom prst="rect">
             <a:avLst/>
@@ -4004,19 +4005,19 @@
         </p:nvSpPr>
         <p:spPr>
           <a:xfrm>
-            <a:off x="3419640" y="5040000"/>
-            <a:ext cx="3073680" cy="1029960"/>
-          </a:xfrm>
-          <a:prstGeom prst="rect">
-            <a:avLst/>
-          </a:prstGeom>
-        </p:spPr>
-        <p:txBody>
-          <a:bodyPr lIns="0" rIns="0" tIns="0" bIns="0">
-            <a:normAutofit/>
-          </a:bodyPr>
-          <a:p>
-            <a:endParaRPr b="0" lang="en-US" sz="3190" spc="-1" strike="noStrike">
+            <a:off x="504000" y="1768680"/>
+            <a:ext cx="4426920" cy="2090880"/>
+          </a:xfrm>
+          <a:prstGeom prst="rect">
+            <a:avLst/>
+          </a:prstGeom>
+        </p:spPr>
+        <p:txBody>
+          <a:bodyPr lIns="0" rIns="0" tIns="0" bIns="0">
+            <a:normAutofit/>
+          </a:bodyPr>
+          <a:p>
+            <a:endParaRPr b="0" lang="en-US" sz="3200" spc="-1" strike="noStrike">
               <a:latin typeface="Arial"/>
             </a:endParaRPr>
           </a:p>
@@ -4034,19 +4035,19 @@
         </p:nvSpPr>
         <p:spPr>
           <a:xfrm>
-            <a:off x="6647400" y="5040000"/>
-            <a:ext cx="3073680" cy="1029960"/>
-          </a:xfrm>
-          <a:prstGeom prst="rect">
-            <a:avLst/>
-          </a:prstGeom>
-        </p:spPr>
-        <p:txBody>
-          <a:bodyPr lIns="0" rIns="0" tIns="0" bIns="0">
-            <a:normAutofit/>
-          </a:bodyPr>
-          <a:p>
-            <a:endParaRPr b="0" lang="en-US" sz="3190" spc="-1" strike="noStrike">
+            <a:off x="5152680" y="1768680"/>
+            <a:ext cx="4426920" cy="2090880"/>
+          </a:xfrm>
+          <a:prstGeom prst="rect">
+            <a:avLst/>
+          </a:prstGeom>
+        </p:spPr>
+        <p:txBody>
+          <a:bodyPr lIns="0" rIns="0" tIns="0" bIns="0">
+            <a:normAutofit/>
+          </a:bodyPr>
+          <a:p>
+            <a:endParaRPr b="0" lang="en-US" sz="3200" spc="-1" strike="noStrike">
               <a:latin typeface="Arial"/>
             </a:endParaRPr>
           </a:p>
@@ -4064,19 +4065,19 @@
         </p:nvSpPr>
         <p:spPr>
           <a:xfrm>
-            <a:off x="3419640" y="6168240"/>
-            <a:ext cx="6298920" cy="1029960"/>
-          </a:xfrm>
-          <a:prstGeom prst="rect">
-            <a:avLst/>
-          </a:prstGeom>
-        </p:spPr>
-        <p:txBody>
-          <a:bodyPr lIns="0" rIns="0" tIns="0" bIns="0">
-            <a:normAutofit/>
-          </a:bodyPr>
-          <a:p>
-            <a:endParaRPr b="0" lang="en-US" sz="3190" spc="-1" strike="noStrike">
+            <a:off x="504000" y="4058640"/>
+            <a:ext cx="9072000" cy="2090880"/>
+          </a:xfrm>
+          <a:prstGeom prst="rect">
+            <a:avLst/>
+          </a:prstGeom>
+        </p:spPr>
+        <p:txBody>
+          <a:bodyPr lIns="0" rIns="0" tIns="0" bIns="0">
+            <a:normAutofit/>
+          </a:bodyPr>
+          <a:p>
+            <a:endParaRPr b="0" lang="en-US" sz="3200" spc="-1" strike="noStrike">
               <a:latin typeface="Arial"/>
             </a:endParaRPr>
           </a:p>
@@ -4120,7 +4121,7 @@
         <p:spPr>
           <a:xfrm>
             <a:off x="360" y="0"/>
-            <a:ext cx="10078920" cy="5040000"/>
+            <a:ext cx="10078560" cy="5039640"/>
           </a:xfrm>
           <a:prstGeom prst="rect">
             <a:avLst/>
@@ -4152,7 +4153,7 @@
         <p:spPr>
           <a:xfrm>
             <a:off x="2699280" y="2699280"/>
-            <a:ext cx="4679280" cy="2159640"/>
+            <a:ext cx="4678920" cy="2159280"/>
           </a:xfrm>
           <a:prstGeom prst="rect">
             <a:avLst/>
@@ -4187,21 +4188,21 @@
         </p:nvSpPr>
         <p:spPr>
           <a:xfrm>
-            <a:off x="503640" y="1768320"/>
-            <a:ext cx="9071280" cy="4384440"/>
-          </a:xfrm>
-          <a:prstGeom prst="rect">
-            <a:avLst/>
-          </a:prstGeom>
-        </p:spPr>
-        <p:txBody>
-          <a:bodyPr lIns="0" rIns="0" tIns="0" bIns="0">
-            <a:normAutofit/>
+            <a:off x="3419640" y="5040000"/>
+            <a:ext cx="6298560" cy="2159280"/>
+          </a:xfrm>
+          <a:prstGeom prst="rect">
+            <a:avLst/>
+          </a:prstGeom>
+        </p:spPr>
+        <p:txBody>
+          <a:bodyPr lIns="0" rIns="0" tIns="0" bIns="0">
+            <a:normAutofit fontScale="94000"/>
           </a:bodyPr>
           <a:p>
             <a:pPr marL="432000" indent="-324000">
               <a:spcBef>
-                <a:spcPts val="1412"/>
+                <a:spcPts val="1417"/>
               </a:spcBef>
               <a:buClr>
                 <a:srgbClr val="ffffff"/>
@@ -4211,19 +4212,19 @@
               <a:buChar char=""/>
             </a:pPr>
             <a:r>
-              <a:rPr b="0" lang="en-US" sz="3190" spc="-1" strike="noStrike">
+              <a:rPr b="0" lang="en-US" sz="1800" spc="-1" strike="noStrike">
                 <a:latin typeface="Arial"/>
               </a:rPr>
               <a:t>Click to edit the outline text format</a:t>
             </a:r>
-            <a:endParaRPr b="0" lang="en-US" sz="3190" spc="-1" strike="noStrike">
+            <a:endParaRPr b="0" lang="en-US" sz="1800" spc="-1" strike="noStrike">
               <a:latin typeface="Arial"/>
             </a:endParaRPr>
           </a:p>
           <a:p>
             <a:pPr lvl="1" marL="864000" indent="-324000">
               <a:spcBef>
-                <a:spcPts val="1128"/>
+                <a:spcPts val="1134"/>
               </a:spcBef>
               <a:buClr>
                 <a:srgbClr val="ffffff"/>
@@ -4233,19 +4234,19 @@
               <a:buChar char=""/>
             </a:pPr>
             <a:r>
-              <a:rPr b="0" lang="en-US" sz="2800" spc="-1" strike="noStrike">
+              <a:rPr b="0" lang="en-US" sz="1800" spc="-1" strike="noStrike">
                 <a:latin typeface="Arial"/>
               </a:rPr>
               <a:t>Second Outline Level</a:t>
             </a:r>
-            <a:endParaRPr b="0" lang="en-US" sz="2800" spc="-1" strike="noStrike">
+            <a:endParaRPr b="0" lang="en-US" sz="1800" spc="-1" strike="noStrike">
               <a:latin typeface="Arial"/>
             </a:endParaRPr>
           </a:p>
           <a:p>
             <a:pPr lvl="2" marL="1296000" indent="-288000">
               <a:spcBef>
-                <a:spcPts val="845"/>
+                <a:spcPts val="850"/>
               </a:spcBef>
               <a:buClr>
                 <a:srgbClr val="ffffff"/>
@@ -4255,19 +4256,19 @@
               <a:buChar char=""/>
             </a:pPr>
             <a:r>
-              <a:rPr b="0" lang="en-US" sz="2400" spc="-1" strike="noStrike">
+              <a:rPr b="0" lang="en-US" sz="1800" spc="-1" strike="noStrike">
                 <a:latin typeface="Arial"/>
               </a:rPr>
               <a:t>Third Outline Level</a:t>
             </a:r>
-            <a:endParaRPr b="0" lang="en-US" sz="2400" spc="-1" strike="noStrike">
+            <a:endParaRPr b="0" lang="en-US" sz="1800" spc="-1" strike="noStrike">
               <a:latin typeface="Arial"/>
             </a:endParaRPr>
           </a:p>
           <a:p>
             <a:pPr lvl="3" marL="1728000" indent="-216000">
               <a:spcBef>
-                <a:spcPts val="561"/>
+                <a:spcPts val="567"/>
               </a:spcBef>
               <a:buClr>
                 <a:srgbClr val="ffffff"/>
@@ -4277,19 +4278,19 @@
               <a:buChar char=""/>
             </a:pPr>
             <a:r>
-              <a:rPr b="0" lang="en-US" sz="2000" spc="-1" strike="noStrike">
+              <a:rPr b="0" lang="en-US" sz="1800" spc="-1" strike="noStrike">
                 <a:latin typeface="Arial"/>
               </a:rPr>
               <a:t>Fourth Outline Level</a:t>
             </a:r>
-            <a:endParaRPr b="0" lang="en-US" sz="2000" spc="-1" strike="noStrike">
+            <a:endParaRPr b="0" lang="en-US" sz="1800" spc="-1" strike="noStrike">
               <a:latin typeface="Arial"/>
             </a:endParaRPr>
           </a:p>
           <a:p>
             <a:pPr lvl="4" marL="2160000" indent="-216000">
               <a:spcBef>
-                <a:spcPts val="275"/>
+                <a:spcPts val="283"/>
               </a:spcBef>
               <a:buClr>
                 <a:srgbClr val="ffffff"/>
@@ -4299,19 +4300,19 @@
               <a:buChar char=""/>
             </a:pPr>
             <a:r>
-              <a:rPr b="0" lang="en-US" sz="2000" spc="-1" strike="noStrike">
+              <a:rPr b="0" lang="en-US" sz="1800" spc="-1" strike="noStrike">
                 <a:latin typeface="Arial"/>
               </a:rPr>
               <a:t>Fifth Outline Level</a:t>
             </a:r>
-            <a:endParaRPr b="0" lang="en-US" sz="2000" spc="-1" strike="noStrike">
+            <a:endParaRPr b="0" lang="en-US" sz="1800" spc="-1" strike="noStrike">
               <a:latin typeface="Arial"/>
             </a:endParaRPr>
           </a:p>
           <a:p>
             <a:pPr lvl="5" marL="2592000" indent="-216000">
               <a:spcBef>
-                <a:spcPts val="275"/>
+                <a:spcPts val="283"/>
               </a:spcBef>
               <a:buClr>
                 <a:srgbClr val="ffffff"/>
@@ -4321,19 +4322,19 @@
               <a:buChar char=""/>
             </a:pPr>
             <a:r>
-              <a:rPr b="0" lang="en-US" sz="2000" spc="-1" strike="noStrike">
+              <a:rPr b="0" lang="en-US" sz="1800" spc="-1" strike="noStrike">
                 <a:latin typeface="Arial"/>
               </a:rPr>
               <a:t>Sixth Outline Level</a:t>
             </a:r>
-            <a:endParaRPr b="0" lang="en-US" sz="2000" spc="-1" strike="noStrike">
+            <a:endParaRPr b="0" lang="en-US" sz="1800" spc="-1" strike="noStrike">
               <a:latin typeface="Arial"/>
             </a:endParaRPr>
           </a:p>
           <a:p>
             <a:pPr lvl="6" marL="3024000" indent="-216000">
               <a:spcBef>
-                <a:spcPts val="275"/>
+                <a:spcPts val="283"/>
               </a:spcBef>
               <a:buClr>
                 <a:srgbClr val="ffffff"/>
@@ -4343,12 +4344,12 @@
               <a:buChar char=""/>
             </a:pPr>
             <a:r>
-              <a:rPr b="0" lang="en-US" sz="2000" spc="-1" strike="noStrike">
+              <a:rPr b="0" lang="en-US" sz="1800" spc="-1" strike="noStrike">
                 <a:latin typeface="Arial"/>
               </a:rPr>
               <a:t>Seventh Outline Level</a:t>
             </a:r>
-            <a:endParaRPr b="0" lang="en-US" sz="2000" spc="-1" strike="noStrike">
+            <a:endParaRPr b="0" lang="en-US" sz="1800" spc="-1" strike="noStrike">
               <a:latin typeface="Arial"/>
             </a:endParaRPr>
           </a:p>
@@ -4400,7 +4401,7 @@
         <p:spPr>
           <a:xfrm>
             <a:off x="360" y="7200000"/>
-            <a:ext cx="10078920" cy="360000"/>
+            <a:ext cx="10078560" cy="359640"/>
           </a:xfrm>
           <a:prstGeom prst="rect">
             <a:avLst/>
@@ -4428,7 +4429,7 @@
         <p:spPr>
           <a:xfrm>
             <a:off x="360" y="0"/>
-            <a:ext cx="10078920" cy="1619640"/>
+            <a:ext cx="10078560" cy="1619280"/>
           </a:xfrm>
           <a:prstGeom prst="rect">
             <a:avLst/>
@@ -4456,7 +4457,7 @@
         <p:spPr>
           <a:xfrm>
             <a:off x="9268920" y="6894000"/>
-            <a:ext cx="539640" cy="539640"/>
+            <a:ext cx="539280" cy="539280"/>
           </a:xfrm>
           <a:prstGeom prst="ellipse">
             <a:avLst/>
@@ -4487,25 +4488,26 @@
         </p:nvSpPr>
         <p:spPr>
           <a:xfrm>
-            <a:off x="2699280" y="2699280"/>
-            <a:ext cx="4679280" cy="2159640"/>
-          </a:xfrm>
-          <a:prstGeom prst="rect">
-            <a:avLst/>
-          </a:prstGeom>
-        </p:spPr>
-        <p:txBody>
-          <a:bodyPr lIns="0" rIns="0" tIns="0" bIns="0" anchor="ctr" anchorCtr="1">
+            <a:off x="504000" y="301320"/>
+            <a:ext cx="9072000" cy="1261800"/>
+          </a:xfrm>
+          <a:prstGeom prst="rect">
+            <a:avLst/>
+          </a:prstGeom>
+        </p:spPr>
+        <p:txBody>
+          <a:bodyPr lIns="0" rIns="0" tIns="0" bIns="0" anchor="ctr">
             <a:noAutofit/>
           </a:bodyPr>
           <a:p>
+            <a:pPr algn="ctr"/>
             <a:r>
-              <a:rPr b="0" lang="en-US" sz="1800" spc="-1" strike="noStrike">
+              <a:rPr b="0" lang="en-US" sz="4400" spc="-1" strike="noStrike">
                 <a:latin typeface="Arial"/>
               </a:rPr>
               <a:t>Click to edit the title text format</a:t>
             </a:r>
-            <a:endParaRPr b="0" lang="en-US" sz="1800" spc="-1" strike="noStrike">
+            <a:endParaRPr b="0" lang="en-US" sz="4400" spc="-1" strike="noStrike">
               <a:latin typeface="Arial"/>
             </a:endParaRPr>
           </a:p>
@@ -4523,21 +4525,21 @@
         </p:nvSpPr>
         <p:spPr>
           <a:xfrm>
-            <a:off x="3419640" y="5040000"/>
-            <a:ext cx="6298920" cy="2159640"/>
-          </a:xfrm>
-          <a:prstGeom prst="rect">
-            <a:avLst/>
-          </a:prstGeom>
-        </p:spPr>
-        <p:txBody>
-          <a:bodyPr lIns="0" rIns="0" tIns="0" bIns="0">
-            <a:normAutofit fontScale="94000"/>
+            <a:off x="504000" y="1768680"/>
+            <a:ext cx="9072000" cy="4384080"/>
+          </a:xfrm>
+          <a:prstGeom prst="rect">
+            <a:avLst/>
+          </a:prstGeom>
+        </p:spPr>
+        <p:txBody>
+          <a:bodyPr lIns="0" rIns="0" tIns="0" bIns="0">
+            <a:normAutofit/>
           </a:bodyPr>
           <a:p>
             <a:pPr marL="432000" indent="-324000">
               <a:spcBef>
-                <a:spcPts val="1412"/>
+                <a:spcPts val="1417"/>
               </a:spcBef>
               <a:buClr>
                 <a:srgbClr val="000000"/>
@@ -4547,19 +4549,19 @@
               <a:buChar char=""/>
             </a:pPr>
             <a:r>
-              <a:rPr b="0" lang="en-US" sz="1800" spc="-1" strike="noStrike">
+              <a:rPr b="0" lang="en-US" sz="3200" spc="-1" strike="noStrike">
                 <a:latin typeface="Arial"/>
               </a:rPr>
               <a:t>Click to edit the outline text format</a:t>
             </a:r>
-            <a:endParaRPr b="0" lang="en-US" sz="1800" spc="-1" strike="noStrike">
+            <a:endParaRPr b="0" lang="en-US" sz="3200" spc="-1" strike="noStrike">
               <a:latin typeface="Arial"/>
             </a:endParaRPr>
           </a:p>
           <a:p>
             <a:pPr lvl="1" marL="864000" indent="-324000">
               <a:spcBef>
-                <a:spcPts val="1128"/>
+                <a:spcPts val="1134"/>
               </a:spcBef>
               <a:buClr>
                 <a:srgbClr val="000000"/>
@@ -4569,19 +4571,19 @@
               <a:buChar char=""/>
             </a:pPr>
             <a:r>
-              <a:rPr b="0" lang="en-US" sz="1800" spc="-1" strike="noStrike">
+              <a:rPr b="0" lang="en-US" sz="2800" spc="-1" strike="noStrike">
                 <a:latin typeface="Arial"/>
               </a:rPr>
               <a:t>Second Outline Level</a:t>
             </a:r>
-            <a:endParaRPr b="0" lang="en-US" sz="1800" spc="-1" strike="noStrike">
+            <a:endParaRPr b="0" lang="en-US" sz="2800" spc="-1" strike="noStrike">
               <a:latin typeface="Arial"/>
             </a:endParaRPr>
           </a:p>
           <a:p>
             <a:pPr lvl="2" marL="1296000" indent="-288000">
               <a:spcBef>
-                <a:spcPts val="845"/>
+                <a:spcPts val="850"/>
               </a:spcBef>
               <a:buClr>
                 <a:srgbClr val="000000"/>
@@ -4591,19 +4593,19 @@
               <a:buChar char=""/>
             </a:pPr>
             <a:r>
-              <a:rPr b="0" lang="en-US" sz="1800" spc="-1" strike="noStrike">
+              <a:rPr b="0" lang="en-US" sz="2400" spc="-1" strike="noStrike">
                 <a:latin typeface="Arial"/>
               </a:rPr>
               <a:t>Third Outline Level</a:t>
             </a:r>
-            <a:endParaRPr b="0" lang="en-US" sz="1800" spc="-1" strike="noStrike">
+            <a:endParaRPr b="0" lang="en-US" sz="2400" spc="-1" strike="noStrike">
               <a:latin typeface="Arial"/>
             </a:endParaRPr>
           </a:p>
           <a:p>
             <a:pPr lvl="3" marL="1728000" indent="-216000">
               <a:spcBef>
-                <a:spcPts val="561"/>
+                <a:spcPts val="567"/>
               </a:spcBef>
               <a:buClr>
                 <a:srgbClr val="000000"/>
@@ -4613,19 +4615,19 @@
               <a:buChar char=""/>
             </a:pPr>
             <a:r>
-              <a:rPr b="0" lang="en-US" sz="1800" spc="-1" strike="noStrike">
+              <a:rPr b="0" lang="en-US" sz="2000" spc="-1" strike="noStrike">
                 <a:latin typeface="Arial"/>
               </a:rPr>
               <a:t>Fourth Outline Level</a:t>
             </a:r>
-            <a:endParaRPr b="0" lang="en-US" sz="1800" spc="-1" strike="noStrike">
+            <a:endParaRPr b="0" lang="en-US" sz="2000" spc="-1" strike="noStrike">
               <a:latin typeface="Arial"/>
             </a:endParaRPr>
           </a:p>
           <a:p>
             <a:pPr lvl="4" marL="2160000" indent="-216000">
               <a:spcBef>
-                <a:spcPts val="275"/>
+                <a:spcPts val="283"/>
               </a:spcBef>
               <a:buClr>
                 <a:srgbClr val="000000"/>
@@ -4635,19 +4637,19 @@
               <a:buChar char=""/>
             </a:pPr>
             <a:r>
-              <a:rPr b="0" lang="en-US" sz="1800" spc="-1" strike="noStrike">
+              <a:rPr b="0" lang="en-US" sz="2000" spc="-1" strike="noStrike">
                 <a:latin typeface="Arial"/>
               </a:rPr>
               <a:t>Fifth Outline Level</a:t>
             </a:r>
-            <a:endParaRPr b="0" lang="en-US" sz="1800" spc="-1" strike="noStrike">
+            <a:endParaRPr b="0" lang="en-US" sz="2000" spc="-1" strike="noStrike">
               <a:latin typeface="Arial"/>
             </a:endParaRPr>
           </a:p>
           <a:p>
             <a:pPr lvl="5" marL="2592000" indent="-216000">
               <a:spcBef>
-                <a:spcPts val="275"/>
+                <a:spcPts val="283"/>
               </a:spcBef>
               <a:buClr>
                 <a:srgbClr val="000000"/>
@@ -4657,19 +4659,19 @@
               <a:buChar char=""/>
             </a:pPr>
             <a:r>
-              <a:rPr b="0" lang="en-US" sz="1800" spc="-1" strike="noStrike">
+              <a:rPr b="0" lang="en-US" sz="2000" spc="-1" strike="noStrike">
                 <a:latin typeface="Arial"/>
               </a:rPr>
               <a:t>Sixth Outline Level</a:t>
             </a:r>
-            <a:endParaRPr b="0" lang="en-US" sz="1800" spc="-1" strike="noStrike">
+            <a:endParaRPr b="0" lang="en-US" sz="2000" spc="-1" strike="noStrike">
               <a:latin typeface="Arial"/>
             </a:endParaRPr>
           </a:p>
           <a:p>
             <a:pPr lvl="6" marL="3024000" indent="-216000">
               <a:spcBef>
-                <a:spcPts val="275"/>
+                <a:spcPts val="283"/>
               </a:spcBef>
               <a:buClr>
                 <a:srgbClr val="000000"/>
@@ -4679,12 +4681,12 @@
               <a:buChar char=""/>
             </a:pPr>
             <a:r>
-              <a:rPr b="0" lang="en-US" sz="1800" spc="-1" strike="noStrike">
+              <a:rPr b="0" lang="en-US" sz="2000" spc="-1" strike="noStrike">
                 <a:latin typeface="Arial"/>
               </a:rPr>
               <a:t>Seventh Outline Level</a:t>
             </a:r>
-            <a:endParaRPr b="0" lang="en-US" sz="1800" spc="-1" strike="noStrike">
+            <a:endParaRPr b="0" lang="en-US" sz="2000" spc="-1" strike="noStrike">
               <a:latin typeface="Arial"/>
             </a:endParaRPr>
           </a:p>
@@ -4743,7 +4745,7 @@
         <p:spPr>
           <a:xfrm>
             <a:off x="2519640" y="2519640"/>
-            <a:ext cx="5039280" cy="2519640"/>
+            <a:ext cx="5038920" cy="2519280"/>
           </a:xfrm>
           <a:prstGeom prst="wedgeRectCallout">
             <a:avLst>
@@ -4777,25 +4779,26 @@
         </p:nvSpPr>
         <p:spPr>
           <a:xfrm>
-            <a:off x="2699280" y="2699280"/>
-            <a:ext cx="4679280" cy="2159640"/>
-          </a:xfrm>
-          <a:prstGeom prst="rect">
-            <a:avLst/>
-          </a:prstGeom>
-        </p:spPr>
-        <p:txBody>
-          <a:bodyPr lIns="0" rIns="0" tIns="0" bIns="0" anchor="ctr" anchorCtr="1">
+            <a:off x="504000" y="301320"/>
+            <a:ext cx="9072000" cy="1261800"/>
+          </a:xfrm>
+          <a:prstGeom prst="rect">
+            <a:avLst/>
+          </a:prstGeom>
+        </p:spPr>
+        <p:txBody>
+          <a:bodyPr lIns="0" rIns="0" tIns="0" bIns="0" anchor="ctr">
             <a:noAutofit/>
           </a:bodyPr>
           <a:p>
+            <a:pPr algn="ctr"/>
             <a:r>
-              <a:rPr b="0" lang="en-US" sz="1800" spc="-1" strike="noStrike">
+              <a:rPr b="0" lang="en-US" sz="4400" spc="-1" strike="noStrike">
                 <a:latin typeface="Arial"/>
               </a:rPr>
               <a:t>Click to edit the title text format</a:t>
             </a:r>
-            <a:endParaRPr b="0" lang="en-US" sz="1800" spc="-1" strike="noStrike">
+            <a:endParaRPr b="0" lang="en-US" sz="4400" spc="-1" strike="noStrike">
               <a:latin typeface="Arial"/>
             </a:endParaRPr>
           </a:p>
@@ -4813,21 +4816,21 @@
         </p:nvSpPr>
         <p:spPr>
           <a:xfrm>
-            <a:off x="3419640" y="5040000"/>
-            <a:ext cx="6298920" cy="2159640"/>
-          </a:xfrm>
-          <a:prstGeom prst="rect">
-            <a:avLst/>
-          </a:prstGeom>
-        </p:spPr>
-        <p:txBody>
-          <a:bodyPr lIns="0" rIns="0" tIns="0" bIns="0">
-            <a:normAutofit fontScale="94000"/>
+            <a:off x="504000" y="1768680"/>
+            <a:ext cx="9072000" cy="4384080"/>
+          </a:xfrm>
+          <a:prstGeom prst="rect">
+            <a:avLst/>
+          </a:prstGeom>
+        </p:spPr>
+        <p:txBody>
+          <a:bodyPr lIns="0" rIns="0" tIns="0" bIns="0">
+            <a:normAutofit/>
           </a:bodyPr>
           <a:p>
             <a:pPr marL="432000" indent="-324000">
               <a:spcBef>
-                <a:spcPts val="1412"/>
+                <a:spcPts val="1417"/>
               </a:spcBef>
               <a:buClr>
                 <a:srgbClr val="ffffff"/>
@@ -4837,19 +4840,19 @@
               <a:buChar char=""/>
             </a:pPr>
             <a:r>
-              <a:rPr b="0" lang="en-US" sz="1800" spc="-1" strike="noStrike">
+              <a:rPr b="0" lang="en-US" sz="3200" spc="-1" strike="noStrike">
                 <a:latin typeface="Arial"/>
               </a:rPr>
               <a:t>Click to edit the outline text format</a:t>
             </a:r>
-            <a:endParaRPr b="0" lang="en-US" sz="1800" spc="-1" strike="noStrike">
+            <a:endParaRPr b="0" lang="en-US" sz="3200" spc="-1" strike="noStrike">
               <a:latin typeface="Arial"/>
             </a:endParaRPr>
           </a:p>
           <a:p>
             <a:pPr lvl="1" marL="864000" indent="-324000">
               <a:spcBef>
-                <a:spcPts val="1128"/>
+                <a:spcPts val="1134"/>
               </a:spcBef>
               <a:buClr>
                 <a:srgbClr val="ffffff"/>
@@ -4859,19 +4862,19 @@
               <a:buChar char=""/>
             </a:pPr>
             <a:r>
-              <a:rPr b="0" lang="en-US" sz="1800" spc="-1" strike="noStrike">
+              <a:rPr b="0" lang="en-US" sz="2800" spc="-1" strike="noStrike">
                 <a:latin typeface="Arial"/>
               </a:rPr>
               <a:t>Second Outline Level</a:t>
             </a:r>
-            <a:endParaRPr b="0" lang="en-US" sz="1800" spc="-1" strike="noStrike">
+            <a:endParaRPr b="0" lang="en-US" sz="2800" spc="-1" strike="noStrike">
               <a:latin typeface="Arial"/>
             </a:endParaRPr>
           </a:p>
           <a:p>
             <a:pPr lvl="2" marL="1296000" indent="-288000">
               <a:spcBef>
-                <a:spcPts val="845"/>
+                <a:spcPts val="850"/>
               </a:spcBef>
               <a:buClr>
                 <a:srgbClr val="ffffff"/>
@@ -4881,19 +4884,19 @@
               <a:buChar char=""/>
             </a:pPr>
             <a:r>
-              <a:rPr b="0" lang="en-US" sz="1800" spc="-1" strike="noStrike">
+              <a:rPr b="0" lang="en-US" sz="2400" spc="-1" strike="noStrike">
                 <a:latin typeface="Arial"/>
               </a:rPr>
               <a:t>Third Outline Level</a:t>
             </a:r>
-            <a:endParaRPr b="0" lang="en-US" sz="1800" spc="-1" strike="noStrike">
+            <a:endParaRPr b="0" lang="en-US" sz="2400" spc="-1" strike="noStrike">
               <a:latin typeface="Arial"/>
             </a:endParaRPr>
           </a:p>
           <a:p>
             <a:pPr lvl="3" marL="1728000" indent="-216000">
               <a:spcBef>
-                <a:spcPts val="561"/>
+                <a:spcPts val="567"/>
               </a:spcBef>
               <a:buClr>
                 <a:srgbClr val="ffffff"/>
@@ -4903,19 +4906,19 @@
               <a:buChar char=""/>
             </a:pPr>
             <a:r>
-              <a:rPr b="0" lang="en-US" sz="1800" spc="-1" strike="noStrike">
+              <a:rPr b="0" lang="en-US" sz="2000" spc="-1" strike="noStrike">
                 <a:latin typeface="Arial"/>
               </a:rPr>
               <a:t>Fourth Outline Level</a:t>
             </a:r>
-            <a:endParaRPr b="0" lang="en-US" sz="1800" spc="-1" strike="noStrike">
+            <a:endParaRPr b="0" lang="en-US" sz="2000" spc="-1" strike="noStrike">
               <a:latin typeface="Arial"/>
             </a:endParaRPr>
           </a:p>
           <a:p>
             <a:pPr lvl="4" marL="2160000" indent="-216000">
               <a:spcBef>
-                <a:spcPts val="275"/>
+                <a:spcPts val="283"/>
               </a:spcBef>
               <a:buClr>
                 <a:srgbClr val="ffffff"/>
@@ -4925,19 +4928,19 @@
               <a:buChar char=""/>
             </a:pPr>
             <a:r>
-              <a:rPr b="0" lang="en-US" sz="1800" spc="-1" strike="noStrike">
+              <a:rPr b="0" lang="en-US" sz="2000" spc="-1" strike="noStrike">
                 <a:latin typeface="Arial"/>
               </a:rPr>
               <a:t>Fifth Outline Level</a:t>
             </a:r>
-            <a:endParaRPr b="0" lang="en-US" sz="1800" spc="-1" strike="noStrike">
+            <a:endParaRPr b="0" lang="en-US" sz="2000" spc="-1" strike="noStrike">
               <a:latin typeface="Arial"/>
             </a:endParaRPr>
           </a:p>
           <a:p>
             <a:pPr lvl="5" marL="2592000" indent="-216000">
               <a:spcBef>
-                <a:spcPts val="275"/>
+                <a:spcPts val="283"/>
               </a:spcBef>
               <a:buClr>
                 <a:srgbClr val="ffffff"/>
@@ -4947,19 +4950,19 @@
               <a:buChar char=""/>
             </a:pPr>
             <a:r>
-              <a:rPr b="0" lang="en-US" sz="1800" spc="-1" strike="noStrike">
+              <a:rPr b="0" lang="en-US" sz="2000" spc="-1" strike="noStrike">
                 <a:latin typeface="Arial"/>
               </a:rPr>
               <a:t>Sixth Outline Level</a:t>
             </a:r>
-            <a:endParaRPr b="0" lang="en-US" sz="1800" spc="-1" strike="noStrike">
+            <a:endParaRPr b="0" lang="en-US" sz="2000" spc="-1" strike="noStrike">
               <a:latin typeface="Arial"/>
             </a:endParaRPr>
           </a:p>
           <a:p>
             <a:pPr lvl="6" marL="3024000" indent="-216000">
               <a:spcBef>
-                <a:spcPts val="275"/>
+                <a:spcPts val="283"/>
               </a:spcBef>
               <a:buClr>
                 <a:srgbClr val="ffffff"/>
@@ -4969,12 +4972,12 @@
               <a:buChar char=""/>
             </a:pPr>
             <a:r>
-              <a:rPr b="0" lang="en-US" sz="1800" spc="-1" strike="noStrike">
+              <a:rPr b="0" lang="en-US" sz="2000" spc="-1" strike="noStrike">
                 <a:latin typeface="Arial"/>
               </a:rPr>
               <a:t>Seventh Outline Level</a:t>
             </a:r>
-            <a:endParaRPr b="0" lang="en-US" sz="1800" spc="-1" strike="noStrike">
+            <a:endParaRPr b="0" lang="en-US" sz="2000" spc="-1" strike="noStrike">
               <a:latin typeface="Arial"/>
             </a:endParaRPr>
           </a:p>
@@ -5026,7 +5029,7 @@
         <p:spPr>
           <a:xfrm>
             <a:off x="359640" y="3194640"/>
-            <a:ext cx="9359280" cy="2128320"/>
+            <a:ext cx="9358920" cy="2127960"/>
           </a:xfrm>
           <a:prstGeom prst="rect">
             <a:avLst/>
@@ -5058,6 +5061,7 @@
                   <a:srgbClr val="ffffff"/>
                 </a:solidFill>
                 <a:latin typeface="Noto Sans Black"/>
+                <a:ea typeface="DejaVu Sans"/>
               </a:rPr>
               <a:t>House Prices: Advanced Regression Techniques</a:t>
             </a:r>
@@ -5077,7 +5081,7 @@
         <p:spPr>
           <a:xfrm>
             <a:off x="359640" y="5220000"/>
-            <a:ext cx="9359280" cy="1979640"/>
+            <a:ext cx="9358920" cy="1979280"/>
           </a:xfrm>
           <a:prstGeom prst="rect">
             <a:avLst/>
@@ -5133,7 +5137,7 @@
         <p:spPr>
           <a:xfrm>
             <a:off x="359640" y="300960"/>
-            <a:ext cx="9359280" cy="957960"/>
+            <a:ext cx="9358920" cy="957600"/>
           </a:xfrm>
           <a:prstGeom prst="rect">
             <a:avLst/>
@@ -5165,8 +5169,9 @@
                   <a:srgbClr val="ffffff"/>
                 </a:solidFill>
                 <a:latin typeface="Noto Sans Black"/>
+                <a:ea typeface="DejaVu Sans"/>
               </a:rPr>
-              <a:t>Modeling</a:t>
+              <a:t>Model Analysis</a:t>
             </a:r>
             <a:endParaRPr b="0" lang="en-US" sz="3600" spc="-1" strike="noStrike">
               <a:latin typeface="Arial"/>
@@ -5183,7 +5188,7 @@
         <p:spPr>
           <a:xfrm>
             <a:off x="359640" y="1979280"/>
-            <a:ext cx="9359280" cy="5040000"/>
+            <a:ext cx="9358920" cy="5039640"/>
           </a:xfrm>
           <a:prstGeom prst="rect">
             <a:avLst/>
@@ -5239,7 +5244,7 @@
         <p:spPr>
           <a:xfrm>
             <a:off x="359640" y="300960"/>
-            <a:ext cx="9359280" cy="957960"/>
+            <a:ext cx="9358920" cy="957600"/>
           </a:xfrm>
           <a:prstGeom prst="rect">
             <a:avLst/>
@@ -5271,8 +5276,9 @@
                   <a:srgbClr val="ffffff"/>
                 </a:solidFill>
                 <a:latin typeface="Noto Sans Black"/>
+                <a:ea typeface="DejaVu Sans"/>
               </a:rPr>
-              <a:t>Model Analysis</a:t>
+              <a:t>Feature Importance After Modeling</a:t>
             </a:r>
             <a:endParaRPr b="0" lang="en-US" sz="3600" spc="-1" strike="noStrike">
               <a:latin typeface="Arial"/>
@@ -5289,7 +5295,7 @@
         <p:spPr>
           <a:xfrm>
             <a:off x="359640" y="1979280"/>
-            <a:ext cx="9359280" cy="5040000"/>
+            <a:ext cx="9358920" cy="5039640"/>
           </a:xfrm>
           <a:prstGeom prst="rect">
             <a:avLst/>
@@ -5306,6 +5312,29 @@
           <a:fontRef idx="minor"/>
         </p:style>
       </p:sp>
+      <p:pic>
+        <p:nvPicPr>
+          <p:cNvPr id="125" name="" descr=""/>
+          <p:cNvPicPr/>
+          <p:nvPr/>
+        </p:nvPicPr>
+        <p:blipFill>
+          <a:blip r:embed="rId1"/>
+          <a:stretch/>
+        </p:blipFill>
+        <p:spPr>
+          <a:xfrm>
+            <a:off x="-21240" y="1828800"/>
+            <a:ext cx="10079280" cy="5153400"/>
+          </a:xfrm>
+          <a:prstGeom prst="rect">
+            <a:avLst/>
+          </a:prstGeom>
+          <a:ln>
+            <a:noFill/>
+          </a:ln>
+        </p:spPr>
+      </p:pic>
     </p:spTree>
   </p:cSld>
   <mc:AlternateContent>
@@ -5338,14 +5367,14 @@
       </p:grpSpPr>
       <p:sp>
         <p:nvSpPr>
-          <p:cNvPr id="125" name="CustomShape 1"/>
+          <p:cNvPr id="126" name="CustomShape 1"/>
           <p:cNvSpPr/>
           <p:nvPr/>
         </p:nvSpPr>
         <p:spPr>
           <a:xfrm>
             <a:off x="359640" y="300960"/>
-            <a:ext cx="9359280" cy="957960"/>
+            <a:ext cx="9358920" cy="957600"/>
           </a:xfrm>
           <a:prstGeom prst="rect">
             <a:avLst/>
@@ -5377,8 +5406,9 @@
                   <a:srgbClr val="ffffff"/>
                 </a:solidFill>
                 <a:latin typeface="Noto Sans Black"/>
+                <a:ea typeface="DejaVu Sans"/>
               </a:rPr>
-              <a:t>Feature Importance After Modeling</a:t>
+              <a:t>Plotting Training Data Prediction</a:t>
             </a:r>
             <a:endParaRPr b="0" lang="en-US" sz="3600" spc="-1" strike="noStrike">
               <a:latin typeface="Arial"/>
@@ -5388,14 +5418,14 @@
       </p:sp>
       <p:sp>
         <p:nvSpPr>
-          <p:cNvPr id="126" name="CustomShape 2"/>
+          <p:cNvPr id="127" name="CustomShape 2"/>
           <p:cNvSpPr/>
           <p:nvPr/>
         </p:nvSpPr>
         <p:spPr>
           <a:xfrm>
             <a:off x="359640" y="1979280"/>
-            <a:ext cx="9359280" cy="5040000"/>
+            <a:ext cx="9358920" cy="5039640"/>
           </a:xfrm>
           <a:prstGeom prst="rect">
             <a:avLst/>
@@ -5414,7 +5444,7 @@
       </p:sp>
       <p:pic>
         <p:nvPicPr>
-          <p:cNvPr id="127" name="" descr=""/>
+          <p:cNvPr id="128" name="" descr=""/>
           <p:cNvPicPr/>
           <p:nvPr/>
         </p:nvPicPr>
@@ -5424,8 +5454,8 @@
         </p:blipFill>
         <p:spPr>
           <a:xfrm>
-            <a:off x="-21240" y="1828800"/>
-            <a:ext cx="10079640" cy="5153760"/>
+            <a:off x="457560" y="1518480"/>
+            <a:ext cx="9143640" cy="5796720"/>
           </a:xfrm>
           <a:prstGeom prst="rect">
             <a:avLst/>
@@ -5467,14 +5497,14 @@
       </p:grpSpPr>
       <p:sp>
         <p:nvSpPr>
-          <p:cNvPr id="128" name="CustomShape 1"/>
+          <p:cNvPr id="129" name="CustomShape 1"/>
           <p:cNvSpPr/>
           <p:nvPr/>
         </p:nvSpPr>
         <p:spPr>
           <a:xfrm>
             <a:off x="359640" y="300960"/>
-            <a:ext cx="9359280" cy="957960"/>
+            <a:ext cx="9358920" cy="957600"/>
           </a:xfrm>
           <a:prstGeom prst="rect">
             <a:avLst/>
@@ -5493,14 +5523,14 @@
       </p:sp>
       <p:sp>
         <p:nvSpPr>
-          <p:cNvPr id="129" name="CustomShape 2"/>
+          <p:cNvPr id="130" name="CustomShape 2"/>
           <p:cNvSpPr/>
           <p:nvPr/>
         </p:nvSpPr>
         <p:spPr>
           <a:xfrm>
             <a:off x="359640" y="1979280"/>
-            <a:ext cx="9359280" cy="5040000"/>
+            <a:ext cx="9358920" cy="5039640"/>
           </a:xfrm>
           <a:prstGeom prst="rect">
             <a:avLst/>
@@ -5517,6 +5547,29 @@
           <a:fontRef idx="minor"/>
         </p:style>
       </p:sp>
+      <p:pic>
+        <p:nvPicPr>
+          <p:cNvPr id="131" name="" descr=""/>
+          <p:cNvPicPr/>
+          <p:nvPr/>
+        </p:nvPicPr>
+        <p:blipFill>
+          <a:blip r:embed="rId1"/>
+          <a:stretch/>
+        </p:blipFill>
+        <p:spPr>
+          <a:xfrm>
+            <a:off x="640440" y="1645920"/>
+            <a:ext cx="9143640" cy="5796720"/>
+          </a:xfrm>
+          <a:prstGeom prst="rect">
+            <a:avLst/>
+          </a:prstGeom>
+          <a:ln>
+            <a:noFill/>
+          </a:ln>
+        </p:spPr>
+      </p:pic>
     </p:spTree>
   </p:cSld>
   <mc:AlternateContent>
@@ -5547,16 +5600,69 @@
           <a:chExt cx="0" cy="0"/>
         </a:xfrm>
       </p:grpSpPr>
-      <p:sp>
-        <p:nvSpPr>
-          <p:cNvPr id="130" name="CustomShape 1"/>
+      <p:pic>
+        <p:nvPicPr>
+          <p:cNvPr id="132" name="" descr=""/>
+          <p:cNvPicPr/>
+          <p:nvPr/>
+        </p:nvPicPr>
+        <p:blipFill>
+          <a:blip r:embed="rId1"/>
+          <a:stretch/>
+        </p:blipFill>
+        <p:spPr>
+          <a:xfrm>
+            <a:off x="183240" y="1609920"/>
+            <a:ext cx="9143640" cy="5796720"/>
+          </a:xfrm>
+          <a:prstGeom prst="rect">
+            <a:avLst/>
+          </a:prstGeom>
+          <a:ln>
+            <a:noFill/>
+          </a:ln>
+        </p:spPr>
+      </p:pic>
+    </p:spTree>
+  </p:cSld>
+  <mc:AlternateContent>
+    <mc:Choice Requires="p14">
+      <p:transition spd="slow" p14:dur="2000"/>
+    </mc:Choice>
+    <mc:Fallback>
+      <p:transition spd="slow"/>
+    </mc:Fallback>
+  </mc:AlternateContent>
+</p:sld>
+</file>
+
+<file path=ppt/slides/slide7.xml><?xml version="1.0" encoding="utf-8"?>
+<p:sld xmlns:a="http://schemas.openxmlformats.org/drawingml/2006/main" xmlns:p="http://schemas.openxmlformats.org/presentationml/2006/main" xmlns:r="http://schemas.openxmlformats.org/officeDocument/2006/relationships" xmlns:p14="http://schemas.microsoft.com/office/powerpoint/2010/main" xmlns:p15="http://schemas.microsoft.com/office/powerpoint/2012/main" xmlns:mc="http://schemas.openxmlformats.org/markup-compatibility/2006">
+  <p:cSld>
+    <p:spTree>
+      <p:nvGrpSpPr>
+        <p:cNvPr id="1" name=""/>
+        <p:cNvGrpSpPr/>
+        <p:nvPr/>
+      </p:nvGrpSpPr>
+      <p:grpSpPr>
+        <a:xfrm>
+          <a:off x="0" y="0"/>
+          <a:ext cx="0" cy="0"/>
+          <a:chOff x="0" y="0"/>
+          <a:chExt cx="0" cy="0"/>
+        </a:xfrm>
+      </p:grpSpPr>
+      <p:sp>
+        <p:nvSpPr>
+          <p:cNvPr id="133" name="CustomShape 1"/>
           <p:cNvSpPr/>
           <p:nvPr/>
         </p:nvSpPr>
         <p:spPr>
           <a:xfrm>
             <a:off x="2699280" y="2699280"/>
-            <a:ext cx="4679280" cy="2159640"/>
+            <a:ext cx="4678920" cy="2159280"/>
           </a:xfrm>
           <a:prstGeom prst="rect">
             <a:avLst/>
@@ -5588,6 +5694,7 @@
                   <a:srgbClr val="2c3e50"/>
                 </a:solidFill>
                 <a:latin typeface="Noto Sans Black"/>
+                <a:ea typeface="DejaVu Sans"/>
               </a:rPr>
               <a:t>Thank You That's All.</a:t>
             </a:r>

--- a/powerpoint/ml project.pptx
+++ b/powerpoint/ml project.pptx
@@ -14,6 +14,9 @@
     <p:sldId id="260" r:id="rId9"/>
     <p:sldId id="261" r:id="rId10"/>
     <p:sldId id="262" r:id="rId11"/>
+    <p:sldId id="263" r:id="rId12"/>
+    <p:sldId id="264" r:id="rId13"/>
+    <p:sldId id="265" r:id="rId14"/>
   </p:sldIdLst>
   <p:sldSz cx="10080625" cy="7559675"/>
   <p:notesSz cx="7772400" cy="10058400"/>
@@ -4121,7 +4124,7 @@
         <p:spPr>
           <a:xfrm>
             <a:off x="360" y="0"/>
-            <a:ext cx="10078560" cy="5039640"/>
+            <a:ext cx="10078200" cy="5039280"/>
           </a:xfrm>
           <a:prstGeom prst="rect">
             <a:avLst/>
@@ -4152,25 +4155,26 @@
         </p:nvSpPr>
         <p:spPr>
           <a:xfrm>
-            <a:off x="2699280" y="2699280"/>
-            <a:ext cx="4678920" cy="2159280"/>
-          </a:xfrm>
-          <a:prstGeom prst="rect">
-            <a:avLst/>
-          </a:prstGeom>
-        </p:spPr>
-        <p:txBody>
-          <a:bodyPr lIns="0" rIns="0" tIns="0" bIns="0" anchor="ctr" anchorCtr="1">
+            <a:off x="504000" y="301320"/>
+            <a:ext cx="9072000" cy="1261800"/>
+          </a:xfrm>
+          <a:prstGeom prst="rect">
+            <a:avLst/>
+          </a:prstGeom>
+        </p:spPr>
+        <p:txBody>
+          <a:bodyPr lIns="0" rIns="0" tIns="0" bIns="0" anchor="ctr">
             <a:noAutofit/>
           </a:bodyPr>
           <a:p>
+            <a:pPr algn="ctr"/>
             <a:r>
-              <a:rPr b="0" lang="en-US" sz="1800" spc="-1" strike="noStrike">
+              <a:rPr b="0" lang="en-US" sz="4400" spc="-1" strike="noStrike">
                 <a:latin typeface="Arial"/>
               </a:rPr>
               <a:t>Click to edit the title text format</a:t>
             </a:r>
-            <a:endParaRPr b="0" lang="en-US" sz="1800" spc="-1" strike="noStrike">
+            <a:endParaRPr b="0" lang="en-US" sz="4400" spc="-1" strike="noStrike">
               <a:latin typeface="Arial"/>
             </a:endParaRPr>
           </a:p>
@@ -4188,8 +4192,8 @@
         </p:nvSpPr>
         <p:spPr>
           <a:xfrm>
-            <a:off x="3419640" y="5040000"/>
-            <a:ext cx="6298560" cy="2159280"/>
+            <a:off x="504000" y="1768680"/>
+            <a:ext cx="9072000" cy="4384080"/>
           </a:xfrm>
           <a:prstGeom prst="rect">
             <a:avLst/>
@@ -4197,7 +4201,7 @@
         </p:spPr>
         <p:txBody>
           <a:bodyPr lIns="0" rIns="0" tIns="0" bIns="0">
-            <a:normAutofit fontScale="94000"/>
+            <a:normAutofit/>
           </a:bodyPr>
           <a:p>
             <a:pPr marL="432000" indent="-324000">
@@ -4212,12 +4216,12 @@
               <a:buChar char=""/>
             </a:pPr>
             <a:r>
-              <a:rPr b="0" lang="en-US" sz="1800" spc="-1" strike="noStrike">
+              <a:rPr b="0" lang="en-US" sz="3200" spc="-1" strike="noStrike">
                 <a:latin typeface="Arial"/>
               </a:rPr>
               <a:t>Click to edit the outline text format</a:t>
             </a:r>
-            <a:endParaRPr b="0" lang="en-US" sz="1800" spc="-1" strike="noStrike">
+            <a:endParaRPr b="0" lang="en-US" sz="3200" spc="-1" strike="noStrike">
               <a:latin typeface="Arial"/>
             </a:endParaRPr>
           </a:p>
@@ -4234,12 +4238,12 @@
               <a:buChar char=""/>
             </a:pPr>
             <a:r>
-              <a:rPr b="0" lang="en-US" sz="1800" spc="-1" strike="noStrike">
+              <a:rPr b="0" lang="en-US" sz="2800" spc="-1" strike="noStrike">
                 <a:latin typeface="Arial"/>
               </a:rPr>
               <a:t>Second Outline Level</a:t>
             </a:r>
-            <a:endParaRPr b="0" lang="en-US" sz="1800" spc="-1" strike="noStrike">
+            <a:endParaRPr b="0" lang="en-US" sz="2800" spc="-1" strike="noStrike">
               <a:latin typeface="Arial"/>
             </a:endParaRPr>
           </a:p>
@@ -4256,12 +4260,12 @@
               <a:buChar char=""/>
             </a:pPr>
             <a:r>
-              <a:rPr b="0" lang="en-US" sz="1800" spc="-1" strike="noStrike">
+              <a:rPr b="0" lang="en-US" sz="2400" spc="-1" strike="noStrike">
                 <a:latin typeface="Arial"/>
               </a:rPr>
               <a:t>Third Outline Level</a:t>
             </a:r>
-            <a:endParaRPr b="0" lang="en-US" sz="1800" spc="-1" strike="noStrike">
+            <a:endParaRPr b="0" lang="en-US" sz="2400" spc="-1" strike="noStrike">
               <a:latin typeface="Arial"/>
             </a:endParaRPr>
           </a:p>
@@ -4278,12 +4282,12 @@
               <a:buChar char=""/>
             </a:pPr>
             <a:r>
-              <a:rPr b="0" lang="en-US" sz="1800" spc="-1" strike="noStrike">
+              <a:rPr b="0" lang="en-US" sz="2000" spc="-1" strike="noStrike">
                 <a:latin typeface="Arial"/>
               </a:rPr>
               <a:t>Fourth Outline Level</a:t>
             </a:r>
-            <a:endParaRPr b="0" lang="en-US" sz="1800" spc="-1" strike="noStrike">
+            <a:endParaRPr b="0" lang="en-US" sz="2000" spc="-1" strike="noStrike">
               <a:latin typeface="Arial"/>
             </a:endParaRPr>
           </a:p>
@@ -4300,12 +4304,12 @@
               <a:buChar char=""/>
             </a:pPr>
             <a:r>
-              <a:rPr b="0" lang="en-US" sz="1800" spc="-1" strike="noStrike">
+              <a:rPr b="0" lang="en-US" sz="2000" spc="-1" strike="noStrike">
                 <a:latin typeface="Arial"/>
               </a:rPr>
               <a:t>Fifth Outline Level</a:t>
             </a:r>
-            <a:endParaRPr b="0" lang="en-US" sz="1800" spc="-1" strike="noStrike">
+            <a:endParaRPr b="0" lang="en-US" sz="2000" spc="-1" strike="noStrike">
               <a:latin typeface="Arial"/>
             </a:endParaRPr>
           </a:p>
@@ -4322,12 +4326,12 @@
               <a:buChar char=""/>
             </a:pPr>
             <a:r>
-              <a:rPr b="0" lang="en-US" sz="1800" spc="-1" strike="noStrike">
+              <a:rPr b="0" lang="en-US" sz="2000" spc="-1" strike="noStrike">
                 <a:latin typeface="Arial"/>
               </a:rPr>
               <a:t>Sixth Outline Level</a:t>
             </a:r>
-            <a:endParaRPr b="0" lang="en-US" sz="1800" spc="-1" strike="noStrike">
+            <a:endParaRPr b="0" lang="en-US" sz="2000" spc="-1" strike="noStrike">
               <a:latin typeface="Arial"/>
             </a:endParaRPr>
           </a:p>
@@ -4344,12 +4348,12 @@
               <a:buChar char=""/>
             </a:pPr>
             <a:r>
-              <a:rPr b="0" lang="en-US" sz="1800" spc="-1" strike="noStrike">
+              <a:rPr b="0" lang="en-US" sz="2000" spc="-1" strike="noStrike">
                 <a:latin typeface="Arial"/>
               </a:rPr>
               <a:t>Seventh Outline Level</a:t>
             </a:r>
-            <a:endParaRPr b="0" lang="en-US" sz="1800" spc="-1" strike="noStrike">
+            <a:endParaRPr b="0" lang="en-US" sz="2000" spc="-1" strike="noStrike">
               <a:latin typeface="Arial"/>
             </a:endParaRPr>
           </a:p>
@@ -4401,7 +4405,7 @@
         <p:spPr>
           <a:xfrm>
             <a:off x="360" y="7200000"/>
-            <a:ext cx="10078560" cy="359640"/>
+            <a:ext cx="10078200" cy="359280"/>
           </a:xfrm>
           <a:prstGeom prst="rect">
             <a:avLst/>
@@ -4429,7 +4433,7 @@
         <p:spPr>
           <a:xfrm>
             <a:off x="360" y="0"/>
-            <a:ext cx="10078560" cy="1619280"/>
+            <a:ext cx="10078200" cy="1618920"/>
           </a:xfrm>
           <a:prstGeom prst="rect">
             <a:avLst/>
@@ -4457,7 +4461,7 @@
         <p:spPr>
           <a:xfrm>
             <a:off x="9268920" y="6894000"/>
-            <a:ext cx="539280" cy="539280"/>
+            <a:ext cx="538920" cy="538920"/>
           </a:xfrm>
           <a:prstGeom prst="ellipse">
             <a:avLst/>
@@ -4505,7 +4509,19 @@
               <a:rPr b="0" lang="en-US" sz="4400" spc="-1" strike="noStrike">
                 <a:latin typeface="Arial"/>
               </a:rPr>
-              <a:t>Click to edit the title text format</a:t>
+              <a:t>Click to edit </a:t>
+            </a:r>
+            <a:r>
+              <a:rPr b="0" lang="en-US" sz="4400" spc="-1" strike="noStrike">
+                <a:latin typeface="Arial"/>
+              </a:rPr>
+              <a:t>the title text </a:t>
+            </a:r>
+            <a:r>
+              <a:rPr b="0" lang="en-US" sz="4400" spc="-1" strike="noStrike">
+                <a:latin typeface="Arial"/>
+              </a:rPr>
+              <a:t>format</a:t>
             </a:r>
             <a:endParaRPr b="0" lang="en-US" sz="4400" spc="-1" strike="noStrike">
               <a:latin typeface="Arial"/>
@@ -4745,7 +4761,7 @@
         <p:spPr>
           <a:xfrm>
             <a:off x="2519640" y="2519640"/>
-            <a:ext cx="5038920" cy="2519280"/>
+            <a:ext cx="5038560" cy="2518920"/>
           </a:xfrm>
           <a:prstGeom prst="wedgeRectCallout">
             <a:avLst>
@@ -4796,7 +4812,19 @@
               <a:rPr b="0" lang="en-US" sz="4400" spc="-1" strike="noStrike">
                 <a:latin typeface="Arial"/>
               </a:rPr>
-              <a:t>Click to edit the title text format</a:t>
+              <a:t>Click to edit </a:t>
+            </a:r>
+            <a:r>
+              <a:rPr b="0" lang="en-US" sz="4400" spc="-1" strike="noStrike">
+                <a:latin typeface="Arial"/>
+              </a:rPr>
+              <a:t>the title text </a:t>
+            </a:r>
+            <a:r>
+              <a:rPr b="0" lang="en-US" sz="4400" spc="-1" strike="noStrike">
+                <a:latin typeface="Arial"/>
+              </a:rPr>
+              <a:t>format</a:t>
             </a:r>
             <a:endParaRPr b="0" lang="en-US" sz="4400" spc="-1" strike="noStrike">
               <a:latin typeface="Arial"/>
@@ -5029,7 +5057,7 @@
         <p:spPr>
           <a:xfrm>
             <a:off x="359640" y="3194640"/>
-            <a:ext cx="9358920" cy="2127960"/>
+            <a:ext cx="9358560" cy="2127600"/>
           </a:xfrm>
           <a:prstGeom prst="rect">
             <a:avLst/>
@@ -5081,7 +5109,7 @@
         <p:spPr>
           <a:xfrm>
             <a:off x="359640" y="5220000"/>
-            <a:ext cx="9358920" cy="1979280"/>
+            <a:ext cx="9358560" cy="1978920"/>
           </a:xfrm>
           <a:prstGeom prst="rect">
             <a:avLst/>
@@ -5097,6 +5125,87 @@
           <a:effectRef idx="0"/>
           <a:fontRef idx="minor"/>
         </p:style>
+      </p:sp>
+    </p:spTree>
+  </p:cSld>
+  <mc:AlternateContent>
+    <mc:Choice Requires="p14">
+      <p:transition spd="slow" p14:dur="2000"/>
+    </mc:Choice>
+    <mc:Fallback>
+      <p:transition spd="slow"/>
+    </mc:Fallback>
+  </mc:AlternateContent>
+</p:sld>
+</file>
+
+<file path=ppt/slides/slide10.xml><?xml version="1.0" encoding="utf-8"?>
+<p:sld xmlns:a="http://schemas.openxmlformats.org/drawingml/2006/main" xmlns:p="http://schemas.openxmlformats.org/presentationml/2006/main" xmlns:r="http://schemas.openxmlformats.org/officeDocument/2006/relationships" xmlns:p14="http://schemas.microsoft.com/office/powerpoint/2010/main" xmlns:p15="http://schemas.microsoft.com/office/powerpoint/2012/main" xmlns:mc="http://schemas.openxmlformats.org/markup-compatibility/2006">
+  <p:cSld>
+    <p:spTree>
+      <p:nvGrpSpPr>
+        <p:cNvPr id="1" name=""/>
+        <p:cNvGrpSpPr/>
+        <p:nvPr/>
+      </p:nvGrpSpPr>
+      <p:grpSpPr>
+        <a:xfrm>
+          <a:off x="0" y="0"/>
+          <a:ext cx="0" cy="0"/>
+          <a:chOff x="0" y="0"/>
+          <a:chExt cx="0" cy="0"/>
+        </a:xfrm>
+      </p:grpSpPr>
+      <p:sp>
+        <p:nvSpPr>
+          <p:cNvPr id="145" name="CustomShape 1"/>
+          <p:cNvSpPr/>
+          <p:nvPr/>
+        </p:nvSpPr>
+        <p:spPr>
+          <a:xfrm>
+            <a:off x="2699280" y="2699280"/>
+            <a:ext cx="4678560" cy="2158920"/>
+          </a:xfrm>
+          <a:prstGeom prst="rect">
+            <a:avLst/>
+          </a:prstGeom>
+          <a:noFill/>
+          <a:ln>
+            <a:noFill/>
+          </a:ln>
+        </p:spPr>
+        <p:style>
+          <a:lnRef idx="0"/>
+          <a:fillRef idx="0"/>
+          <a:effectRef idx="0"/>
+          <a:fontRef idx="minor"/>
+        </p:style>
+        <p:txBody>
+          <a:bodyPr lIns="0" rIns="0" tIns="0" bIns="0" anchor="ctr" anchorCtr="1">
+            <a:noAutofit/>
+          </a:bodyPr>
+          <a:p>
+            <a:pPr algn="ctr">
+              <a:lnSpc>
+                <a:spcPct val="100000"/>
+              </a:lnSpc>
+            </a:pPr>
+            <a:r>
+              <a:rPr b="1" lang="en-US" sz="3600" spc="-1" strike="noStrike">
+                <a:solidFill>
+                  <a:srgbClr val="2c3e50"/>
+                </a:solidFill>
+                <a:latin typeface="Noto Sans Black"/>
+                <a:ea typeface="DejaVu Sans"/>
+              </a:rPr>
+              <a:t>Thank You That's All.</a:t>
+            </a:r>
+            <a:endParaRPr b="0" lang="en-US" sz="3600" spc="-1" strike="noStrike">
+              <a:latin typeface="Arial"/>
+            </a:endParaRPr>
+          </a:p>
+        </p:txBody>
       </p:sp>
     </p:spTree>
   </p:cSld>
@@ -5137,7 +5246,7 @@
         <p:spPr>
           <a:xfrm>
             <a:off x="359640" y="300960"/>
-            <a:ext cx="9358920" cy="957600"/>
+            <a:ext cx="9358560" cy="957240"/>
           </a:xfrm>
           <a:prstGeom prst="rect">
             <a:avLst/>
@@ -5171,7 +5280,7 @@
                 <a:latin typeface="Noto Sans Black"/>
                 <a:ea typeface="DejaVu Sans"/>
               </a:rPr>
-              <a:t>Model Analysis</a:t>
+              <a:t>Modeling</a:t>
             </a:r>
             <a:endParaRPr b="0" lang="en-US" sz="3600" spc="-1" strike="noStrike">
               <a:latin typeface="Arial"/>
@@ -5188,7 +5297,7 @@
         <p:spPr>
           <a:xfrm>
             <a:off x="359640" y="1979280"/>
-            <a:ext cx="9358920" cy="5039640"/>
+            <a:ext cx="9358560" cy="5039280"/>
           </a:xfrm>
           <a:prstGeom prst="rect">
             <a:avLst/>
@@ -5204,6 +5313,68 @@
           <a:effectRef idx="0"/>
           <a:fontRef idx="minor"/>
         </p:style>
+      </p:sp>
+      <p:sp>
+        <p:nvSpPr>
+          <p:cNvPr id="123" name="TextShape 3"/>
+          <p:cNvSpPr txBox="1"/>
+          <p:nvPr/>
+        </p:nvSpPr>
+        <p:spPr>
+          <a:xfrm>
+            <a:off x="504000" y="301320"/>
+            <a:ext cx="9072000" cy="1261800"/>
+          </a:xfrm>
+          <a:prstGeom prst="rect">
+            <a:avLst/>
+          </a:prstGeom>
+          <a:noFill/>
+          <a:ln>
+            <a:noFill/>
+          </a:ln>
+        </p:spPr>
+        <p:txBody>
+          <a:bodyPr lIns="0" rIns="0" tIns="0" bIns="0" anchor="ctr">
+            <a:noAutofit/>
+          </a:bodyPr>
+          <a:p>
+            <a:pPr algn="ctr"/>
+            <a:endParaRPr b="0" lang="en-US" sz="4400" spc="-1" strike="noStrike">
+              <a:latin typeface="Arial"/>
+            </a:endParaRPr>
+          </a:p>
+        </p:txBody>
+      </p:sp>
+      <p:sp>
+        <p:nvSpPr>
+          <p:cNvPr id="124" name="TextShape 4"/>
+          <p:cNvSpPr txBox="1"/>
+          <p:nvPr/>
+        </p:nvSpPr>
+        <p:spPr>
+          <a:xfrm>
+            <a:off x="504000" y="1768680"/>
+            <a:ext cx="9072000" cy="4384080"/>
+          </a:xfrm>
+          <a:prstGeom prst="rect">
+            <a:avLst/>
+          </a:prstGeom>
+          <a:noFill/>
+          <a:ln>
+            <a:noFill/>
+          </a:ln>
+        </p:spPr>
+        <p:txBody>
+          <a:bodyPr lIns="0" rIns="0" tIns="0" bIns="0" anchor="ctr">
+            <a:noAutofit/>
+          </a:bodyPr>
+          <a:p>
+            <a:pPr algn="ctr"/>
+            <a:endParaRPr b="0" lang="en-US" sz="3200" spc="-1" strike="noStrike">
+              <a:latin typeface="Arial"/>
+            </a:endParaRPr>
+          </a:p>
+        </p:txBody>
       </p:sp>
     </p:spTree>
   </p:cSld>
@@ -5237,14 +5408,14 @@
       </p:grpSpPr>
       <p:sp>
         <p:nvSpPr>
-          <p:cNvPr id="123" name="CustomShape 1"/>
+          <p:cNvPr id="125" name="CustomShape 1"/>
           <p:cNvSpPr/>
           <p:nvPr/>
         </p:nvSpPr>
         <p:spPr>
           <a:xfrm>
             <a:off x="359640" y="300960"/>
-            <a:ext cx="9358920" cy="957600"/>
+            <a:ext cx="9358560" cy="957240"/>
           </a:xfrm>
           <a:prstGeom prst="rect">
             <a:avLst/>
@@ -5278,7 +5449,7 @@
                 <a:latin typeface="Noto Sans Black"/>
                 <a:ea typeface="DejaVu Sans"/>
               </a:rPr>
-              <a:t>Feature Importance After Modeling</a:t>
+              <a:t>Model Analysis</a:t>
             </a:r>
             <a:endParaRPr b="0" lang="en-US" sz="3600" spc="-1" strike="noStrike">
               <a:latin typeface="Arial"/>
@@ -5288,14 +5459,14 @@
       </p:sp>
       <p:sp>
         <p:nvSpPr>
-          <p:cNvPr id="124" name="CustomShape 2"/>
+          <p:cNvPr id="126" name="CustomShape 2"/>
           <p:cNvSpPr/>
           <p:nvPr/>
         </p:nvSpPr>
         <p:spPr>
           <a:xfrm>
             <a:off x="359640" y="1979280"/>
-            <a:ext cx="9358920" cy="5039640"/>
+            <a:ext cx="9358560" cy="5039280"/>
           </a:xfrm>
           <a:prstGeom prst="rect">
             <a:avLst/>
@@ -5312,29 +5483,140 @@
           <a:fontRef idx="minor"/>
         </p:style>
       </p:sp>
-      <p:pic>
-        <p:nvPicPr>
-          <p:cNvPr id="125" name="" descr=""/>
-          <p:cNvPicPr/>
+      <p:sp>
+        <p:nvSpPr>
+          <p:cNvPr id="127" name="TextShape 3"/>
+          <p:cNvSpPr txBox="1"/>
           <p:nvPr/>
-        </p:nvPicPr>
-        <p:blipFill>
-          <a:blip r:embed="rId1"/>
-          <a:stretch/>
-        </p:blipFill>
-        <p:spPr>
-          <a:xfrm>
-            <a:off x="-21240" y="1828800"/>
-            <a:ext cx="10079280" cy="5153400"/>
-          </a:xfrm>
-          <a:prstGeom prst="rect">
-            <a:avLst/>
-          </a:prstGeom>
+        </p:nvSpPr>
+        <p:spPr>
+          <a:xfrm>
+            <a:off x="504000" y="301320"/>
+            <a:ext cx="9072000" cy="1261800"/>
+          </a:xfrm>
+          <a:prstGeom prst="rect">
+            <a:avLst/>
+          </a:prstGeom>
+          <a:noFill/>
           <a:ln>
             <a:noFill/>
           </a:ln>
         </p:spPr>
-      </p:pic>
+        <p:txBody>
+          <a:bodyPr lIns="0" rIns="0" tIns="0" bIns="0" anchor="ctr">
+            <a:noAutofit/>
+          </a:bodyPr>
+          <a:p>
+            <a:pPr algn="ctr"/>
+            <a:r>
+              <a:rPr b="0" lang="en-US" sz="4400" spc="-1" strike="noStrike">
+                <a:latin typeface="Arial"/>
+              </a:rPr>
+              <a:t>Prediction </a:t>
+            </a:r>
+            <a:r>
+              <a:rPr b="0" lang="en-US" sz="4400" spc="-1" strike="noStrike">
+                <a:latin typeface="Arial"/>
+              </a:rPr>
+              <a:t>Models</a:t>
+            </a:r>
+            <a:endParaRPr b="0" lang="en-US" sz="4400" spc="-1" strike="noStrike">
+              <a:latin typeface="Arial"/>
+            </a:endParaRPr>
+          </a:p>
+        </p:txBody>
+      </p:sp>
+      <p:sp>
+        <p:nvSpPr>
+          <p:cNvPr id="128" name="TextShape 4"/>
+          <p:cNvSpPr txBox="1"/>
+          <p:nvPr/>
+        </p:nvSpPr>
+        <p:spPr>
+          <a:xfrm>
+            <a:off x="504000" y="1768680"/>
+            <a:ext cx="9072000" cy="4384080"/>
+          </a:xfrm>
+          <a:prstGeom prst="rect">
+            <a:avLst/>
+          </a:prstGeom>
+          <a:noFill/>
+          <a:ln>
+            <a:noFill/>
+          </a:ln>
+        </p:spPr>
+        <p:txBody>
+          <a:bodyPr lIns="0" rIns="0" tIns="0" bIns="0">
+            <a:normAutofit/>
+          </a:bodyPr>
+          <a:p>
+            <a:pPr marL="432000" indent="-324000">
+              <a:spcBef>
+                <a:spcPts val="1417"/>
+              </a:spcBef>
+              <a:buClr>
+                <a:srgbClr val="000000"/>
+              </a:buClr>
+              <a:buSzPct val="45000"/>
+              <a:buFont typeface="Wingdings" charset="2"/>
+              <a:buChar char=""/>
+            </a:pPr>
+            <a:r>
+              <a:rPr b="0" lang="en-US" sz="3200" spc="-1" strike="noStrike">
+                <a:latin typeface="Arial"/>
+              </a:rPr>
+              <a:t>Linear Regression</a:t>
+            </a:r>
+            <a:endParaRPr b="0" lang="en-US" sz="3200" spc="-1" strike="noStrike">
+              <a:latin typeface="Arial"/>
+            </a:endParaRPr>
+          </a:p>
+          <a:p>
+            <a:pPr marL="432000" indent="-324000">
+              <a:spcBef>
+                <a:spcPts val="1417"/>
+              </a:spcBef>
+              <a:buClr>
+                <a:srgbClr val="000000"/>
+              </a:buClr>
+              <a:buSzPct val="45000"/>
+              <a:buFont typeface="Wingdings" charset="2"/>
+              <a:buChar char=""/>
+            </a:pPr>
+            <a:r>
+              <a:rPr b="0" lang="en-US" sz="3200" spc="-1" strike="noStrike">
+                <a:latin typeface="Arial"/>
+              </a:rPr>
+              <a:t>Gradient Boosting</a:t>
+            </a:r>
+            <a:endParaRPr b="0" lang="en-US" sz="3200" spc="-1" strike="noStrike">
+              <a:latin typeface="Arial"/>
+            </a:endParaRPr>
+          </a:p>
+          <a:p>
+            <a:pPr marL="432000" indent="-324000">
+              <a:spcBef>
+                <a:spcPts val="1417"/>
+              </a:spcBef>
+              <a:buClr>
+                <a:srgbClr val="000000"/>
+              </a:buClr>
+              <a:buSzPct val="45000"/>
+              <a:buFont typeface="Wingdings" charset="2"/>
+              <a:buChar char=""/>
+            </a:pPr>
+            <a:r>
+              <a:rPr b="0" lang="en-US" sz="3200" spc="-1" strike="noStrike">
+                <a:latin typeface="Arial"/>
+              </a:rPr>
+              <a:t>Random Forests</a:t>
+            </a:r>
+            <a:endParaRPr b="0" lang="en-US" sz="3200" spc="-1" strike="noStrike">
+              <a:latin typeface="Arial"/>
+            </a:endParaRPr>
+          </a:p>
+        </p:txBody>
+      </p:sp>
     </p:spTree>
   </p:cSld>
   <mc:AlternateContent>
@@ -5367,14 +5649,14 @@
       </p:grpSpPr>
       <p:sp>
         <p:nvSpPr>
-          <p:cNvPr id="126" name="CustomShape 1"/>
+          <p:cNvPr id="129" name="CustomShape 1"/>
           <p:cNvSpPr/>
           <p:nvPr/>
         </p:nvSpPr>
         <p:spPr>
           <a:xfrm>
             <a:off x="359640" y="300960"/>
-            <a:ext cx="9358920" cy="957600"/>
+            <a:ext cx="9358560" cy="957240"/>
           </a:xfrm>
           <a:prstGeom prst="rect">
             <a:avLst/>
@@ -5408,7 +5690,7 @@
                 <a:latin typeface="Noto Sans Black"/>
                 <a:ea typeface="DejaVu Sans"/>
               </a:rPr>
-              <a:t>Plotting Training Data Prediction</a:t>
+              <a:t>Feature Importance After Modeling</a:t>
             </a:r>
             <a:endParaRPr b="0" lang="en-US" sz="3600" spc="-1" strike="noStrike">
               <a:latin typeface="Arial"/>
@@ -5418,14 +5700,14 @@
       </p:sp>
       <p:sp>
         <p:nvSpPr>
-          <p:cNvPr id="127" name="CustomShape 2"/>
+          <p:cNvPr id="130" name="CustomShape 2"/>
           <p:cNvSpPr/>
           <p:nvPr/>
         </p:nvSpPr>
         <p:spPr>
           <a:xfrm>
             <a:off x="359640" y="1979280"/>
-            <a:ext cx="9358920" cy="5039640"/>
+            <a:ext cx="9358560" cy="5039280"/>
           </a:xfrm>
           <a:prstGeom prst="rect">
             <a:avLst/>
@@ -5444,7 +5726,7 @@
       </p:sp>
       <p:pic>
         <p:nvPicPr>
-          <p:cNvPr id="128" name="" descr=""/>
+          <p:cNvPr id="131" name="" descr=""/>
           <p:cNvPicPr/>
           <p:nvPr/>
         </p:nvPicPr>
@@ -5454,8 +5736,8 @@
         </p:blipFill>
         <p:spPr>
           <a:xfrm>
-            <a:off x="457560" y="1518480"/>
-            <a:ext cx="9143640" cy="5796720"/>
+            <a:off x="-21240" y="1828800"/>
+            <a:ext cx="10078920" cy="5153040"/>
           </a:xfrm>
           <a:prstGeom prst="rect">
             <a:avLst/>
@@ -5497,14 +5779,14 @@
       </p:grpSpPr>
       <p:sp>
         <p:nvSpPr>
-          <p:cNvPr id="129" name="CustomShape 1"/>
+          <p:cNvPr id="132" name="CustomShape 1"/>
           <p:cNvSpPr/>
           <p:nvPr/>
         </p:nvSpPr>
         <p:spPr>
           <a:xfrm>
             <a:off x="359640" y="300960"/>
-            <a:ext cx="9358920" cy="957600"/>
+            <a:ext cx="9358560" cy="957240"/>
           </a:xfrm>
           <a:prstGeom prst="rect">
             <a:avLst/>
@@ -5520,17 +5802,42 @@
           <a:effectRef idx="0"/>
           <a:fontRef idx="minor"/>
         </p:style>
-      </p:sp>
-      <p:sp>
-        <p:nvSpPr>
-          <p:cNvPr id="130" name="CustomShape 2"/>
+        <p:txBody>
+          <a:bodyPr lIns="0" rIns="0" tIns="0" bIns="0" anchor="ctr">
+            <a:noAutofit/>
+          </a:bodyPr>
+          <a:p>
+            <a:pPr>
+              <a:lnSpc>
+                <a:spcPct val="100000"/>
+              </a:lnSpc>
+            </a:pPr>
+            <a:r>
+              <a:rPr b="1" lang="en-US" sz="3600" spc="-1" strike="noStrike">
+                <a:solidFill>
+                  <a:srgbClr val="ffffff"/>
+                </a:solidFill>
+                <a:latin typeface="Noto Sans Black"/>
+                <a:ea typeface="DejaVu Sans"/>
+              </a:rPr>
+              <a:t>Plotting Training Data Prediction</a:t>
+            </a:r>
+            <a:endParaRPr b="0" lang="en-US" sz="3600" spc="-1" strike="noStrike">
+              <a:latin typeface="Arial"/>
+            </a:endParaRPr>
+          </a:p>
+        </p:txBody>
+      </p:sp>
+      <p:sp>
+        <p:nvSpPr>
+          <p:cNvPr id="133" name="CustomShape 2"/>
           <p:cNvSpPr/>
           <p:nvPr/>
         </p:nvSpPr>
         <p:spPr>
           <a:xfrm>
             <a:off x="359640" y="1979280"/>
-            <a:ext cx="9358920" cy="5039640"/>
+            <a:ext cx="9358560" cy="5039280"/>
           </a:xfrm>
           <a:prstGeom prst="rect">
             <a:avLst/>
@@ -5549,7 +5856,7 @@
       </p:sp>
       <p:pic>
         <p:nvPicPr>
-          <p:cNvPr id="131" name="" descr=""/>
+          <p:cNvPr id="134" name="" descr=""/>
           <p:cNvPicPr/>
           <p:nvPr/>
         </p:nvPicPr>
@@ -5559,8 +5866,8 @@
         </p:blipFill>
         <p:spPr>
           <a:xfrm>
-            <a:off x="640440" y="1645920"/>
-            <a:ext cx="9143640" cy="5796720"/>
+            <a:off x="457560" y="1518480"/>
+            <a:ext cx="9143280" cy="5796360"/>
           </a:xfrm>
           <a:prstGeom prst="rect">
             <a:avLst/>
@@ -5600,9 +5907,61 @@
           <a:chExt cx="0" cy="0"/>
         </a:xfrm>
       </p:grpSpPr>
+      <p:sp>
+        <p:nvSpPr>
+          <p:cNvPr id="135" name="CustomShape 1"/>
+          <p:cNvSpPr/>
+          <p:nvPr/>
+        </p:nvSpPr>
+        <p:spPr>
+          <a:xfrm>
+            <a:off x="359640" y="300960"/>
+            <a:ext cx="9358560" cy="957240"/>
+          </a:xfrm>
+          <a:prstGeom prst="rect">
+            <a:avLst/>
+          </a:prstGeom>
+          <a:noFill/>
+          <a:ln>
+            <a:noFill/>
+          </a:ln>
+        </p:spPr>
+        <p:style>
+          <a:lnRef idx="0"/>
+          <a:fillRef idx="0"/>
+          <a:effectRef idx="0"/>
+          <a:fontRef idx="minor"/>
+        </p:style>
+      </p:sp>
+      <p:sp>
+        <p:nvSpPr>
+          <p:cNvPr id="136" name="CustomShape 2"/>
+          <p:cNvSpPr/>
+          <p:nvPr/>
+        </p:nvSpPr>
+        <p:spPr>
+          <a:xfrm>
+            <a:off x="359640" y="1979280"/>
+            <a:ext cx="9358560" cy="5039280"/>
+          </a:xfrm>
+          <a:prstGeom prst="rect">
+            <a:avLst/>
+          </a:prstGeom>
+          <a:noFill/>
+          <a:ln>
+            <a:noFill/>
+          </a:ln>
+        </p:spPr>
+        <p:style>
+          <a:lnRef idx="0"/>
+          <a:fillRef idx="0"/>
+          <a:effectRef idx="0"/>
+          <a:fontRef idx="minor"/>
+        </p:style>
+      </p:sp>
       <p:pic>
         <p:nvPicPr>
-          <p:cNvPr id="132" name="" descr=""/>
+          <p:cNvPr id="137" name="" descr=""/>
           <p:cNvPicPr/>
           <p:nvPr/>
         </p:nvPicPr>
@@ -5612,8 +5971,8 @@
         </p:blipFill>
         <p:spPr>
           <a:xfrm>
-            <a:off x="183240" y="1609920"/>
-            <a:ext cx="9143640" cy="5796720"/>
+            <a:off x="640440" y="1645920"/>
+            <a:ext cx="9143280" cy="5796360"/>
           </a:xfrm>
           <a:prstGeom prst="rect">
             <a:avLst/>
@@ -5653,16 +6012,69 @@
           <a:chExt cx="0" cy="0"/>
         </a:xfrm>
       </p:grpSpPr>
-      <p:sp>
-        <p:nvSpPr>
-          <p:cNvPr id="133" name="CustomShape 1"/>
-          <p:cNvSpPr/>
+      <p:pic>
+        <p:nvPicPr>
+          <p:cNvPr id="138" name="" descr=""/>
+          <p:cNvPicPr/>
           <p:nvPr/>
-        </p:nvSpPr>
-        <p:spPr>
-          <a:xfrm>
-            <a:off x="2699280" y="2699280"/>
-            <a:ext cx="4678920" cy="2159280"/>
+        </p:nvPicPr>
+        <p:blipFill>
+          <a:blip r:embed="rId1"/>
+          <a:stretch/>
+        </p:blipFill>
+        <p:spPr>
+          <a:xfrm>
+            <a:off x="183240" y="1609920"/>
+            <a:ext cx="9143280" cy="5796360"/>
+          </a:xfrm>
+          <a:prstGeom prst="rect">
+            <a:avLst/>
+          </a:prstGeom>
+          <a:ln>
+            <a:noFill/>
+          </a:ln>
+        </p:spPr>
+      </p:pic>
+    </p:spTree>
+  </p:cSld>
+  <mc:AlternateContent>
+    <mc:Choice Requires="p14">
+      <p:transition spd="slow" p14:dur="2000"/>
+    </mc:Choice>
+    <mc:Fallback>
+      <p:transition spd="slow"/>
+    </mc:Fallback>
+  </mc:AlternateContent>
+</p:sld>
+</file>
+
+<file path=ppt/slides/slide8.xml><?xml version="1.0" encoding="utf-8"?>
+<p:sld xmlns:a="http://schemas.openxmlformats.org/drawingml/2006/main" xmlns:p="http://schemas.openxmlformats.org/presentationml/2006/main" xmlns:r="http://schemas.openxmlformats.org/officeDocument/2006/relationships" xmlns:p14="http://schemas.microsoft.com/office/powerpoint/2010/main" xmlns:p15="http://schemas.microsoft.com/office/powerpoint/2012/main" xmlns:mc="http://schemas.openxmlformats.org/markup-compatibility/2006">
+  <p:cSld>
+    <p:spTree>
+      <p:nvGrpSpPr>
+        <p:cNvPr id="1" name=""/>
+        <p:cNvGrpSpPr/>
+        <p:nvPr/>
+      </p:nvGrpSpPr>
+      <p:grpSpPr>
+        <a:xfrm>
+          <a:off x="0" y="0"/>
+          <a:ext cx="0" cy="0"/>
+          <a:chOff x="0" y="0"/>
+          <a:chExt cx="0" cy="0"/>
+        </a:xfrm>
+      </p:grpSpPr>
+      <p:sp>
+        <p:nvSpPr>
+          <p:cNvPr id="139" name="TextShape 1"/>
+          <p:cNvSpPr txBox="1"/>
+          <p:nvPr/>
+        </p:nvSpPr>
+        <p:spPr>
+          <a:xfrm>
+            <a:off x="504000" y="301320"/>
+            <a:ext cx="9072000" cy="1261800"/>
           </a:xfrm>
           <a:prstGeom prst="rect">
             <a:avLst/>
@@ -5672,38 +6084,1135 @@
             <a:noFill/>
           </a:ln>
         </p:spPr>
-        <p:style>
-          <a:lnRef idx="0"/>
-          <a:fillRef idx="0"/>
-          <a:effectRef idx="0"/>
-          <a:fontRef idx="minor"/>
-        </p:style>
-        <p:txBody>
-          <a:bodyPr lIns="0" rIns="0" tIns="0" bIns="0" anchor="ctr" anchorCtr="1">
+        <p:txBody>
+          <a:bodyPr lIns="0" rIns="0" tIns="0" bIns="0" anchor="ctr">
             <a:noAutofit/>
           </a:bodyPr>
           <a:p>
-            <a:pPr algn="ctr">
-              <a:lnSpc>
-                <a:spcPct val="100000"/>
-              </a:lnSpc>
+            <a:pPr algn="ctr"/>
+            <a:endParaRPr b="0" lang="en-US" sz="4400" spc="-1" strike="noStrike">
+              <a:latin typeface="Arial"/>
+            </a:endParaRPr>
+          </a:p>
+        </p:txBody>
+      </p:sp>
+      <p:sp>
+        <p:nvSpPr>
+          <p:cNvPr id="140" name="TextShape 2"/>
+          <p:cNvSpPr txBox="1"/>
+          <p:nvPr/>
+        </p:nvSpPr>
+        <p:spPr>
+          <a:xfrm>
+            <a:off x="504000" y="1768680"/>
+            <a:ext cx="9072000" cy="4384080"/>
+          </a:xfrm>
+          <a:prstGeom prst="rect">
+            <a:avLst/>
+          </a:prstGeom>
+          <a:noFill/>
+          <a:ln>
+            <a:noFill/>
+          </a:ln>
+        </p:spPr>
+        <p:txBody>
+          <a:bodyPr lIns="0" rIns="0" tIns="0" bIns="0">
+            <a:normAutofit/>
+          </a:bodyPr>
+          <a:p>
+            <a:pPr marL="432000" indent="-324000">
+              <a:spcBef>
+                <a:spcPts val="1417"/>
+              </a:spcBef>
+              <a:buClr>
+                <a:srgbClr val="000000"/>
+              </a:buClr>
+              <a:buSzPct val="45000"/>
+              <a:buFont typeface="Wingdings" charset="2"/>
+              <a:buChar char=""/>
             </a:pPr>
             <a:r>
-              <a:rPr b="1" lang="en-US" sz="3600" spc="-1" strike="noStrike">
-                <a:solidFill>
-                  <a:srgbClr val="2c3e50"/>
-                </a:solidFill>
-                <a:latin typeface="Noto Sans Black"/>
-                <a:ea typeface="DejaVu Sans"/>
+              <a:rPr b="0" lang="en-US" sz="3200" spc="-1" strike="noStrike">
+                <a:latin typeface="Arial"/>
               </a:rPr>
-              <a:t>Thank You That's All.</a:t>
+              <a:t>Models Tested</a:t>
             </a:r>
-            <a:endParaRPr b="0" lang="en-US" sz="3600" spc="-1" strike="noStrike">
-              <a:latin typeface="Arial"/>
-            </a:endParaRPr>
-          </a:p>
-        </p:txBody>
-      </p:sp>
+            <a:endParaRPr b="0" lang="en-US" sz="3200" spc="-1" strike="noStrike">
+              <a:latin typeface="Arial"/>
+            </a:endParaRPr>
+          </a:p>
+          <a:p>
+            <a:pPr marL="432000" indent="-324000">
+              <a:spcBef>
+                <a:spcPts val="1417"/>
+              </a:spcBef>
+              <a:buClr>
+                <a:srgbClr val="000000"/>
+              </a:buClr>
+              <a:buSzPct val="45000"/>
+              <a:buFont typeface="Wingdings" charset="2"/>
+              <a:buChar char=""/>
+            </a:pPr>
+            <a:r>
+              <a:rPr b="0" lang="en-US" sz="3200" spc="-1" strike="noStrike">
+                <a:latin typeface="Arial"/>
+              </a:rPr>
+              <a:t> </a:t>
+            </a:r>
+            <a:endParaRPr b="0" lang="en-US" sz="3200" spc="-1" strike="noStrike">
+              <a:latin typeface="Arial"/>
+            </a:endParaRPr>
+          </a:p>
+        </p:txBody>
+      </p:sp>
+      <p:graphicFrame>
+        <p:nvGraphicFramePr>
+          <p:cNvPr id="141" name="Table 3"/>
+          <p:cNvGraphicFramePr/>
+          <p:nvPr/>
+        </p:nvGraphicFramePr>
+        <p:xfrm>
+          <a:off x="1188720" y="2468880"/>
+          <a:ext cx="7680600" cy="3147480"/>
+        </p:xfrm>
+        <a:graphic>
+          <a:graphicData uri="http://schemas.openxmlformats.org/drawingml/2006/table">
+            <a:tbl>
+              <a:tblPr/>
+              <a:tblGrid>
+                <a:gridCol w="2559600"/>
+                <a:gridCol w="2559600"/>
+                <a:gridCol w="2561400"/>
+              </a:tblGrid>
+              <a:tr h="629280">
+                <a:tc>
+                  <a:tcPr marL="90000" marR="90000">
+                    <a:lnL w="720">
+                      <a:solidFill>
+                        <a:srgbClr val="ffffff"/>
+                      </a:solidFill>
+                    </a:lnL>
+                    <a:lnR w="720">
+                      <a:solidFill>
+                        <a:srgbClr val="ffffff"/>
+                      </a:solidFill>
+                    </a:lnR>
+                    <a:lnT w="720">
+                      <a:solidFill>
+                        <a:srgbClr val="ffffff"/>
+                      </a:solidFill>
+                    </a:lnT>
+                    <a:lnB w="720">
+                      <a:solidFill>
+                        <a:srgbClr val="ffffff"/>
+                      </a:solidFill>
+                    </a:lnB>
+                    <a:solidFill>
+                      <a:srgbClr val="b3b3b3"/>
+                    </a:solidFill>
+                  </a:tcPr>
+                </a:tc>
+                <a:tc>
+                  <a:txBody>
+                    <a:bodyPr lIns="90000" rIns="90000" tIns="46800" bIns="46800">
+                      <a:noAutofit/>
+                    </a:bodyPr>
+                    <a:p>
+                      <a:r>
+                        <a:rPr b="0" lang="en-US" sz="1800" spc="-1" strike="noStrike">
+                          <a:latin typeface="Arial"/>
+                        </a:rPr>
+                        <a:t>train score(R2)</a:t>
+                      </a:r>
+                      <a:endParaRPr b="0" lang="en-US" sz="1800" spc="-1" strike="noStrike">
+                        <a:latin typeface="Arial"/>
+                      </a:endParaRPr>
+                    </a:p>
+                  </a:txBody>
+                  <a:tcPr marL="90000" marR="90000">
+                    <a:lnL w="720">
+                      <a:solidFill>
+                        <a:srgbClr val="ffffff"/>
+                      </a:solidFill>
+                    </a:lnL>
+                    <a:lnR w="720">
+                      <a:solidFill>
+                        <a:srgbClr val="ffffff"/>
+                      </a:solidFill>
+                    </a:lnR>
+                    <a:lnT w="720">
+                      <a:solidFill>
+                        <a:srgbClr val="ffffff"/>
+                      </a:solidFill>
+                    </a:lnT>
+                    <a:lnB w="720">
+                      <a:solidFill>
+                        <a:srgbClr val="ffffff"/>
+                      </a:solidFill>
+                    </a:lnB>
+                    <a:solidFill>
+                      <a:srgbClr val="b3b3b3"/>
+                    </a:solidFill>
+                  </a:tcPr>
+                </a:tc>
+                <a:tc>
+                  <a:txBody>
+                    <a:bodyPr lIns="90000" rIns="90000" tIns="46800" bIns="46800">
+                      <a:noAutofit/>
+                    </a:bodyPr>
+                    <a:p>
+                      <a:r>
+                        <a:rPr b="0" lang="en-US" sz="1800" spc="-1" strike="noStrike">
+                          <a:latin typeface="Arial"/>
+                        </a:rPr>
+                        <a:t>test score</a:t>
+                      </a:r>
+                      <a:endParaRPr b="0" lang="en-US" sz="1800" spc="-1" strike="noStrike">
+                        <a:latin typeface="Arial"/>
+                      </a:endParaRPr>
+                    </a:p>
+                  </a:txBody>
+                  <a:tcPr marL="90000" marR="90000">
+                    <a:lnL w="720">
+                      <a:solidFill>
+                        <a:srgbClr val="ffffff"/>
+                      </a:solidFill>
+                    </a:lnL>
+                    <a:lnR w="720">
+                      <a:solidFill>
+                        <a:srgbClr val="ffffff"/>
+                      </a:solidFill>
+                    </a:lnR>
+                    <a:lnT w="720">
+                      <a:solidFill>
+                        <a:srgbClr val="ffffff"/>
+                      </a:solidFill>
+                    </a:lnT>
+                    <a:lnB w="720">
+                      <a:solidFill>
+                        <a:srgbClr val="ffffff"/>
+                      </a:solidFill>
+                    </a:lnB>
+                    <a:solidFill>
+                      <a:srgbClr val="b3b3b3"/>
+                    </a:solidFill>
+                  </a:tcPr>
+                </a:tc>
+              </a:tr>
+              <a:tr h="629280">
+                <a:tc>
+                  <a:txBody>
+                    <a:bodyPr lIns="90000" rIns="90000" tIns="46800" bIns="46800">
+                      <a:noAutofit/>
+                    </a:bodyPr>
+                    <a:p>
+                      <a:r>
+                        <a:rPr b="0" lang="en-US" sz="1800" spc="-1" strike="noStrike">
+                          <a:latin typeface="Arial"/>
+                        </a:rPr>
+                        <a:t>Linear Regression</a:t>
+                      </a:r>
+                      <a:endParaRPr b="0" lang="en-US" sz="1800" spc="-1" strike="noStrike">
+                        <a:latin typeface="Arial"/>
+                      </a:endParaRPr>
+                    </a:p>
+                  </a:txBody>
+                  <a:tcPr marL="90000" marR="90000">
+                    <a:lnL w="720">
+                      <a:solidFill>
+                        <a:srgbClr val="ffffff"/>
+                      </a:solidFill>
+                    </a:lnL>
+                    <a:lnR w="720">
+                      <a:solidFill>
+                        <a:srgbClr val="ffffff"/>
+                      </a:solidFill>
+                    </a:lnR>
+                    <a:lnT w="720">
+                      <a:solidFill>
+                        <a:srgbClr val="ffffff"/>
+                      </a:solidFill>
+                    </a:lnT>
+                    <a:lnB w="720">
+                      <a:solidFill>
+                        <a:srgbClr val="ffffff"/>
+                      </a:solidFill>
+                    </a:lnB>
+                    <a:solidFill>
+                      <a:srgbClr val="cccccc"/>
+                    </a:solidFill>
+                  </a:tcPr>
+                </a:tc>
+                <a:tc>
+                  <a:txBody>
+                    <a:bodyPr lIns="90000" rIns="90000" tIns="46800" bIns="46800">
+                      <a:noAutofit/>
+                    </a:bodyPr>
+                    <a:p>
+                      <a:r>
+                        <a:rPr b="0" lang="en-US" sz="1800" spc="-1" strike="noStrike">
+                          <a:latin typeface="Arial"/>
+                        </a:rPr>
+                        <a:t>0.940049</a:t>
+                      </a:r>
+                      <a:endParaRPr b="0" lang="en-US" sz="1800" spc="-1" strike="noStrike">
+                        <a:latin typeface="Arial"/>
+                      </a:endParaRPr>
+                    </a:p>
+                  </a:txBody>
+                  <a:tcPr marL="90000" marR="90000">
+                    <a:lnL w="720">
+                      <a:solidFill>
+                        <a:srgbClr val="ffffff"/>
+                      </a:solidFill>
+                    </a:lnL>
+                    <a:lnR w="720">
+                      <a:solidFill>
+                        <a:srgbClr val="ffffff"/>
+                      </a:solidFill>
+                    </a:lnR>
+                    <a:lnT w="720">
+                      <a:solidFill>
+                        <a:srgbClr val="ffffff"/>
+                      </a:solidFill>
+                    </a:lnT>
+                    <a:lnB w="720">
+                      <a:solidFill>
+                        <a:srgbClr val="ffffff"/>
+                      </a:solidFill>
+                    </a:lnB>
+                    <a:solidFill>
+                      <a:srgbClr val="cccccc"/>
+                    </a:solidFill>
+                  </a:tcPr>
+                </a:tc>
+                <a:tc>
+                  <a:txBody>
+                    <a:bodyPr lIns="90000" rIns="90000" tIns="46800" bIns="46800">
+                      <a:noAutofit/>
+                    </a:bodyPr>
+                    <a:p>
+                      <a:r>
+                        <a:rPr b="0" lang="en-US" sz="1800" spc="-1" strike="noStrike">
+                          <a:latin typeface="Arial"/>
+                        </a:rPr>
+                        <a:t>0.940049</a:t>
+                      </a:r>
+                      <a:endParaRPr b="0" lang="en-US" sz="1800" spc="-1" strike="noStrike">
+                        <a:latin typeface="Arial"/>
+                      </a:endParaRPr>
+                    </a:p>
+                  </a:txBody>
+                  <a:tcPr marL="90000" marR="90000">
+                    <a:lnL w="720">
+                      <a:solidFill>
+                        <a:srgbClr val="ffffff"/>
+                      </a:solidFill>
+                    </a:lnL>
+                    <a:lnR w="720">
+                      <a:solidFill>
+                        <a:srgbClr val="ffffff"/>
+                      </a:solidFill>
+                    </a:lnR>
+                    <a:lnT w="720">
+                      <a:solidFill>
+                        <a:srgbClr val="ffffff"/>
+                      </a:solidFill>
+                    </a:lnT>
+                    <a:lnB w="720">
+                      <a:solidFill>
+                        <a:srgbClr val="ffffff"/>
+                      </a:solidFill>
+                    </a:lnB>
+                    <a:solidFill>
+                      <a:srgbClr val="cccccc"/>
+                    </a:solidFill>
+                  </a:tcPr>
+                </a:tc>
+              </a:tr>
+              <a:tr h="629280">
+                <a:tc>
+                  <a:txBody>
+                    <a:bodyPr lIns="90000" rIns="90000" tIns="46800" bIns="46800">
+                      <a:noAutofit/>
+                    </a:bodyPr>
+                    <a:p>
+                      <a:r>
+                        <a:rPr b="0" lang="en-US" sz="1800" spc="-1" strike="noStrike">
+                          <a:latin typeface="Arial"/>
+                        </a:rPr>
+                        <a:t>Lasso</a:t>
+                      </a:r>
+                      <a:endParaRPr b="0" lang="en-US" sz="1800" spc="-1" strike="noStrike">
+                        <a:latin typeface="Arial"/>
+                      </a:endParaRPr>
+                    </a:p>
+                  </a:txBody>
+                  <a:tcPr marL="90000" marR="90000">
+                    <a:lnL w="720">
+                      <a:solidFill>
+                        <a:srgbClr val="ffffff"/>
+                      </a:solidFill>
+                    </a:lnL>
+                    <a:lnR w="720">
+                      <a:solidFill>
+                        <a:srgbClr val="ffffff"/>
+                      </a:solidFill>
+                    </a:lnR>
+                    <a:lnT w="720">
+                      <a:solidFill>
+                        <a:srgbClr val="ffffff"/>
+                      </a:solidFill>
+                    </a:lnT>
+                    <a:lnB w="720">
+                      <a:solidFill>
+                        <a:srgbClr val="ffffff"/>
+                      </a:solidFill>
+                    </a:lnB>
+                    <a:solidFill>
+                      <a:srgbClr val="e6e6e6"/>
+                    </a:solidFill>
+                  </a:tcPr>
+                </a:tc>
+                <a:tc>
+                  <a:txBody>
+                    <a:bodyPr lIns="90000" rIns="90000" tIns="46800" bIns="46800">
+                      <a:noAutofit/>
+                    </a:bodyPr>
+                    <a:p>
+                      <a:r>
+                        <a:rPr b="0" lang="en-US" sz="1800" spc="-1" strike="noStrike">
+                          <a:latin typeface="Arial"/>
+                        </a:rPr>
+                        <a:t>0.938488</a:t>
+                      </a:r>
+                      <a:endParaRPr b="0" lang="en-US" sz="1800" spc="-1" strike="noStrike">
+                        <a:latin typeface="Arial"/>
+                      </a:endParaRPr>
+                    </a:p>
+                  </a:txBody>
+                  <a:tcPr marL="90000" marR="90000">
+                    <a:lnL w="720">
+                      <a:solidFill>
+                        <a:srgbClr val="ffffff"/>
+                      </a:solidFill>
+                    </a:lnL>
+                    <a:lnR w="720">
+                      <a:solidFill>
+                        <a:srgbClr val="ffffff"/>
+                      </a:solidFill>
+                    </a:lnR>
+                    <a:lnT w="720">
+                      <a:solidFill>
+                        <a:srgbClr val="ffffff"/>
+                      </a:solidFill>
+                    </a:lnT>
+                    <a:lnB w="720">
+                      <a:solidFill>
+                        <a:srgbClr val="ffffff"/>
+                      </a:solidFill>
+                    </a:lnB>
+                    <a:solidFill>
+                      <a:srgbClr val="e6e6e6"/>
+                    </a:solidFill>
+                  </a:tcPr>
+                </a:tc>
+                <a:tc>
+                  <a:txBody>
+                    <a:bodyPr lIns="90000" rIns="90000" tIns="46800" bIns="46800">
+                      <a:noAutofit/>
+                    </a:bodyPr>
+                    <a:p>
+                      <a:r>
+                        <a:rPr b="0" lang="en-US" sz="1800" spc="-1" strike="noStrike">
+                          <a:latin typeface="Arial"/>
+                        </a:rPr>
+                        <a:t>8.306444e-01</a:t>
+                      </a:r>
+                      <a:endParaRPr b="0" lang="en-US" sz="1800" spc="-1" strike="noStrike">
+                        <a:latin typeface="Arial"/>
+                      </a:endParaRPr>
+                    </a:p>
+                  </a:txBody>
+                  <a:tcPr marL="90000" marR="90000">
+                    <a:lnL w="720">
+                      <a:solidFill>
+                        <a:srgbClr val="ffffff"/>
+                      </a:solidFill>
+                    </a:lnL>
+                    <a:lnR w="720">
+                      <a:solidFill>
+                        <a:srgbClr val="ffffff"/>
+                      </a:solidFill>
+                    </a:lnR>
+                    <a:lnT w="720">
+                      <a:solidFill>
+                        <a:srgbClr val="ffffff"/>
+                      </a:solidFill>
+                    </a:lnT>
+                    <a:lnB w="720">
+                      <a:solidFill>
+                        <a:srgbClr val="ffffff"/>
+                      </a:solidFill>
+                    </a:lnB>
+                    <a:solidFill>
+                      <a:srgbClr val="e6e6e6"/>
+                    </a:solidFill>
+                  </a:tcPr>
+                </a:tc>
+              </a:tr>
+              <a:tr h="629280">
+                <a:tc>
+                  <a:txBody>
+                    <a:bodyPr lIns="90000" rIns="90000" tIns="46800" bIns="46800">
+                      <a:noAutofit/>
+                    </a:bodyPr>
+                    <a:p>
+                      <a:r>
+                        <a:rPr b="0" lang="en-US" sz="1800" spc="-1" strike="noStrike">
+                          <a:latin typeface="Arial"/>
+                        </a:rPr>
+                        <a:t>Random Forest</a:t>
+                      </a:r>
+                      <a:endParaRPr b="0" lang="en-US" sz="1800" spc="-1" strike="noStrike">
+                        <a:latin typeface="Arial"/>
+                      </a:endParaRPr>
+                    </a:p>
+                  </a:txBody>
+                  <a:tcPr marL="90000" marR="90000">
+                    <a:lnL w="720">
+                      <a:solidFill>
+                        <a:srgbClr val="ffffff"/>
+                      </a:solidFill>
+                    </a:lnL>
+                    <a:lnR w="720">
+                      <a:solidFill>
+                        <a:srgbClr val="ffffff"/>
+                      </a:solidFill>
+                    </a:lnR>
+                    <a:lnT w="720">
+                      <a:solidFill>
+                        <a:srgbClr val="ffffff"/>
+                      </a:solidFill>
+                    </a:lnT>
+                    <a:lnB w="720">
+                      <a:solidFill>
+                        <a:srgbClr val="ffffff"/>
+                      </a:solidFill>
+                    </a:lnB>
+                    <a:solidFill>
+                      <a:srgbClr val="cccccc"/>
+                    </a:solidFill>
+                  </a:tcPr>
+                </a:tc>
+                <a:tc>
+                  <a:txBody>
+                    <a:bodyPr lIns="90000" rIns="90000" tIns="46800" bIns="46800">
+                      <a:noAutofit/>
+                    </a:bodyPr>
+                    <a:p>
+                      <a:r>
+                        <a:rPr b="0" lang="en-US" sz="1800" spc="-1" strike="noStrike">
+                          <a:latin typeface="Arial"/>
+                        </a:rPr>
+                        <a:t>0.976609</a:t>
+                      </a:r>
+                      <a:endParaRPr b="0" lang="en-US" sz="1800" spc="-1" strike="noStrike">
+                        <a:latin typeface="Arial"/>
+                      </a:endParaRPr>
+                    </a:p>
+                  </a:txBody>
+                  <a:tcPr marL="90000" marR="90000">
+                    <a:lnL w="720">
+                      <a:solidFill>
+                        <a:srgbClr val="ffffff"/>
+                      </a:solidFill>
+                    </a:lnL>
+                    <a:lnR w="720">
+                      <a:solidFill>
+                        <a:srgbClr val="ffffff"/>
+                      </a:solidFill>
+                    </a:lnR>
+                    <a:lnT w="720">
+                      <a:solidFill>
+                        <a:srgbClr val="ffffff"/>
+                      </a:solidFill>
+                    </a:lnT>
+                    <a:lnB w="720">
+                      <a:solidFill>
+                        <a:srgbClr val="ffffff"/>
+                      </a:solidFill>
+                    </a:lnB>
+                    <a:solidFill>
+                      <a:srgbClr val="cccccc"/>
+                    </a:solidFill>
+                  </a:tcPr>
+                </a:tc>
+                <a:tc>
+                  <a:txBody>
+                    <a:bodyPr lIns="90000" rIns="90000" tIns="46800" bIns="46800">
+                      <a:noAutofit/>
+                    </a:bodyPr>
+                    <a:p>
+                      <a:r>
+                        <a:rPr b="0" lang="en-US" sz="1800" spc="-1" strike="noStrike">
+                          <a:latin typeface="Arial"/>
+                        </a:rPr>
+                        <a:t>0.976609</a:t>
+                      </a:r>
+                      <a:endParaRPr b="0" lang="en-US" sz="1800" spc="-1" strike="noStrike">
+                        <a:latin typeface="Arial"/>
+                      </a:endParaRPr>
+                    </a:p>
+                  </a:txBody>
+                  <a:tcPr marL="90000" marR="90000">
+                    <a:lnL w="720">
+                      <a:solidFill>
+                        <a:srgbClr val="ffffff"/>
+                      </a:solidFill>
+                    </a:lnL>
+                    <a:lnR w="720">
+                      <a:solidFill>
+                        <a:srgbClr val="ffffff"/>
+                      </a:solidFill>
+                    </a:lnR>
+                    <a:lnT w="720">
+                      <a:solidFill>
+                        <a:srgbClr val="ffffff"/>
+                      </a:solidFill>
+                    </a:lnT>
+                    <a:lnB w="720">
+                      <a:solidFill>
+                        <a:srgbClr val="ffffff"/>
+                      </a:solidFill>
+                    </a:lnB>
+                    <a:solidFill>
+                      <a:srgbClr val="cccccc"/>
+                    </a:solidFill>
+                  </a:tcPr>
+                </a:tc>
+              </a:tr>
+              <a:tr h="630360">
+                <a:tc>
+                  <a:tcPr marL="90000" marR="90000">
+                    <a:lnL w="720">
+                      <a:solidFill>
+                        <a:srgbClr val="ffffff"/>
+                      </a:solidFill>
+                    </a:lnL>
+                    <a:lnR w="720">
+                      <a:solidFill>
+                        <a:srgbClr val="ffffff"/>
+                      </a:solidFill>
+                    </a:lnR>
+                    <a:lnT w="720">
+                      <a:solidFill>
+                        <a:srgbClr val="ffffff"/>
+                      </a:solidFill>
+                    </a:lnT>
+                    <a:lnB w="720">
+                      <a:solidFill>
+                        <a:srgbClr val="ffffff"/>
+                      </a:solidFill>
+                    </a:lnB>
+                    <a:solidFill>
+                      <a:srgbClr val="e6e6e6"/>
+                    </a:solidFill>
+                  </a:tcPr>
+                </a:tc>
+                <a:tc>
+                  <a:tcPr marL="90000" marR="90000">
+                    <a:lnL w="720">
+                      <a:solidFill>
+                        <a:srgbClr val="ffffff"/>
+                      </a:solidFill>
+                    </a:lnL>
+                    <a:lnR w="720">
+                      <a:solidFill>
+                        <a:srgbClr val="ffffff"/>
+                      </a:solidFill>
+                    </a:lnR>
+                    <a:lnT w="720">
+                      <a:solidFill>
+                        <a:srgbClr val="ffffff"/>
+                      </a:solidFill>
+                    </a:lnT>
+                    <a:lnB w="720">
+                      <a:solidFill>
+                        <a:srgbClr val="ffffff"/>
+                      </a:solidFill>
+                    </a:lnB>
+                    <a:solidFill>
+                      <a:srgbClr val="e6e6e6"/>
+                    </a:solidFill>
+                  </a:tcPr>
+                </a:tc>
+                <a:tc>
+                  <a:tcPr marL="90000" marR="90000">
+                    <a:lnL w="720">
+                      <a:solidFill>
+                        <a:srgbClr val="ffffff"/>
+                      </a:solidFill>
+                    </a:lnL>
+                    <a:lnR w="720">
+                      <a:solidFill>
+                        <a:srgbClr val="ffffff"/>
+                      </a:solidFill>
+                    </a:lnR>
+                    <a:lnT w="720">
+                      <a:solidFill>
+                        <a:srgbClr val="ffffff"/>
+                      </a:solidFill>
+                    </a:lnT>
+                    <a:lnB w="720">
+                      <a:solidFill>
+                        <a:srgbClr val="ffffff"/>
+                      </a:solidFill>
+                    </a:lnB>
+                    <a:solidFill>
+                      <a:srgbClr val="e6e6e6"/>
+                    </a:solidFill>
+                  </a:tcPr>
+                </a:tc>
+              </a:tr>
+            </a:tbl>
+          </a:graphicData>
+        </a:graphic>
+      </p:graphicFrame>
+    </p:spTree>
+  </p:cSld>
+  <mc:AlternateContent>
+    <mc:Choice Requires="p14">
+      <p:transition spd="slow" p14:dur="2000"/>
+    </mc:Choice>
+    <mc:Fallback>
+      <p:transition spd="slow"/>
+    </mc:Fallback>
+  </mc:AlternateContent>
+</p:sld>
+</file>
+
+<file path=ppt/slides/slide9.xml><?xml version="1.0" encoding="utf-8"?>
+<p:sld xmlns:a="http://schemas.openxmlformats.org/drawingml/2006/main" xmlns:p="http://schemas.openxmlformats.org/presentationml/2006/main" xmlns:r="http://schemas.openxmlformats.org/officeDocument/2006/relationships" xmlns:p14="http://schemas.microsoft.com/office/powerpoint/2010/main" xmlns:p15="http://schemas.microsoft.com/office/powerpoint/2012/main" xmlns:mc="http://schemas.openxmlformats.org/markup-compatibility/2006">
+  <p:cSld>
+    <p:spTree>
+      <p:nvGrpSpPr>
+        <p:cNvPr id="1" name=""/>
+        <p:cNvGrpSpPr/>
+        <p:nvPr/>
+      </p:nvGrpSpPr>
+      <p:grpSpPr>
+        <a:xfrm>
+          <a:off x="0" y="0"/>
+          <a:ext cx="0" cy="0"/>
+          <a:chOff x="0" y="0"/>
+          <a:chExt cx="0" cy="0"/>
+        </a:xfrm>
+      </p:grpSpPr>
+      <p:sp>
+        <p:nvSpPr>
+          <p:cNvPr id="142" name="TextShape 1"/>
+          <p:cNvSpPr txBox="1"/>
+          <p:nvPr/>
+        </p:nvSpPr>
+        <p:spPr>
+          <a:xfrm>
+            <a:off x="504000" y="301320"/>
+            <a:ext cx="9072000" cy="1261800"/>
+          </a:xfrm>
+          <a:prstGeom prst="rect">
+            <a:avLst/>
+          </a:prstGeom>
+          <a:noFill/>
+          <a:ln>
+            <a:noFill/>
+          </a:ln>
+        </p:spPr>
+        <p:txBody>
+          <a:bodyPr lIns="0" rIns="0" tIns="0" bIns="0" anchor="ctr">
+            <a:noAutofit/>
+          </a:bodyPr>
+          <a:p>
+            <a:pPr algn="ctr"/>
+            <a:r>
+              <a:rPr b="0" lang="en-US" sz="4400" spc="-1" strike="noStrike">
+                <a:latin typeface="Arial"/>
+              </a:rPr>
+              <a:t>Selected </a:t>
+            </a:r>
+            <a:r>
+              <a:rPr b="0" lang="en-US" sz="4400" spc="-1" strike="noStrike">
+                <a:latin typeface="Arial"/>
+              </a:rPr>
+              <a:t>Model </a:t>
+            </a:r>
+            <a:r>
+              <a:rPr b="0" lang="en-US" sz="4400" spc="-1" strike="noStrike">
+                <a:latin typeface="Arial"/>
+              </a:rPr>
+              <a:t>Metrics</a:t>
+            </a:r>
+            <a:endParaRPr b="0" lang="en-US" sz="4400" spc="-1" strike="noStrike">
+              <a:latin typeface="Arial"/>
+            </a:endParaRPr>
+          </a:p>
+        </p:txBody>
+      </p:sp>
+      <p:sp>
+        <p:nvSpPr>
+          <p:cNvPr id="143" name="TextShape 2"/>
+          <p:cNvSpPr txBox="1"/>
+          <p:nvPr/>
+        </p:nvSpPr>
+        <p:spPr>
+          <a:xfrm>
+            <a:off x="504000" y="1768680"/>
+            <a:ext cx="9072000" cy="4384080"/>
+          </a:xfrm>
+          <a:prstGeom prst="rect">
+            <a:avLst/>
+          </a:prstGeom>
+          <a:noFill/>
+          <a:ln>
+            <a:noFill/>
+          </a:ln>
+        </p:spPr>
+        <p:txBody>
+          <a:bodyPr lIns="0" rIns="0" tIns="0" bIns="0">
+            <a:normAutofit/>
+          </a:bodyPr>
+          <a:p>
+            <a:pPr marL="432000" indent="-324000">
+              <a:spcBef>
+                <a:spcPts val="1417"/>
+              </a:spcBef>
+              <a:buClr>
+                <a:srgbClr val="000000"/>
+              </a:buClr>
+              <a:buSzPct val="45000"/>
+              <a:buFont typeface="Wingdings" charset="2"/>
+              <a:buChar char=""/>
+            </a:pPr>
+            <a:r>
+              <a:rPr b="0" lang="en-US" sz="3200" spc="-1" strike="noStrike">
+                <a:latin typeface="Arial"/>
+              </a:rPr>
+              <a:t>Random Forest Was Selected For Prediction Among All the Reviewed Models</a:t>
+            </a:r>
+            <a:endParaRPr b="0" lang="en-US" sz="3200" spc="-1" strike="noStrike">
+              <a:latin typeface="Arial"/>
+            </a:endParaRPr>
+          </a:p>
+          <a:p>
+            <a:pPr marL="432000" indent="-324000">
+              <a:spcBef>
+                <a:spcPts val="1417"/>
+              </a:spcBef>
+              <a:buClr>
+                <a:srgbClr val="000000"/>
+              </a:buClr>
+              <a:buSzPct val="45000"/>
+              <a:buFont typeface="Wingdings" charset="2"/>
+              <a:buChar char=""/>
+            </a:pPr>
+            <a:r>
+              <a:rPr b="0" lang="en-US" sz="3200" spc="-1" strike="noStrike">
+                <a:latin typeface="Arial"/>
+              </a:rPr>
+              <a:t> </a:t>
+            </a:r>
+            <a:endParaRPr b="0" lang="en-US" sz="3200" spc="-1" strike="noStrike">
+              <a:latin typeface="Arial"/>
+            </a:endParaRPr>
+          </a:p>
+        </p:txBody>
+      </p:sp>
+      <p:graphicFrame>
+        <p:nvGraphicFramePr>
+          <p:cNvPr id="144" name="Table 3"/>
+          <p:cNvGraphicFramePr/>
+          <p:nvPr/>
+        </p:nvGraphicFramePr>
+        <p:xfrm>
+          <a:off x="1280160" y="3200400"/>
+          <a:ext cx="8138160" cy="2286000"/>
+        </p:xfrm>
+        <a:graphic>
+          <a:graphicData uri="http://schemas.openxmlformats.org/drawingml/2006/table">
+            <a:tbl>
+              <a:tblPr/>
+              <a:tblGrid>
+                <a:gridCol w="4068360"/>
+                <a:gridCol w="4069800"/>
+              </a:tblGrid>
+              <a:tr h="761760">
+                <a:tc>
+                  <a:txBody>
+                    <a:bodyPr lIns="90000" rIns="90000" tIns="46800" bIns="46800">
+                      <a:noAutofit/>
+                    </a:bodyPr>
+                    <a:p>
+                      <a:r>
+                        <a:rPr b="0" lang="en-US" sz="1800" spc="-1" strike="noStrike">
+                          <a:latin typeface="Arial"/>
+                        </a:rPr>
+                        <a:t>Mean Absolute Error</a:t>
+                      </a:r>
+                      <a:endParaRPr b="0" lang="en-US" sz="1800" spc="-1" strike="noStrike">
+                        <a:latin typeface="Arial"/>
+                      </a:endParaRPr>
+                    </a:p>
+                  </a:txBody>
+                  <a:tcPr marL="90000" marR="90000">
+                    <a:lnL w="720">
+                      <a:solidFill>
+                        <a:srgbClr val="ffffff"/>
+                      </a:solidFill>
+                    </a:lnL>
+                    <a:lnR w="720">
+                      <a:solidFill>
+                        <a:srgbClr val="ffffff"/>
+                      </a:solidFill>
+                    </a:lnR>
+                    <a:lnT w="720">
+                      <a:solidFill>
+                        <a:srgbClr val="ffffff"/>
+                      </a:solidFill>
+                    </a:lnT>
+                    <a:lnB w="720">
+                      <a:solidFill>
+                        <a:srgbClr val="ffffff"/>
+                      </a:solidFill>
+                    </a:lnB>
+                    <a:solidFill>
+                      <a:srgbClr val="b3b3b3"/>
+                    </a:solidFill>
+                  </a:tcPr>
+                </a:tc>
+                <a:tc>
+                  <a:txBody>
+                    <a:bodyPr lIns="90000" rIns="90000" tIns="46800" bIns="46800">
+                      <a:noAutofit/>
+                    </a:bodyPr>
+                    <a:p>
+                      <a:r>
+                        <a:rPr b="0" lang="en-US" sz="1800" spc="-1" strike="noStrike">
+                          <a:latin typeface="Arial"/>
+                        </a:rPr>
+                        <a:t>72766.25441891294</a:t>
+                      </a:r>
+                      <a:endParaRPr b="0" lang="en-US" sz="1800" spc="-1" strike="noStrike">
+                        <a:latin typeface="Arial"/>
+                      </a:endParaRPr>
+                    </a:p>
+                  </a:txBody>
+                  <a:tcPr marL="90000" marR="90000">
+                    <a:lnL w="720">
+                      <a:solidFill>
+                        <a:srgbClr val="ffffff"/>
+                      </a:solidFill>
+                    </a:lnL>
+                    <a:lnR w="720">
+                      <a:solidFill>
+                        <a:srgbClr val="ffffff"/>
+                      </a:solidFill>
+                    </a:lnR>
+                    <a:lnT w="720">
+                      <a:solidFill>
+                        <a:srgbClr val="ffffff"/>
+                      </a:solidFill>
+                    </a:lnT>
+                    <a:lnB w="720">
+                      <a:solidFill>
+                        <a:srgbClr val="ffffff"/>
+                      </a:solidFill>
+                    </a:lnB>
+                    <a:solidFill>
+                      <a:srgbClr val="b3b3b3"/>
+                    </a:solidFill>
+                  </a:tcPr>
+                </a:tc>
+              </a:tr>
+              <a:tr h="761760">
+                <a:tc>
+                  <a:txBody>
+                    <a:bodyPr lIns="90000" rIns="90000" tIns="46800" bIns="46800">
+                      <a:noAutofit/>
+                    </a:bodyPr>
+                    <a:p>
+                      <a:r>
+                        <a:rPr b="0" lang="en-US" sz="1800" spc="-1" strike="noStrike">
+                          <a:latin typeface="Arial"/>
+                        </a:rPr>
+                        <a:t>Mean Squared Error</a:t>
+                      </a:r>
+                      <a:endParaRPr b="0" lang="en-US" sz="1800" spc="-1" strike="noStrike">
+                        <a:latin typeface="Arial"/>
+                      </a:endParaRPr>
+                    </a:p>
+                  </a:txBody>
+                  <a:tcPr marL="90000" marR="90000">
+                    <a:lnL w="720">
+                      <a:solidFill>
+                        <a:srgbClr val="ffffff"/>
+                      </a:solidFill>
+                    </a:lnL>
+                    <a:lnR w="720">
+                      <a:solidFill>
+                        <a:srgbClr val="ffffff"/>
+                      </a:solidFill>
+                    </a:lnR>
+                    <a:lnT w="720">
+                      <a:solidFill>
+                        <a:srgbClr val="ffffff"/>
+                      </a:solidFill>
+                    </a:lnT>
+                    <a:lnB w="720">
+                      <a:solidFill>
+                        <a:srgbClr val="ffffff"/>
+                      </a:solidFill>
+                    </a:lnB>
+                    <a:solidFill>
+                      <a:srgbClr val="cccccc"/>
+                    </a:solidFill>
+                  </a:tcPr>
+                </a:tc>
+                <a:tc>
+                  <a:txBody>
+                    <a:bodyPr lIns="90000" rIns="90000" tIns="46800" bIns="46800">
+                      <a:noAutofit/>
+                    </a:bodyPr>
+                    <a:p>
+                      <a:r>
+                        <a:rPr b="0" lang="en-US" sz="1800" spc="-1" strike="noStrike">
+                          <a:latin typeface="Arial"/>
+                        </a:rPr>
+                        <a:t>9144001264.357006</a:t>
+                      </a:r>
+                      <a:endParaRPr b="0" lang="en-US" sz="1800" spc="-1" strike="noStrike">
+                        <a:latin typeface="Arial"/>
+                      </a:endParaRPr>
+                    </a:p>
+                  </a:txBody>
+                  <a:tcPr marL="90000" marR="90000">
+                    <a:lnL w="720">
+                      <a:solidFill>
+                        <a:srgbClr val="ffffff"/>
+                      </a:solidFill>
+                    </a:lnL>
+                    <a:lnR w="720">
+                      <a:solidFill>
+                        <a:srgbClr val="ffffff"/>
+                      </a:solidFill>
+                    </a:lnR>
+                    <a:lnT w="720">
+                      <a:solidFill>
+                        <a:srgbClr val="ffffff"/>
+                      </a:solidFill>
+                    </a:lnT>
+                    <a:lnB w="720">
+                      <a:solidFill>
+                        <a:srgbClr val="ffffff"/>
+                      </a:solidFill>
+                    </a:lnB>
+                    <a:solidFill>
+                      <a:srgbClr val="cccccc"/>
+                    </a:solidFill>
+                  </a:tcPr>
+                </a:tc>
+              </a:tr>
+              <a:tr h="762480">
+                <a:tc>
+                  <a:txBody>
+                    <a:bodyPr lIns="90000" rIns="90000" tIns="46800" bIns="46800">
+                      <a:noAutofit/>
+                    </a:bodyPr>
+                    <a:p>
+                      <a:r>
+                        <a:rPr b="0" lang="en-US" sz="1800" spc="-1" strike="noStrike">
+                          <a:latin typeface="Arial"/>
+                        </a:rPr>
+                        <a:t>Mean Squared Error</a:t>
+                      </a:r>
+                      <a:endParaRPr b="0" lang="en-US" sz="1800" spc="-1" strike="noStrike">
+                        <a:latin typeface="Arial"/>
+                      </a:endParaRPr>
+                    </a:p>
+                  </a:txBody>
+                  <a:tcPr marL="90000" marR="90000">
+                    <a:lnL w="720">
+                      <a:solidFill>
+                        <a:srgbClr val="ffffff"/>
+                      </a:solidFill>
+                    </a:lnL>
+                    <a:lnR w="720">
+                      <a:solidFill>
+                        <a:srgbClr val="ffffff"/>
+                      </a:solidFill>
+                    </a:lnR>
+                    <a:lnT w="720">
+                      <a:solidFill>
+                        <a:srgbClr val="ffffff"/>
+                      </a:solidFill>
+                    </a:lnT>
+                    <a:lnB w="720">
+                      <a:solidFill>
+                        <a:srgbClr val="ffffff"/>
+                      </a:solidFill>
+                    </a:lnB>
+                    <a:solidFill>
+                      <a:srgbClr val="e6e6e6"/>
+                    </a:solidFill>
+                  </a:tcPr>
+                </a:tc>
+                <a:tc>
+                  <a:txBody>
+                    <a:bodyPr lIns="90000" rIns="90000" tIns="46800" bIns="46800">
+                      <a:noAutofit/>
+                    </a:bodyPr>
+                    <a:p>
+                      <a:r>
+                        <a:rPr b="0" lang="en-US" sz="1800" spc="-1" strike="noStrike">
+                          <a:latin typeface="Arial"/>
+                        </a:rPr>
+                        <a:t>95624.27131412299</a:t>
+                      </a:r>
+                      <a:endParaRPr b="0" lang="en-US" sz="1800" spc="-1" strike="noStrike">
+                        <a:latin typeface="Arial"/>
+                      </a:endParaRPr>
+                    </a:p>
+                  </a:txBody>
+                  <a:tcPr marL="90000" marR="90000">
+                    <a:lnL w="720">
+                      <a:solidFill>
+                        <a:srgbClr val="ffffff"/>
+                      </a:solidFill>
+                    </a:lnL>
+                    <a:lnR w="720">
+                      <a:solidFill>
+                        <a:srgbClr val="ffffff"/>
+                      </a:solidFill>
+                    </a:lnR>
+                    <a:lnT w="720">
+                      <a:solidFill>
+                        <a:srgbClr val="ffffff"/>
+                      </a:solidFill>
+                    </a:lnT>
+                    <a:lnB w="720">
+                      <a:solidFill>
+                        <a:srgbClr val="ffffff"/>
+                      </a:solidFill>
+                    </a:lnB>
+                    <a:solidFill>
+                      <a:srgbClr val="e6e6e6"/>
+                    </a:solidFill>
+                  </a:tcPr>
+                </a:tc>
+              </a:tr>
+            </a:tbl>
+          </a:graphicData>
+        </a:graphic>
+      </p:graphicFrame>
     </p:spTree>
   </p:cSld>
   <mc:AlternateContent>

--- a/powerpoint/ml project.pptx
+++ b/powerpoint/ml project.pptx
@@ -5,18 +5,19 @@
     <p:sldMasterId id="2147483648" r:id="rId2"/>
     <p:sldMasterId id="2147483661" r:id="rId3"/>
     <p:sldMasterId id="2147483674" r:id="rId4"/>
+    <p:sldMasterId id="2147483687" r:id="rId5"/>
+    <p:sldMasterId id="2147483700" r:id="rId6"/>
   </p:sldMasterIdLst>
   <p:sldIdLst>
-    <p:sldId id="256" r:id="rId5"/>
-    <p:sldId id="257" r:id="rId6"/>
-    <p:sldId id="258" r:id="rId7"/>
-    <p:sldId id="259" r:id="rId8"/>
-    <p:sldId id="260" r:id="rId9"/>
-    <p:sldId id="261" r:id="rId10"/>
-    <p:sldId id="262" r:id="rId11"/>
-    <p:sldId id="263" r:id="rId12"/>
-    <p:sldId id="264" r:id="rId13"/>
-    <p:sldId id="265" r:id="rId14"/>
+    <p:sldId id="256" r:id="rId7"/>
+    <p:sldId id="257" r:id="rId8"/>
+    <p:sldId id="258" r:id="rId9"/>
+    <p:sldId id="259" r:id="rId10"/>
+    <p:sldId id="260" r:id="rId11"/>
+    <p:sldId id="261" r:id="rId12"/>
+    <p:sldId id="262" r:id="rId13"/>
+    <p:sldId id="263" r:id="rId14"/>
+    <p:sldId id="264" r:id="rId15"/>
   </p:sldIdLst>
   <p:sldSz cx="10080625" cy="7559675"/>
   <p:notesSz cx="7772400" cy="10058400"/>
@@ -2045,7 +2046,7 @@
       </p:grpSpPr>
       <p:sp>
         <p:nvSpPr>
-          <p:cNvPr id="83" name="PlaceHolder 1"/>
+          <p:cNvPr id="85" name="PlaceHolder 1"/>
           <p:cNvSpPr>
             <a:spLocks noGrp="1"/>
           </p:cNvSpPr>
@@ -2076,7 +2077,7 @@
       </p:sp>
       <p:sp>
         <p:nvSpPr>
-          <p:cNvPr id="84" name="PlaceHolder 2"/>
+          <p:cNvPr id="86" name="PlaceHolder 2"/>
           <p:cNvSpPr>
             <a:spLocks noGrp="1"/>
           </p:cNvSpPr>
@@ -2129,7 +2130,7 @@
       </p:grpSpPr>
       <p:sp>
         <p:nvSpPr>
-          <p:cNvPr id="85" name="PlaceHolder 1"/>
+          <p:cNvPr id="87" name="PlaceHolder 1"/>
           <p:cNvSpPr>
             <a:spLocks noGrp="1"/>
           </p:cNvSpPr>
@@ -2160,7 +2161,7 @@
       </p:sp>
       <p:sp>
         <p:nvSpPr>
-          <p:cNvPr id="86" name="PlaceHolder 2"/>
+          <p:cNvPr id="88" name="PlaceHolder 2"/>
           <p:cNvSpPr>
             <a:spLocks noGrp="1"/>
           </p:cNvSpPr>
@@ -2212,7 +2213,7 @@
       </p:grpSpPr>
       <p:sp>
         <p:nvSpPr>
-          <p:cNvPr id="87" name="PlaceHolder 1"/>
+          <p:cNvPr id="89" name="PlaceHolder 1"/>
           <p:cNvSpPr>
             <a:spLocks noGrp="1"/>
           </p:cNvSpPr>
@@ -2243,7 +2244,7 @@
       </p:sp>
       <p:sp>
         <p:nvSpPr>
-          <p:cNvPr id="88" name="PlaceHolder 2"/>
+          <p:cNvPr id="90" name="PlaceHolder 2"/>
           <p:cNvSpPr>
             <a:spLocks noGrp="1"/>
           </p:cNvSpPr>
@@ -2273,7 +2274,7 @@
       </p:sp>
       <p:sp>
         <p:nvSpPr>
-          <p:cNvPr id="89" name="PlaceHolder 3"/>
+          <p:cNvPr id="91" name="PlaceHolder 3"/>
           <p:cNvSpPr>
             <a:spLocks noGrp="1"/>
           </p:cNvSpPr>
@@ -2325,7 +2326,7 @@
       </p:grpSpPr>
       <p:sp>
         <p:nvSpPr>
-          <p:cNvPr id="90" name="PlaceHolder 1"/>
+          <p:cNvPr id="92" name="PlaceHolder 1"/>
           <p:cNvSpPr>
             <a:spLocks noGrp="1"/>
           </p:cNvSpPr>
@@ -2461,7 +2462,7 @@
       </p:grpSpPr>
       <p:sp>
         <p:nvSpPr>
-          <p:cNvPr id="91" name="PlaceHolder 1"/>
+          <p:cNvPr id="93" name="PlaceHolder 1"/>
           <p:cNvSpPr>
             <a:spLocks noGrp="1"/>
           </p:cNvSpPr>
@@ -2514,7 +2515,7 @@
       </p:grpSpPr>
       <p:sp>
         <p:nvSpPr>
-          <p:cNvPr id="92" name="PlaceHolder 1"/>
+          <p:cNvPr id="94" name="PlaceHolder 1"/>
           <p:cNvSpPr>
             <a:spLocks noGrp="1"/>
           </p:cNvSpPr>
@@ -2545,7 +2546,7 @@
       </p:sp>
       <p:sp>
         <p:nvSpPr>
-          <p:cNvPr id="93" name="PlaceHolder 2"/>
+          <p:cNvPr id="95" name="PlaceHolder 2"/>
           <p:cNvSpPr>
             <a:spLocks noGrp="1"/>
           </p:cNvSpPr>
@@ -2575,7 +2576,7 @@
       </p:sp>
       <p:sp>
         <p:nvSpPr>
-          <p:cNvPr id="94" name="PlaceHolder 3"/>
+          <p:cNvPr id="96" name="PlaceHolder 3"/>
           <p:cNvSpPr>
             <a:spLocks noGrp="1"/>
           </p:cNvSpPr>
@@ -2605,7 +2606,7 @@
       </p:sp>
       <p:sp>
         <p:nvSpPr>
-          <p:cNvPr id="95" name="PlaceHolder 4"/>
+          <p:cNvPr id="97" name="PlaceHolder 4"/>
           <p:cNvSpPr>
             <a:spLocks noGrp="1"/>
           </p:cNvSpPr>
@@ -2657,7 +2658,7 @@
       </p:grpSpPr>
       <p:sp>
         <p:nvSpPr>
-          <p:cNvPr id="96" name="PlaceHolder 1"/>
+          <p:cNvPr id="98" name="PlaceHolder 1"/>
           <p:cNvSpPr>
             <a:spLocks noGrp="1"/>
           </p:cNvSpPr>
@@ -2688,7 +2689,7 @@
       </p:sp>
       <p:sp>
         <p:nvSpPr>
-          <p:cNvPr id="97" name="PlaceHolder 2"/>
+          <p:cNvPr id="99" name="PlaceHolder 2"/>
           <p:cNvSpPr>
             <a:spLocks noGrp="1"/>
           </p:cNvSpPr>
@@ -2718,7 +2719,7 @@
       </p:sp>
       <p:sp>
         <p:nvSpPr>
-          <p:cNvPr id="98" name="PlaceHolder 3"/>
+          <p:cNvPr id="100" name="PlaceHolder 3"/>
           <p:cNvSpPr>
             <a:spLocks noGrp="1"/>
           </p:cNvSpPr>
@@ -2748,7 +2749,7 @@
       </p:sp>
       <p:sp>
         <p:nvSpPr>
-          <p:cNvPr id="99" name="PlaceHolder 4"/>
+          <p:cNvPr id="101" name="PlaceHolder 4"/>
           <p:cNvSpPr>
             <a:spLocks noGrp="1"/>
           </p:cNvSpPr>
@@ -2800,7 +2801,7 @@
       </p:grpSpPr>
       <p:sp>
         <p:nvSpPr>
-          <p:cNvPr id="100" name="PlaceHolder 1"/>
+          <p:cNvPr id="102" name="PlaceHolder 1"/>
           <p:cNvSpPr>
             <a:spLocks noGrp="1"/>
           </p:cNvSpPr>
@@ -2831,7 +2832,7 @@
       </p:sp>
       <p:sp>
         <p:nvSpPr>
-          <p:cNvPr id="101" name="PlaceHolder 2"/>
+          <p:cNvPr id="103" name="PlaceHolder 2"/>
           <p:cNvSpPr>
             <a:spLocks noGrp="1"/>
           </p:cNvSpPr>
@@ -2861,7 +2862,7 @@
       </p:sp>
       <p:sp>
         <p:nvSpPr>
-          <p:cNvPr id="102" name="PlaceHolder 3"/>
+          <p:cNvPr id="104" name="PlaceHolder 3"/>
           <p:cNvSpPr>
             <a:spLocks noGrp="1"/>
           </p:cNvSpPr>
@@ -2891,7 +2892,7 @@
       </p:sp>
       <p:sp>
         <p:nvSpPr>
-          <p:cNvPr id="103" name="PlaceHolder 4"/>
+          <p:cNvPr id="105" name="PlaceHolder 4"/>
           <p:cNvSpPr>
             <a:spLocks noGrp="1"/>
           </p:cNvSpPr>
@@ -2943,7 +2944,7 @@
       </p:grpSpPr>
       <p:sp>
         <p:nvSpPr>
-          <p:cNvPr id="104" name="PlaceHolder 1"/>
+          <p:cNvPr id="106" name="PlaceHolder 1"/>
           <p:cNvSpPr>
             <a:spLocks noGrp="1"/>
           </p:cNvSpPr>
@@ -2974,7 +2975,7 @@
       </p:sp>
       <p:sp>
         <p:nvSpPr>
-          <p:cNvPr id="105" name="PlaceHolder 2"/>
+          <p:cNvPr id="107" name="PlaceHolder 2"/>
           <p:cNvSpPr>
             <a:spLocks noGrp="1"/>
           </p:cNvSpPr>
@@ -3004,7 +3005,7 @@
       </p:sp>
       <p:sp>
         <p:nvSpPr>
-          <p:cNvPr id="106" name="PlaceHolder 3"/>
+          <p:cNvPr id="108" name="PlaceHolder 3"/>
           <p:cNvSpPr>
             <a:spLocks noGrp="1"/>
           </p:cNvSpPr>
@@ -3056,7 +3057,7 @@
       </p:grpSpPr>
       <p:sp>
         <p:nvSpPr>
-          <p:cNvPr id="107" name="PlaceHolder 1"/>
+          <p:cNvPr id="109" name="PlaceHolder 1"/>
           <p:cNvSpPr>
             <a:spLocks noGrp="1"/>
           </p:cNvSpPr>
@@ -3087,7 +3088,7 @@
       </p:sp>
       <p:sp>
         <p:nvSpPr>
-          <p:cNvPr id="108" name="PlaceHolder 2"/>
+          <p:cNvPr id="110" name="PlaceHolder 2"/>
           <p:cNvSpPr>
             <a:spLocks noGrp="1"/>
           </p:cNvSpPr>
@@ -3117,7 +3118,7 @@
       </p:sp>
       <p:sp>
         <p:nvSpPr>
-          <p:cNvPr id="109" name="PlaceHolder 3"/>
+          <p:cNvPr id="111" name="PlaceHolder 3"/>
           <p:cNvSpPr>
             <a:spLocks noGrp="1"/>
           </p:cNvSpPr>
@@ -3147,7 +3148,7 @@
       </p:sp>
       <p:sp>
         <p:nvSpPr>
-          <p:cNvPr id="110" name="PlaceHolder 4"/>
+          <p:cNvPr id="112" name="PlaceHolder 4"/>
           <p:cNvSpPr>
             <a:spLocks noGrp="1"/>
           </p:cNvSpPr>
@@ -3177,7 +3178,7 @@
       </p:sp>
       <p:sp>
         <p:nvSpPr>
-          <p:cNvPr id="111" name="PlaceHolder 5"/>
+          <p:cNvPr id="113" name="PlaceHolder 5"/>
           <p:cNvSpPr>
             <a:spLocks noGrp="1"/>
           </p:cNvSpPr>
@@ -3229,7 +3230,7 @@
       </p:grpSpPr>
       <p:sp>
         <p:nvSpPr>
-          <p:cNvPr id="112" name="PlaceHolder 1"/>
+          <p:cNvPr id="114" name="PlaceHolder 1"/>
           <p:cNvSpPr>
             <a:spLocks noGrp="1"/>
           </p:cNvSpPr>
@@ -3260,7 +3261,7 @@
       </p:sp>
       <p:sp>
         <p:nvSpPr>
-          <p:cNvPr id="113" name="PlaceHolder 2"/>
+          <p:cNvPr id="115" name="PlaceHolder 2"/>
           <p:cNvSpPr>
             <a:spLocks noGrp="1"/>
           </p:cNvSpPr>
@@ -3290,7 +3291,7 @@
       </p:sp>
       <p:sp>
         <p:nvSpPr>
-          <p:cNvPr id="114" name="PlaceHolder 3"/>
+          <p:cNvPr id="116" name="PlaceHolder 3"/>
           <p:cNvSpPr>
             <a:spLocks noGrp="1"/>
           </p:cNvSpPr>
@@ -3320,7 +3321,7 @@
       </p:sp>
       <p:sp>
         <p:nvSpPr>
-          <p:cNvPr id="115" name="PlaceHolder 4"/>
+          <p:cNvPr id="117" name="PlaceHolder 4"/>
           <p:cNvSpPr>
             <a:spLocks noGrp="1"/>
           </p:cNvSpPr>
@@ -3350,7 +3351,7 @@
       </p:sp>
       <p:sp>
         <p:nvSpPr>
-          <p:cNvPr id="116" name="PlaceHolder 5"/>
+          <p:cNvPr id="118" name="PlaceHolder 5"/>
           <p:cNvSpPr>
             <a:spLocks noGrp="1"/>
           </p:cNvSpPr>
@@ -3380,7 +3381,7 @@
       </p:sp>
       <p:sp>
         <p:nvSpPr>
-          <p:cNvPr id="117" name="PlaceHolder 6"/>
+          <p:cNvPr id="119" name="PlaceHolder 6"/>
           <p:cNvSpPr>
             <a:spLocks noGrp="1"/>
           </p:cNvSpPr>
@@ -3410,7 +3411,7 @@
       </p:sp>
       <p:sp>
         <p:nvSpPr>
-          <p:cNvPr id="118" name="PlaceHolder 7"/>
+          <p:cNvPr id="120" name="PlaceHolder 7"/>
           <p:cNvSpPr>
             <a:spLocks noGrp="1"/>
           </p:cNvSpPr>
@@ -3422,6 +3423,195 @@
           <a:xfrm>
             <a:off x="6639120" y="4058640"/>
             <a:ext cx="2921040" cy="2090880"/>
+          </a:xfrm>
+          <a:prstGeom prst="rect">
+            <a:avLst/>
+          </a:prstGeom>
+        </p:spPr>
+        <p:txBody>
+          <a:bodyPr lIns="0" rIns="0" tIns="0" bIns="0">
+            <a:normAutofit/>
+          </a:bodyPr>
+          <a:p>
+            <a:endParaRPr b="0" lang="en-US" sz="3200" spc="-1" strike="noStrike">
+              <a:latin typeface="Arial"/>
+            </a:endParaRPr>
+          </a:p>
+        </p:txBody>
+      </p:sp>
+    </p:spTree>
+  </p:cSld>
+</p:sldLayout>
+</file>
+
+<file path=ppt/slideLayouts/slideLayout37.xml><?xml version="1.0" encoding="utf-8"?>
+<p:sldLayout xmlns:a="http://schemas.openxmlformats.org/drawingml/2006/main" xmlns:p="http://schemas.openxmlformats.org/presentationml/2006/main" xmlns:r="http://schemas.openxmlformats.org/officeDocument/2006/relationships" xmlns:p14="http://schemas.microsoft.com/office/powerpoint/2010/main" xmlns:p15="http://schemas.microsoft.com/office/powerpoint/2012/main" xmlns:mc="http://schemas.openxmlformats.org/markup-compatibility/2006" type="blank" preserve="1">
+  <p:cSld name="Blank Slide">
+    <p:spTree>
+      <p:nvGrpSpPr>
+        <p:cNvPr id="1" name=""/>
+        <p:cNvGrpSpPr/>
+        <p:nvPr/>
+      </p:nvGrpSpPr>
+      <p:grpSpPr>
+        <a:xfrm>
+          <a:off x="0" y="0"/>
+          <a:ext cx="0" cy="0"/>
+          <a:chOff x="0" y="0"/>
+          <a:chExt cx="0" cy="0"/>
+        </a:xfrm>
+      </p:grpSpPr>
+    </p:spTree>
+  </p:cSld>
+</p:sldLayout>
+</file>
+
+<file path=ppt/slideLayouts/slideLayout38.xml><?xml version="1.0" encoding="utf-8"?>
+<p:sldLayout xmlns:a="http://schemas.openxmlformats.org/drawingml/2006/main" xmlns:p="http://schemas.openxmlformats.org/presentationml/2006/main" xmlns:r="http://schemas.openxmlformats.org/officeDocument/2006/relationships" xmlns:p14="http://schemas.microsoft.com/office/powerpoint/2010/main" xmlns:p15="http://schemas.microsoft.com/office/powerpoint/2012/main" xmlns:mc="http://schemas.openxmlformats.org/markup-compatibility/2006" type="tx" preserve="1">
+  <p:cSld name="Title Slide">
+    <p:spTree>
+      <p:nvGrpSpPr>
+        <p:cNvPr id="1" name=""/>
+        <p:cNvGrpSpPr/>
+        <p:nvPr/>
+      </p:nvGrpSpPr>
+      <p:grpSpPr>
+        <a:xfrm>
+          <a:off x="0" y="0"/>
+          <a:ext cx="0" cy="0"/>
+          <a:chOff x="0" y="0"/>
+          <a:chExt cx="0" cy="0"/>
+        </a:xfrm>
+      </p:grpSpPr>
+      <p:sp>
+        <p:nvSpPr>
+          <p:cNvPr id="126" name="PlaceHolder 1"/>
+          <p:cNvSpPr>
+            <a:spLocks noGrp="1"/>
+          </p:cNvSpPr>
+          <p:nvPr>
+            <p:ph type="title"/>
+          </p:nvPr>
+        </p:nvSpPr>
+        <p:spPr>
+          <a:xfrm>
+            <a:off x="504000" y="301320"/>
+            <a:ext cx="9072000" cy="1261800"/>
+          </a:xfrm>
+          <a:prstGeom prst="rect">
+            <a:avLst/>
+          </a:prstGeom>
+        </p:spPr>
+        <p:txBody>
+          <a:bodyPr lIns="0" rIns="0" tIns="0" bIns="0" anchor="ctr">
+            <a:noAutofit/>
+          </a:bodyPr>
+          <a:p>
+            <a:pPr algn="ctr"/>
+            <a:endParaRPr b="0" lang="en-US" sz="4400" spc="-1" strike="noStrike">
+              <a:latin typeface="Arial"/>
+            </a:endParaRPr>
+          </a:p>
+        </p:txBody>
+      </p:sp>
+      <p:sp>
+        <p:nvSpPr>
+          <p:cNvPr id="127" name="PlaceHolder 2"/>
+          <p:cNvSpPr>
+            <a:spLocks noGrp="1"/>
+          </p:cNvSpPr>
+          <p:nvPr>
+            <p:ph type="subTitle"/>
+          </p:nvPr>
+        </p:nvSpPr>
+        <p:spPr>
+          <a:xfrm>
+            <a:off x="504000" y="1768680"/>
+            <a:ext cx="9072000" cy="4384080"/>
+          </a:xfrm>
+          <a:prstGeom prst="rect">
+            <a:avLst/>
+          </a:prstGeom>
+        </p:spPr>
+        <p:txBody>
+          <a:bodyPr lIns="0" rIns="0" tIns="0" bIns="0" anchor="ctr">
+            <a:noAutofit/>
+          </a:bodyPr>
+          <a:p>
+            <a:pPr algn="ctr"/>
+            <a:endParaRPr b="0" lang="en-US" sz="3200" spc="-1" strike="noStrike">
+              <a:latin typeface="Arial"/>
+            </a:endParaRPr>
+          </a:p>
+        </p:txBody>
+      </p:sp>
+    </p:spTree>
+  </p:cSld>
+</p:sldLayout>
+</file>
+
+<file path=ppt/slideLayouts/slideLayout39.xml><?xml version="1.0" encoding="utf-8"?>
+<p:sldLayout xmlns:a="http://schemas.openxmlformats.org/drawingml/2006/main" xmlns:p="http://schemas.openxmlformats.org/presentationml/2006/main" xmlns:r="http://schemas.openxmlformats.org/officeDocument/2006/relationships" xmlns:p14="http://schemas.microsoft.com/office/powerpoint/2010/main" xmlns:p15="http://schemas.microsoft.com/office/powerpoint/2012/main" xmlns:mc="http://schemas.openxmlformats.org/markup-compatibility/2006" type="obj" preserve="1">
+  <p:cSld name="Title, Content">
+    <p:spTree>
+      <p:nvGrpSpPr>
+        <p:cNvPr id="1" name=""/>
+        <p:cNvGrpSpPr/>
+        <p:nvPr/>
+      </p:nvGrpSpPr>
+      <p:grpSpPr>
+        <a:xfrm>
+          <a:off x="0" y="0"/>
+          <a:ext cx="0" cy="0"/>
+          <a:chOff x="0" y="0"/>
+          <a:chExt cx="0" cy="0"/>
+        </a:xfrm>
+      </p:grpSpPr>
+      <p:sp>
+        <p:nvSpPr>
+          <p:cNvPr id="128" name="PlaceHolder 1"/>
+          <p:cNvSpPr>
+            <a:spLocks noGrp="1"/>
+          </p:cNvSpPr>
+          <p:nvPr>
+            <p:ph type="title"/>
+          </p:nvPr>
+        </p:nvSpPr>
+        <p:spPr>
+          <a:xfrm>
+            <a:off x="504000" y="301320"/>
+            <a:ext cx="9072000" cy="1261800"/>
+          </a:xfrm>
+          <a:prstGeom prst="rect">
+            <a:avLst/>
+          </a:prstGeom>
+        </p:spPr>
+        <p:txBody>
+          <a:bodyPr lIns="0" rIns="0" tIns="0" bIns="0" anchor="ctr">
+            <a:noAutofit/>
+          </a:bodyPr>
+          <a:p>
+            <a:pPr algn="ctr"/>
+            <a:endParaRPr b="0" lang="en-US" sz="4400" spc="-1" strike="noStrike">
+              <a:latin typeface="Arial"/>
+            </a:endParaRPr>
+          </a:p>
+        </p:txBody>
+      </p:sp>
+      <p:sp>
+        <p:nvSpPr>
+          <p:cNvPr id="129" name="PlaceHolder 2"/>
+          <p:cNvSpPr>
+            <a:spLocks noGrp="1"/>
+          </p:cNvSpPr>
+          <p:nvPr>
+            <p:ph type="body"/>
+          </p:nvPr>
+        </p:nvSpPr>
+        <p:spPr>
+          <a:xfrm>
+            <a:off x="504000" y="1768680"/>
+            <a:ext cx="9072000" cy="4384080"/>
           </a:xfrm>
           <a:prstGeom prst="rect">
             <a:avLst/>
@@ -3556,6 +3746,1195 @@
 </p:sldLayout>
 </file>
 
+<file path=ppt/slideLayouts/slideLayout40.xml><?xml version="1.0" encoding="utf-8"?>
+<p:sldLayout xmlns:a="http://schemas.openxmlformats.org/drawingml/2006/main" xmlns:p="http://schemas.openxmlformats.org/presentationml/2006/main" xmlns:r="http://schemas.openxmlformats.org/officeDocument/2006/relationships" xmlns:p14="http://schemas.microsoft.com/office/powerpoint/2010/main" xmlns:p15="http://schemas.microsoft.com/office/powerpoint/2012/main" xmlns:mc="http://schemas.openxmlformats.org/markup-compatibility/2006" type="twoObj" preserve="1">
+  <p:cSld name="Title, 2 Content">
+    <p:spTree>
+      <p:nvGrpSpPr>
+        <p:cNvPr id="1" name=""/>
+        <p:cNvGrpSpPr/>
+        <p:nvPr/>
+      </p:nvGrpSpPr>
+      <p:grpSpPr>
+        <a:xfrm>
+          <a:off x="0" y="0"/>
+          <a:ext cx="0" cy="0"/>
+          <a:chOff x="0" y="0"/>
+          <a:chExt cx="0" cy="0"/>
+        </a:xfrm>
+      </p:grpSpPr>
+      <p:sp>
+        <p:nvSpPr>
+          <p:cNvPr id="130" name="PlaceHolder 1"/>
+          <p:cNvSpPr>
+            <a:spLocks noGrp="1"/>
+          </p:cNvSpPr>
+          <p:nvPr>
+            <p:ph type="title"/>
+          </p:nvPr>
+        </p:nvSpPr>
+        <p:spPr>
+          <a:xfrm>
+            <a:off x="504000" y="301320"/>
+            <a:ext cx="9072000" cy="1261800"/>
+          </a:xfrm>
+          <a:prstGeom prst="rect">
+            <a:avLst/>
+          </a:prstGeom>
+        </p:spPr>
+        <p:txBody>
+          <a:bodyPr lIns="0" rIns="0" tIns="0" bIns="0" anchor="ctr">
+            <a:noAutofit/>
+          </a:bodyPr>
+          <a:p>
+            <a:pPr algn="ctr"/>
+            <a:endParaRPr b="0" lang="en-US" sz="4400" spc="-1" strike="noStrike">
+              <a:latin typeface="Arial"/>
+            </a:endParaRPr>
+          </a:p>
+        </p:txBody>
+      </p:sp>
+      <p:sp>
+        <p:nvSpPr>
+          <p:cNvPr id="131" name="PlaceHolder 2"/>
+          <p:cNvSpPr>
+            <a:spLocks noGrp="1"/>
+          </p:cNvSpPr>
+          <p:nvPr>
+            <p:ph type="body"/>
+          </p:nvPr>
+        </p:nvSpPr>
+        <p:spPr>
+          <a:xfrm>
+            <a:off x="504000" y="1768680"/>
+            <a:ext cx="4426920" cy="4384080"/>
+          </a:xfrm>
+          <a:prstGeom prst="rect">
+            <a:avLst/>
+          </a:prstGeom>
+        </p:spPr>
+        <p:txBody>
+          <a:bodyPr lIns="0" rIns="0" tIns="0" bIns="0">
+            <a:normAutofit/>
+          </a:bodyPr>
+          <a:p>
+            <a:endParaRPr b="0" lang="en-US" sz="3200" spc="-1" strike="noStrike">
+              <a:latin typeface="Arial"/>
+            </a:endParaRPr>
+          </a:p>
+        </p:txBody>
+      </p:sp>
+      <p:sp>
+        <p:nvSpPr>
+          <p:cNvPr id="132" name="PlaceHolder 3"/>
+          <p:cNvSpPr>
+            <a:spLocks noGrp="1"/>
+          </p:cNvSpPr>
+          <p:nvPr>
+            <p:ph type="body"/>
+          </p:nvPr>
+        </p:nvSpPr>
+        <p:spPr>
+          <a:xfrm>
+            <a:off x="5152680" y="1768680"/>
+            <a:ext cx="4426920" cy="4384080"/>
+          </a:xfrm>
+          <a:prstGeom prst="rect">
+            <a:avLst/>
+          </a:prstGeom>
+        </p:spPr>
+        <p:txBody>
+          <a:bodyPr lIns="0" rIns="0" tIns="0" bIns="0">
+            <a:normAutofit/>
+          </a:bodyPr>
+          <a:p>
+            <a:endParaRPr b="0" lang="en-US" sz="3200" spc="-1" strike="noStrike">
+              <a:latin typeface="Arial"/>
+            </a:endParaRPr>
+          </a:p>
+        </p:txBody>
+      </p:sp>
+    </p:spTree>
+  </p:cSld>
+</p:sldLayout>
+</file>
+
+<file path=ppt/slideLayouts/slideLayout41.xml><?xml version="1.0" encoding="utf-8"?>
+<p:sldLayout xmlns:a="http://schemas.openxmlformats.org/drawingml/2006/main" xmlns:p="http://schemas.openxmlformats.org/presentationml/2006/main" xmlns:r="http://schemas.openxmlformats.org/officeDocument/2006/relationships" xmlns:p14="http://schemas.microsoft.com/office/powerpoint/2010/main" xmlns:p15="http://schemas.microsoft.com/office/powerpoint/2012/main" xmlns:mc="http://schemas.openxmlformats.org/markup-compatibility/2006" type="titleOnly" preserve="1">
+  <p:cSld name="Title Only">
+    <p:spTree>
+      <p:nvGrpSpPr>
+        <p:cNvPr id="1" name=""/>
+        <p:cNvGrpSpPr/>
+        <p:nvPr/>
+      </p:nvGrpSpPr>
+      <p:grpSpPr>
+        <a:xfrm>
+          <a:off x="0" y="0"/>
+          <a:ext cx="0" cy="0"/>
+          <a:chOff x="0" y="0"/>
+          <a:chExt cx="0" cy="0"/>
+        </a:xfrm>
+      </p:grpSpPr>
+      <p:sp>
+        <p:nvSpPr>
+          <p:cNvPr id="133" name="PlaceHolder 1"/>
+          <p:cNvSpPr>
+            <a:spLocks noGrp="1"/>
+          </p:cNvSpPr>
+          <p:nvPr>
+            <p:ph type="title"/>
+          </p:nvPr>
+        </p:nvSpPr>
+        <p:spPr>
+          <a:xfrm>
+            <a:off x="504000" y="301320"/>
+            <a:ext cx="9072000" cy="1261800"/>
+          </a:xfrm>
+          <a:prstGeom prst="rect">
+            <a:avLst/>
+          </a:prstGeom>
+        </p:spPr>
+        <p:txBody>
+          <a:bodyPr lIns="0" rIns="0" tIns="0" bIns="0" anchor="ctr">
+            <a:noAutofit/>
+          </a:bodyPr>
+          <a:p>
+            <a:pPr algn="ctr"/>
+            <a:endParaRPr b="0" lang="en-US" sz="4400" spc="-1" strike="noStrike">
+              <a:latin typeface="Arial"/>
+            </a:endParaRPr>
+          </a:p>
+        </p:txBody>
+      </p:sp>
+    </p:spTree>
+  </p:cSld>
+</p:sldLayout>
+</file>
+
+<file path=ppt/slideLayouts/slideLayout42.xml><?xml version="1.0" encoding="utf-8"?>
+<p:sldLayout xmlns:a="http://schemas.openxmlformats.org/drawingml/2006/main" xmlns:p="http://schemas.openxmlformats.org/presentationml/2006/main" xmlns:r="http://schemas.openxmlformats.org/officeDocument/2006/relationships" xmlns:p14="http://schemas.microsoft.com/office/powerpoint/2010/main" xmlns:p15="http://schemas.microsoft.com/office/powerpoint/2012/main" xmlns:mc="http://schemas.openxmlformats.org/markup-compatibility/2006" type="objOnly" preserve="1">
+  <p:cSld name="Centered Text">
+    <p:spTree>
+      <p:nvGrpSpPr>
+        <p:cNvPr id="1" name=""/>
+        <p:cNvGrpSpPr/>
+        <p:nvPr/>
+      </p:nvGrpSpPr>
+      <p:grpSpPr>
+        <a:xfrm>
+          <a:off x="0" y="0"/>
+          <a:ext cx="0" cy="0"/>
+          <a:chOff x="0" y="0"/>
+          <a:chExt cx="0" cy="0"/>
+        </a:xfrm>
+      </p:grpSpPr>
+      <p:sp>
+        <p:nvSpPr>
+          <p:cNvPr id="134" name="PlaceHolder 1"/>
+          <p:cNvSpPr>
+            <a:spLocks noGrp="1"/>
+          </p:cNvSpPr>
+          <p:nvPr>
+            <p:ph type="subTitle"/>
+          </p:nvPr>
+        </p:nvSpPr>
+        <p:spPr>
+          <a:xfrm>
+            <a:off x="504000" y="301320"/>
+            <a:ext cx="9072000" cy="5850360"/>
+          </a:xfrm>
+          <a:prstGeom prst="rect">
+            <a:avLst/>
+          </a:prstGeom>
+        </p:spPr>
+        <p:txBody>
+          <a:bodyPr lIns="0" rIns="0" tIns="0" bIns="0" anchor="ctr">
+            <a:noAutofit/>
+          </a:bodyPr>
+          <a:p>
+            <a:pPr algn="ctr"/>
+            <a:endParaRPr b="0" lang="en-US" sz="3200" spc="-1" strike="noStrike">
+              <a:latin typeface="Arial"/>
+            </a:endParaRPr>
+          </a:p>
+        </p:txBody>
+      </p:sp>
+    </p:spTree>
+  </p:cSld>
+</p:sldLayout>
+</file>
+
+<file path=ppt/slideLayouts/slideLayout43.xml><?xml version="1.0" encoding="utf-8"?>
+<p:sldLayout xmlns:a="http://schemas.openxmlformats.org/drawingml/2006/main" xmlns:p="http://schemas.openxmlformats.org/presentationml/2006/main" xmlns:r="http://schemas.openxmlformats.org/officeDocument/2006/relationships" xmlns:p14="http://schemas.microsoft.com/office/powerpoint/2010/main" xmlns:p15="http://schemas.microsoft.com/office/powerpoint/2012/main" xmlns:mc="http://schemas.openxmlformats.org/markup-compatibility/2006" type="twoObjAndObj" preserve="1">
+  <p:cSld name="Title, 2 Content and Content">
+    <p:spTree>
+      <p:nvGrpSpPr>
+        <p:cNvPr id="1" name=""/>
+        <p:cNvGrpSpPr/>
+        <p:nvPr/>
+      </p:nvGrpSpPr>
+      <p:grpSpPr>
+        <a:xfrm>
+          <a:off x="0" y="0"/>
+          <a:ext cx="0" cy="0"/>
+          <a:chOff x="0" y="0"/>
+          <a:chExt cx="0" cy="0"/>
+        </a:xfrm>
+      </p:grpSpPr>
+      <p:sp>
+        <p:nvSpPr>
+          <p:cNvPr id="135" name="PlaceHolder 1"/>
+          <p:cNvSpPr>
+            <a:spLocks noGrp="1"/>
+          </p:cNvSpPr>
+          <p:nvPr>
+            <p:ph type="title"/>
+          </p:nvPr>
+        </p:nvSpPr>
+        <p:spPr>
+          <a:xfrm>
+            <a:off x="504000" y="301320"/>
+            <a:ext cx="9072000" cy="1261800"/>
+          </a:xfrm>
+          <a:prstGeom prst="rect">
+            <a:avLst/>
+          </a:prstGeom>
+        </p:spPr>
+        <p:txBody>
+          <a:bodyPr lIns="0" rIns="0" tIns="0" bIns="0" anchor="ctr">
+            <a:noAutofit/>
+          </a:bodyPr>
+          <a:p>
+            <a:pPr algn="ctr"/>
+            <a:endParaRPr b="0" lang="en-US" sz="4400" spc="-1" strike="noStrike">
+              <a:latin typeface="Arial"/>
+            </a:endParaRPr>
+          </a:p>
+        </p:txBody>
+      </p:sp>
+      <p:sp>
+        <p:nvSpPr>
+          <p:cNvPr id="136" name="PlaceHolder 2"/>
+          <p:cNvSpPr>
+            <a:spLocks noGrp="1"/>
+          </p:cNvSpPr>
+          <p:nvPr>
+            <p:ph type="body"/>
+          </p:nvPr>
+        </p:nvSpPr>
+        <p:spPr>
+          <a:xfrm>
+            <a:off x="504000" y="1768680"/>
+            <a:ext cx="4426920" cy="2090880"/>
+          </a:xfrm>
+          <a:prstGeom prst="rect">
+            <a:avLst/>
+          </a:prstGeom>
+        </p:spPr>
+        <p:txBody>
+          <a:bodyPr lIns="0" rIns="0" tIns="0" bIns="0">
+            <a:normAutofit/>
+          </a:bodyPr>
+          <a:p>
+            <a:endParaRPr b="0" lang="en-US" sz="3200" spc="-1" strike="noStrike">
+              <a:latin typeface="Arial"/>
+            </a:endParaRPr>
+          </a:p>
+        </p:txBody>
+      </p:sp>
+      <p:sp>
+        <p:nvSpPr>
+          <p:cNvPr id="137" name="PlaceHolder 3"/>
+          <p:cNvSpPr>
+            <a:spLocks noGrp="1"/>
+          </p:cNvSpPr>
+          <p:nvPr>
+            <p:ph type="body"/>
+          </p:nvPr>
+        </p:nvSpPr>
+        <p:spPr>
+          <a:xfrm>
+            <a:off x="5152680" y="1768680"/>
+            <a:ext cx="4426920" cy="4384080"/>
+          </a:xfrm>
+          <a:prstGeom prst="rect">
+            <a:avLst/>
+          </a:prstGeom>
+        </p:spPr>
+        <p:txBody>
+          <a:bodyPr lIns="0" rIns="0" tIns="0" bIns="0">
+            <a:normAutofit/>
+          </a:bodyPr>
+          <a:p>
+            <a:endParaRPr b="0" lang="en-US" sz="3200" spc="-1" strike="noStrike">
+              <a:latin typeface="Arial"/>
+            </a:endParaRPr>
+          </a:p>
+        </p:txBody>
+      </p:sp>
+      <p:sp>
+        <p:nvSpPr>
+          <p:cNvPr id="138" name="PlaceHolder 4"/>
+          <p:cNvSpPr>
+            <a:spLocks noGrp="1"/>
+          </p:cNvSpPr>
+          <p:nvPr>
+            <p:ph type="body"/>
+          </p:nvPr>
+        </p:nvSpPr>
+        <p:spPr>
+          <a:xfrm>
+            <a:off x="504000" y="4058640"/>
+            <a:ext cx="4426920" cy="2090880"/>
+          </a:xfrm>
+          <a:prstGeom prst="rect">
+            <a:avLst/>
+          </a:prstGeom>
+        </p:spPr>
+        <p:txBody>
+          <a:bodyPr lIns="0" rIns="0" tIns="0" bIns="0">
+            <a:normAutofit/>
+          </a:bodyPr>
+          <a:p>
+            <a:endParaRPr b="0" lang="en-US" sz="3200" spc="-1" strike="noStrike">
+              <a:latin typeface="Arial"/>
+            </a:endParaRPr>
+          </a:p>
+        </p:txBody>
+      </p:sp>
+    </p:spTree>
+  </p:cSld>
+</p:sldLayout>
+</file>
+
+<file path=ppt/slideLayouts/slideLayout44.xml><?xml version="1.0" encoding="utf-8"?>
+<p:sldLayout xmlns:a="http://schemas.openxmlformats.org/drawingml/2006/main" xmlns:p="http://schemas.openxmlformats.org/presentationml/2006/main" xmlns:r="http://schemas.openxmlformats.org/officeDocument/2006/relationships" xmlns:p14="http://schemas.microsoft.com/office/powerpoint/2010/main" xmlns:p15="http://schemas.microsoft.com/office/powerpoint/2012/main" xmlns:mc="http://schemas.openxmlformats.org/markup-compatibility/2006" type="objAndTwoObj" preserve="1">
+  <p:cSld name="Title Content and 2 Content">
+    <p:spTree>
+      <p:nvGrpSpPr>
+        <p:cNvPr id="1" name=""/>
+        <p:cNvGrpSpPr/>
+        <p:nvPr/>
+      </p:nvGrpSpPr>
+      <p:grpSpPr>
+        <a:xfrm>
+          <a:off x="0" y="0"/>
+          <a:ext cx="0" cy="0"/>
+          <a:chOff x="0" y="0"/>
+          <a:chExt cx="0" cy="0"/>
+        </a:xfrm>
+      </p:grpSpPr>
+      <p:sp>
+        <p:nvSpPr>
+          <p:cNvPr id="139" name="PlaceHolder 1"/>
+          <p:cNvSpPr>
+            <a:spLocks noGrp="1"/>
+          </p:cNvSpPr>
+          <p:nvPr>
+            <p:ph type="title"/>
+          </p:nvPr>
+        </p:nvSpPr>
+        <p:spPr>
+          <a:xfrm>
+            <a:off x="504000" y="301320"/>
+            <a:ext cx="9072000" cy="1261800"/>
+          </a:xfrm>
+          <a:prstGeom prst="rect">
+            <a:avLst/>
+          </a:prstGeom>
+        </p:spPr>
+        <p:txBody>
+          <a:bodyPr lIns="0" rIns="0" tIns="0" bIns="0" anchor="ctr">
+            <a:noAutofit/>
+          </a:bodyPr>
+          <a:p>
+            <a:pPr algn="ctr"/>
+            <a:endParaRPr b="0" lang="en-US" sz="4400" spc="-1" strike="noStrike">
+              <a:latin typeface="Arial"/>
+            </a:endParaRPr>
+          </a:p>
+        </p:txBody>
+      </p:sp>
+      <p:sp>
+        <p:nvSpPr>
+          <p:cNvPr id="140" name="PlaceHolder 2"/>
+          <p:cNvSpPr>
+            <a:spLocks noGrp="1"/>
+          </p:cNvSpPr>
+          <p:nvPr>
+            <p:ph type="body"/>
+          </p:nvPr>
+        </p:nvSpPr>
+        <p:spPr>
+          <a:xfrm>
+            <a:off x="504000" y="1768680"/>
+            <a:ext cx="4426920" cy="4384080"/>
+          </a:xfrm>
+          <a:prstGeom prst="rect">
+            <a:avLst/>
+          </a:prstGeom>
+        </p:spPr>
+        <p:txBody>
+          <a:bodyPr lIns="0" rIns="0" tIns="0" bIns="0">
+            <a:normAutofit/>
+          </a:bodyPr>
+          <a:p>
+            <a:endParaRPr b="0" lang="en-US" sz="3200" spc="-1" strike="noStrike">
+              <a:latin typeface="Arial"/>
+            </a:endParaRPr>
+          </a:p>
+        </p:txBody>
+      </p:sp>
+      <p:sp>
+        <p:nvSpPr>
+          <p:cNvPr id="141" name="PlaceHolder 3"/>
+          <p:cNvSpPr>
+            <a:spLocks noGrp="1"/>
+          </p:cNvSpPr>
+          <p:nvPr>
+            <p:ph type="body"/>
+          </p:nvPr>
+        </p:nvSpPr>
+        <p:spPr>
+          <a:xfrm>
+            <a:off x="5152680" y="1768680"/>
+            <a:ext cx="4426920" cy="2090880"/>
+          </a:xfrm>
+          <a:prstGeom prst="rect">
+            <a:avLst/>
+          </a:prstGeom>
+        </p:spPr>
+        <p:txBody>
+          <a:bodyPr lIns="0" rIns="0" tIns="0" bIns="0">
+            <a:normAutofit/>
+          </a:bodyPr>
+          <a:p>
+            <a:endParaRPr b="0" lang="en-US" sz="3200" spc="-1" strike="noStrike">
+              <a:latin typeface="Arial"/>
+            </a:endParaRPr>
+          </a:p>
+        </p:txBody>
+      </p:sp>
+      <p:sp>
+        <p:nvSpPr>
+          <p:cNvPr id="142" name="PlaceHolder 4"/>
+          <p:cNvSpPr>
+            <a:spLocks noGrp="1"/>
+          </p:cNvSpPr>
+          <p:nvPr>
+            <p:ph type="body"/>
+          </p:nvPr>
+        </p:nvSpPr>
+        <p:spPr>
+          <a:xfrm>
+            <a:off x="5152680" y="4058640"/>
+            <a:ext cx="4426920" cy="2090880"/>
+          </a:xfrm>
+          <a:prstGeom prst="rect">
+            <a:avLst/>
+          </a:prstGeom>
+        </p:spPr>
+        <p:txBody>
+          <a:bodyPr lIns="0" rIns="0" tIns="0" bIns="0">
+            <a:normAutofit/>
+          </a:bodyPr>
+          <a:p>
+            <a:endParaRPr b="0" lang="en-US" sz="3200" spc="-1" strike="noStrike">
+              <a:latin typeface="Arial"/>
+            </a:endParaRPr>
+          </a:p>
+        </p:txBody>
+      </p:sp>
+    </p:spTree>
+  </p:cSld>
+</p:sldLayout>
+</file>
+
+<file path=ppt/slideLayouts/slideLayout45.xml><?xml version="1.0" encoding="utf-8"?>
+<p:sldLayout xmlns:a="http://schemas.openxmlformats.org/drawingml/2006/main" xmlns:p="http://schemas.openxmlformats.org/presentationml/2006/main" xmlns:r="http://schemas.openxmlformats.org/officeDocument/2006/relationships" xmlns:p14="http://schemas.microsoft.com/office/powerpoint/2010/main" xmlns:p15="http://schemas.microsoft.com/office/powerpoint/2012/main" xmlns:mc="http://schemas.openxmlformats.org/markup-compatibility/2006" type="twoObjOverTx" preserve="1">
+  <p:cSld name="Title, 2 Content over Content">
+    <p:spTree>
+      <p:nvGrpSpPr>
+        <p:cNvPr id="1" name=""/>
+        <p:cNvGrpSpPr/>
+        <p:nvPr/>
+      </p:nvGrpSpPr>
+      <p:grpSpPr>
+        <a:xfrm>
+          <a:off x="0" y="0"/>
+          <a:ext cx="0" cy="0"/>
+          <a:chOff x="0" y="0"/>
+          <a:chExt cx="0" cy="0"/>
+        </a:xfrm>
+      </p:grpSpPr>
+      <p:sp>
+        <p:nvSpPr>
+          <p:cNvPr id="143" name="PlaceHolder 1"/>
+          <p:cNvSpPr>
+            <a:spLocks noGrp="1"/>
+          </p:cNvSpPr>
+          <p:nvPr>
+            <p:ph type="title"/>
+          </p:nvPr>
+        </p:nvSpPr>
+        <p:spPr>
+          <a:xfrm>
+            <a:off x="504000" y="301320"/>
+            <a:ext cx="9072000" cy="1261800"/>
+          </a:xfrm>
+          <a:prstGeom prst="rect">
+            <a:avLst/>
+          </a:prstGeom>
+        </p:spPr>
+        <p:txBody>
+          <a:bodyPr lIns="0" rIns="0" tIns="0" bIns="0" anchor="ctr">
+            <a:noAutofit/>
+          </a:bodyPr>
+          <a:p>
+            <a:pPr algn="ctr"/>
+            <a:endParaRPr b="0" lang="en-US" sz="4400" spc="-1" strike="noStrike">
+              <a:latin typeface="Arial"/>
+            </a:endParaRPr>
+          </a:p>
+        </p:txBody>
+      </p:sp>
+      <p:sp>
+        <p:nvSpPr>
+          <p:cNvPr id="144" name="PlaceHolder 2"/>
+          <p:cNvSpPr>
+            <a:spLocks noGrp="1"/>
+          </p:cNvSpPr>
+          <p:nvPr>
+            <p:ph type="body"/>
+          </p:nvPr>
+        </p:nvSpPr>
+        <p:spPr>
+          <a:xfrm>
+            <a:off x="504000" y="1768680"/>
+            <a:ext cx="4426920" cy="2090880"/>
+          </a:xfrm>
+          <a:prstGeom prst="rect">
+            <a:avLst/>
+          </a:prstGeom>
+        </p:spPr>
+        <p:txBody>
+          <a:bodyPr lIns="0" rIns="0" tIns="0" bIns="0">
+            <a:normAutofit/>
+          </a:bodyPr>
+          <a:p>
+            <a:endParaRPr b="0" lang="en-US" sz="3200" spc="-1" strike="noStrike">
+              <a:latin typeface="Arial"/>
+            </a:endParaRPr>
+          </a:p>
+        </p:txBody>
+      </p:sp>
+      <p:sp>
+        <p:nvSpPr>
+          <p:cNvPr id="145" name="PlaceHolder 3"/>
+          <p:cNvSpPr>
+            <a:spLocks noGrp="1"/>
+          </p:cNvSpPr>
+          <p:nvPr>
+            <p:ph type="body"/>
+          </p:nvPr>
+        </p:nvSpPr>
+        <p:spPr>
+          <a:xfrm>
+            <a:off x="5152680" y="1768680"/>
+            <a:ext cx="4426920" cy="2090880"/>
+          </a:xfrm>
+          <a:prstGeom prst="rect">
+            <a:avLst/>
+          </a:prstGeom>
+        </p:spPr>
+        <p:txBody>
+          <a:bodyPr lIns="0" rIns="0" tIns="0" bIns="0">
+            <a:normAutofit/>
+          </a:bodyPr>
+          <a:p>
+            <a:endParaRPr b="0" lang="en-US" sz="3200" spc="-1" strike="noStrike">
+              <a:latin typeface="Arial"/>
+            </a:endParaRPr>
+          </a:p>
+        </p:txBody>
+      </p:sp>
+      <p:sp>
+        <p:nvSpPr>
+          <p:cNvPr id="146" name="PlaceHolder 4"/>
+          <p:cNvSpPr>
+            <a:spLocks noGrp="1"/>
+          </p:cNvSpPr>
+          <p:nvPr>
+            <p:ph type="body"/>
+          </p:nvPr>
+        </p:nvSpPr>
+        <p:spPr>
+          <a:xfrm>
+            <a:off x="504000" y="4058640"/>
+            <a:ext cx="9072000" cy="2090880"/>
+          </a:xfrm>
+          <a:prstGeom prst="rect">
+            <a:avLst/>
+          </a:prstGeom>
+        </p:spPr>
+        <p:txBody>
+          <a:bodyPr lIns="0" rIns="0" tIns="0" bIns="0">
+            <a:normAutofit/>
+          </a:bodyPr>
+          <a:p>
+            <a:endParaRPr b="0" lang="en-US" sz="3200" spc="-1" strike="noStrike">
+              <a:latin typeface="Arial"/>
+            </a:endParaRPr>
+          </a:p>
+        </p:txBody>
+      </p:sp>
+    </p:spTree>
+  </p:cSld>
+</p:sldLayout>
+</file>
+
+<file path=ppt/slideLayouts/slideLayout46.xml><?xml version="1.0" encoding="utf-8"?>
+<p:sldLayout xmlns:a="http://schemas.openxmlformats.org/drawingml/2006/main" xmlns:p="http://schemas.openxmlformats.org/presentationml/2006/main" xmlns:r="http://schemas.openxmlformats.org/officeDocument/2006/relationships" xmlns:p14="http://schemas.microsoft.com/office/powerpoint/2010/main" xmlns:p15="http://schemas.microsoft.com/office/powerpoint/2012/main" xmlns:mc="http://schemas.openxmlformats.org/markup-compatibility/2006" type="objOverTx" preserve="1">
+  <p:cSld name="Title, Content over Content">
+    <p:spTree>
+      <p:nvGrpSpPr>
+        <p:cNvPr id="1" name=""/>
+        <p:cNvGrpSpPr/>
+        <p:nvPr/>
+      </p:nvGrpSpPr>
+      <p:grpSpPr>
+        <a:xfrm>
+          <a:off x="0" y="0"/>
+          <a:ext cx="0" cy="0"/>
+          <a:chOff x="0" y="0"/>
+          <a:chExt cx="0" cy="0"/>
+        </a:xfrm>
+      </p:grpSpPr>
+      <p:sp>
+        <p:nvSpPr>
+          <p:cNvPr id="147" name="PlaceHolder 1"/>
+          <p:cNvSpPr>
+            <a:spLocks noGrp="1"/>
+          </p:cNvSpPr>
+          <p:nvPr>
+            <p:ph type="title"/>
+          </p:nvPr>
+        </p:nvSpPr>
+        <p:spPr>
+          <a:xfrm>
+            <a:off x="504000" y="301320"/>
+            <a:ext cx="9072000" cy="1261800"/>
+          </a:xfrm>
+          <a:prstGeom prst="rect">
+            <a:avLst/>
+          </a:prstGeom>
+        </p:spPr>
+        <p:txBody>
+          <a:bodyPr lIns="0" rIns="0" tIns="0" bIns="0" anchor="ctr">
+            <a:noAutofit/>
+          </a:bodyPr>
+          <a:p>
+            <a:pPr algn="ctr"/>
+            <a:endParaRPr b="0" lang="en-US" sz="4400" spc="-1" strike="noStrike">
+              <a:latin typeface="Arial"/>
+            </a:endParaRPr>
+          </a:p>
+        </p:txBody>
+      </p:sp>
+      <p:sp>
+        <p:nvSpPr>
+          <p:cNvPr id="148" name="PlaceHolder 2"/>
+          <p:cNvSpPr>
+            <a:spLocks noGrp="1"/>
+          </p:cNvSpPr>
+          <p:nvPr>
+            <p:ph type="body"/>
+          </p:nvPr>
+        </p:nvSpPr>
+        <p:spPr>
+          <a:xfrm>
+            <a:off x="504000" y="1768680"/>
+            <a:ext cx="9072000" cy="2090880"/>
+          </a:xfrm>
+          <a:prstGeom prst="rect">
+            <a:avLst/>
+          </a:prstGeom>
+        </p:spPr>
+        <p:txBody>
+          <a:bodyPr lIns="0" rIns="0" tIns="0" bIns="0">
+            <a:normAutofit/>
+          </a:bodyPr>
+          <a:p>
+            <a:endParaRPr b="0" lang="en-US" sz="3200" spc="-1" strike="noStrike">
+              <a:latin typeface="Arial"/>
+            </a:endParaRPr>
+          </a:p>
+        </p:txBody>
+      </p:sp>
+      <p:sp>
+        <p:nvSpPr>
+          <p:cNvPr id="149" name="PlaceHolder 3"/>
+          <p:cNvSpPr>
+            <a:spLocks noGrp="1"/>
+          </p:cNvSpPr>
+          <p:nvPr>
+            <p:ph type="body"/>
+          </p:nvPr>
+        </p:nvSpPr>
+        <p:spPr>
+          <a:xfrm>
+            <a:off x="504000" y="4058640"/>
+            <a:ext cx="9072000" cy="2090880"/>
+          </a:xfrm>
+          <a:prstGeom prst="rect">
+            <a:avLst/>
+          </a:prstGeom>
+        </p:spPr>
+        <p:txBody>
+          <a:bodyPr lIns="0" rIns="0" tIns="0" bIns="0">
+            <a:normAutofit/>
+          </a:bodyPr>
+          <a:p>
+            <a:endParaRPr b="0" lang="en-US" sz="3200" spc="-1" strike="noStrike">
+              <a:latin typeface="Arial"/>
+            </a:endParaRPr>
+          </a:p>
+        </p:txBody>
+      </p:sp>
+    </p:spTree>
+  </p:cSld>
+</p:sldLayout>
+</file>
+
+<file path=ppt/slideLayouts/slideLayout47.xml><?xml version="1.0" encoding="utf-8"?>
+<p:sldLayout xmlns:a="http://schemas.openxmlformats.org/drawingml/2006/main" xmlns:p="http://schemas.openxmlformats.org/presentationml/2006/main" xmlns:r="http://schemas.openxmlformats.org/officeDocument/2006/relationships" xmlns:p14="http://schemas.microsoft.com/office/powerpoint/2010/main" xmlns:p15="http://schemas.microsoft.com/office/powerpoint/2012/main" xmlns:mc="http://schemas.openxmlformats.org/markup-compatibility/2006" type="fourObj" preserve="1">
+  <p:cSld name="Title, 4 Content">
+    <p:spTree>
+      <p:nvGrpSpPr>
+        <p:cNvPr id="1" name=""/>
+        <p:cNvGrpSpPr/>
+        <p:nvPr/>
+      </p:nvGrpSpPr>
+      <p:grpSpPr>
+        <a:xfrm>
+          <a:off x="0" y="0"/>
+          <a:ext cx="0" cy="0"/>
+          <a:chOff x="0" y="0"/>
+          <a:chExt cx="0" cy="0"/>
+        </a:xfrm>
+      </p:grpSpPr>
+      <p:sp>
+        <p:nvSpPr>
+          <p:cNvPr id="150" name="PlaceHolder 1"/>
+          <p:cNvSpPr>
+            <a:spLocks noGrp="1"/>
+          </p:cNvSpPr>
+          <p:nvPr>
+            <p:ph type="title"/>
+          </p:nvPr>
+        </p:nvSpPr>
+        <p:spPr>
+          <a:xfrm>
+            <a:off x="504000" y="301320"/>
+            <a:ext cx="9072000" cy="1261800"/>
+          </a:xfrm>
+          <a:prstGeom prst="rect">
+            <a:avLst/>
+          </a:prstGeom>
+        </p:spPr>
+        <p:txBody>
+          <a:bodyPr lIns="0" rIns="0" tIns="0" bIns="0" anchor="ctr">
+            <a:noAutofit/>
+          </a:bodyPr>
+          <a:p>
+            <a:pPr algn="ctr"/>
+            <a:endParaRPr b="0" lang="en-US" sz="4400" spc="-1" strike="noStrike">
+              <a:latin typeface="Arial"/>
+            </a:endParaRPr>
+          </a:p>
+        </p:txBody>
+      </p:sp>
+      <p:sp>
+        <p:nvSpPr>
+          <p:cNvPr id="151" name="PlaceHolder 2"/>
+          <p:cNvSpPr>
+            <a:spLocks noGrp="1"/>
+          </p:cNvSpPr>
+          <p:nvPr>
+            <p:ph type="body"/>
+          </p:nvPr>
+        </p:nvSpPr>
+        <p:spPr>
+          <a:xfrm>
+            <a:off x="504000" y="1768680"/>
+            <a:ext cx="4426920" cy="2090880"/>
+          </a:xfrm>
+          <a:prstGeom prst="rect">
+            <a:avLst/>
+          </a:prstGeom>
+        </p:spPr>
+        <p:txBody>
+          <a:bodyPr lIns="0" rIns="0" tIns="0" bIns="0">
+            <a:normAutofit/>
+          </a:bodyPr>
+          <a:p>
+            <a:endParaRPr b="0" lang="en-US" sz="3200" spc="-1" strike="noStrike">
+              <a:latin typeface="Arial"/>
+            </a:endParaRPr>
+          </a:p>
+        </p:txBody>
+      </p:sp>
+      <p:sp>
+        <p:nvSpPr>
+          <p:cNvPr id="152" name="PlaceHolder 3"/>
+          <p:cNvSpPr>
+            <a:spLocks noGrp="1"/>
+          </p:cNvSpPr>
+          <p:nvPr>
+            <p:ph type="body"/>
+          </p:nvPr>
+        </p:nvSpPr>
+        <p:spPr>
+          <a:xfrm>
+            <a:off x="5152680" y="1768680"/>
+            <a:ext cx="4426920" cy="2090880"/>
+          </a:xfrm>
+          <a:prstGeom prst="rect">
+            <a:avLst/>
+          </a:prstGeom>
+        </p:spPr>
+        <p:txBody>
+          <a:bodyPr lIns="0" rIns="0" tIns="0" bIns="0">
+            <a:normAutofit/>
+          </a:bodyPr>
+          <a:p>
+            <a:endParaRPr b="0" lang="en-US" sz="3200" spc="-1" strike="noStrike">
+              <a:latin typeface="Arial"/>
+            </a:endParaRPr>
+          </a:p>
+        </p:txBody>
+      </p:sp>
+      <p:sp>
+        <p:nvSpPr>
+          <p:cNvPr id="153" name="PlaceHolder 4"/>
+          <p:cNvSpPr>
+            <a:spLocks noGrp="1"/>
+          </p:cNvSpPr>
+          <p:nvPr>
+            <p:ph type="body"/>
+          </p:nvPr>
+        </p:nvSpPr>
+        <p:spPr>
+          <a:xfrm>
+            <a:off x="504000" y="4058640"/>
+            <a:ext cx="4426920" cy="2090880"/>
+          </a:xfrm>
+          <a:prstGeom prst="rect">
+            <a:avLst/>
+          </a:prstGeom>
+        </p:spPr>
+        <p:txBody>
+          <a:bodyPr lIns="0" rIns="0" tIns="0" bIns="0">
+            <a:normAutofit/>
+          </a:bodyPr>
+          <a:p>
+            <a:endParaRPr b="0" lang="en-US" sz="3200" spc="-1" strike="noStrike">
+              <a:latin typeface="Arial"/>
+            </a:endParaRPr>
+          </a:p>
+        </p:txBody>
+      </p:sp>
+      <p:sp>
+        <p:nvSpPr>
+          <p:cNvPr id="154" name="PlaceHolder 5"/>
+          <p:cNvSpPr>
+            <a:spLocks noGrp="1"/>
+          </p:cNvSpPr>
+          <p:nvPr>
+            <p:ph type="body"/>
+          </p:nvPr>
+        </p:nvSpPr>
+        <p:spPr>
+          <a:xfrm>
+            <a:off x="5152680" y="4058640"/>
+            <a:ext cx="4426920" cy="2090880"/>
+          </a:xfrm>
+          <a:prstGeom prst="rect">
+            <a:avLst/>
+          </a:prstGeom>
+        </p:spPr>
+        <p:txBody>
+          <a:bodyPr lIns="0" rIns="0" tIns="0" bIns="0">
+            <a:normAutofit/>
+          </a:bodyPr>
+          <a:p>
+            <a:endParaRPr b="0" lang="en-US" sz="3200" spc="-1" strike="noStrike">
+              <a:latin typeface="Arial"/>
+            </a:endParaRPr>
+          </a:p>
+        </p:txBody>
+      </p:sp>
+    </p:spTree>
+  </p:cSld>
+</p:sldLayout>
+</file>
+
+<file path=ppt/slideLayouts/slideLayout48.xml><?xml version="1.0" encoding="utf-8"?>
+<p:sldLayout xmlns:a="http://schemas.openxmlformats.org/drawingml/2006/main" xmlns:p="http://schemas.openxmlformats.org/presentationml/2006/main" xmlns:r="http://schemas.openxmlformats.org/officeDocument/2006/relationships" xmlns:p14="http://schemas.microsoft.com/office/powerpoint/2010/main" xmlns:p15="http://schemas.microsoft.com/office/powerpoint/2012/main" xmlns:mc="http://schemas.openxmlformats.org/markup-compatibility/2006" type="blank" preserve="1">
+  <p:cSld name="Title, 6 Content">
+    <p:spTree>
+      <p:nvGrpSpPr>
+        <p:cNvPr id="1" name=""/>
+        <p:cNvGrpSpPr/>
+        <p:nvPr/>
+      </p:nvGrpSpPr>
+      <p:grpSpPr>
+        <a:xfrm>
+          <a:off x="0" y="0"/>
+          <a:ext cx="0" cy="0"/>
+          <a:chOff x="0" y="0"/>
+          <a:chExt cx="0" cy="0"/>
+        </a:xfrm>
+      </p:grpSpPr>
+      <p:sp>
+        <p:nvSpPr>
+          <p:cNvPr id="155" name="PlaceHolder 1"/>
+          <p:cNvSpPr>
+            <a:spLocks noGrp="1"/>
+          </p:cNvSpPr>
+          <p:nvPr>
+            <p:ph type="title"/>
+          </p:nvPr>
+        </p:nvSpPr>
+        <p:spPr>
+          <a:xfrm>
+            <a:off x="504000" y="301320"/>
+            <a:ext cx="9072000" cy="1261800"/>
+          </a:xfrm>
+          <a:prstGeom prst="rect">
+            <a:avLst/>
+          </a:prstGeom>
+        </p:spPr>
+        <p:txBody>
+          <a:bodyPr lIns="0" rIns="0" tIns="0" bIns="0" anchor="ctr">
+            <a:noAutofit/>
+          </a:bodyPr>
+          <a:p>
+            <a:pPr algn="ctr"/>
+            <a:endParaRPr b="0" lang="en-US" sz="4400" spc="-1" strike="noStrike">
+              <a:latin typeface="Arial"/>
+            </a:endParaRPr>
+          </a:p>
+        </p:txBody>
+      </p:sp>
+      <p:sp>
+        <p:nvSpPr>
+          <p:cNvPr id="156" name="PlaceHolder 2"/>
+          <p:cNvSpPr>
+            <a:spLocks noGrp="1"/>
+          </p:cNvSpPr>
+          <p:nvPr>
+            <p:ph type="body"/>
+          </p:nvPr>
+        </p:nvSpPr>
+        <p:spPr>
+          <a:xfrm>
+            <a:off x="504000" y="1768680"/>
+            <a:ext cx="2921040" cy="2090880"/>
+          </a:xfrm>
+          <a:prstGeom prst="rect">
+            <a:avLst/>
+          </a:prstGeom>
+        </p:spPr>
+        <p:txBody>
+          <a:bodyPr lIns="0" rIns="0" tIns="0" bIns="0">
+            <a:normAutofit/>
+          </a:bodyPr>
+          <a:p>
+            <a:endParaRPr b="0" lang="en-US" sz="3200" spc="-1" strike="noStrike">
+              <a:latin typeface="Arial"/>
+            </a:endParaRPr>
+          </a:p>
+        </p:txBody>
+      </p:sp>
+      <p:sp>
+        <p:nvSpPr>
+          <p:cNvPr id="157" name="PlaceHolder 3"/>
+          <p:cNvSpPr>
+            <a:spLocks noGrp="1"/>
+          </p:cNvSpPr>
+          <p:nvPr>
+            <p:ph type="body"/>
+          </p:nvPr>
+        </p:nvSpPr>
+        <p:spPr>
+          <a:xfrm>
+            <a:off x="3571560" y="1768680"/>
+            <a:ext cx="2921040" cy="2090880"/>
+          </a:xfrm>
+          <a:prstGeom prst="rect">
+            <a:avLst/>
+          </a:prstGeom>
+        </p:spPr>
+        <p:txBody>
+          <a:bodyPr lIns="0" rIns="0" tIns="0" bIns="0">
+            <a:normAutofit/>
+          </a:bodyPr>
+          <a:p>
+            <a:endParaRPr b="0" lang="en-US" sz="3200" spc="-1" strike="noStrike">
+              <a:latin typeface="Arial"/>
+            </a:endParaRPr>
+          </a:p>
+        </p:txBody>
+      </p:sp>
+      <p:sp>
+        <p:nvSpPr>
+          <p:cNvPr id="158" name="PlaceHolder 4"/>
+          <p:cNvSpPr>
+            <a:spLocks noGrp="1"/>
+          </p:cNvSpPr>
+          <p:nvPr>
+            <p:ph type="body"/>
+          </p:nvPr>
+        </p:nvSpPr>
+        <p:spPr>
+          <a:xfrm>
+            <a:off x="6639120" y="1768680"/>
+            <a:ext cx="2921040" cy="2090880"/>
+          </a:xfrm>
+          <a:prstGeom prst="rect">
+            <a:avLst/>
+          </a:prstGeom>
+        </p:spPr>
+        <p:txBody>
+          <a:bodyPr lIns="0" rIns="0" tIns="0" bIns="0">
+            <a:normAutofit/>
+          </a:bodyPr>
+          <a:p>
+            <a:endParaRPr b="0" lang="en-US" sz="3200" spc="-1" strike="noStrike">
+              <a:latin typeface="Arial"/>
+            </a:endParaRPr>
+          </a:p>
+        </p:txBody>
+      </p:sp>
+      <p:sp>
+        <p:nvSpPr>
+          <p:cNvPr id="159" name="PlaceHolder 5"/>
+          <p:cNvSpPr>
+            <a:spLocks noGrp="1"/>
+          </p:cNvSpPr>
+          <p:nvPr>
+            <p:ph type="body"/>
+          </p:nvPr>
+        </p:nvSpPr>
+        <p:spPr>
+          <a:xfrm>
+            <a:off x="504000" y="4058640"/>
+            <a:ext cx="2921040" cy="2090880"/>
+          </a:xfrm>
+          <a:prstGeom prst="rect">
+            <a:avLst/>
+          </a:prstGeom>
+        </p:spPr>
+        <p:txBody>
+          <a:bodyPr lIns="0" rIns="0" tIns="0" bIns="0">
+            <a:normAutofit/>
+          </a:bodyPr>
+          <a:p>
+            <a:endParaRPr b="0" lang="en-US" sz="3200" spc="-1" strike="noStrike">
+              <a:latin typeface="Arial"/>
+            </a:endParaRPr>
+          </a:p>
+        </p:txBody>
+      </p:sp>
+      <p:sp>
+        <p:nvSpPr>
+          <p:cNvPr id="160" name="PlaceHolder 6"/>
+          <p:cNvSpPr>
+            <a:spLocks noGrp="1"/>
+          </p:cNvSpPr>
+          <p:nvPr>
+            <p:ph type="body"/>
+          </p:nvPr>
+        </p:nvSpPr>
+        <p:spPr>
+          <a:xfrm>
+            <a:off x="3571560" y="4058640"/>
+            <a:ext cx="2921040" cy="2090880"/>
+          </a:xfrm>
+          <a:prstGeom prst="rect">
+            <a:avLst/>
+          </a:prstGeom>
+        </p:spPr>
+        <p:txBody>
+          <a:bodyPr lIns="0" rIns="0" tIns="0" bIns="0">
+            <a:normAutofit/>
+          </a:bodyPr>
+          <a:p>
+            <a:endParaRPr b="0" lang="en-US" sz="3200" spc="-1" strike="noStrike">
+              <a:latin typeface="Arial"/>
+            </a:endParaRPr>
+          </a:p>
+        </p:txBody>
+      </p:sp>
+      <p:sp>
+        <p:nvSpPr>
+          <p:cNvPr id="161" name="PlaceHolder 7"/>
+          <p:cNvSpPr>
+            <a:spLocks noGrp="1"/>
+          </p:cNvSpPr>
+          <p:nvPr>
+            <p:ph type="body"/>
+          </p:nvPr>
+        </p:nvSpPr>
+        <p:spPr>
+          <a:xfrm>
+            <a:off x="6639120" y="4058640"/>
+            <a:ext cx="2921040" cy="2090880"/>
+          </a:xfrm>
+          <a:prstGeom prst="rect">
+            <a:avLst/>
+          </a:prstGeom>
+        </p:spPr>
+        <p:txBody>
+          <a:bodyPr lIns="0" rIns="0" tIns="0" bIns="0">
+            <a:normAutofit/>
+          </a:bodyPr>
+          <a:p>
+            <a:endParaRPr b="0" lang="en-US" sz="3200" spc="-1" strike="noStrike">
+              <a:latin typeface="Arial"/>
+            </a:endParaRPr>
+          </a:p>
+        </p:txBody>
+      </p:sp>
+    </p:spTree>
+  </p:cSld>
+</p:sldLayout>
+</file>
+
+<file path=ppt/slideLayouts/slideLayout49.xml><?xml version="1.0" encoding="utf-8"?>
+<p:sldLayout xmlns:a="http://schemas.openxmlformats.org/drawingml/2006/main" xmlns:p="http://schemas.openxmlformats.org/presentationml/2006/main" xmlns:r="http://schemas.openxmlformats.org/officeDocument/2006/relationships" xmlns:p14="http://schemas.microsoft.com/office/powerpoint/2010/main" xmlns:p15="http://schemas.microsoft.com/office/powerpoint/2012/main" xmlns:mc="http://schemas.openxmlformats.org/markup-compatibility/2006" type="blank" preserve="1">
+  <p:cSld name="Blank Slide">
+    <p:spTree>
+      <p:nvGrpSpPr>
+        <p:cNvPr id="1" name=""/>
+        <p:cNvGrpSpPr/>
+        <p:nvPr/>
+      </p:nvGrpSpPr>
+      <p:grpSpPr>
+        <a:xfrm>
+          <a:off x="0" y="0"/>
+          <a:ext cx="0" cy="0"/>
+          <a:chOff x="0" y="0"/>
+          <a:chExt cx="0" cy="0"/>
+        </a:xfrm>
+      </p:grpSpPr>
+    </p:spTree>
+  </p:cSld>
+</p:sldLayout>
+</file>
+
 <file path=ppt/slideLayouts/slideLayout5.xml><?xml version="1.0" encoding="utf-8"?>
 <p:sldLayout xmlns:a="http://schemas.openxmlformats.org/drawingml/2006/main" xmlns:p="http://schemas.openxmlformats.org/presentationml/2006/main" xmlns:r="http://schemas.openxmlformats.org/officeDocument/2006/relationships" xmlns:p14="http://schemas.microsoft.com/office/powerpoint/2010/main" xmlns:p15="http://schemas.microsoft.com/office/powerpoint/2012/main" xmlns:mc="http://schemas.openxmlformats.org/markup-compatibility/2006" type="titleOnly" preserve="1">
   <p:cSld name="Title Only">
@@ -3599,6 +4978,1107 @@
           <a:p>
             <a:pPr algn="ctr"/>
             <a:endParaRPr b="0" lang="en-US" sz="4400" spc="-1" strike="noStrike">
+              <a:latin typeface="Arial"/>
+            </a:endParaRPr>
+          </a:p>
+        </p:txBody>
+      </p:sp>
+    </p:spTree>
+  </p:cSld>
+</p:sldLayout>
+</file>
+
+<file path=ppt/slideLayouts/slideLayout50.xml><?xml version="1.0" encoding="utf-8"?>
+<p:sldLayout xmlns:a="http://schemas.openxmlformats.org/drawingml/2006/main" xmlns:p="http://schemas.openxmlformats.org/presentationml/2006/main" xmlns:r="http://schemas.openxmlformats.org/officeDocument/2006/relationships" xmlns:p14="http://schemas.microsoft.com/office/powerpoint/2010/main" xmlns:p15="http://schemas.microsoft.com/office/powerpoint/2012/main" xmlns:mc="http://schemas.openxmlformats.org/markup-compatibility/2006" type="tx" preserve="1">
+  <p:cSld name="Title Slide">
+    <p:spTree>
+      <p:nvGrpSpPr>
+        <p:cNvPr id="1" name=""/>
+        <p:cNvGrpSpPr/>
+        <p:nvPr/>
+      </p:nvGrpSpPr>
+      <p:grpSpPr>
+        <a:xfrm>
+          <a:off x="0" y="0"/>
+          <a:ext cx="0" cy="0"/>
+          <a:chOff x="0" y="0"/>
+          <a:chExt cx="0" cy="0"/>
+        </a:xfrm>
+      </p:grpSpPr>
+      <p:sp>
+        <p:nvSpPr>
+          <p:cNvPr id="165" name="PlaceHolder 1"/>
+          <p:cNvSpPr>
+            <a:spLocks noGrp="1"/>
+          </p:cNvSpPr>
+          <p:nvPr>
+            <p:ph type="title"/>
+          </p:nvPr>
+        </p:nvSpPr>
+        <p:spPr>
+          <a:xfrm>
+            <a:off x="504000" y="301320"/>
+            <a:ext cx="9072000" cy="1261800"/>
+          </a:xfrm>
+          <a:prstGeom prst="rect">
+            <a:avLst/>
+          </a:prstGeom>
+        </p:spPr>
+        <p:txBody>
+          <a:bodyPr lIns="0" rIns="0" tIns="0" bIns="0" anchor="ctr">
+            <a:noAutofit/>
+          </a:bodyPr>
+          <a:p>
+            <a:pPr algn="ctr"/>
+            <a:endParaRPr b="0" lang="en-US" sz="4400" spc="-1" strike="noStrike">
+              <a:latin typeface="Arial"/>
+            </a:endParaRPr>
+          </a:p>
+        </p:txBody>
+      </p:sp>
+      <p:sp>
+        <p:nvSpPr>
+          <p:cNvPr id="166" name="PlaceHolder 2"/>
+          <p:cNvSpPr>
+            <a:spLocks noGrp="1"/>
+          </p:cNvSpPr>
+          <p:nvPr>
+            <p:ph type="subTitle"/>
+          </p:nvPr>
+        </p:nvSpPr>
+        <p:spPr>
+          <a:xfrm>
+            <a:off x="504000" y="1768680"/>
+            <a:ext cx="9072000" cy="4384080"/>
+          </a:xfrm>
+          <a:prstGeom prst="rect">
+            <a:avLst/>
+          </a:prstGeom>
+        </p:spPr>
+        <p:txBody>
+          <a:bodyPr lIns="0" rIns="0" tIns="0" bIns="0" anchor="ctr">
+            <a:noAutofit/>
+          </a:bodyPr>
+          <a:p>
+            <a:pPr algn="ctr"/>
+            <a:endParaRPr b="0" lang="en-US" sz="3200" spc="-1" strike="noStrike">
+              <a:latin typeface="Arial"/>
+            </a:endParaRPr>
+          </a:p>
+        </p:txBody>
+      </p:sp>
+    </p:spTree>
+  </p:cSld>
+</p:sldLayout>
+</file>
+
+<file path=ppt/slideLayouts/slideLayout51.xml><?xml version="1.0" encoding="utf-8"?>
+<p:sldLayout xmlns:a="http://schemas.openxmlformats.org/drawingml/2006/main" xmlns:p="http://schemas.openxmlformats.org/presentationml/2006/main" xmlns:r="http://schemas.openxmlformats.org/officeDocument/2006/relationships" xmlns:p14="http://schemas.microsoft.com/office/powerpoint/2010/main" xmlns:p15="http://schemas.microsoft.com/office/powerpoint/2012/main" xmlns:mc="http://schemas.openxmlformats.org/markup-compatibility/2006" type="obj" preserve="1">
+  <p:cSld name="Title, Content">
+    <p:spTree>
+      <p:nvGrpSpPr>
+        <p:cNvPr id="1" name=""/>
+        <p:cNvGrpSpPr/>
+        <p:nvPr/>
+      </p:nvGrpSpPr>
+      <p:grpSpPr>
+        <a:xfrm>
+          <a:off x="0" y="0"/>
+          <a:ext cx="0" cy="0"/>
+          <a:chOff x="0" y="0"/>
+          <a:chExt cx="0" cy="0"/>
+        </a:xfrm>
+      </p:grpSpPr>
+      <p:sp>
+        <p:nvSpPr>
+          <p:cNvPr id="167" name="PlaceHolder 1"/>
+          <p:cNvSpPr>
+            <a:spLocks noGrp="1"/>
+          </p:cNvSpPr>
+          <p:nvPr>
+            <p:ph type="title"/>
+          </p:nvPr>
+        </p:nvSpPr>
+        <p:spPr>
+          <a:xfrm>
+            <a:off x="504000" y="301320"/>
+            <a:ext cx="9072000" cy="1261800"/>
+          </a:xfrm>
+          <a:prstGeom prst="rect">
+            <a:avLst/>
+          </a:prstGeom>
+        </p:spPr>
+        <p:txBody>
+          <a:bodyPr lIns="0" rIns="0" tIns="0" bIns="0" anchor="ctr">
+            <a:noAutofit/>
+          </a:bodyPr>
+          <a:p>
+            <a:pPr algn="ctr"/>
+            <a:endParaRPr b="0" lang="en-US" sz="4400" spc="-1" strike="noStrike">
+              <a:latin typeface="Arial"/>
+            </a:endParaRPr>
+          </a:p>
+        </p:txBody>
+      </p:sp>
+      <p:sp>
+        <p:nvSpPr>
+          <p:cNvPr id="168" name="PlaceHolder 2"/>
+          <p:cNvSpPr>
+            <a:spLocks noGrp="1"/>
+          </p:cNvSpPr>
+          <p:nvPr>
+            <p:ph type="body"/>
+          </p:nvPr>
+        </p:nvSpPr>
+        <p:spPr>
+          <a:xfrm>
+            <a:off x="504000" y="1768680"/>
+            <a:ext cx="9072000" cy="4384080"/>
+          </a:xfrm>
+          <a:prstGeom prst="rect">
+            <a:avLst/>
+          </a:prstGeom>
+        </p:spPr>
+        <p:txBody>
+          <a:bodyPr lIns="0" rIns="0" tIns="0" bIns="0">
+            <a:normAutofit/>
+          </a:bodyPr>
+          <a:p>
+            <a:endParaRPr b="0" lang="en-US" sz="3200" spc="-1" strike="noStrike">
+              <a:latin typeface="Arial"/>
+            </a:endParaRPr>
+          </a:p>
+        </p:txBody>
+      </p:sp>
+    </p:spTree>
+  </p:cSld>
+</p:sldLayout>
+</file>
+
+<file path=ppt/slideLayouts/slideLayout52.xml><?xml version="1.0" encoding="utf-8"?>
+<p:sldLayout xmlns:a="http://schemas.openxmlformats.org/drawingml/2006/main" xmlns:p="http://schemas.openxmlformats.org/presentationml/2006/main" xmlns:r="http://schemas.openxmlformats.org/officeDocument/2006/relationships" xmlns:p14="http://schemas.microsoft.com/office/powerpoint/2010/main" xmlns:p15="http://schemas.microsoft.com/office/powerpoint/2012/main" xmlns:mc="http://schemas.openxmlformats.org/markup-compatibility/2006" type="twoObj" preserve="1">
+  <p:cSld name="Title, 2 Content">
+    <p:spTree>
+      <p:nvGrpSpPr>
+        <p:cNvPr id="1" name=""/>
+        <p:cNvGrpSpPr/>
+        <p:nvPr/>
+      </p:nvGrpSpPr>
+      <p:grpSpPr>
+        <a:xfrm>
+          <a:off x="0" y="0"/>
+          <a:ext cx="0" cy="0"/>
+          <a:chOff x="0" y="0"/>
+          <a:chExt cx="0" cy="0"/>
+        </a:xfrm>
+      </p:grpSpPr>
+      <p:sp>
+        <p:nvSpPr>
+          <p:cNvPr id="169" name="PlaceHolder 1"/>
+          <p:cNvSpPr>
+            <a:spLocks noGrp="1"/>
+          </p:cNvSpPr>
+          <p:nvPr>
+            <p:ph type="title"/>
+          </p:nvPr>
+        </p:nvSpPr>
+        <p:spPr>
+          <a:xfrm>
+            <a:off x="504000" y="301320"/>
+            <a:ext cx="9072000" cy="1261800"/>
+          </a:xfrm>
+          <a:prstGeom prst="rect">
+            <a:avLst/>
+          </a:prstGeom>
+        </p:spPr>
+        <p:txBody>
+          <a:bodyPr lIns="0" rIns="0" tIns="0" bIns="0" anchor="ctr">
+            <a:noAutofit/>
+          </a:bodyPr>
+          <a:p>
+            <a:pPr algn="ctr"/>
+            <a:endParaRPr b="0" lang="en-US" sz="4400" spc="-1" strike="noStrike">
+              <a:latin typeface="Arial"/>
+            </a:endParaRPr>
+          </a:p>
+        </p:txBody>
+      </p:sp>
+      <p:sp>
+        <p:nvSpPr>
+          <p:cNvPr id="170" name="PlaceHolder 2"/>
+          <p:cNvSpPr>
+            <a:spLocks noGrp="1"/>
+          </p:cNvSpPr>
+          <p:nvPr>
+            <p:ph type="body"/>
+          </p:nvPr>
+        </p:nvSpPr>
+        <p:spPr>
+          <a:xfrm>
+            <a:off x="504000" y="1768680"/>
+            <a:ext cx="4426920" cy="4384080"/>
+          </a:xfrm>
+          <a:prstGeom prst="rect">
+            <a:avLst/>
+          </a:prstGeom>
+        </p:spPr>
+        <p:txBody>
+          <a:bodyPr lIns="0" rIns="0" tIns="0" bIns="0">
+            <a:normAutofit/>
+          </a:bodyPr>
+          <a:p>
+            <a:endParaRPr b="0" lang="en-US" sz="3200" spc="-1" strike="noStrike">
+              <a:latin typeface="Arial"/>
+            </a:endParaRPr>
+          </a:p>
+        </p:txBody>
+      </p:sp>
+      <p:sp>
+        <p:nvSpPr>
+          <p:cNvPr id="171" name="PlaceHolder 3"/>
+          <p:cNvSpPr>
+            <a:spLocks noGrp="1"/>
+          </p:cNvSpPr>
+          <p:nvPr>
+            <p:ph type="body"/>
+          </p:nvPr>
+        </p:nvSpPr>
+        <p:spPr>
+          <a:xfrm>
+            <a:off x="5152680" y="1768680"/>
+            <a:ext cx="4426920" cy="4384080"/>
+          </a:xfrm>
+          <a:prstGeom prst="rect">
+            <a:avLst/>
+          </a:prstGeom>
+        </p:spPr>
+        <p:txBody>
+          <a:bodyPr lIns="0" rIns="0" tIns="0" bIns="0">
+            <a:normAutofit/>
+          </a:bodyPr>
+          <a:p>
+            <a:endParaRPr b="0" lang="en-US" sz="3200" spc="-1" strike="noStrike">
+              <a:latin typeface="Arial"/>
+            </a:endParaRPr>
+          </a:p>
+        </p:txBody>
+      </p:sp>
+    </p:spTree>
+  </p:cSld>
+</p:sldLayout>
+</file>
+
+<file path=ppt/slideLayouts/slideLayout53.xml><?xml version="1.0" encoding="utf-8"?>
+<p:sldLayout xmlns:a="http://schemas.openxmlformats.org/drawingml/2006/main" xmlns:p="http://schemas.openxmlformats.org/presentationml/2006/main" xmlns:r="http://schemas.openxmlformats.org/officeDocument/2006/relationships" xmlns:p14="http://schemas.microsoft.com/office/powerpoint/2010/main" xmlns:p15="http://schemas.microsoft.com/office/powerpoint/2012/main" xmlns:mc="http://schemas.openxmlformats.org/markup-compatibility/2006" type="titleOnly" preserve="1">
+  <p:cSld name="Title Only">
+    <p:spTree>
+      <p:nvGrpSpPr>
+        <p:cNvPr id="1" name=""/>
+        <p:cNvGrpSpPr/>
+        <p:nvPr/>
+      </p:nvGrpSpPr>
+      <p:grpSpPr>
+        <a:xfrm>
+          <a:off x="0" y="0"/>
+          <a:ext cx="0" cy="0"/>
+          <a:chOff x="0" y="0"/>
+          <a:chExt cx="0" cy="0"/>
+        </a:xfrm>
+      </p:grpSpPr>
+      <p:sp>
+        <p:nvSpPr>
+          <p:cNvPr id="172" name="PlaceHolder 1"/>
+          <p:cNvSpPr>
+            <a:spLocks noGrp="1"/>
+          </p:cNvSpPr>
+          <p:nvPr>
+            <p:ph type="title"/>
+          </p:nvPr>
+        </p:nvSpPr>
+        <p:spPr>
+          <a:xfrm>
+            <a:off x="504000" y="301320"/>
+            <a:ext cx="9072000" cy="1261800"/>
+          </a:xfrm>
+          <a:prstGeom prst="rect">
+            <a:avLst/>
+          </a:prstGeom>
+        </p:spPr>
+        <p:txBody>
+          <a:bodyPr lIns="0" rIns="0" tIns="0" bIns="0" anchor="ctr">
+            <a:noAutofit/>
+          </a:bodyPr>
+          <a:p>
+            <a:pPr algn="ctr"/>
+            <a:endParaRPr b="0" lang="en-US" sz="4400" spc="-1" strike="noStrike">
+              <a:latin typeface="Arial"/>
+            </a:endParaRPr>
+          </a:p>
+        </p:txBody>
+      </p:sp>
+    </p:spTree>
+  </p:cSld>
+</p:sldLayout>
+</file>
+
+<file path=ppt/slideLayouts/slideLayout54.xml><?xml version="1.0" encoding="utf-8"?>
+<p:sldLayout xmlns:a="http://schemas.openxmlformats.org/drawingml/2006/main" xmlns:p="http://schemas.openxmlformats.org/presentationml/2006/main" xmlns:r="http://schemas.openxmlformats.org/officeDocument/2006/relationships" xmlns:p14="http://schemas.microsoft.com/office/powerpoint/2010/main" xmlns:p15="http://schemas.microsoft.com/office/powerpoint/2012/main" xmlns:mc="http://schemas.openxmlformats.org/markup-compatibility/2006" type="objOnly" preserve="1">
+  <p:cSld name="Centered Text">
+    <p:spTree>
+      <p:nvGrpSpPr>
+        <p:cNvPr id="1" name=""/>
+        <p:cNvGrpSpPr/>
+        <p:nvPr/>
+      </p:nvGrpSpPr>
+      <p:grpSpPr>
+        <a:xfrm>
+          <a:off x="0" y="0"/>
+          <a:ext cx="0" cy="0"/>
+          <a:chOff x="0" y="0"/>
+          <a:chExt cx="0" cy="0"/>
+        </a:xfrm>
+      </p:grpSpPr>
+      <p:sp>
+        <p:nvSpPr>
+          <p:cNvPr id="173" name="PlaceHolder 1"/>
+          <p:cNvSpPr>
+            <a:spLocks noGrp="1"/>
+          </p:cNvSpPr>
+          <p:nvPr>
+            <p:ph type="subTitle"/>
+          </p:nvPr>
+        </p:nvSpPr>
+        <p:spPr>
+          <a:xfrm>
+            <a:off x="504000" y="301320"/>
+            <a:ext cx="9072000" cy="5850360"/>
+          </a:xfrm>
+          <a:prstGeom prst="rect">
+            <a:avLst/>
+          </a:prstGeom>
+        </p:spPr>
+        <p:txBody>
+          <a:bodyPr lIns="0" rIns="0" tIns="0" bIns="0" anchor="ctr">
+            <a:noAutofit/>
+          </a:bodyPr>
+          <a:p>
+            <a:pPr algn="ctr"/>
+            <a:endParaRPr b="0" lang="en-US" sz="3200" spc="-1" strike="noStrike">
+              <a:latin typeface="Arial"/>
+            </a:endParaRPr>
+          </a:p>
+        </p:txBody>
+      </p:sp>
+    </p:spTree>
+  </p:cSld>
+</p:sldLayout>
+</file>
+
+<file path=ppt/slideLayouts/slideLayout55.xml><?xml version="1.0" encoding="utf-8"?>
+<p:sldLayout xmlns:a="http://schemas.openxmlformats.org/drawingml/2006/main" xmlns:p="http://schemas.openxmlformats.org/presentationml/2006/main" xmlns:r="http://schemas.openxmlformats.org/officeDocument/2006/relationships" xmlns:p14="http://schemas.microsoft.com/office/powerpoint/2010/main" xmlns:p15="http://schemas.microsoft.com/office/powerpoint/2012/main" xmlns:mc="http://schemas.openxmlformats.org/markup-compatibility/2006" type="twoObjAndObj" preserve="1">
+  <p:cSld name="Title, 2 Content and Content">
+    <p:spTree>
+      <p:nvGrpSpPr>
+        <p:cNvPr id="1" name=""/>
+        <p:cNvGrpSpPr/>
+        <p:nvPr/>
+      </p:nvGrpSpPr>
+      <p:grpSpPr>
+        <a:xfrm>
+          <a:off x="0" y="0"/>
+          <a:ext cx="0" cy="0"/>
+          <a:chOff x="0" y="0"/>
+          <a:chExt cx="0" cy="0"/>
+        </a:xfrm>
+      </p:grpSpPr>
+      <p:sp>
+        <p:nvSpPr>
+          <p:cNvPr id="174" name="PlaceHolder 1"/>
+          <p:cNvSpPr>
+            <a:spLocks noGrp="1"/>
+          </p:cNvSpPr>
+          <p:nvPr>
+            <p:ph type="title"/>
+          </p:nvPr>
+        </p:nvSpPr>
+        <p:spPr>
+          <a:xfrm>
+            <a:off x="504000" y="301320"/>
+            <a:ext cx="9072000" cy="1261800"/>
+          </a:xfrm>
+          <a:prstGeom prst="rect">
+            <a:avLst/>
+          </a:prstGeom>
+        </p:spPr>
+        <p:txBody>
+          <a:bodyPr lIns="0" rIns="0" tIns="0" bIns="0" anchor="ctr">
+            <a:noAutofit/>
+          </a:bodyPr>
+          <a:p>
+            <a:pPr algn="ctr"/>
+            <a:endParaRPr b="0" lang="en-US" sz="4400" spc="-1" strike="noStrike">
+              <a:latin typeface="Arial"/>
+            </a:endParaRPr>
+          </a:p>
+        </p:txBody>
+      </p:sp>
+      <p:sp>
+        <p:nvSpPr>
+          <p:cNvPr id="175" name="PlaceHolder 2"/>
+          <p:cNvSpPr>
+            <a:spLocks noGrp="1"/>
+          </p:cNvSpPr>
+          <p:nvPr>
+            <p:ph type="body"/>
+          </p:nvPr>
+        </p:nvSpPr>
+        <p:spPr>
+          <a:xfrm>
+            <a:off x="504000" y="1768680"/>
+            <a:ext cx="4426920" cy="2090880"/>
+          </a:xfrm>
+          <a:prstGeom prst="rect">
+            <a:avLst/>
+          </a:prstGeom>
+        </p:spPr>
+        <p:txBody>
+          <a:bodyPr lIns="0" rIns="0" tIns="0" bIns="0">
+            <a:normAutofit/>
+          </a:bodyPr>
+          <a:p>
+            <a:endParaRPr b="0" lang="en-US" sz="3200" spc="-1" strike="noStrike">
+              <a:latin typeface="Arial"/>
+            </a:endParaRPr>
+          </a:p>
+        </p:txBody>
+      </p:sp>
+      <p:sp>
+        <p:nvSpPr>
+          <p:cNvPr id="176" name="PlaceHolder 3"/>
+          <p:cNvSpPr>
+            <a:spLocks noGrp="1"/>
+          </p:cNvSpPr>
+          <p:nvPr>
+            <p:ph type="body"/>
+          </p:nvPr>
+        </p:nvSpPr>
+        <p:spPr>
+          <a:xfrm>
+            <a:off x="5152680" y="1768680"/>
+            <a:ext cx="4426920" cy="4384080"/>
+          </a:xfrm>
+          <a:prstGeom prst="rect">
+            <a:avLst/>
+          </a:prstGeom>
+        </p:spPr>
+        <p:txBody>
+          <a:bodyPr lIns="0" rIns="0" tIns="0" bIns="0">
+            <a:normAutofit/>
+          </a:bodyPr>
+          <a:p>
+            <a:endParaRPr b="0" lang="en-US" sz="3200" spc="-1" strike="noStrike">
+              <a:latin typeface="Arial"/>
+            </a:endParaRPr>
+          </a:p>
+        </p:txBody>
+      </p:sp>
+      <p:sp>
+        <p:nvSpPr>
+          <p:cNvPr id="177" name="PlaceHolder 4"/>
+          <p:cNvSpPr>
+            <a:spLocks noGrp="1"/>
+          </p:cNvSpPr>
+          <p:nvPr>
+            <p:ph type="body"/>
+          </p:nvPr>
+        </p:nvSpPr>
+        <p:spPr>
+          <a:xfrm>
+            <a:off x="504000" y="4058640"/>
+            <a:ext cx="4426920" cy="2090880"/>
+          </a:xfrm>
+          <a:prstGeom prst="rect">
+            <a:avLst/>
+          </a:prstGeom>
+        </p:spPr>
+        <p:txBody>
+          <a:bodyPr lIns="0" rIns="0" tIns="0" bIns="0">
+            <a:normAutofit/>
+          </a:bodyPr>
+          <a:p>
+            <a:endParaRPr b="0" lang="en-US" sz="3200" spc="-1" strike="noStrike">
+              <a:latin typeface="Arial"/>
+            </a:endParaRPr>
+          </a:p>
+        </p:txBody>
+      </p:sp>
+    </p:spTree>
+  </p:cSld>
+</p:sldLayout>
+</file>
+
+<file path=ppt/slideLayouts/slideLayout56.xml><?xml version="1.0" encoding="utf-8"?>
+<p:sldLayout xmlns:a="http://schemas.openxmlformats.org/drawingml/2006/main" xmlns:p="http://schemas.openxmlformats.org/presentationml/2006/main" xmlns:r="http://schemas.openxmlformats.org/officeDocument/2006/relationships" xmlns:p14="http://schemas.microsoft.com/office/powerpoint/2010/main" xmlns:p15="http://schemas.microsoft.com/office/powerpoint/2012/main" xmlns:mc="http://schemas.openxmlformats.org/markup-compatibility/2006" type="objAndTwoObj" preserve="1">
+  <p:cSld name="Title Content and 2 Content">
+    <p:spTree>
+      <p:nvGrpSpPr>
+        <p:cNvPr id="1" name=""/>
+        <p:cNvGrpSpPr/>
+        <p:nvPr/>
+      </p:nvGrpSpPr>
+      <p:grpSpPr>
+        <a:xfrm>
+          <a:off x="0" y="0"/>
+          <a:ext cx="0" cy="0"/>
+          <a:chOff x="0" y="0"/>
+          <a:chExt cx="0" cy="0"/>
+        </a:xfrm>
+      </p:grpSpPr>
+      <p:sp>
+        <p:nvSpPr>
+          <p:cNvPr id="178" name="PlaceHolder 1"/>
+          <p:cNvSpPr>
+            <a:spLocks noGrp="1"/>
+          </p:cNvSpPr>
+          <p:nvPr>
+            <p:ph type="title"/>
+          </p:nvPr>
+        </p:nvSpPr>
+        <p:spPr>
+          <a:xfrm>
+            <a:off x="504000" y="301320"/>
+            <a:ext cx="9072000" cy="1261800"/>
+          </a:xfrm>
+          <a:prstGeom prst="rect">
+            <a:avLst/>
+          </a:prstGeom>
+        </p:spPr>
+        <p:txBody>
+          <a:bodyPr lIns="0" rIns="0" tIns="0" bIns="0" anchor="ctr">
+            <a:noAutofit/>
+          </a:bodyPr>
+          <a:p>
+            <a:pPr algn="ctr"/>
+            <a:endParaRPr b="0" lang="en-US" sz="4400" spc="-1" strike="noStrike">
+              <a:latin typeface="Arial"/>
+            </a:endParaRPr>
+          </a:p>
+        </p:txBody>
+      </p:sp>
+      <p:sp>
+        <p:nvSpPr>
+          <p:cNvPr id="179" name="PlaceHolder 2"/>
+          <p:cNvSpPr>
+            <a:spLocks noGrp="1"/>
+          </p:cNvSpPr>
+          <p:nvPr>
+            <p:ph type="body"/>
+          </p:nvPr>
+        </p:nvSpPr>
+        <p:spPr>
+          <a:xfrm>
+            <a:off x="504000" y="1768680"/>
+            <a:ext cx="4426920" cy="4384080"/>
+          </a:xfrm>
+          <a:prstGeom prst="rect">
+            <a:avLst/>
+          </a:prstGeom>
+        </p:spPr>
+        <p:txBody>
+          <a:bodyPr lIns="0" rIns="0" tIns="0" bIns="0">
+            <a:normAutofit/>
+          </a:bodyPr>
+          <a:p>
+            <a:endParaRPr b="0" lang="en-US" sz="3200" spc="-1" strike="noStrike">
+              <a:latin typeface="Arial"/>
+            </a:endParaRPr>
+          </a:p>
+        </p:txBody>
+      </p:sp>
+      <p:sp>
+        <p:nvSpPr>
+          <p:cNvPr id="180" name="PlaceHolder 3"/>
+          <p:cNvSpPr>
+            <a:spLocks noGrp="1"/>
+          </p:cNvSpPr>
+          <p:nvPr>
+            <p:ph type="body"/>
+          </p:nvPr>
+        </p:nvSpPr>
+        <p:spPr>
+          <a:xfrm>
+            <a:off x="5152680" y="1768680"/>
+            <a:ext cx="4426920" cy="2090880"/>
+          </a:xfrm>
+          <a:prstGeom prst="rect">
+            <a:avLst/>
+          </a:prstGeom>
+        </p:spPr>
+        <p:txBody>
+          <a:bodyPr lIns="0" rIns="0" tIns="0" bIns="0">
+            <a:normAutofit/>
+          </a:bodyPr>
+          <a:p>
+            <a:endParaRPr b="0" lang="en-US" sz="3200" spc="-1" strike="noStrike">
+              <a:latin typeface="Arial"/>
+            </a:endParaRPr>
+          </a:p>
+        </p:txBody>
+      </p:sp>
+      <p:sp>
+        <p:nvSpPr>
+          <p:cNvPr id="181" name="PlaceHolder 4"/>
+          <p:cNvSpPr>
+            <a:spLocks noGrp="1"/>
+          </p:cNvSpPr>
+          <p:nvPr>
+            <p:ph type="body"/>
+          </p:nvPr>
+        </p:nvSpPr>
+        <p:spPr>
+          <a:xfrm>
+            <a:off x="5152680" y="4058640"/>
+            <a:ext cx="4426920" cy="2090880"/>
+          </a:xfrm>
+          <a:prstGeom prst="rect">
+            <a:avLst/>
+          </a:prstGeom>
+        </p:spPr>
+        <p:txBody>
+          <a:bodyPr lIns="0" rIns="0" tIns="0" bIns="0">
+            <a:normAutofit/>
+          </a:bodyPr>
+          <a:p>
+            <a:endParaRPr b="0" lang="en-US" sz="3200" spc="-1" strike="noStrike">
+              <a:latin typeface="Arial"/>
+            </a:endParaRPr>
+          </a:p>
+        </p:txBody>
+      </p:sp>
+    </p:spTree>
+  </p:cSld>
+</p:sldLayout>
+</file>
+
+<file path=ppt/slideLayouts/slideLayout57.xml><?xml version="1.0" encoding="utf-8"?>
+<p:sldLayout xmlns:a="http://schemas.openxmlformats.org/drawingml/2006/main" xmlns:p="http://schemas.openxmlformats.org/presentationml/2006/main" xmlns:r="http://schemas.openxmlformats.org/officeDocument/2006/relationships" xmlns:p14="http://schemas.microsoft.com/office/powerpoint/2010/main" xmlns:p15="http://schemas.microsoft.com/office/powerpoint/2012/main" xmlns:mc="http://schemas.openxmlformats.org/markup-compatibility/2006" type="twoObjOverTx" preserve="1">
+  <p:cSld name="Title, 2 Content over Content">
+    <p:spTree>
+      <p:nvGrpSpPr>
+        <p:cNvPr id="1" name=""/>
+        <p:cNvGrpSpPr/>
+        <p:nvPr/>
+      </p:nvGrpSpPr>
+      <p:grpSpPr>
+        <a:xfrm>
+          <a:off x="0" y="0"/>
+          <a:ext cx="0" cy="0"/>
+          <a:chOff x="0" y="0"/>
+          <a:chExt cx="0" cy="0"/>
+        </a:xfrm>
+      </p:grpSpPr>
+      <p:sp>
+        <p:nvSpPr>
+          <p:cNvPr id="182" name="PlaceHolder 1"/>
+          <p:cNvSpPr>
+            <a:spLocks noGrp="1"/>
+          </p:cNvSpPr>
+          <p:nvPr>
+            <p:ph type="title"/>
+          </p:nvPr>
+        </p:nvSpPr>
+        <p:spPr>
+          <a:xfrm>
+            <a:off x="504000" y="301320"/>
+            <a:ext cx="9072000" cy="1261800"/>
+          </a:xfrm>
+          <a:prstGeom prst="rect">
+            <a:avLst/>
+          </a:prstGeom>
+        </p:spPr>
+        <p:txBody>
+          <a:bodyPr lIns="0" rIns="0" tIns="0" bIns="0" anchor="ctr">
+            <a:noAutofit/>
+          </a:bodyPr>
+          <a:p>
+            <a:pPr algn="ctr"/>
+            <a:endParaRPr b="0" lang="en-US" sz="4400" spc="-1" strike="noStrike">
+              <a:latin typeface="Arial"/>
+            </a:endParaRPr>
+          </a:p>
+        </p:txBody>
+      </p:sp>
+      <p:sp>
+        <p:nvSpPr>
+          <p:cNvPr id="183" name="PlaceHolder 2"/>
+          <p:cNvSpPr>
+            <a:spLocks noGrp="1"/>
+          </p:cNvSpPr>
+          <p:nvPr>
+            <p:ph type="body"/>
+          </p:nvPr>
+        </p:nvSpPr>
+        <p:spPr>
+          <a:xfrm>
+            <a:off x="504000" y="1768680"/>
+            <a:ext cx="4426920" cy="2090880"/>
+          </a:xfrm>
+          <a:prstGeom prst="rect">
+            <a:avLst/>
+          </a:prstGeom>
+        </p:spPr>
+        <p:txBody>
+          <a:bodyPr lIns="0" rIns="0" tIns="0" bIns="0">
+            <a:normAutofit/>
+          </a:bodyPr>
+          <a:p>
+            <a:endParaRPr b="0" lang="en-US" sz="3200" spc="-1" strike="noStrike">
+              <a:latin typeface="Arial"/>
+            </a:endParaRPr>
+          </a:p>
+        </p:txBody>
+      </p:sp>
+      <p:sp>
+        <p:nvSpPr>
+          <p:cNvPr id="184" name="PlaceHolder 3"/>
+          <p:cNvSpPr>
+            <a:spLocks noGrp="1"/>
+          </p:cNvSpPr>
+          <p:nvPr>
+            <p:ph type="body"/>
+          </p:nvPr>
+        </p:nvSpPr>
+        <p:spPr>
+          <a:xfrm>
+            <a:off x="5152680" y="1768680"/>
+            <a:ext cx="4426920" cy="2090880"/>
+          </a:xfrm>
+          <a:prstGeom prst="rect">
+            <a:avLst/>
+          </a:prstGeom>
+        </p:spPr>
+        <p:txBody>
+          <a:bodyPr lIns="0" rIns="0" tIns="0" bIns="0">
+            <a:normAutofit/>
+          </a:bodyPr>
+          <a:p>
+            <a:endParaRPr b="0" lang="en-US" sz="3200" spc="-1" strike="noStrike">
+              <a:latin typeface="Arial"/>
+            </a:endParaRPr>
+          </a:p>
+        </p:txBody>
+      </p:sp>
+      <p:sp>
+        <p:nvSpPr>
+          <p:cNvPr id="185" name="PlaceHolder 4"/>
+          <p:cNvSpPr>
+            <a:spLocks noGrp="1"/>
+          </p:cNvSpPr>
+          <p:nvPr>
+            <p:ph type="body"/>
+          </p:nvPr>
+        </p:nvSpPr>
+        <p:spPr>
+          <a:xfrm>
+            <a:off x="504000" y="4058640"/>
+            <a:ext cx="9072000" cy="2090880"/>
+          </a:xfrm>
+          <a:prstGeom prst="rect">
+            <a:avLst/>
+          </a:prstGeom>
+        </p:spPr>
+        <p:txBody>
+          <a:bodyPr lIns="0" rIns="0" tIns="0" bIns="0">
+            <a:normAutofit/>
+          </a:bodyPr>
+          <a:p>
+            <a:endParaRPr b="0" lang="en-US" sz="3200" spc="-1" strike="noStrike">
+              <a:latin typeface="Arial"/>
+            </a:endParaRPr>
+          </a:p>
+        </p:txBody>
+      </p:sp>
+    </p:spTree>
+  </p:cSld>
+</p:sldLayout>
+</file>
+
+<file path=ppt/slideLayouts/slideLayout58.xml><?xml version="1.0" encoding="utf-8"?>
+<p:sldLayout xmlns:a="http://schemas.openxmlformats.org/drawingml/2006/main" xmlns:p="http://schemas.openxmlformats.org/presentationml/2006/main" xmlns:r="http://schemas.openxmlformats.org/officeDocument/2006/relationships" xmlns:p14="http://schemas.microsoft.com/office/powerpoint/2010/main" xmlns:p15="http://schemas.microsoft.com/office/powerpoint/2012/main" xmlns:mc="http://schemas.openxmlformats.org/markup-compatibility/2006" type="objOverTx" preserve="1">
+  <p:cSld name="Title, Content over Content">
+    <p:spTree>
+      <p:nvGrpSpPr>
+        <p:cNvPr id="1" name=""/>
+        <p:cNvGrpSpPr/>
+        <p:nvPr/>
+      </p:nvGrpSpPr>
+      <p:grpSpPr>
+        <a:xfrm>
+          <a:off x="0" y="0"/>
+          <a:ext cx="0" cy="0"/>
+          <a:chOff x="0" y="0"/>
+          <a:chExt cx="0" cy="0"/>
+        </a:xfrm>
+      </p:grpSpPr>
+      <p:sp>
+        <p:nvSpPr>
+          <p:cNvPr id="186" name="PlaceHolder 1"/>
+          <p:cNvSpPr>
+            <a:spLocks noGrp="1"/>
+          </p:cNvSpPr>
+          <p:nvPr>
+            <p:ph type="title"/>
+          </p:nvPr>
+        </p:nvSpPr>
+        <p:spPr>
+          <a:xfrm>
+            <a:off x="504000" y="301320"/>
+            <a:ext cx="9072000" cy="1261800"/>
+          </a:xfrm>
+          <a:prstGeom prst="rect">
+            <a:avLst/>
+          </a:prstGeom>
+        </p:spPr>
+        <p:txBody>
+          <a:bodyPr lIns="0" rIns="0" tIns="0" bIns="0" anchor="ctr">
+            <a:noAutofit/>
+          </a:bodyPr>
+          <a:p>
+            <a:pPr algn="ctr"/>
+            <a:endParaRPr b="0" lang="en-US" sz="4400" spc="-1" strike="noStrike">
+              <a:latin typeface="Arial"/>
+            </a:endParaRPr>
+          </a:p>
+        </p:txBody>
+      </p:sp>
+      <p:sp>
+        <p:nvSpPr>
+          <p:cNvPr id="187" name="PlaceHolder 2"/>
+          <p:cNvSpPr>
+            <a:spLocks noGrp="1"/>
+          </p:cNvSpPr>
+          <p:nvPr>
+            <p:ph type="body"/>
+          </p:nvPr>
+        </p:nvSpPr>
+        <p:spPr>
+          <a:xfrm>
+            <a:off x="504000" y="1768680"/>
+            <a:ext cx="9072000" cy="2090880"/>
+          </a:xfrm>
+          <a:prstGeom prst="rect">
+            <a:avLst/>
+          </a:prstGeom>
+        </p:spPr>
+        <p:txBody>
+          <a:bodyPr lIns="0" rIns="0" tIns="0" bIns="0">
+            <a:normAutofit/>
+          </a:bodyPr>
+          <a:p>
+            <a:endParaRPr b="0" lang="en-US" sz="3200" spc="-1" strike="noStrike">
+              <a:latin typeface="Arial"/>
+            </a:endParaRPr>
+          </a:p>
+        </p:txBody>
+      </p:sp>
+      <p:sp>
+        <p:nvSpPr>
+          <p:cNvPr id="188" name="PlaceHolder 3"/>
+          <p:cNvSpPr>
+            <a:spLocks noGrp="1"/>
+          </p:cNvSpPr>
+          <p:nvPr>
+            <p:ph type="body"/>
+          </p:nvPr>
+        </p:nvSpPr>
+        <p:spPr>
+          <a:xfrm>
+            <a:off x="504000" y="4058640"/>
+            <a:ext cx="9072000" cy="2090880"/>
+          </a:xfrm>
+          <a:prstGeom prst="rect">
+            <a:avLst/>
+          </a:prstGeom>
+        </p:spPr>
+        <p:txBody>
+          <a:bodyPr lIns="0" rIns="0" tIns="0" bIns="0">
+            <a:normAutofit/>
+          </a:bodyPr>
+          <a:p>
+            <a:endParaRPr b="0" lang="en-US" sz="3200" spc="-1" strike="noStrike">
+              <a:latin typeface="Arial"/>
+            </a:endParaRPr>
+          </a:p>
+        </p:txBody>
+      </p:sp>
+    </p:spTree>
+  </p:cSld>
+</p:sldLayout>
+</file>
+
+<file path=ppt/slideLayouts/slideLayout59.xml><?xml version="1.0" encoding="utf-8"?>
+<p:sldLayout xmlns:a="http://schemas.openxmlformats.org/drawingml/2006/main" xmlns:p="http://schemas.openxmlformats.org/presentationml/2006/main" xmlns:r="http://schemas.openxmlformats.org/officeDocument/2006/relationships" xmlns:p14="http://schemas.microsoft.com/office/powerpoint/2010/main" xmlns:p15="http://schemas.microsoft.com/office/powerpoint/2012/main" xmlns:mc="http://schemas.openxmlformats.org/markup-compatibility/2006" type="fourObj" preserve="1">
+  <p:cSld name="Title, 4 Content">
+    <p:spTree>
+      <p:nvGrpSpPr>
+        <p:cNvPr id="1" name=""/>
+        <p:cNvGrpSpPr/>
+        <p:nvPr/>
+      </p:nvGrpSpPr>
+      <p:grpSpPr>
+        <a:xfrm>
+          <a:off x="0" y="0"/>
+          <a:ext cx="0" cy="0"/>
+          <a:chOff x="0" y="0"/>
+          <a:chExt cx="0" cy="0"/>
+        </a:xfrm>
+      </p:grpSpPr>
+      <p:sp>
+        <p:nvSpPr>
+          <p:cNvPr id="189" name="PlaceHolder 1"/>
+          <p:cNvSpPr>
+            <a:spLocks noGrp="1"/>
+          </p:cNvSpPr>
+          <p:nvPr>
+            <p:ph type="title"/>
+          </p:nvPr>
+        </p:nvSpPr>
+        <p:spPr>
+          <a:xfrm>
+            <a:off x="504000" y="301320"/>
+            <a:ext cx="9072000" cy="1261800"/>
+          </a:xfrm>
+          <a:prstGeom prst="rect">
+            <a:avLst/>
+          </a:prstGeom>
+        </p:spPr>
+        <p:txBody>
+          <a:bodyPr lIns="0" rIns="0" tIns="0" bIns="0" anchor="ctr">
+            <a:noAutofit/>
+          </a:bodyPr>
+          <a:p>
+            <a:pPr algn="ctr"/>
+            <a:endParaRPr b="0" lang="en-US" sz="4400" spc="-1" strike="noStrike">
+              <a:latin typeface="Arial"/>
+            </a:endParaRPr>
+          </a:p>
+        </p:txBody>
+      </p:sp>
+      <p:sp>
+        <p:nvSpPr>
+          <p:cNvPr id="190" name="PlaceHolder 2"/>
+          <p:cNvSpPr>
+            <a:spLocks noGrp="1"/>
+          </p:cNvSpPr>
+          <p:nvPr>
+            <p:ph type="body"/>
+          </p:nvPr>
+        </p:nvSpPr>
+        <p:spPr>
+          <a:xfrm>
+            <a:off x="504000" y="1768680"/>
+            <a:ext cx="4426920" cy="2090880"/>
+          </a:xfrm>
+          <a:prstGeom prst="rect">
+            <a:avLst/>
+          </a:prstGeom>
+        </p:spPr>
+        <p:txBody>
+          <a:bodyPr lIns="0" rIns="0" tIns="0" bIns="0">
+            <a:normAutofit/>
+          </a:bodyPr>
+          <a:p>
+            <a:endParaRPr b="0" lang="en-US" sz="3200" spc="-1" strike="noStrike">
+              <a:latin typeface="Arial"/>
+            </a:endParaRPr>
+          </a:p>
+        </p:txBody>
+      </p:sp>
+      <p:sp>
+        <p:nvSpPr>
+          <p:cNvPr id="191" name="PlaceHolder 3"/>
+          <p:cNvSpPr>
+            <a:spLocks noGrp="1"/>
+          </p:cNvSpPr>
+          <p:nvPr>
+            <p:ph type="body"/>
+          </p:nvPr>
+        </p:nvSpPr>
+        <p:spPr>
+          <a:xfrm>
+            <a:off x="5152680" y="1768680"/>
+            <a:ext cx="4426920" cy="2090880"/>
+          </a:xfrm>
+          <a:prstGeom prst="rect">
+            <a:avLst/>
+          </a:prstGeom>
+        </p:spPr>
+        <p:txBody>
+          <a:bodyPr lIns="0" rIns="0" tIns="0" bIns="0">
+            <a:normAutofit/>
+          </a:bodyPr>
+          <a:p>
+            <a:endParaRPr b="0" lang="en-US" sz="3200" spc="-1" strike="noStrike">
+              <a:latin typeface="Arial"/>
+            </a:endParaRPr>
+          </a:p>
+        </p:txBody>
+      </p:sp>
+      <p:sp>
+        <p:nvSpPr>
+          <p:cNvPr id="192" name="PlaceHolder 4"/>
+          <p:cNvSpPr>
+            <a:spLocks noGrp="1"/>
+          </p:cNvSpPr>
+          <p:nvPr>
+            <p:ph type="body"/>
+          </p:nvPr>
+        </p:nvSpPr>
+        <p:spPr>
+          <a:xfrm>
+            <a:off x="504000" y="4058640"/>
+            <a:ext cx="4426920" cy="2090880"/>
+          </a:xfrm>
+          <a:prstGeom prst="rect">
+            <a:avLst/>
+          </a:prstGeom>
+        </p:spPr>
+        <p:txBody>
+          <a:bodyPr lIns="0" rIns="0" tIns="0" bIns="0">
+            <a:normAutofit/>
+          </a:bodyPr>
+          <a:p>
+            <a:endParaRPr b="0" lang="en-US" sz="3200" spc="-1" strike="noStrike">
+              <a:latin typeface="Arial"/>
+            </a:endParaRPr>
+          </a:p>
+        </p:txBody>
+      </p:sp>
+      <p:sp>
+        <p:nvSpPr>
+          <p:cNvPr id="193" name="PlaceHolder 5"/>
+          <p:cNvSpPr>
+            <a:spLocks noGrp="1"/>
+          </p:cNvSpPr>
+          <p:nvPr>
+            <p:ph type="body"/>
+          </p:nvPr>
+        </p:nvSpPr>
+        <p:spPr>
+          <a:xfrm>
+            <a:off x="5152680" y="4058640"/>
+            <a:ext cx="4426920" cy="2090880"/>
+          </a:xfrm>
+          <a:prstGeom prst="rect">
+            <a:avLst/>
+          </a:prstGeom>
+        </p:spPr>
+        <p:txBody>
+          <a:bodyPr lIns="0" rIns="0" tIns="0" bIns="0">
+            <a:normAutofit/>
+          </a:bodyPr>
+          <a:p>
+            <a:endParaRPr b="0" lang="en-US" sz="3200" spc="-1" strike="noStrike">
               <a:latin typeface="Arial"/>
             </a:endParaRPr>
           </a:p>
@@ -3651,6 +6131,239 @@
           </a:bodyPr>
           <a:p>
             <a:pPr algn="ctr"/>
+            <a:endParaRPr b="0" lang="en-US" sz="3200" spc="-1" strike="noStrike">
+              <a:latin typeface="Arial"/>
+            </a:endParaRPr>
+          </a:p>
+        </p:txBody>
+      </p:sp>
+    </p:spTree>
+  </p:cSld>
+</p:sldLayout>
+</file>
+
+<file path=ppt/slideLayouts/slideLayout60.xml><?xml version="1.0" encoding="utf-8"?>
+<p:sldLayout xmlns:a="http://schemas.openxmlformats.org/drawingml/2006/main" xmlns:p="http://schemas.openxmlformats.org/presentationml/2006/main" xmlns:r="http://schemas.openxmlformats.org/officeDocument/2006/relationships" xmlns:p14="http://schemas.microsoft.com/office/powerpoint/2010/main" xmlns:p15="http://schemas.microsoft.com/office/powerpoint/2012/main" xmlns:mc="http://schemas.openxmlformats.org/markup-compatibility/2006" type="blank" preserve="1">
+  <p:cSld name="Title, 6 Content">
+    <p:spTree>
+      <p:nvGrpSpPr>
+        <p:cNvPr id="1" name=""/>
+        <p:cNvGrpSpPr/>
+        <p:nvPr/>
+      </p:nvGrpSpPr>
+      <p:grpSpPr>
+        <a:xfrm>
+          <a:off x="0" y="0"/>
+          <a:ext cx="0" cy="0"/>
+          <a:chOff x="0" y="0"/>
+          <a:chExt cx="0" cy="0"/>
+        </a:xfrm>
+      </p:grpSpPr>
+      <p:sp>
+        <p:nvSpPr>
+          <p:cNvPr id="194" name="PlaceHolder 1"/>
+          <p:cNvSpPr>
+            <a:spLocks noGrp="1"/>
+          </p:cNvSpPr>
+          <p:nvPr>
+            <p:ph type="title"/>
+          </p:nvPr>
+        </p:nvSpPr>
+        <p:spPr>
+          <a:xfrm>
+            <a:off x="504000" y="301320"/>
+            <a:ext cx="9072000" cy="1261800"/>
+          </a:xfrm>
+          <a:prstGeom prst="rect">
+            <a:avLst/>
+          </a:prstGeom>
+        </p:spPr>
+        <p:txBody>
+          <a:bodyPr lIns="0" rIns="0" tIns="0" bIns="0" anchor="ctr">
+            <a:noAutofit/>
+          </a:bodyPr>
+          <a:p>
+            <a:pPr algn="ctr"/>
+            <a:endParaRPr b="0" lang="en-US" sz="4400" spc="-1" strike="noStrike">
+              <a:latin typeface="Arial"/>
+            </a:endParaRPr>
+          </a:p>
+        </p:txBody>
+      </p:sp>
+      <p:sp>
+        <p:nvSpPr>
+          <p:cNvPr id="195" name="PlaceHolder 2"/>
+          <p:cNvSpPr>
+            <a:spLocks noGrp="1"/>
+          </p:cNvSpPr>
+          <p:nvPr>
+            <p:ph type="body"/>
+          </p:nvPr>
+        </p:nvSpPr>
+        <p:spPr>
+          <a:xfrm>
+            <a:off x="504000" y="1768680"/>
+            <a:ext cx="2921040" cy="2090880"/>
+          </a:xfrm>
+          <a:prstGeom prst="rect">
+            <a:avLst/>
+          </a:prstGeom>
+        </p:spPr>
+        <p:txBody>
+          <a:bodyPr lIns="0" rIns="0" tIns="0" bIns="0">
+            <a:normAutofit/>
+          </a:bodyPr>
+          <a:p>
+            <a:endParaRPr b="0" lang="en-US" sz="3200" spc="-1" strike="noStrike">
+              <a:latin typeface="Arial"/>
+            </a:endParaRPr>
+          </a:p>
+        </p:txBody>
+      </p:sp>
+      <p:sp>
+        <p:nvSpPr>
+          <p:cNvPr id="196" name="PlaceHolder 3"/>
+          <p:cNvSpPr>
+            <a:spLocks noGrp="1"/>
+          </p:cNvSpPr>
+          <p:nvPr>
+            <p:ph type="body"/>
+          </p:nvPr>
+        </p:nvSpPr>
+        <p:spPr>
+          <a:xfrm>
+            <a:off x="3571560" y="1768680"/>
+            <a:ext cx="2921040" cy="2090880"/>
+          </a:xfrm>
+          <a:prstGeom prst="rect">
+            <a:avLst/>
+          </a:prstGeom>
+        </p:spPr>
+        <p:txBody>
+          <a:bodyPr lIns="0" rIns="0" tIns="0" bIns="0">
+            <a:normAutofit/>
+          </a:bodyPr>
+          <a:p>
+            <a:endParaRPr b="0" lang="en-US" sz="3200" spc="-1" strike="noStrike">
+              <a:latin typeface="Arial"/>
+            </a:endParaRPr>
+          </a:p>
+        </p:txBody>
+      </p:sp>
+      <p:sp>
+        <p:nvSpPr>
+          <p:cNvPr id="197" name="PlaceHolder 4"/>
+          <p:cNvSpPr>
+            <a:spLocks noGrp="1"/>
+          </p:cNvSpPr>
+          <p:nvPr>
+            <p:ph type="body"/>
+          </p:nvPr>
+        </p:nvSpPr>
+        <p:spPr>
+          <a:xfrm>
+            <a:off x="6639120" y="1768680"/>
+            <a:ext cx="2921040" cy="2090880"/>
+          </a:xfrm>
+          <a:prstGeom prst="rect">
+            <a:avLst/>
+          </a:prstGeom>
+        </p:spPr>
+        <p:txBody>
+          <a:bodyPr lIns="0" rIns="0" tIns="0" bIns="0">
+            <a:normAutofit/>
+          </a:bodyPr>
+          <a:p>
+            <a:endParaRPr b="0" lang="en-US" sz="3200" spc="-1" strike="noStrike">
+              <a:latin typeface="Arial"/>
+            </a:endParaRPr>
+          </a:p>
+        </p:txBody>
+      </p:sp>
+      <p:sp>
+        <p:nvSpPr>
+          <p:cNvPr id="198" name="PlaceHolder 5"/>
+          <p:cNvSpPr>
+            <a:spLocks noGrp="1"/>
+          </p:cNvSpPr>
+          <p:nvPr>
+            <p:ph type="body"/>
+          </p:nvPr>
+        </p:nvSpPr>
+        <p:spPr>
+          <a:xfrm>
+            <a:off x="504000" y="4058640"/>
+            <a:ext cx="2921040" cy="2090880"/>
+          </a:xfrm>
+          <a:prstGeom prst="rect">
+            <a:avLst/>
+          </a:prstGeom>
+        </p:spPr>
+        <p:txBody>
+          <a:bodyPr lIns="0" rIns="0" tIns="0" bIns="0">
+            <a:normAutofit/>
+          </a:bodyPr>
+          <a:p>
+            <a:endParaRPr b="0" lang="en-US" sz="3200" spc="-1" strike="noStrike">
+              <a:latin typeface="Arial"/>
+            </a:endParaRPr>
+          </a:p>
+        </p:txBody>
+      </p:sp>
+      <p:sp>
+        <p:nvSpPr>
+          <p:cNvPr id="199" name="PlaceHolder 6"/>
+          <p:cNvSpPr>
+            <a:spLocks noGrp="1"/>
+          </p:cNvSpPr>
+          <p:nvPr>
+            <p:ph type="body"/>
+          </p:nvPr>
+        </p:nvSpPr>
+        <p:spPr>
+          <a:xfrm>
+            <a:off x="3571560" y="4058640"/>
+            <a:ext cx="2921040" cy="2090880"/>
+          </a:xfrm>
+          <a:prstGeom prst="rect">
+            <a:avLst/>
+          </a:prstGeom>
+        </p:spPr>
+        <p:txBody>
+          <a:bodyPr lIns="0" rIns="0" tIns="0" bIns="0">
+            <a:normAutofit/>
+          </a:bodyPr>
+          <a:p>
+            <a:endParaRPr b="0" lang="en-US" sz="3200" spc="-1" strike="noStrike">
+              <a:latin typeface="Arial"/>
+            </a:endParaRPr>
+          </a:p>
+        </p:txBody>
+      </p:sp>
+      <p:sp>
+        <p:nvSpPr>
+          <p:cNvPr id="200" name="PlaceHolder 7"/>
+          <p:cNvSpPr>
+            <a:spLocks noGrp="1"/>
+          </p:cNvSpPr>
+          <p:nvPr>
+            <p:ph type="body"/>
+          </p:nvPr>
+        </p:nvSpPr>
+        <p:spPr>
+          <a:xfrm>
+            <a:off x="6639120" y="4058640"/>
+            <a:ext cx="2921040" cy="2090880"/>
+          </a:xfrm>
+          <a:prstGeom prst="rect">
+            <a:avLst/>
+          </a:prstGeom>
+        </p:spPr>
+        <p:txBody>
+          <a:bodyPr lIns="0" rIns="0" tIns="0" bIns="0">
+            <a:normAutofit/>
+          </a:bodyPr>
+          <a:p>
             <a:endParaRPr b="0" lang="en-US" sz="3200" spc="-1" strike="noStrike">
               <a:latin typeface="Arial"/>
             </a:endParaRPr>
@@ -4124,7 +6837,7 @@
         <p:spPr>
           <a:xfrm>
             <a:off x="360" y="0"/>
-            <a:ext cx="10078200" cy="5039280"/>
+            <a:ext cx="10077840" cy="5038920"/>
           </a:xfrm>
           <a:prstGeom prst="rect">
             <a:avLst/>
@@ -4405,7 +7118,7 @@
         <p:spPr>
           <a:xfrm>
             <a:off x="360" y="7200000"/>
-            <a:ext cx="10078200" cy="359280"/>
+            <a:ext cx="10077840" cy="358920"/>
           </a:xfrm>
           <a:prstGeom prst="rect">
             <a:avLst/>
@@ -4433,7 +7146,7 @@
         <p:spPr>
           <a:xfrm>
             <a:off x="360" y="0"/>
-            <a:ext cx="10078200" cy="1618920"/>
+            <a:ext cx="10077840" cy="1618560"/>
           </a:xfrm>
           <a:prstGeom prst="rect">
             <a:avLst/>
@@ -4461,7 +7174,7 @@
         <p:spPr>
           <a:xfrm>
             <a:off x="9268920" y="6894000"/>
-            <a:ext cx="538920" cy="538920"/>
+            <a:ext cx="538560" cy="538560"/>
           </a:xfrm>
           <a:prstGeom prst="ellipse">
             <a:avLst/>
@@ -4493,7 +7206,7 @@
         <p:spPr>
           <a:xfrm>
             <a:off x="504000" y="301320"/>
-            <a:ext cx="9072000" cy="1261800"/>
+            <a:ext cx="9071640" cy="1261440"/>
           </a:xfrm>
           <a:prstGeom prst="rect">
             <a:avLst/>
@@ -4504,26 +7217,13 @@
             <a:noAutofit/>
           </a:bodyPr>
           <a:p>
-            <a:pPr algn="ctr"/>
             <a:r>
-              <a:rPr b="0" lang="en-US" sz="4400" spc="-1" strike="noStrike">
+              <a:rPr b="0" lang="en-US" sz="1800" spc="-1" strike="noStrike">
                 <a:latin typeface="Arial"/>
               </a:rPr>
-              <a:t>Click to edit </a:t>
+              <a:t>Click to edit the title text format</a:t>
             </a:r>
-            <a:r>
-              <a:rPr b="0" lang="en-US" sz="4400" spc="-1" strike="noStrike">
-                <a:latin typeface="Arial"/>
-              </a:rPr>
-              <a:t>the title text </a:t>
-            </a:r>
-            <a:r>
-              <a:rPr b="0" lang="en-US" sz="4400" spc="-1" strike="noStrike">
-                <a:latin typeface="Arial"/>
-              </a:rPr>
-              <a:t>format</a:t>
-            </a:r>
-            <a:endParaRPr b="0" lang="en-US" sz="4400" spc="-1" strike="noStrike">
+            <a:endParaRPr b="0" lang="en-US" sz="1800" spc="-1" strike="noStrike">
               <a:latin typeface="Arial"/>
             </a:endParaRPr>
           </a:p>
@@ -4731,6 +7431,679 @@
 <file path=ppt/slideMasters/slideMaster3.xml><?xml version="1.0" encoding="utf-8"?>
 <p:sldMaster xmlns:a="http://schemas.openxmlformats.org/drawingml/2006/main" xmlns:p="http://schemas.openxmlformats.org/presentationml/2006/main" xmlns:r="http://schemas.openxmlformats.org/officeDocument/2006/relationships" xmlns:p14="http://schemas.microsoft.com/office/powerpoint/2010/main" xmlns:p15="http://schemas.microsoft.com/office/powerpoint/2012/main" xmlns:mc="http://schemas.openxmlformats.org/markup-compatibility/2006">
   <p:cSld>
+    <p:spTree>
+      <p:nvGrpSpPr>
+        <p:cNvPr id="1" name=""/>
+        <p:cNvGrpSpPr/>
+        <p:nvPr/>
+      </p:nvGrpSpPr>
+      <p:grpSpPr>
+        <a:xfrm>
+          <a:off x="0" y="0"/>
+          <a:ext cx="0" cy="0"/>
+          <a:chOff x="0" y="0"/>
+          <a:chExt cx="0" cy="0"/>
+        </a:xfrm>
+      </p:grpSpPr>
+      <p:sp>
+        <p:nvSpPr>
+          <p:cNvPr id="80" name="CustomShape 1"/>
+          <p:cNvSpPr/>
+          <p:nvPr/>
+        </p:nvSpPr>
+        <p:spPr>
+          <a:xfrm>
+            <a:off x="360" y="7200000"/>
+            <a:ext cx="10077840" cy="358920"/>
+          </a:xfrm>
+          <a:prstGeom prst="rect">
+            <a:avLst/>
+          </a:prstGeom>
+          <a:solidFill>
+            <a:srgbClr val="2c3e50"/>
+          </a:solidFill>
+          <a:ln w="72000">
+            <a:noFill/>
+          </a:ln>
+        </p:spPr>
+        <p:style>
+          <a:lnRef idx="0"/>
+          <a:fillRef idx="0"/>
+          <a:effectRef idx="0"/>
+          <a:fontRef idx="minor"/>
+        </p:style>
+      </p:sp>
+      <p:sp>
+        <p:nvSpPr>
+          <p:cNvPr id="81" name="CustomShape 2"/>
+          <p:cNvSpPr/>
+          <p:nvPr/>
+        </p:nvSpPr>
+        <p:spPr>
+          <a:xfrm>
+            <a:off x="360" y="0"/>
+            <a:ext cx="10077840" cy="1618560"/>
+          </a:xfrm>
+          <a:prstGeom prst="rect">
+            <a:avLst/>
+          </a:prstGeom>
+          <a:solidFill>
+            <a:srgbClr val="2c3e50"/>
+          </a:solidFill>
+          <a:ln w="72000">
+            <a:noFill/>
+          </a:ln>
+        </p:spPr>
+        <p:style>
+          <a:lnRef idx="0"/>
+          <a:fillRef idx="0"/>
+          <a:effectRef idx="0"/>
+          <a:fontRef idx="minor"/>
+        </p:style>
+      </p:sp>
+      <p:sp>
+        <p:nvSpPr>
+          <p:cNvPr id="82" name="CustomShape 3"/>
+          <p:cNvSpPr/>
+          <p:nvPr/>
+        </p:nvSpPr>
+        <p:spPr>
+          <a:xfrm>
+            <a:off x="9268920" y="6894000"/>
+            <a:ext cx="538560" cy="538560"/>
+          </a:xfrm>
+          <a:prstGeom prst="ellipse">
+            <a:avLst/>
+          </a:prstGeom>
+          <a:solidFill>
+            <a:srgbClr val="1abc9c"/>
+          </a:solidFill>
+          <a:ln w="72000">
+            <a:noFill/>
+          </a:ln>
+        </p:spPr>
+        <p:style>
+          <a:lnRef idx="0"/>
+          <a:fillRef idx="0"/>
+          <a:effectRef idx="0"/>
+          <a:fontRef idx="minor"/>
+        </p:style>
+      </p:sp>
+      <p:sp>
+        <p:nvSpPr>
+          <p:cNvPr id="83" name="PlaceHolder 4"/>
+          <p:cNvSpPr>
+            <a:spLocks noGrp="1"/>
+          </p:cNvSpPr>
+          <p:nvPr>
+            <p:ph type="title"/>
+          </p:nvPr>
+        </p:nvSpPr>
+        <p:spPr>
+          <a:xfrm>
+            <a:off x="504000" y="301320"/>
+            <a:ext cx="9071640" cy="1261440"/>
+          </a:xfrm>
+          <a:prstGeom prst="rect">
+            <a:avLst/>
+          </a:prstGeom>
+        </p:spPr>
+        <p:txBody>
+          <a:bodyPr lIns="0" rIns="0" tIns="0" bIns="0" anchor="ctr">
+            <a:noAutofit/>
+          </a:bodyPr>
+          <a:p>
+            <a:r>
+              <a:rPr b="0" lang="en-US" sz="1800" spc="-1" strike="noStrike">
+                <a:latin typeface="Arial"/>
+              </a:rPr>
+              <a:t>Click to edit the title text format</a:t>
+            </a:r>
+            <a:endParaRPr b="0" lang="en-US" sz="1800" spc="-1" strike="noStrike">
+              <a:latin typeface="Arial"/>
+            </a:endParaRPr>
+          </a:p>
+        </p:txBody>
+      </p:sp>
+      <p:sp>
+        <p:nvSpPr>
+          <p:cNvPr id="84" name="PlaceHolder 5"/>
+          <p:cNvSpPr>
+            <a:spLocks noGrp="1"/>
+          </p:cNvSpPr>
+          <p:nvPr>
+            <p:ph type="body"/>
+          </p:nvPr>
+        </p:nvSpPr>
+        <p:spPr>
+          <a:xfrm>
+            <a:off x="504000" y="1768680"/>
+            <a:ext cx="9071640" cy="4383720"/>
+          </a:xfrm>
+          <a:prstGeom prst="rect">
+            <a:avLst/>
+          </a:prstGeom>
+        </p:spPr>
+        <p:txBody>
+          <a:bodyPr lIns="0" rIns="0" tIns="0" bIns="0">
+            <a:normAutofit/>
+          </a:bodyPr>
+          <a:p>
+            <a:pPr marL="432000" indent="-324000">
+              <a:spcBef>
+                <a:spcPts val="1417"/>
+              </a:spcBef>
+              <a:buClr>
+                <a:srgbClr val="000000"/>
+              </a:buClr>
+              <a:buSzPct val="45000"/>
+              <a:buFont typeface="Wingdings" charset="2"/>
+              <a:buChar char=""/>
+            </a:pPr>
+            <a:r>
+              <a:rPr b="0" lang="en-US" sz="1800" spc="-1" strike="noStrike">
+                <a:latin typeface="Arial"/>
+              </a:rPr>
+              <a:t>Click to edit the outline text format</a:t>
+            </a:r>
+            <a:endParaRPr b="0" lang="en-US" sz="1800" spc="-1" strike="noStrike">
+              <a:latin typeface="Arial"/>
+            </a:endParaRPr>
+          </a:p>
+          <a:p>
+            <a:pPr lvl="1" marL="864000" indent="-324000">
+              <a:spcBef>
+                <a:spcPts val="1134"/>
+              </a:spcBef>
+              <a:buClr>
+                <a:srgbClr val="000000"/>
+              </a:buClr>
+              <a:buSzPct val="75000"/>
+              <a:buFont typeface="Symbol" charset="2"/>
+              <a:buChar char=""/>
+            </a:pPr>
+            <a:r>
+              <a:rPr b="0" lang="en-US" sz="1800" spc="-1" strike="noStrike">
+                <a:latin typeface="Arial"/>
+              </a:rPr>
+              <a:t>Second Outline Level</a:t>
+            </a:r>
+            <a:endParaRPr b="0" lang="en-US" sz="1800" spc="-1" strike="noStrike">
+              <a:latin typeface="Arial"/>
+            </a:endParaRPr>
+          </a:p>
+          <a:p>
+            <a:pPr lvl="2" marL="1296000" indent="-288000">
+              <a:spcBef>
+                <a:spcPts val="850"/>
+              </a:spcBef>
+              <a:buClr>
+                <a:srgbClr val="000000"/>
+              </a:buClr>
+              <a:buSzPct val="45000"/>
+              <a:buFont typeface="Wingdings" charset="2"/>
+              <a:buChar char=""/>
+            </a:pPr>
+            <a:r>
+              <a:rPr b="0" lang="en-US" sz="1800" spc="-1" strike="noStrike">
+                <a:latin typeface="Arial"/>
+              </a:rPr>
+              <a:t>Third Outline Level</a:t>
+            </a:r>
+            <a:endParaRPr b="0" lang="en-US" sz="1800" spc="-1" strike="noStrike">
+              <a:latin typeface="Arial"/>
+            </a:endParaRPr>
+          </a:p>
+          <a:p>
+            <a:pPr lvl="3" marL="1728000" indent="-216000">
+              <a:spcBef>
+                <a:spcPts val="567"/>
+              </a:spcBef>
+              <a:buClr>
+                <a:srgbClr val="000000"/>
+              </a:buClr>
+              <a:buSzPct val="75000"/>
+              <a:buFont typeface="Symbol" charset="2"/>
+              <a:buChar char=""/>
+            </a:pPr>
+            <a:r>
+              <a:rPr b="0" lang="en-US" sz="1800" spc="-1" strike="noStrike">
+                <a:latin typeface="Arial"/>
+              </a:rPr>
+              <a:t>Fourth Outline Level</a:t>
+            </a:r>
+            <a:endParaRPr b="0" lang="en-US" sz="1800" spc="-1" strike="noStrike">
+              <a:latin typeface="Arial"/>
+            </a:endParaRPr>
+          </a:p>
+          <a:p>
+            <a:pPr lvl="4" marL="2160000" indent="-216000">
+              <a:spcBef>
+                <a:spcPts val="283"/>
+              </a:spcBef>
+              <a:buClr>
+                <a:srgbClr val="000000"/>
+              </a:buClr>
+              <a:buSzPct val="45000"/>
+              <a:buFont typeface="Wingdings" charset="2"/>
+              <a:buChar char=""/>
+            </a:pPr>
+            <a:r>
+              <a:rPr b="0" lang="en-US" sz="1800" spc="-1" strike="noStrike">
+                <a:latin typeface="Arial"/>
+              </a:rPr>
+              <a:t>Fifth Outline Level</a:t>
+            </a:r>
+            <a:endParaRPr b="0" lang="en-US" sz="1800" spc="-1" strike="noStrike">
+              <a:latin typeface="Arial"/>
+            </a:endParaRPr>
+          </a:p>
+          <a:p>
+            <a:pPr lvl="5" marL="2592000" indent="-216000">
+              <a:spcBef>
+                <a:spcPts val="283"/>
+              </a:spcBef>
+              <a:buClr>
+                <a:srgbClr val="000000"/>
+              </a:buClr>
+              <a:buSzPct val="45000"/>
+              <a:buFont typeface="Wingdings" charset="2"/>
+              <a:buChar char=""/>
+            </a:pPr>
+            <a:r>
+              <a:rPr b="0" lang="en-US" sz="1800" spc="-1" strike="noStrike">
+                <a:latin typeface="Arial"/>
+              </a:rPr>
+              <a:t>Sixth Outline Level</a:t>
+            </a:r>
+            <a:endParaRPr b="0" lang="en-US" sz="1800" spc="-1" strike="noStrike">
+              <a:latin typeface="Arial"/>
+            </a:endParaRPr>
+          </a:p>
+          <a:p>
+            <a:pPr lvl="6" marL="3024000" indent="-216000">
+              <a:spcBef>
+                <a:spcPts val="283"/>
+              </a:spcBef>
+              <a:buClr>
+                <a:srgbClr val="000000"/>
+              </a:buClr>
+              <a:buSzPct val="45000"/>
+              <a:buFont typeface="Wingdings" charset="2"/>
+              <a:buChar char=""/>
+            </a:pPr>
+            <a:r>
+              <a:rPr b="0" lang="en-US" sz="1800" spc="-1" strike="noStrike">
+                <a:latin typeface="Arial"/>
+              </a:rPr>
+              <a:t>Seventh Outline Level</a:t>
+            </a:r>
+            <a:endParaRPr b="0" lang="en-US" sz="1800" spc="-1" strike="noStrike">
+              <a:latin typeface="Arial"/>
+            </a:endParaRPr>
+          </a:p>
+        </p:txBody>
+      </p:sp>
+    </p:spTree>
+  </p:cSld>
+  <p:clrMap bg1="lt1" bg2="lt2" tx1="dk1" tx2="dk2" accent1="accent1" accent2="accent2" accent3="accent3" accent4="accent4" accent5="accent5" accent6="accent6" hlink="hlink" folHlink="folHlink"/>
+  <p:sldLayoutIdLst>
+    <p:sldLayoutId id="2147483675" r:id="rId2"/>
+    <p:sldLayoutId id="2147483676" r:id="rId3"/>
+    <p:sldLayoutId id="2147483677" r:id="rId4"/>
+    <p:sldLayoutId id="2147483678" r:id="rId5"/>
+    <p:sldLayoutId id="2147483679" r:id="rId6"/>
+    <p:sldLayoutId id="2147483680" r:id="rId7"/>
+    <p:sldLayoutId id="2147483681" r:id="rId8"/>
+    <p:sldLayoutId id="2147483682" r:id="rId9"/>
+    <p:sldLayoutId id="2147483683" r:id="rId10"/>
+    <p:sldLayoutId id="2147483684" r:id="rId11"/>
+    <p:sldLayoutId id="2147483685" r:id="rId12"/>
+    <p:sldLayoutId id="2147483686" r:id="rId13"/>
+  </p:sldLayoutIdLst>
+</p:sldMaster>
+</file>
+
+<file path=ppt/slideMasters/slideMaster4.xml><?xml version="1.0" encoding="utf-8"?>
+<p:sldMaster xmlns:a="http://schemas.openxmlformats.org/drawingml/2006/main" xmlns:p="http://schemas.openxmlformats.org/presentationml/2006/main" xmlns:r="http://schemas.openxmlformats.org/officeDocument/2006/relationships" xmlns:p14="http://schemas.microsoft.com/office/powerpoint/2010/main" xmlns:p15="http://schemas.microsoft.com/office/powerpoint/2012/main" xmlns:mc="http://schemas.openxmlformats.org/markup-compatibility/2006">
+  <p:cSld>
+    <p:spTree>
+      <p:nvGrpSpPr>
+        <p:cNvPr id="1" name=""/>
+        <p:cNvGrpSpPr/>
+        <p:nvPr/>
+      </p:nvGrpSpPr>
+      <p:grpSpPr>
+        <a:xfrm>
+          <a:off x="0" y="0"/>
+          <a:ext cx="0" cy="0"/>
+          <a:chOff x="0" y="0"/>
+          <a:chExt cx="0" cy="0"/>
+        </a:xfrm>
+      </p:grpSpPr>
+      <p:sp>
+        <p:nvSpPr>
+          <p:cNvPr id="121" name="CustomShape 1"/>
+          <p:cNvSpPr/>
+          <p:nvPr/>
+        </p:nvSpPr>
+        <p:spPr>
+          <a:xfrm>
+            <a:off x="360" y="7200000"/>
+            <a:ext cx="10077840" cy="358920"/>
+          </a:xfrm>
+          <a:prstGeom prst="rect">
+            <a:avLst/>
+          </a:prstGeom>
+          <a:solidFill>
+            <a:srgbClr val="2c3e50"/>
+          </a:solidFill>
+          <a:ln w="72000">
+            <a:noFill/>
+          </a:ln>
+        </p:spPr>
+        <p:style>
+          <a:lnRef idx="0"/>
+          <a:fillRef idx="0"/>
+          <a:effectRef idx="0"/>
+          <a:fontRef idx="minor"/>
+        </p:style>
+      </p:sp>
+      <p:sp>
+        <p:nvSpPr>
+          <p:cNvPr id="122" name="CustomShape 2"/>
+          <p:cNvSpPr/>
+          <p:nvPr/>
+        </p:nvSpPr>
+        <p:spPr>
+          <a:xfrm>
+            <a:off x="360" y="0"/>
+            <a:ext cx="10077840" cy="1618560"/>
+          </a:xfrm>
+          <a:prstGeom prst="rect">
+            <a:avLst/>
+          </a:prstGeom>
+          <a:solidFill>
+            <a:srgbClr val="2c3e50"/>
+          </a:solidFill>
+          <a:ln w="72000">
+            <a:noFill/>
+          </a:ln>
+        </p:spPr>
+        <p:style>
+          <a:lnRef idx="0"/>
+          <a:fillRef idx="0"/>
+          <a:effectRef idx="0"/>
+          <a:fontRef idx="minor"/>
+        </p:style>
+      </p:sp>
+      <p:sp>
+        <p:nvSpPr>
+          <p:cNvPr id="123" name="CustomShape 3"/>
+          <p:cNvSpPr/>
+          <p:nvPr/>
+        </p:nvSpPr>
+        <p:spPr>
+          <a:xfrm>
+            <a:off x="9268920" y="6894000"/>
+            <a:ext cx="538560" cy="538560"/>
+          </a:xfrm>
+          <a:prstGeom prst="ellipse">
+            <a:avLst/>
+          </a:prstGeom>
+          <a:solidFill>
+            <a:srgbClr val="1abc9c"/>
+          </a:solidFill>
+          <a:ln w="72000">
+            <a:noFill/>
+          </a:ln>
+        </p:spPr>
+        <p:style>
+          <a:lnRef idx="0"/>
+          <a:fillRef idx="0"/>
+          <a:effectRef idx="0"/>
+          <a:fontRef idx="minor"/>
+        </p:style>
+      </p:sp>
+      <p:sp>
+        <p:nvSpPr>
+          <p:cNvPr id="124" name="PlaceHolder 4"/>
+          <p:cNvSpPr>
+            <a:spLocks noGrp="1"/>
+          </p:cNvSpPr>
+          <p:nvPr>
+            <p:ph type="title"/>
+          </p:nvPr>
+        </p:nvSpPr>
+        <p:spPr>
+          <a:xfrm>
+            <a:off x="504000" y="301320"/>
+            <a:ext cx="9072000" cy="1261800"/>
+          </a:xfrm>
+          <a:prstGeom prst="rect">
+            <a:avLst/>
+          </a:prstGeom>
+        </p:spPr>
+        <p:txBody>
+          <a:bodyPr lIns="0" rIns="0" tIns="0" bIns="0" anchor="ctr">
+            <a:noAutofit/>
+          </a:bodyPr>
+          <a:p>
+            <a:pPr algn="ctr"/>
+            <a:r>
+              <a:rPr b="0" lang="en-US" sz="4400" spc="-1" strike="noStrike">
+                <a:latin typeface="Arial"/>
+              </a:rPr>
+              <a:t>Click to edit the title text format</a:t>
+            </a:r>
+            <a:endParaRPr b="0" lang="en-US" sz="4400" spc="-1" strike="noStrike">
+              <a:latin typeface="Arial"/>
+            </a:endParaRPr>
+          </a:p>
+        </p:txBody>
+      </p:sp>
+      <p:sp>
+        <p:nvSpPr>
+          <p:cNvPr id="125" name="PlaceHolder 5"/>
+          <p:cNvSpPr>
+            <a:spLocks noGrp="1"/>
+          </p:cNvSpPr>
+          <p:nvPr>
+            <p:ph type="body"/>
+          </p:nvPr>
+        </p:nvSpPr>
+        <p:spPr>
+          <a:xfrm>
+            <a:off x="504000" y="1768680"/>
+            <a:ext cx="9072000" cy="4384080"/>
+          </a:xfrm>
+          <a:prstGeom prst="rect">
+            <a:avLst/>
+          </a:prstGeom>
+        </p:spPr>
+        <p:txBody>
+          <a:bodyPr lIns="0" rIns="0" tIns="0" bIns="0">
+            <a:normAutofit/>
+          </a:bodyPr>
+          <a:p>
+            <a:pPr marL="432000" indent="-324000">
+              <a:spcBef>
+                <a:spcPts val="1417"/>
+              </a:spcBef>
+              <a:buClr>
+                <a:srgbClr val="000000"/>
+              </a:buClr>
+              <a:buSzPct val="45000"/>
+              <a:buFont typeface="Wingdings" charset="2"/>
+              <a:buChar char=""/>
+            </a:pPr>
+            <a:r>
+              <a:rPr b="0" lang="en-US" sz="3200" spc="-1" strike="noStrike">
+                <a:latin typeface="Arial"/>
+              </a:rPr>
+              <a:t>Click to edit the outline text format</a:t>
+            </a:r>
+            <a:endParaRPr b="0" lang="en-US" sz="3200" spc="-1" strike="noStrike">
+              <a:latin typeface="Arial"/>
+            </a:endParaRPr>
+          </a:p>
+          <a:p>
+            <a:pPr lvl="1" marL="864000" indent="-324000">
+              <a:spcBef>
+                <a:spcPts val="1134"/>
+              </a:spcBef>
+              <a:buClr>
+                <a:srgbClr val="000000"/>
+              </a:buClr>
+              <a:buSzPct val="75000"/>
+              <a:buFont typeface="Symbol" charset="2"/>
+              <a:buChar char=""/>
+            </a:pPr>
+            <a:r>
+              <a:rPr b="0" lang="en-US" sz="2800" spc="-1" strike="noStrike">
+                <a:latin typeface="Arial"/>
+              </a:rPr>
+              <a:t>Second Outline Level</a:t>
+            </a:r>
+            <a:endParaRPr b="0" lang="en-US" sz="2800" spc="-1" strike="noStrike">
+              <a:latin typeface="Arial"/>
+            </a:endParaRPr>
+          </a:p>
+          <a:p>
+            <a:pPr lvl="2" marL="1296000" indent="-288000">
+              <a:spcBef>
+                <a:spcPts val="850"/>
+              </a:spcBef>
+              <a:buClr>
+                <a:srgbClr val="000000"/>
+              </a:buClr>
+              <a:buSzPct val="45000"/>
+              <a:buFont typeface="Wingdings" charset="2"/>
+              <a:buChar char=""/>
+            </a:pPr>
+            <a:r>
+              <a:rPr b="0" lang="en-US" sz="2400" spc="-1" strike="noStrike">
+                <a:latin typeface="Arial"/>
+              </a:rPr>
+              <a:t>Third Outline Level</a:t>
+            </a:r>
+            <a:endParaRPr b="0" lang="en-US" sz="2400" spc="-1" strike="noStrike">
+              <a:latin typeface="Arial"/>
+            </a:endParaRPr>
+          </a:p>
+          <a:p>
+            <a:pPr lvl="3" marL="1728000" indent="-216000">
+              <a:spcBef>
+                <a:spcPts val="567"/>
+              </a:spcBef>
+              <a:buClr>
+                <a:srgbClr val="000000"/>
+              </a:buClr>
+              <a:buSzPct val="75000"/>
+              <a:buFont typeface="Symbol" charset="2"/>
+              <a:buChar char=""/>
+            </a:pPr>
+            <a:r>
+              <a:rPr b="0" lang="en-US" sz="2000" spc="-1" strike="noStrike">
+                <a:latin typeface="Arial"/>
+              </a:rPr>
+              <a:t>Fourth Outline Level</a:t>
+            </a:r>
+            <a:endParaRPr b="0" lang="en-US" sz="2000" spc="-1" strike="noStrike">
+              <a:latin typeface="Arial"/>
+            </a:endParaRPr>
+          </a:p>
+          <a:p>
+            <a:pPr lvl="4" marL="2160000" indent="-216000">
+              <a:spcBef>
+                <a:spcPts val="283"/>
+              </a:spcBef>
+              <a:buClr>
+                <a:srgbClr val="000000"/>
+              </a:buClr>
+              <a:buSzPct val="45000"/>
+              <a:buFont typeface="Wingdings" charset="2"/>
+              <a:buChar char=""/>
+            </a:pPr>
+            <a:r>
+              <a:rPr b="0" lang="en-US" sz="2000" spc="-1" strike="noStrike">
+                <a:latin typeface="Arial"/>
+              </a:rPr>
+              <a:t>Fifth Outline Level</a:t>
+            </a:r>
+            <a:endParaRPr b="0" lang="en-US" sz="2000" spc="-1" strike="noStrike">
+              <a:latin typeface="Arial"/>
+            </a:endParaRPr>
+          </a:p>
+          <a:p>
+            <a:pPr lvl="5" marL="2592000" indent="-216000">
+              <a:spcBef>
+                <a:spcPts val="283"/>
+              </a:spcBef>
+              <a:buClr>
+                <a:srgbClr val="000000"/>
+              </a:buClr>
+              <a:buSzPct val="45000"/>
+              <a:buFont typeface="Wingdings" charset="2"/>
+              <a:buChar char=""/>
+            </a:pPr>
+            <a:r>
+              <a:rPr b="0" lang="en-US" sz="2000" spc="-1" strike="noStrike">
+                <a:latin typeface="Arial"/>
+              </a:rPr>
+              <a:t>Sixth Outline Level</a:t>
+            </a:r>
+            <a:endParaRPr b="0" lang="en-US" sz="2000" spc="-1" strike="noStrike">
+              <a:latin typeface="Arial"/>
+            </a:endParaRPr>
+          </a:p>
+          <a:p>
+            <a:pPr lvl="6" marL="3024000" indent="-216000">
+              <a:spcBef>
+                <a:spcPts val="283"/>
+              </a:spcBef>
+              <a:buClr>
+                <a:srgbClr val="000000"/>
+              </a:buClr>
+              <a:buSzPct val="45000"/>
+              <a:buFont typeface="Wingdings" charset="2"/>
+              <a:buChar char=""/>
+            </a:pPr>
+            <a:r>
+              <a:rPr b="0" lang="en-US" sz="2000" spc="-1" strike="noStrike">
+                <a:latin typeface="Arial"/>
+              </a:rPr>
+              <a:t>Seventh Outline Level</a:t>
+            </a:r>
+            <a:endParaRPr b="0" lang="en-US" sz="2000" spc="-1" strike="noStrike">
+              <a:latin typeface="Arial"/>
+            </a:endParaRPr>
+          </a:p>
+        </p:txBody>
+      </p:sp>
+    </p:spTree>
+  </p:cSld>
+  <p:clrMap bg1="lt1" bg2="lt2" tx1="dk1" tx2="dk2" accent1="accent1" accent2="accent2" accent3="accent3" accent4="accent4" accent5="accent5" accent6="accent6" hlink="hlink" folHlink="folHlink"/>
+  <p:sldLayoutIdLst>
+    <p:sldLayoutId id="2147483688" r:id="rId2"/>
+    <p:sldLayoutId id="2147483689" r:id="rId3"/>
+    <p:sldLayoutId id="2147483690" r:id="rId4"/>
+    <p:sldLayoutId id="2147483691" r:id="rId5"/>
+    <p:sldLayoutId id="2147483692" r:id="rId6"/>
+    <p:sldLayoutId id="2147483693" r:id="rId7"/>
+    <p:sldLayoutId id="2147483694" r:id="rId8"/>
+    <p:sldLayoutId id="2147483695" r:id="rId9"/>
+    <p:sldLayoutId id="2147483696" r:id="rId10"/>
+    <p:sldLayoutId id="2147483697" r:id="rId11"/>
+    <p:sldLayoutId id="2147483698" r:id="rId12"/>
+    <p:sldLayoutId id="2147483699" r:id="rId13"/>
+  </p:sldLayoutIdLst>
+</p:sldMaster>
+</file>
+
+<file path=ppt/slideMasters/slideMaster5.xml><?xml version="1.0" encoding="utf-8"?>
+<p:sldMaster xmlns:a="http://schemas.openxmlformats.org/drawingml/2006/main" xmlns:p="http://schemas.openxmlformats.org/presentationml/2006/main" xmlns:r="http://schemas.openxmlformats.org/officeDocument/2006/relationships" xmlns:p14="http://schemas.microsoft.com/office/powerpoint/2010/main" xmlns:p15="http://schemas.microsoft.com/office/powerpoint/2012/main" xmlns:mc="http://schemas.openxmlformats.org/markup-compatibility/2006">
+  <p:cSld>
     <p:bg>
       <p:bgPr>
         <a:solidFill>
@@ -4754,14 +8127,14 @@
       </p:grpSpPr>
       <p:sp>
         <p:nvSpPr>
-          <p:cNvPr id="80" name="CustomShape 1"/>
+          <p:cNvPr id="162" name="CustomShape 1"/>
           <p:cNvSpPr/>
           <p:nvPr/>
         </p:nvSpPr>
         <p:spPr>
           <a:xfrm>
             <a:off x="2519640" y="2519640"/>
-            <a:ext cx="5038560" cy="2518920"/>
+            <a:ext cx="5038200" cy="2518560"/>
           </a:xfrm>
           <a:prstGeom prst="wedgeRectCallout">
             <a:avLst>
@@ -4785,7 +8158,7 @@
       </p:sp>
       <p:sp>
         <p:nvSpPr>
-          <p:cNvPr id="81" name="PlaceHolder 2"/>
+          <p:cNvPr id="163" name="PlaceHolder 2"/>
           <p:cNvSpPr>
             <a:spLocks noGrp="1"/>
           </p:cNvSpPr>
@@ -4812,19 +8185,7 @@
               <a:rPr b="0" lang="en-US" sz="4400" spc="-1" strike="noStrike">
                 <a:latin typeface="Arial"/>
               </a:rPr>
-              <a:t>Click to edit </a:t>
-            </a:r>
-            <a:r>
-              <a:rPr b="0" lang="en-US" sz="4400" spc="-1" strike="noStrike">
-                <a:latin typeface="Arial"/>
-              </a:rPr>
-              <a:t>the title text </a:t>
-            </a:r>
-            <a:r>
-              <a:rPr b="0" lang="en-US" sz="4400" spc="-1" strike="noStrike">
-                <a:latin typeface="Arial"/>
-              </a:rPr>
-              <a:t>format</a:t>
+              <a:t>Click to edit the title text format</a:t>
             </a:r>
             <a:endParaRPr b="0" lang="en-US" sz="4400" spc="-1" strike="noStrike">
               <a:latin typeface="Arial"/>
@@ -4834,7 +8195,7 @@
       </p:sp>
       <p:sp>
         <p:nvSpPr>
-          <p:cNvPr id="82" name="PlaceHolder 3"/>
+          <p:cNvPr id="164" name="PlaceHolder 3"/>
           <p:cNvSpPr>
             <a:spLocks noGrp="1"/>
           </p:cNvSpPr>
@@ -5015,18 +8376,18 @@
   </p:cSld>
   <p:clrMap bg1="lt1" bg2="lt2" tx1="dk1" tx2="dk2" accent1="accent1" accent2="accent2" accent3="accent3" accent4="accent4" accent5="accent5" accent6="accent6" hlink="hlink" folHlink="folHlink"/>
   <p:sldLayoutIdLst>
-    <p:sldLayoutId id="2147483675" r:id="rId2"/>
-    <p:sldLayoutId id="2147483676" r:id="rId3"/>
-    <p:sldLayoutId id="2147483677" r:id="rId4"/>
-    <p:sldLayoutId id="2147483678" r:id="rId5"/>
-    <p:sldLayoutId id="2147483679" r:id="rId6"/>
-    <p:sldLayoutId id="2147483680" r:id="rId7"/>
-    <p:sldLayoutId id="2147483681" r:id="rId8"/>
-    <p:sldLayoutId id="2147483682" r:id="rId9"/>
-    <p:sldLayoutId id="2147483683" r:id="rId10"/>
-    <p:sldLayoutId id="2147483684" r:id="rId11"/>
-    <p:sldLayoutId id="2147483685" r:id="rId12"/>
-    <p:sldLayoutId id="2147483686" r:id="rId13"/>
+    <p:sldLayoutId id="2147483701" r:id="rId2"/>
+    <p:sldLayoutId id="2147483702" r:id="rId3"/>
+    <p:sldLayoutId id="2147483703" r:id="rId4"/>
+    <p:sldLayoutId id="2147483704" r:id="rId5"/>
+    <p:sldLayoutId id="2147483705" r:id="rId6"/>
+    <p:sldLayoutId id="2147483706" r:id="rId7"/>
+    <p:sldLayoutId id="2147483707" r:id="rId8"/>
+    <p:sldLayoutId id="2147483708" r:id="rId9"/>
+    <p:sldLayoutId id="2147483709" r:id="rId10"/>
+    <p:sldLayoutId id="2147483710" r:id="rId11"/>
+    <p:sldLayoutId id="2147483711" r:id="rId12"/>
+    <p:sldLayoutId id="2147483712" r:id="rId13"/>
   </p:sldLayoutIdLst>
 </p:sldMaster>
 </file>
@@ -5050,14 +8411,14 @@
       </p:grpSpPr>
       <p:sp>
         <p:nvSpPr>
-          <p:cNvPr id="119" name="CustomShape 1"/>
+          <p:cNvPr id="201" name="CustomShape 1"/>
           <p:cNvSpPr/>
           <p:nvPr/>
         </p:nvSpPr>
         <p:spPr>
           <a:xfrm>
             <a:off x="359640" y="3194640"/>
-            <a:ext cx="9358560" cy="2127600"/>
+            <a:ext cx="9358200" cy="2127240"/>
           </a:xfrm>
           <a:prstGeom prst="rect">
             <a:avLst/>
@@ -5102,14 +8463,14 @@
       </p:sp>
       <p:sp>
         <p:nvSpPr>
-          <p:cNvPr id="120" name="CustomShape 2"/>
+          <p:cNvPr id="202" name="CustomShape 2"/>
           <p:cNvSpPr/>
           <p:nvPr/>
         </p:nvSpPr>
         <p:spPr>
           <a:xfrm>
             <a:off x="359640" y="5220000"/>
-            <a:ext cx="9358560" cy="1978920"/>
+            <a:ext cx="9358200" cy="1978560"/>
           </a:xfrm>
           <a:prstGeom prst="rect">
             <a:avLst/>
@@ -5125,87 +8486,6 @@
           <a:effectRef idx="0"/>
           <a:fontRef idx="minor"/>
         </p:style>
-      </p:sp>
-    </p:spTree>
-  </p:cSld>
-  <mc:AlternateContent>
-    <mc:Choice Requires="p14">
-      <p:transition spd="slow" p14:dur="2000"/>
-    </mc:Choice>
-    <mc:Fallback>
-      <p:transition spd="slow"/>
-    </mc:Fallback>
-  </mc:AlternateContent>
-</p:sld>
-</file>
-
-<file path=ppt/slides/slide10.xml><?xml version="1.0" encoding="utf-8"?>
-<p:sld xmlns:a="http://schemas.openxmlformats.org/drawingml/2006/main" xmlns:p="http://schemas.openxmlformats.org/presentationml/2006/main" xmlns:r="http://schemas.openxmlformats.org/officeDocument/2006/relationships" xmlns:p14="http://schemas.microsoft.com/office/powerpoint/2010/main" xmlns:p15="http://schemas.microsoft.com/office/powerpoint/2012/main" xmlns:mc="http://schemas.openxmlformats.org/markup-compatibility/2006">
-  <p:cSld>
-    <p:spTree>
-      <p:nvGrpSpPr>
-        <p:cNvPr id="1" name=""/>
-        <p:cNvGrpSpPr/>
-        <p:nvPr/>
-      </p:nvGrpSpPr>
-      <p:grpSpPr>
-        <a:xfrm>
-          <a:off x="0" y="0"/>
-          <a:ext cx="0" cy="0"/>
-          <a:chOff x="0" y="0"/>
-          <a:chExt cx="0" cy="0"/>
-        </a:xfrm>
-      </p:grpSpPr>
-      <p:sp>
-        <p:nvSpPr>
-          <p:cNvPr id="145" name="CustomShape 1"/>
-          <p:cNvSpPr/>
-          <p:nvPr/>
-        </p:nvSpPr>
-        <p:spPr>
-          <a:xfrm>
-            <a:off x="2699280" y="2699280"/>
-            <a:ext cx="4678560" cy="2158920"/>
-          </a:xfrm>
-          <a:prstGeom prst="rect">
-            <a:avLst/>
-          </a:prstGeom>
-          <a:noFill/>
-          <a:ln>
-            <a:noFill/>
-          </a:ln>
-        </p:spPr>
-        <p:style>
-          <a:lnRef idx="0"/>
-          <a:fillRef idx="0"/>
-          <a:effectRef idx="0"/>
-          <a:fontRef idx="minor"/>
-        </p:style>
-        <p:txBody>
-          <a:bodyPr lIns="0" rIns="0" tIns="0" bIns="0" anchor="ctr" anchorCtr="1">
-            <a:noAutofit/>
-          </a:bodyPr>
-          <a:p>
-            <a:pPr algn="ctr">
-              <a:lnSpc>
-                <a:spcPct val="100000"/>
-              </a:lnSpc>
-            </a:pPr>
-            <a:r>
-              <a:rPr b="1" lang="en-US" sz="3600" spc="-1" strike="noStrike">
-                <a:solidFill>
-                  <a:srgbClr val="2c3e50"/>
-                </a:solidFill>
-                <a:latin typeface="Noto Sans Black"/>
-                <a:ea typeface="DejaVu Sans"/>
-              </a:rPr>
-              <a:t>Thank You That's All.</a:t>
-            </a:r>
-            <a:endParaRPr b="0" lang="en-US" sz="3600" spc="-1" strike="noStrike">
-              <a:latin typeface="Arial"/>
-            </a:endParaRPr>
-          </a:p>
-        </p:txBody>
       </p:sp>
     </p:spTree>
   </p:cSld>
@@ -5239,14 +8519,14 @@
       </p:grpSpPr>
       <p:sp>
         <p:nvSpPr>
-          <p:cNvPr id="121" name="CustomShape 1"/>
+          <p:cNvPr id="203" name="CustomShape 1"/>
           <p:cNvSpPr/>
           <p:nvPr/>
         </p:nvSpPr>
         <p:spPr>
           <a:xfrm>
             <a:off x="359640" y="300960"/>
-            <a:ext cx="9358560" cy="957240"/>
+            <a:ext cx="9358200" cy="956880"/>
           </a:xfrm>
           <a:prstGeom prst="rect">
             <a:avLst/>
@@ -5280,7 +8560,7 @@
                 <a:latin typeface="Noto Sans Black"/>
                 <a:ea typeface="DejaVu Sans"/>
               </a:rPr>
-              <a:t>Modeling</a:t>
+              <a:t>Model Analysis</a:t>
             </a:r>
             <a:endParaRPr b="0" lang="en-US" sz="3600" spc="-1" strike="noStrike">
               <a:latin typeface="Arial"/>
@@ -5290,14 +8570,14 @@
       </p:sp>
       <p:sp>
         <p:nvSpPr>
-          <p:cNvPr id="122" name="CustomShape 2"/>
+          <p:cNvPr id="204" name="CustomShape 2"/>
           <p:cNvSpPr/>
           <p:nvPr/>
         </p:nvSpPr>
         <p:spPr>
           <a:xfrm>
             <a:off x="359640" y="1979280"/>
-            <a:ext cx="9358560" cy="5039280"/>
+            <a:ext cx="9358200" cy="5038920"/>
           </a:xfrm>
           <a:prstGeom prst="rect">
             <a:avLst/>
@@ -5316,14 +8596,14 @@
       </p:sp>
       <p:sp>
         <p:nvSpPr>
-          <p:cNvPr id="123" name="TextShape 3"/>
-          <p:cNvSpPr txBox="1"/>
+          <p:cNvPr id="205" name="CustomShape 3"/>
+          <p:cNvSpPr/>
           <p:nvPr/>
         </p:nvSpPr>
         <p:spPr>
           <a:xfrm>
             <a:off x="504000" y="301320"/>
-            <a:ext cx="9072000" cy="1261800"/>
+            <a:ext cx="9071640" cy="1261440"/>
           </a:xfrm>
           <a:prstGeom prst="rect">
             <a:avLst/>
@@ -5333,12 +8613,28 @@
             <a:noFill/>
           </a:ln>
         </p:spPr>
+        <p:style>
+          <a:lnRef idx="0"/>
+          <a:fillRef idx="0"/>
+          <a:effectRef idx="0"/>
+          <a:fontRef idx="minor"/>
+        </p:style>
         <p:txBody>
           <a:bodyPr lIns="0" rIns="0" tIns="0" bIns="0" anchor="ctr">
             <a:noAutofit/>
           </a:bodyPr>
           <a:p>
-            <a:pPr algn="ctr"/>
+            <a:pPr algn="ctr">
+              <a:lnSpc>
+                <a:spcPct val="100000"/>
+              </a:lnSpc>
+            </a:pPr>
+            <a:r>
+              <a:rPr b="0" lang="en-US" sz="4400" spc="-1" strike="noStrike">
+                <a:latin typeface="Arial"/>
+              </a:rPr>
+              <a:t>Prediction Models</a:t>
+            </a:r>
             <a:endParaRPr b="0" lang="en-US" sz="4400" spc="-1" strike="noStrike">
               <a:latin typeface="Arial"/>
             </a:endParaRPr>
@@ -5347,14 +8643,14 @@
       </p:sp>
       <p:sp>
         <p:nvSpPr>
-          <p:cNvPr id="124" name="TextShape 4"/>
-          <p:cNvSpPr txBox="1"/>
+          <p:cNvPr id="206" name="CustomShape 4"/>
+          <p:cNvSpPr/>
           <p:nvPr/>
         </p:nvSpPr>
         <p:spPr>
           <a:xfrm>
             <a:off x="504000" y="1768680"/>
-            <a:ext cx="9072000" cy="4384080"/>
+            <a:ext cx="9071640" cy="4383720"/>
           </a:xfrm>
           <a:prstGeom prst="rect">
             <a:avLst/>
@@ -5364,12 +8660,87 @@
             <a:noFill/>
           </a:ln>
         </p:spPr>
-        <p:txBody>
-          <a:bodyPr lIns="0" rIns="0" tIns="0" bIns="0" anchor="ctr">
-            <a:noAutofit/>
-          </a:bodyPr>
-          <a:p>
-            <a:pPr algn="ctr"/>
+        <p:style>
+          <a:lnRef idx="0"/>
+          <a:fillRef idx="0"/>
+          <a:effectRef idx="0"/>
+          <a:fontRef idx="minor"/>
+        </p:style>
+        <p:txBody>
+          <a:bodyPr lIns="0" rIns="0" tIns="0" bIns="0">
+            <a:normAutofit/>
+          </a:bodyPr>
+          <a:p>
+            <a:pPr marL="432000" indent="-323640">
+              <a:lnSpc>
+                <a:spcPct val="100000"/>
+              </a:lnSpc>
+              <a:spcBef>
+                <a:spcPts val="1417"/>
+              </a:spcBef>
+              <a:buClr>
+                <a:srgbClr val="000000"/>
+              </a:buClr>
+              <a:buSzPct val="45000"/>
+              <a:buFont typeface="Wingdings" charset="2"/>
+              <a:buChar char=""/>
+            </a:pPr>
+            <a:r>
+              <a:rPr b="0" lang="en-US" sz="3200" spc="-1" strike="noStrike">
+                <a:latin typeface="Arial"/>
+              </a:rPr>
+              <a:t>Linear Regression</a:t>
+            </a:r>
+            <a:endParaRPr b="0" lang="en-US" sz="3200" spc="-1" strike="noStrike">
+              <a:latin typeface="Arial"/>
+            </a:endParaRPr>
+          </a:p>
+          <a:p>
+            <a:pPr marL="432000" indent="-323640">
+              <a:lnSpc>
+                <a:spcPct val="100000"/>
+              </a:lnSpc>
+              <a:spcBef>
+                <a:spcPts val="1417"/>
+              </a:spcBef>
+              <a:buClr>
+                <a:srgbClr val="000000"/>
+              </a:buClr>
+              <a:buSzPct val="45000"/>
+              <a:buFont typeface="Wingdings" charset="2"/>
+              <a:buChar char=""/>
+            </a:pPr>
+            <a:r>
+              <a:rPr b="0" lang="en-US" sz="3200" spc="-1" strike="noStrike">
+                <a:latin typeface="Arial"/>
+              </a:rPr>
+              <a:t>Gradient Boosting</a:t>
+            </a:r>
+            <a:endParaRPr b="0" lang="en-US" sz="3200" spc="-1" strike="noStrike">
+              <a:latin typeface="Arial"/>
+            </a:endParaRPr>
+          </a:p>
+          <a:p>
+            <a:pPr marL="432000" indent="-323640">
+              <a:lnSpc>
+                <a:spcPct val="100000"/>
+              </a:lnSpc>
+              <a:spcBef>
+                <a:spcPts val="1417"/>
+              </a:spcBef>
+              <a:buClr>
+                <a:srgbClr val="000000"/>
+              </a:buClr>
+              <a:buSzPct val="45000"/>
+              <a:buFont typeface="Wingdings" charset="2"/>
+              <a:buChar char=""/>
+            </a:pPr>
+            <a:r>
+              <a:rPr b="0" lang="en-US" sz="3200" spc="-1" strike="noStrike">
+                <a:latin typeface="Arial"/>
+              </a:rPr>
+              <a:t>Random Forests</a:t>
+            </a:r>
             <a:endParaRPr b="0" lang="en-US" sz="3200" spc="-1" strike="noStrike">
               <a:latin typeface="Arial"/>
             </a:endParaRPr>
@@ -5408,14 +8779,14 @@
       </p:grpSpPr>
       <p:sp>
         <p:nvSpPr>
-          <p:cNvPr id="125" name="CustomShape 1"/>
+          <p:cNvPr id="207" name="CustomShape 1"/>
           <p:cNvSpPr/>
           <p:nvPr/>
         </p:nvSpPr>
         <p:spPr>
           <a:xfrm>
             <a:off x="359640" y="300960"/>
-            <a:ext cx="9358560" cy="957240"/>
+            <a:ext cx="9358200" cy="956880"/>
           </a:xfrm>
           <a:prstGeom prst="rect">
             <a:avLst/>
@@ -5449,7 +8820,7 @@
                 <a:latin typeface="Noto Sans Black"/>
                 <a:ea typeface="DejaVu Sans"/>
               </a:rPr>
-              <a:t>Model Analysis</a:t>
+              <a:t>Feature Importance After Modeling</a:t>
             </a:r>
             <a:endParaRPr b="0" lang="en-US" sz="3600" spc="-1" strike="noStrike">
               <a:latin typeface="Arial"/>
@@ -5459,14 +8830,14 @@
       </p:sp>
       <p:sp>
         <p:nvSpPr>
-          <p:cNvPr id="126" name="CustomShape 2"/>
+          <p:cNvPr id="208" name="CustomShape 2"/>
           <p:cNvSpPr/>
           <p:nvPr/>
         </p:nvSpPr>
         <p:spPr>
           <a:xfrm>
             <a:off x="359640" y="1979280"/>
-            <a:ext cx="9358560" cy="5039280"/>
+            <a:ext cx="9358200" cy="5038920"/>
           </a:xfrm>
           <a:prstGeom prst="rect">
             <a:avLst/>
@@ -5483,140 +8854,29 @@
           <a:fontRef idx="minor"/>
         </p:style>
       </p:sp>
-      <p:sp>
-        <p:nvSpPr>
-          <p:cNvPr id="127" name="TextShape 3"/>
-          <p:cNvSpPr txBox="1"/>
+      <p:pic>
+        <p:nvPicPr>
+          <p:cNvPr id="209" name="" descr=""/>
+          <p:cNvPicPr/>
           <p:nvPr/>
-        </p:nvSpPr>
-        <p:spPr>
-          <a:xfrm>
-            <a:off x="504000" y="301320"/>
-            <a:ext cx="9072000" cy="1261800"/>
-          </a:xfrm>
-          <a:prstGeom prst="rect">
-            <a:avLst/>
-          </a:prstGeom>
-          <a:noFill/>
+        </p:nvPicPr>
+        <p:blipFill>
+          <a:blip r:embed="rId1"/>
+          <a:stretch/>
+        </p:blipFill>
+        <p:spPr>
+          <a:xfrm>
+            <a:off x="-21240" y="1828800"/>
+            <a:ext cx="10078560" cy="5152680"/>
+          </a:xfrm>
+          <a:prstGeom prst="rect">
+            <a:avLst/>
+          </a:prstGeom>
           <a:ln>
             <a:noFill/>
           </a:ln>
         </p:spPr>
-        <p:txBody>
-          <a:bodyPr lIns="0" rIns="0" tIns="0" bIns="0" anchor="ctr">
-            <a:noAutofit/>
-          </a:bodyPr>
-          <a:p>
-            <a:pPr algn="ctr"/>
-            <a:r>
-              <a:rPr b="0" lang="en-US" sz="4400" spc="-1" strike="noStrike">
-                <a:latin typeface="Arial"/>
-              </a:rPr>
-              <a:t>Prediction </a:t>
-            </a:r>
-            <a:r>
-              <a:rPr b="0" lang="en-US" sz="4400" spc="-1" strike="noStrike">
-                <a:latin typeface="Arial"/>
-              </a:rPr>
-              <a:t>Models</a:t>
-            </a:r>
-            <a:endParaRPr b="0" lang="en-US" sz="4400" spc="-1" strike="noStrike">
-              <a:latin typeface="Arial"/>
-            </a:endParaRPr>
-          </a:p>
-        </p:txBody>
-      </p:sp>
-      <p:sp>
-        <p:nvSpPr>
-          <p:cNvPr id="128" name="TextShape 4"/>
-          <p:cNvSpPr txBox="1"/>
-          <p:nvPr/>
-        </p:nvSpPr>
-        <p:spPr>
-          <a:xfrm>
-            <a:off x="504000" y="1768680"/>
-            <a:ext cx="9072000" cy="4384080"/>
-          </a:xfrm>
-          <a:prstGeom prst="rect">
-            <a:avLst/>
-          </a:prstGeom>
-          <a:noFill/>
-          <a:ln>
-            <a:noFill/>
-          </a:ln>
-        </p:spPr>
-        <p:txBody>
-          <a:bodyPr lIns="0" rIns="0" tIns="0" bIns="0">
-            <a:normAutofit/>
-          </a:bodyPr>
-          <a:p>
-            <a:pPr marL="432000" indent="-324000">
-              <a:spcBef>
-                <a:spcPts val="1417"/>
-              </a:spcBef>
-              <a:buClr>
-                <a:srgbClr val="000000"/>
-              </a:buClr>
-              <a:buSzPct val="45000"/>
-              <a:buFont typeface="Wingdings" charset="2"/>
-              <a:buChar char=""/>
-            </a:pPr>
-            <a:r>
-              <a:rPr b="0" lang="en-US" sz="3200" spc="-1" strike="noStrike">
-                <a:latin typeface="Arial"/>
-              </a:rPr>
-              <a:t>Linear Regression</a:t>
-            </a:r>
-            <a:endParaRPr b="0" lang="en-US" sz="3200" spc="-1" strike="noStrike">
-              <a:latin typeface="Arial"/>
-            </a:endParaRPr>
-          </a:p>
-          <a:p>
-            <a:pPr marL="432000" indent="-324000">
-              <a:spcBef>
-                <a:spcPts val="1417"/>
-              </a:spcBef>
-              <a:buClr>
-                <a:srgbClr val="000000"/>
-              </a:buClr>
-              <a:buSzPct val="45000"/>
-              <a:buFont typeface="Wingdings" charset="2"/>
-              <a:buChar char=""/>
-            </a:pPr>
-            <a:r>
-              <a:rPr b="0" lang="en-US" sz="3200" spc="-1" strike="noStrike">
-                <a:latin typeface="Arial"/>
-              </a:rPr>
-              <a:t>Gradient Boosting</a:t>
-            </a:r>
-            <a:endParaRPr b="0" lang="en-US" sz="3200" spc="-1" strike="noStrike">
-              <a:latin typeface="Arial"/>
-            </a:endParaRPr>
-          </a:p>
-          <a:p>
-            <a:pPr marL="432000" indent="-324000">
-              <a:spcBef>
-                <a:spcPts val="1417"/>
-              </a:spcBef>
-              <a:buClr>
-                <a:srgbClr val="000000"/>
-              </a:buClr>
-              <a:buSzPct val="45000"/>
-              <a:buFont typeface="Wingdings" charset="2"/>
-              <a:buChar char=""/>
-            </a:pPr>
-            <a:r>
-              <a:rPr b="0" lang="en-US" sz="3200" spc="-1" strike="noStrike">
-                <a:latin typeface="Arial"/>
-              </a:rPr>
-              <a:t>Random Forests</a:t>
-            </a:r>
-            <a:endParaRPr b="0" lang="en-US" sz="3200" spc="-1" strike="noStrike">
-              <a:latin typeface="Arial"/>
-            </a:endParaRPr>
-          </a:p>
-        </p:txBody>
-      </p:sp>
+      </p:pic>
     </p:spTree>
   </p:cSld>
   <mc:AlternateContent>
@@ -5649,14 +8909,14 @@
       </p:grpSpPr>
       <p:sp>
         <p:nvSpPr>
-          <p:cNvPr id="129" name="CustomShape 1"/>
+          <p:cNvPr id="210" name="CustomShape 1"/>
           <p:cNvSpPr/>
           <p:nvPr/>
         </p:nvSpPr>
         <p:spPr>
           <a:xfrm>
             <a:off x="359640" y="300960"/>
-            <a:ext cx="9358560" cy="957240"/>
+            <a:ext cx="9358200" cy="956880"/>
           </a:xfrm>
           <a:prstGeom prst="rect">
             <a:avLst/>
@@ -5690,7 +8950,7 @@
                 <a:latin typeface="Noto Sans Black"/>
                 <a:ea typeface="DejaVu Sans"/>
               </a:rPr>
-              <a:t>Feature Importance After Modeling</a:t>
+              <a:t>Plotting Training Data Prediction</a:t>
             </a:r>
             <a:endParaRPr b="0" lang="en-US" sz="3600" spc="-1" strike="noStrike">
               <a:latin typeface="Arial"/>
@@ -5700,14 +8960,14 @@
       </p:sp>
       <p:sp>
         <p:nvSpPr>
-          <p:cNvPr id="130" name="CustomShape 2"/>
+          <p:cNvPr id="211" name="CustomShape 2"/>
           <p:cNvSpPr/>
           <p:nvPr/>
         </p:nvSpPr>
         <p:spPr>
           <a:xfrm>
             <a:off x="359640" y="1979280"/>
-            <a:ext cx="9358560" cy="5039280"/>
+            <a:ext cx="9358200" cy="5038920"/>
           </a:xfrm>
           <a:prstGeom prst="rect">
             <a:avLst/>
@@ -5726,7 +8986,7 @@
       </p:sp>
       <p:pic>
         <p:nvPicPr>
-          <p:cNvPr id="131" name="" descr=""/>
+          <p:cNvPr id="212" name="" descr=""/>
           <p:cNvPicPr/>
           <p:nvPr/>
         </p:nvPicPr>
@@ -5736,8 +8996,8 @@
         </p:blipFill>
         <p:spPr>
           <a:xfrm>
-            <a:off x="-21240" y="1828800"/>
-            <a:ext cx="10078920" cy="5153040"/>
+            <a:off x="457560" y="1518480"/>
+            <a:ext cx="9142920" cy="5796000"/>
           </a:xfrm>
           <a:prstGeom prst="rect">
             <a:avLst/>
@@ -5779,14 +9039,14 @@
       </p:grpSpPr>
       <p:sp>
         <p:nvSpPr>
-          <p:cNvPr id="132" name="CustomShape 1"/>
+          <p:cNvPr id="213" name="CustomShape 1"/>
           <p:cNvSpPr/>
           <p:nvPr/>
         </p:nvSpPr>
         <p:spPr>
           <a:xfrm>
             <a:off x="359640" y="300960"/>
-            <a:ext cx="9358560" cy="957240"/>
+            <a:ext cx="9358200" cy="956880"/>
           </a:xfrm>
           <a:prstGeom prst="rect">
             <a:avLst/>
@@ -5802,42 +9062,17 @@
           <a:effectRef idx="0"/>
           <a:fontRef idx="minor"/>
         </p:style>
-        <p:txBody>
-          <a:bodyPr lIns="0" rIns="0" tIns="0" bIns="0" anchor="ctr">
-            <a:noAutofit/>
-          </a:bodyPr>
-          <a:p>
-            <a:pPr>
-              <a:lnSpc>
-                <a:spcPct val="100000"/>
-              </a:lnSpc>
-            </a:pPr>
-            <a:r>
-              <a:rPr b="1" lang="en-US" sz="3600" spc="-1" strike="noStrike">
-                <a:solidFill>
-                  <a:srgbClr val="ffffff"/>
-                </a:solidFill>
-                <a:latin typeface="Noto Sans Black"/>
-                <a:ea typeface="DejaVu Sans"/>
-              </a:rPr>
-              <a:t>Plotting Training Data Prediction</a:t>
-            </a:r>
-            <a:endParaRPr b="0" lang="en-US" sz="3600" spc="-1" strike="noStrike">
-              <a:latin typeface="Arial"/>
-            </a:endParaRPr>
-          </a:p>
-        </p:txBody>
-      </p:sp>
-      <p:sp>
-        <p:nvSpPr>
-          <p:cNvPr id="133" name="CustomShape 2"/>
+      </p:sp>
+      <p:sp>
+        <p:nvSpPr>
+          <p:cNvPr id="214" name="CustomShape 2"/>
           <p:cNvSpPr/>
           <p:nvPr/>
         </p:nvSpPr>
         <p:spPr>
           <a:xfrm>
             <a:off x="359640" y="1979280"/>
-            <a:ext cx="9358560" cy="5039280"/>
+            <a:ext cx="9358200" cy="5038920"/>
           </a:xfrm>
           <a:prstGeom prst="rect">
             <a:avLst/>
@@ -5856,7 +9091,7 @@
       </p:sp>
       <p:pic>
         <p:nvPicPr>
-          <p:cNvPr id="134" name="" descr=""/>
+          <p:cNvPr id="215" name="" descr=""/>
           <p:cNvPicPr/>
           <p:nvPr/>
         </p:nvPicPr>
@@ -5866,8 +9101,8 @@
         </p:blipFill>
         <p:spPr>
           <a:xfrm>
-            <a:off x="457560" y="1518480"/>
-            <a:ext cx="9143280" cy="5796360"/>
+            <a:off x="640440" y="1645920"/>
+            <a:ext cx="9142920" cy="5796000"/>
           </a:xfrm>
           <a:prstGeom prst="rect">
             <a:avLst/>
@@ -5907,61 +9142,9 @@
           <a:chExt cx="0" cy="0"/>
         </a:xfrm>
       </p:grpSpPr>
-      <p:sp>
-        <p:nvSpPr>
-          <p:cNvPr id="135" name="CustomShape 1"/>
-          <p:cNvSpPr/>
-          <p:nvPr/>
-        </p:nvSpPr>
-        <p:spPr>
-          <a:xfrm>
-            <a:off x="359640" y="300960"/>
-            <a:ext cx="9358560" cy="957240"/>
-          </a:xfrm>
-          <a:prstGeom prst="rect">
-            <a:avLst/>
-          </a:prstGeom>
-          <a:noFill/>
-          <a:ln>
-            <a:noFill/>
-          </a:ln>
-        </p:spPr>
-        <p:style>
-          <a:lnRef idx="0"/>
-          <a:fillRef idx="0"/>
-          <a:effectRef idx="0"/>
-          <a:fontRef idx="minor"/>
-        </p:style>
-      </p:sp>
-      <p:sp>
-        <p:nvSpPr>
-          <p:cNvPr id="136" name="CustomShape 2"/>
-          <p:cNvSpPr/>
-          <p:nvPr/>
-        </p:nvSpPr>
-        <p:spPr>
-          <a:xfrm>
-            <a:off x="359640" y="1979280"/>
-            <a:ext cx="9358560" cy="5039280"/>
-          </a:xfrm>
-          <a:prstGeom prst="rect">
-            <a:avLst/>
-          </a:prstGeom>
-          <a:noFill/>
-          <a:ln>
-            <a:noFill/>
-          </a:ln>
-        </p:spPr>
-        <p:style>
-          <a:lnRef idx="0"/>
-          <a:fillRef idx="0"/>
-          <a:effectRef idx="0"/>
-          <a:fontRef idx="minor"/>
-        </p:style>
-      </p:sp>
       <p:pic>
         <p:nvPicPr>
-          <p:cNvPr id="137" name="" descr=""/>
+          <p:cNvPr id="216" name="" descr=""/>
           <p:cNvPicPr/>
           <p:nvPr/>
         </p:nvPicPr>
@@ -5971,8 +9154,8 @@
         </p:blipFill>
         <p:spPr>
           <a:xfrm>
-            <a:off x="640440" y="1645920"/>
-            <a:ext cx="9143280" cy="5796360"/>
+            <a:off x="183240" y="1609920"/>
+            <a:ext cx="9142920" cy="5796000"/>
           </a:xfrm>
           <a:prstGeom prst="rect">
             <a:avLst/>
@@ -6012,69 +9195,16 @@
           <a:chExt cx="0" cy="0"/>
         </a:xfrm>
       </p:grpSpPr>
-      <p:pic>
-        <p:nvPicPr>
-          <p:cNvPr id="138" name="" descr=""/>
-          <p:cNvPicPr/>
+      <p:sp>
+        <p:nvSpPr>
+          <p:cNvPr id="217" name="CustomShape 1"/>
+          <p:cNvSpPr/>
           <p:nvPr/>
-        </p:nvPicPr>
-        <p:blipFill>
-          <a:blip r:embed="rId1"/>
-          <a:stretch/>
-        </p:blipFill>
-        <p:spPr>
-          <a:xfrm>
-            <a:off x="183240" y="1609920"/>
-            <a:ext cx="9143280" cy="5796360"/>
-          </a:xfrm>
-          <a:prstGeom prst="rect">
-            <a:avLst/>
-          </a:prstGeom>
-          <a:ln>
-            <a:noFill/>
-          </a:ln>
-        </p:spPr>
-      </p:pic>
-    </p:spTree>
-  </p:cSld>
-  <mc:AlternateContent>
-    <mc:Choice Requires="p14">
-      <p:transition spd="slow" p14:dur="2000"/>
-    </mc:Choice>
-    <mc:Fallback>
-      <p:transition spd="slow"/>
-    </mc:Fallback>
-  </mc:AlternateContent>
-</p:sld>
-</file>
-
-<file path=ppt/slides/slide8.xml><?xml version="1.0" encoding="utf-8"?>
-<p:sld xmlns:a="http://schemas.openxmlformats.org/drawingml/2006/main" xmlns:p="http://schemas.openxmlformats.org/presentationml/2006/main" xmlns:r="http://schemas.openxmlformats.org/officeDocument/2006/relationships" xmlns:p14="http://schemas.microsoft.com/office/powerpoint/2010/main" xmlns:p15="http://schemas.microsoft.com/office/powerpoint/2012/main" xmlns:mc="http://schemas.openxmlformats.org/markup-compatibility/2006">
-  <p:cSld>
-    <p:spTree>
-      <p:nvGrpSpPr>
-        <p:cNvPr id="1" name=""/>
-        <p:cNvGrpSpPr/>
-        <p:nvPr/>
-      </p:nvGrpSpPr>
-      <p:grpSpPr>
-        <a:xfrm>
-          <a:off x="0" y="0"/>
-          <a:ext cx="0" cy="0"/>
-          <a:chOff x="0" y="0"/>
-          <a:chExt cx="0" cy="0"/>
-        </a:xfrm>
-      </p:grpSpPr>
-      <p:sp>
-        <p:nvSpPr>
-          <p:cNvPr id="139" name="TextShape 1"/>
-          <p:cNvSpPr txBox="1"/>
-          <p:nvPr/>
         </p:nvSpPr>
         <p:spPr>
           <a:xfrm>
             <a:off x="504000" y="301320"/>
-            <a:ext cx="9072000" cy="1261800"/>
+            <a:ext cx="9071640" cy="1261440"/>
           </a:xfrm>
           <a:prstGeom prst="rect">
             <a:avLst/>
@@ -6084,28 +9214,23 @@
             <a:noFill/>
           </a:ln>
         </p:spPr>
-        <p:txBody>
-          <a:bodyPr lIns="0" rIns="0" tIns="0" bIns="0" anchor="ctr">
-            <a:noAutofit/>
-          </a:bodyPr>
-          <a:p>
-            <a:pPr algn="ctr"/>
-            <a:endParaRPr b="0" lang="en-US" sz="4400" spc="-1" strike="noStrike">
-              <a:latin typeface="Arial"/>
-            </a:endParaRPr>
-          </a:p>
-        </p:txBody>
-      </p:sp>
-      <p:sp>
-        <p:nvSpPr>
-          <p:cNvPr id="140" name="TextShape 2"/>
-          <p:cNvSpPr txBox="1"/>
+        <p:style>
+          <a:lnRef idx="0"/>
+          <a:fillRef idx="0"/>
+          <a:effectRef idx="0"/>
+          <a:fontRef idx="minor"/>
+        </p:style>
+      </p:sp>
+      <p:sp>
+        <p:nvSpPr>
+          <p:cNvPr id="218" name="CustomShape 2"/>
+          <p:cNvSpPr/>
           <p:nvPr/>
         </p:nvSpPr>
         <p:spPr>
           <a:xfrm>
             <a:off x="504000" y="1768680"/>
-            <a:ext cx="9072000" cy="4384080"/>
+            <a:ext cx="9071640" cy="4383720"/>
           </a:xfrm>
           <a:prstGeom prst="rect">
             <a:avLst/>
@@ -6115,12 +9240,21 @@
             <a:noFill/>
           </a:ln>
         </p:spPr>
-        <p:txBody>
-          <a:bodyPr lIns="0" rIns="0" tIns="0" bIns="0">
-            <a:normAutofit/>
-          </a:bodyPr>
-          <a:p>
-            <a:pPr marL="432000" indent="-324000">
+        <p:style>
+          <a:lnRef idx="0"/>
+          <a:fillRef idx="0"/>
+          <a:effectRef idx="0"/>
+          <a:fontRef idx="minor"/>
+        </p:style>
+        <p:txBody>
+          <a:bodyPr lIns="0" rIns="0" tIns="0" bIns="0">
+            <a:normAutofit/>
+          </a:bodyPr>
+          <a:p>
+            <a:pPr marL="432000" indent="-323640">
+              <a:lnSpc>
+                <a:spcPct val="100000"/>
+              </a:lnSpc>
               <a:spcBef>
                 <a:spcPts val="1417"/>
               </a:spcBef>
@@ -6142,7 +9276,10 @@
             </a:endParaRPr>
           </a:p>
           <a:p>
-            <a:pPr marL="432000" indent="-324000">
+            <a:pPr marL="432000" indent="-323640">
+              <a:lnSpc>
+                <a:spcPct val="100000"/>
+              </a:lnSpc>
               <a:spcBef>
                 <a:spcPts val="1417"/>
               </a:spcBef>
@@ -6167,13 +9304,13 @@
       </p:sp>
       <p:graphicFrame>
         <p:nvGraphicFramePr>
-          <p:cNvPr id="141" name="Table 3"/>
+          <p:cNvPr id="219" name="Table 3"/>
           <p:cNvGraphicFramePr/>
           <p:nvPr/>
         </p:nvGraphicFramePr>
         <p:xfrm>
           <a:off x="1188720" y="2468880"/>
-          <a:ext cx="7680600" cy="3147480"/>
+          <a:ext cx="7680240" cy="3147120"/>
         </p:xfrm>
         <a:graphic>
           <a:graphicData uri="http://schemas.openxmlformats.org/drawingml/2006/table">
@@ -6214,10 +9351,15 @@
                 </a:tc>
                 <a:tc>
                   <a:txBody>
-                    <a:bodyPr lIns="90000" rIns="90000" tIns="46800" bIns="46800">
+                    <a:bodyPr lIns="90000" rIns="90000">
                       <a:noAutofit/>
                     </a:bodyPr>
                     <a:p>
+                      <a:pPr>
+                        <a:lnSpc>
+                          <a:spcPct val="100000"/>
+                        </a:lnSpc>
+                      </a:pPr>
                       <a:r>
                         <a:rPr b="0" lang="en-US" sz="1800" spc="-1" strike="noStrike">
                           <a:latin typeface="Arial"/>
@@ -6257,10 +9399,15 @@
                 </a:tc>
                 <a:tc>
                   <a:txBody>
-                    <a:bodyPr lIns="90000" rIns="90000" tIns="46800" bIns="46800">
+                    <a:bodyPr lIns="90000" rIns="90000">
                       <a:noAutofit/>
                     </a:bodyPr>
                     <a:p>
+                      <a:pPr>
+                        <a:lnSpc>
+                          <a:spcPct val="100000"/>
+                        </a:lnSpc>
+                      </a:pPr>
                       <a:r>
                         <a:rPr b="0" lang="en-US" sz="1800" spc="-1" strike="noStrike">
                           <a:latin typeface="Arial"/>
@@ -6302,10 +9449,15 @@
               <a:tr h="629280">
                 <a:tc>
                   <a:txBody>
-                    <a:bodyPr lIns="90000" rIns="90000" tIns="46800" bIns="46800">
+                    <a:bodyPr lIns="90000" rIns="90000">
                       <a:noAutofit/>
                     </a:bodyPr>
                     <a:p>
+                      <a:pPr>
+                        <a:lnSpc>
+                          <a:spcPct val="100000"/>
+                        </a:lnSpc>
+                      </a:pPr>
                       <a:r>
                         <a:rPr b="0" lang="en-US" sz="1800" spc="-1" strike="noStrike">
                           <a:latin typeface="Arial"/>
@@ -6345,10 +9497,15 @@
                 </a:tc>
                 <a:tc>
                   <a:txBody>
-                    <a:bodyPr lIns="90000" rIns="90000" tIns="46800" bIns="46800">
+                    <a:bodyPr lIns="90000" rIns="90000">
                       <a:noAutofit/>
                     </a:bodyPr>
                     <a:p>
+                      <a:pPr>
+                        <a:lnSpc>
+                          <a:spcPct val="100000"/>
+                        </a:lnSpc>
+                      </a:pPr>
                       <a:r>
                         <a:rPr b="0" lang="en-US" sz="1800" spc="-1" strike="noStrike">
                           <a:latin typeface="Arial"/>
@@ -6388,10 +9545,15 @@
                 </a:tc>
                 <a:tc>
                   <a:txBody>
-                    <a:bodyPr lIns="90000" rIns="90000" tIns="46800" bIns="46800">
+                    <a:bodyPr lIns="90000" rIns="90000">
                       <a:noAutofit/>
                     </a:bodyPr>
                     <a:p>
+                      <a:pPr>
+                        <a:lnSpc>
+                          <a:spcPct val="100000"/>
+                        </a:lnSpc>
+                      </a:pPr>
                       <a:r>
                         <a:rPr b="0" lang="en-US" sz="1800" spc="-1" strike="noStrike">
                           <a:latin typeface="Arial"/>
@@ -6433,10 +9595,15 @@
               <a:tr h="629280">
                 <a:tc>
                   <a:txBody>
-                    <a:bodyPr lIns="90000" rIns="90000" tIns="46800" bIns="46800">
+                    <a:bodyPr lIns="90000" rIns="90000">
                       <a:noAutofit/>
                     </a:bodyPr>
                     <a:p>
+                      <a:pPr>
+                        <a:lnSpc>
+                          <a:spcPct val="100000"/>
+                        </a:lnSpc>
+                      </a:pPr>
                       <a:r>
                         <a:rPr b="0" lang="en-US" sz="1800" spc="-1" strike="noStrike">
                           <a:latin typeface="Arial"/>
@@ -6476,10 +9643,15 @@
                 </a:tc>
                 <a:tc>
                   <a:txBody>
-                    <a:bodyPr lIns="90000" rIns="90000" tIns="46800" bIns="46800">
+                    <a:bodyPr lIns="90000" rIns="90000">
                       <a:noAutofit/>
                     </a:bodyPr>
                     <a:p>
+                      <a:pPr>
+                        <a:lnSpc>
+                          <a:spcPct val="100000"/>
+                        </a:lnSpc>
+                      </a:pPr>
                       <a:r>
                         <a:rPr b="0" lang="en-US" sz="1800" spc="-1" strike="noStrike">
                           <a:latin typeface="Arial"/>
@@ -6519,10 +9691,15 @@
                 </a:tc>
                 <a:tc>
                   <a:txBody>
-                    <a:bodyPr lIns="90000" rIns="90000" tIns="46800" bIns="46800">
+                    <a:bodyPr lIns="90000" rIns="90000">
                       <a:noAutofit/>
                     </a:bodyPr>
                     <a:p>
+                      <a:pPr>
+                        <a:lnSpc>
+                          <a:spcPct val="100000"/>
+                        </a:lnSpc>
+                      </a:pPr>
                       <a:r>
                         <a:rPr b="0" lang="en-US" sz="1800" spc="-1" strike="noStrike">
                           <a:latin typeface="Arial"/>
@@ -6564,10 +9741,15 @@
               <a:tr h="629280">
                 <a:tc>
                   <a:txBody>
-                    <a:bodyPr lIns="90000" rIns="90000" tIns="46800" bIns="46800">
+                    <a:bodyPr lIns="90000" rIns="90000">
                       <a:noAutofit/>
                     </a:bodyPr>
                     <a:p>
+                      <a:pPr>
+                        <a:lnSpc>
+                          <a:spcPct val="100000"/>
+                        </a:lnSpc>
+                      </a:pPr>
                       <a:r>
                         <a:rPr b="0" lang="en-US" sz="1800" spc="-1" strike="noStrike">
                           <a:latin typeface="Arial"/>
@@ -6607,10 +9789,15 @@
                 </a:tc>
                 <a:tc>
                   <a:txBody>
-                    <a:bodyPr lIns="90000" rIns="90000" tIns="46800" bIns="46800">
+                    <a:bodyPr lIns="90000" rIns="90000">
                       <a:noAutofit/>
                     </a:bodyPr>
                     <a:p>
+                      <a:pPr>
+                        <a:lnSpc>
+                          <a:spcPct val="100000"/>
+                        </a:lnSpc>
+                      </a:pPr>
                       <a:r>
                         <a:rPr b="0" lang="en-US" sz="1800" spc="-1" strike="noStrike">
                           <a:latin typeface="Arial"/>
@@ -6650,10 +9837,15 @@
                 </a:tc>
                 <a:tc>
                   <a:txBody>
-                    <a:bodyPr lIns="90000" rIns="90000" tIns="46800" bIns="46800">
+                    <a:bodyPr lIns="90000" rIns="90000">
                       <a:noAutofit/>
                     </a:bodyPr>
                     <a:p>
+                      <a:pPr>
+                        <a:lnSpc>
+                          <a:spcPct val="100000"/>
+                        </a:lnSpc>
+                      </a:pPr>
                       <a:r>
                         <a:rPr b="0" lang="en-US" sz="1800" spc="-1" strike="noStrike">
                           <a:latin typeface="Arial"/>
@@ -6792,7 +9984,7 @@
 </p:sld>
 </file>
 
-<file path=ppt/slides/slide9.xml><?xml version="1.0" encoding="utf-8"?>
+<file path=ppt/slides/slide8.xml><?xml version="1.0" encoding="utf-8"?>
 <p:sld xmlns:a="http://schemas.openxmlformats.org/drawingml/2006/main" xmlns:p="http://schemas.openxmlformats.org/presentationml/2006/main" xmlns:r="http://schemas.openxmlformats.org/officeDocument/2006/relationships" xmlns:p14="http://schemas.microsoft.com/office/powerpoint/2010/main" xmlns:p15="http://schemas.microsoft.com/office/powerpoint/2012/main" xmlns:mc="http://schemas.openxmlformats.org/markup-compatibility/2006">
   <p:cSld>
     <p:spTree>
@@ -6811,14 +10003,14 @@
       </p:grpSpPr>
       <p:sp>
         <p:nvSpPr>
-          <p:cNvPr id="142" name="TextShape 1"/>
-          <p:cNvSpPr txBox="1"/>
+          <p:cNvPr id="220" name="CustomShape 1"/>
+          <p:cNvSpPr/>
           <p:nvPr/>
         </p:nvSpPr>
         <p:spPr>
           <a:xfrm>
             <a:off x="504000" y="301320"/>
-            <a:ext cx="9072000" cy="1261800"/>
+            <a:ext cx="9071640" cy="1261440"/>
           </a:xfrm>
           <a:prstGeom prst="rect">
             <a:avLst/>
@@ -6828,29 +10020,27 @@
             <a:noFill/>
           </a:ln>
         </p:spPr>
+        <p:style>
+          <a:lnRef idx="0"/>
+          <a:fillRef idx="0"/>
+          <a:effectRef idx="0"/>
+          <a:fontRef idx="minor"/>
+        </p:style>
         <p:txBody>
           <a:bodyPr lIns="0" rIns="0" tIns="0" bIns="0" anchor="ctr">
             <a:noAutofit/>
           </a:bodyPr>
           <a:p>
-            <a:pPr algn="ctr"/>
+            <a:pPr algn="ctr">
+              <a:lnSpc>
+                <a:spcPct val="100000"/>
+              </a:lnSpc>
+            </a:pPr>
             <a:r>
               <a:rPr b="0" lang="en-US" sz="4400" spc="-1" strike="noStrike">
                 <a:latin typeface="Arial"/>
               </a:rPr>
-              <a:t>Selected </a:t>
-            </a:r>
-            <a:r>
-              <a:rPr b="0" lang="en-US" sz="4400" spc="-1" strike="noStrike">
-                <a:latin typeface="Arial"/>
-              </a:rPr>
-              <a:t>Model </a:t>
-            </a:r>
-            <a:r>
-              <a:rPr b="0" lang="en-US" sz="4400" spc="-1" strike="noStrike">
-                <a:latin typeface="Arial"/>
-              </a:rPr>
-              <a:t>Metrics</a:t>
+              <a:t>Selected Model Metrics</a:t>
             </a:r>
             <a:endParaRPr b="0" lang="en-US" sz="4400" spc="-1" strike="noStrike">
               <a:latin typeface="Arial"/>
@@ -6860,14 +10050,14 @@
       </p:sp>
       <p:sp>
         <p:nvSpPr>
-          <p:cNvPr id="143" name="TextShape 2"/>
-          <p:cNvSpPr txBox="1"/>
+          <p:cNvPr id="221" name="CustomShape 2"/>
+          <p:cNvSpPr/>
           <p:nvPr/>
         </p:nvSpPr>
         <p:spPr>
           <a:xfrm>
             <a:off x="504000" y="1768680"/>
-            <a:ext cx="9072000" cy="4384080"/>
+            <a:ext cx="9071640" cy="4383720"/>
           </a:xfrm>
           <a:prstGeom prst="rect">
             <a:avLst/>
@@ -6877,12 +10067,21 @@
             <a:noFill/>
           </a:ln>
         </p:spPr>
-        <p:txBody>
-          <a:bodyPr lIns="0" rIns="0" tIns="0" bIns="0">
-            <a:normAutofit/>
-          </a:bodyPr>
-          <a:p>
-            <a:pPr marL="432000" indent="-324000">
+        <p:style>
+          <a:lnRef idx="0"/>
+          <a:fillRef idx="0"/>
+          <a:effectRef idx="0"/>
+          <a:fontRef idx="minor"/>
+        </p:style>
+        <p:txBody>
+          <a:bodyPr lIns="0" rIns="0" tIns="0" bIns="0">
+            <a:normAutofit/>
+          </a:bodyPr>
+          <a:p>
+            <a:pPr marL="432000" indent="-323640">
+              <a:lnSpc>
+                <a:spcPct val="100000"/>
+              </a:lnSpc>
               <a:spcBef>
                 <a:spcPts val="1417"/>
               </a:spcBef>
@@ -6904,7 +10103,10 @@
             </a:endParaRPr>
           </a:p>
           <a:p>
-            <a:pPr marL="432000" indent="-324000">
+            <a:pPr marL="432000" indent="-323640">
+              <a:lnSpc>
+                <a:spcPct val="100000"/>
+              </a:lnSpc>
               <a:spcBef>
                 <a:spcPts val="1417"/>
               </a:spcBef>
@@ -6929,13 +10131,13 @@
       </p:sp>
       <p:graphicFrame>
         <p:nvGraphicFramePr>
-          <p:cNvPr id="144" name="Table 3"/>
+          <p:cNvPr id="222" name="Table 3"/>
           <p:cNvGraphicFramePr/>
           <p:nvPr/>
         </p:nvGraphicFramePr>
         <p:xfrm>
           <a:off x="1280160" y="3200400"/>
-          <a:ext cx="8138160" cy="2286000"/>
+          <a:ext cx="8137800" cy="2285640"/>
         </p:xfrm>
         <a:graphic>
           <a:graphicData uri="http://schemas.openxmlformats.org/drawingml/2006/table">
@@ -6948,10 +10150,15 @@
               <a:tr h="761760">
                 <a:tc>
                   <a:txBody>
-                    <a:bodyPr lIns="90000" rIns="90000" tIns="46800" bIns="46800">
+                    <a:bodyPr lIns="90000" rIns="90000">
                       <a:noAutofit/>
                     </a:bodyPr>
                     <a:p>
+                      <a:pPr>
+                        <a:lnSpc>
+                          <a:spcPct val="100000"/>
+                        </a:lnSpc>
+                      </a:pPr>
                       <a:r>
                         <a:rPr b="0" lang="en-US" sz="1800" spc="-1" strike="noStrike">
                           <a:latin typeface="Arial"/>
@@ -6991,10 +10198,15 @@
                 </a:tc>
                 <a:tc>
                   <a:txBody>
-                    <a:bodyPr lIns="90000" rIns="90000" tIns="46800" bIns="46800">
+                    <a:bodyPr lIns="90000" rIns="90000">
                       <a:noAutofit/>
                     </a:bodyPr>
                     <a:p>
+                      <a:pPr>
+                        <a:lnSpc>
+                          <a:spcPct val="100000"/>
+                        </a:lnSpc>
+                      </a:pPr>
                       <a:r>
                         <a:rPr b="0" lang="en-US" sz="1800" spc="-1" strike="noStrike">
                           <a:latin typeface="Arial"/>
@@ -7036,10 +10248,15 @@
               <a:tr h="761760">
                 <a:tc>
                   <a:txBody>
-                    <a:bodyPr lIns="90000" rIns="90000" tIns="46800" bIns="46800">
+                    <a:bodyPr lIns="90000" rIns="90000">
                       <a:noAutofit/>
                     </a:bodyPr>
                     <a:p>
+                      <a:pPr>
+                        <a:lnSpc>
+                          <a:spcPct val="100000"/>
+                        </a:lnSpc>
+                      </a:pPr>
                       <a:r>
                         <a:rPr b="0" lang="en-US" sz="1800" spc="-1" strike="noStrike">
                           <a:latin typeface="Arial"/>
@@ -7079,10 +10296,15 @@
                 </a:tc>
                 <a:tc>
                   <a:txBody>
-                    <a:bodyPr lIns="90000" rIns="90000" tIns="46800" bIns="46800">
+                    <a:bodyPr lIns="90000" rIns="90000">
                       <a:noAutofit/>
                     </a:bodyPr>
                     <a:p>
+                      <a:pPr>
+                        <a:lnSpc>
+                          <a:spcPct val="100000"/>
+                        </a:lnSpc>
+                      </a:pPr>
                       <a:r>
                         <a:rPr b="0" lang="en-US" sz="1800" spc="-1" strike="noStrike">
                           <a:latin typeface="Arial"/>
@@ -7124,10 +10346,15 @@
               <a:tr h="762480">
                 <a:tc>
                   <a:txBody>
-                    <a:bodyPr lIns="90000" rIns="90000" tIns="46800" bIns="46800">
+                    <a:bodyPr lIns="90000" rIns="90000">
                       <a:noAutofit/>
                     </a:bodyPr>
                     <a:p>
+                      <a:pPr>
+                        <a:lnSpc>
+                          <a:spcPct val="100000"/>
+                        </a:lnSpc>
+                      </a:pPr>
                       <a:r>
                         <a:rPr b="0" lang="en-US" sz="1800" spc="-1" strike="noStrike">
                           <a:latin typeface="Arial"/>
@@ -7167,10 +10394,15 @@
                 </a:tc>
                 <a:tc>
                   <a:txBody>
-                    <a:bodyPr lIns="90000" rIns="90000" tIns="46800" bIns="46800">
+                    <a:bodyPr lIns="90000" rIns="90000">
                       <a:noAutofit/>
                     </a:bodyPr>
                     <a:p>
+                      <a:pPr>
+                        <a:lnSpc>
+                          <a:spcPct val="100000"/>
+                        </a:lnSpc>
+                      </a:pPr>
                       <a:r>
                         <a:rPr b="0" lang="en-US" sz="1800" spc="-1" strike="noStrike">
                           <a:latin typeface="Arial"/>
@@ -7213,6 +10445,87 @@
           </a:graphicData>
         </a:graphic>
       </p:graphicFrame>
+    </p:spTree>
+  </p:cSld>
+  <mc:AlternateContent>
+    <mc:Choice Requires="p14">
+      <p:transition spd="slow" p14:dur="2000"/>
+    </mc:Choice>
+    <mc:Fallback>
+      <p:transition spd="slow"/>
+    </mc:Fallback>
+  </mc:AlternateContent>
+</p:sld>
+</file>
+
+<file path=ppt/slides/slide9.xml><?xml version="1.0" encoding="utf-8"?>
+<p:sld xmlns:a="http://schemas.openxmlformats.org/drawingml/2006/main" xmlns:p="http://schemas.openxmlformats.org/presentationml/2006/main" xmlns:r="http://schemas.openxmlformats.org/officeDocument/2006/relationships" xmlns:p14="http://schemas.microsoft.com/office/powerpoint/2010/main" xmlns:p15="http://schemas.microsoft.com/office/powerpoint/2012/main" xmlns:mc="http://schemas.openxmlformats.org/markup-compatibility/2006">
+  <p:cSld>
+    <p:spTree>
+      <p:nvGrpSpPr>
+        <p:cNvPr id="1" name=""/>
+        <p:cNvGrpSpPr/>
+        <p:nvPr/>
+      </p:nvGrpSpPr>
+      <p:grpSpPr>
+        <a:xfrm>
+          <a:off x="0" y="0"/>
+          <a:ext cx="0" cy="0"/>
+          <a:chOff x="0" y="0"/>
+          <a:chExt cx="0" cy="0"/>
+        </a:xfrm>
+      </p:grpSpPr>
+      <p:sp>
+        <p:nvSpPr>
+          <p:cNvPr id="223" name="CustomShape 1"/>
+          <p:cNvSpPr/>
+          <p:nvPr/>
+        </p:nvSpPr>
+        <p:spPr>
+          <a:xfrm>
+            <a:off x="2699280" y="2699280"/>
+            <a:ext cx="4678200" cy="2158560"/>
+          </a:xfrm>
+          <a:prstGeom prst="rect">
+            <a:avLst/>
+          </a:prstGeom>
+          <a:noFill/>
+          <a:ln>
+            <a:noFill/>
+          </a:ln>
+        </p:spPr>
+        <p:style>
+          <a:lnRef idx="0"/>
+          <a:fillRef idx="0"/>
+          <a:effectRef idx="0"/>
+          <a:fontRef idx="minor"/>
+        </p:style>
+        <p:txBody>
+          <a:bodyPr lIns="0" rIns="0" tIns="0" bIns="0" anchor="ctr" anchorCtr="1">
+            <a:noAutofit/>
+          </a:bodyPr>
+          <a:p>
+            <a:pPr algn="ctr">
+              <a:lnSpc>
+                <a:spcPct val="100000"/>
+              </a:lnSpc>
+            </a:pPr>
+            <a:r>
+              <a:rPr b="1" lang="en-US" sz="3600" spc="-1" strike="noStrike">
+                <a:solidFill>
+                  <a:srgbClr val="2c3e50"/>
+                </a:solidFill>
+                <a:latin typeface="Noto Sans Black"/>
+                <a:ea typeface="DejaVu Sans"/>
+              </a:rPr>
+              <a:t>Thank You That's All.</a:t>
+            </a:r>
+            <a:endParaRPr b="0" lang="en-US" sz="3600" spc="-1" strike="noStrike">
+              <a:latin typeface="Arial"/>
+            </a:endParaRPr>
+          </a:p>
+        </p:txBody>
+      </p:sp>
     </p:spTree>
   </p:cSld>
   <mc:AlternateContent>
@@ -7902,4 +11215,456 @@
     </a:fmtScheme>
   </a:themeElements>
 </a:theme>
+</file>
+
+<file path=ppt/theme/theme4.xml><?xml version="1.0" encoding="utf-8"?>
+<a:theme xmlns:a="http://schemas.openxmlformats.org/drawingml/2006/main" name="Office Theme">
+  <a:themeElements>
+    <a:clrScheme name="Office">
+      <a:dk1>
+        <a:sysClr val="windowText" lastClr="000000"/>
+      </a:dk1>
+      <a:lt1>
+        <a:sysClr val="window" lastClr="FFFFFF"/>
+      </a:lt1>
+      <a:dk2>
+        <a:srgbClr val="1f497d"/>
+      </a:dk2>
+      <a:lt2>
+        <a:srgbClr val="eeece1"/>
+      </a:lt2>
+      <a:accent1>
+        <a:srgbClr val="4f81bd"/>
+      </a:accent1>
+      <a:accent2>
+        <a:srgbClr val="c0504d"/>
+      </a:accent2>
+      <a:accent3>
+        <a:srgbClr val="9bbb59"/>
+      </a:accent3>
+      <a:accent4>
+        <a:srgbClr val="8064a2"/>
+      </a:accent4>
+      <a:accent5>
+        <a:srgbClr val="4bacc6"/>
+      </a:accent5>
+      <a:accent6>
+        <a:srgbClr val="f79646"/>
+      </a:accent6>
+      <a:hlink>
+        <a:srgbClr val="0000ff"/>
+      </a:hlink>
+      <a:folHlink>
+        <a:srgbClr val="800080"/>
+      </a:folHlink>
+    </a:clrScheme>
+    <a:fontScheme name="Office">
+      <a:majorFont>
+        <a:latin typeface="Arial"/>
+        <a:ea typeface="DejaVu Sans"/>
+        <a:cs typeface="DejaVu Sans"/>
+      </a:majorFont>
+      <a:minorFont>
+        <a:latin typeface="Arial"/>
+        <a:ea typeface="DejaVu Sans"/>
+        <a:cs typeface="DejaVu Sans"/>
+      </a:minorFont>
+    </a:fontScheme>
+    <a:fmtScheme name="Office">
+      <a:fillStyleLst>
+        <a:solidFill>
+          <a:schemeClr val="phClr"/>
+        </a:solidFill>
+        <a:gradFill rotWithShape="1">
+          <a:gsLst>
+            <a:gs pos="0">
+              <a:schemeClr val="phClr">
+                <a:tint val="50000"/>
+                <a:satMod val="300000"/>
+              </a:schemeClr>
+            </a:gs>
+            <a:gs pos="35000">
+              <a:schemeClr val="phClr">
+                <a:tint val="37000"/>
+                <a:satMod val="300000"/>
+              </a:schemeClr>
+            </a:gs>
+            <a:gs pos="100000">
+              <a:schemeClr val="phClr">
+                <a:tint val="15000"/>
+                <a:satMod val="350000"/>
+              </a:schemeClr>
+            </a:gs>
+          </a:gsLst>
+          <a:lin ang="16200000" scaled="1"/>
+        </a:gradFill>
+        <a:gradFill rotWithShape="1">
+          <a:gsLst>
+            <a:gs pos="0">
+              <a:schemeClr val="phClr">
+                <a:shade val="51000"/>
+                <a:satMod val="130000"/>
+              </a:schemeClr>
+            </a:gs>
+            <a:gs pos="80000">
+              <a:schemeClr val="phClr">
+                <a:shade val="93000"/>
+                <a:satMod val="130000"/>
+              </a:schemeClr>
+            </a:gs>
+            <a:gs pos="100000">
+              <a:schemeClr val="phClr">
+                <a:shade val="94000"/>
+                <a:satMod val="135000"/>
+              </a:schemeClr>
+            </a:gs>
+          </a:gsLst>
+          <a:lin ang="16200000" scaled="0"/>
+        </a:gradFill>
+      </a:fillStyleLst>
+      <a:lnStyleLst>
+        <a:ln w="9525" cap="flat" cmpd="sng" algn="ctr">
+          <a:solidFill>
+            <a:schemeClr val="phClr">
+              <a:shade val="95000"/>
+              <a:satMod val="105000"/>
+            </a:schemeClr>
+          </a:solidFill>
+          <a:prstDash val="solid"/>
+          <a:miter/>
+        </a:ln>
+        <a:ln w="25400" cap="flat" cmpd="sng" algn="ctr">
+          <a:solidFill>
+            <a:schemeClr val="phClr"/>
+          </a:solidFill>
+          <a:prstDash val="solid"/>
+          <a:miter/>
+        </a:ln>
+        <a:ln w="38100" cap="flat" cmpd="sng" algn="ctr">
+          <a:solidFill>
+            <a:schemeClr val="phClr"/>
+          </a:solidFill>
+          <a:prstDash val="solid"/>
+          <a:miter/>
+        </a:ln>
+      </a:lnStyleLst>
+      <a:effectStyleLst>
+        <a:effectStyle>
+          <a:effectLst>
+            <a:outerShdw blurRad="40000" dist="20000" dir="5400000" rotWithShape="0">
+              <a:srgbClr val="000000">
+                <a:alpha val="38000"/>
+              </a:srgbClr>
+            </a:outerShdw>
+          </a:effectLst>
+        </a:effectStyle>
+        <a:effectStyle>
+          <a:effectLst>
+            <a:outerShdw blurRad="40000" dist="23000" dir="5400000" rotWithShape="0">
+              <a:srgbClr val="000000">
+                <a:alpha val="35000"/>
+              </a:srgbClr>
+            </a:outerShdw>
+          </a:effectLst>
+        </a:effectStyle>
+        <a:effectStyle>
+          <a:effectLst>
+            <a:outerShdw blurRad="40000" dist="23000" dir="5400000" rotWithShape="0">
+              <a:srgbClr val="000000">
+                <a:alpha val="35000"/>
+              </a:srgbClr>
+            </a:outerShdw>
+          </a:effectLst>
+          <a:scene3d>
+            <a:camera prst="orthographicFront">
+              <a:rot lat="0" lon="0" rev="0"/>
+            </a:camera>
+            <a:lightRig rig="threePt" dir="t">
+              <a:rot lat="0" lon="0" rev="1200000"/>
+            </a:lightRig>
+          </a:scene3d>
+          <a:sp3d>
+            <a:bevelT w="63500" h="25400"/>
+          </a:sp3d>
+        </a:effectStyle>
+      </a:effectStyleLst>
+      <a:bgFillStyleLst>
+        <a:solidFill>
+          <a:schemeClr val="phClr"/>
+        </a:solidFill>
+        <a:gradFill rotWithShape="1">
+          <a:gsLst>
+            <a:gs pos="0">
+              <a:schemeClr val="phClr">
+                <a:tint val="40000"/>
+                <a:satMod val="350000"/>
+              </a:schemeClr>
+            </a:gs>
+            <a:gs pos="40000">
+              <a:schemeClr val="phClr">
+                <a:tint val="45000"/>
+                <a:shade val="99000"/>
+                <a:satMod val="350000"/>
+              </a:schemeClr>
+            </a:gs>
+            <a:gs pos="100000">
+              <a:schemeClr val="phClr">
+                <a:shade val="20000"/>
+                <a:satMod val="255000"/>
+              </a:schemeClr>
+            </a:gs>
+          </a:gsLst>
+          <a:path path="circle">
+            <a:fillToRect l="50000" t="-80000" r="50000" b="180000"/>
+          </a:path>
+        </a:gradFill>
+        <a:gradFill rotWithShape="1">
+          <a:gsLst>
+            <a:gs pos="0">
+              <a:schemeClr val="phClr">
+                <a:tint val="80000"/>
+                <a:satMod val="300000"/>
+              </a:schemeClr>
+            </a:gs>
+            <a:gs pos="100000">
+              <a:schemeClr val="phClr">
+                <a:shade val="30000"/>
+                <a:satMod val="200000"/>
+              </a:schemeClr>
+            </a:gs>
+          </a:gsLst>
+          <a:path path="circle">
+            <a:fillToRect l="50000" t="50000" r="50000" b="50000"/>
+          </a:path>
+        </a:gradFill>
+      </a:bgFillStyleLst>
+    </a:fmtScheme>
+  </a:themeElements>
+</a:theme>
+</file>
+
+<file path=ppt/theme/theme5.xml><?xml version="1.0" encoding="utf-8"?>
+<a:theme xmlns:a="http://schemas.openxmlformats.org/drawingml/2006/main" name="Office Theme">
+  <a:themeElements>
+    <a:clrScheme name="Office">
+      <a:dk1>
+        <a:sysClr val="windowText" lastClr="000000"/>
+      </a:dk1>
+      <a:lt1>
+        <a:sysClr val="window" lastClr="FFFFFF"/>
+      </a:lt1>
+      <a:dk2>
+        <a:srgbClr val="1f497d"/>
+      </a:dk2>
+      <a:lt2>
+        <a:srgbClr val="eeece1"/>
+      </a:lt2>
+      <a:accent1>
+        <a:srgbClr val="4f81bd"/>
+      </a:accent1>
+      <a:accent2>
+        <a:srgbClr val="c0504d"/>
+      </a:accent2>
+      <a:accent3>
+        <a:srgbClr val="9bbb59"/>
+      </a:accent3>
+      <a:accent4>
+        <a:srgbClr val="8064a2"/>
+      </a:accent4>
+      <a:accent5>
+        <a:srgbClr val="4bacc6"/>
+      </a:accent5>
+      <a:accent6>
+        <a:srgbClr val="f79646"/>
+      </a:accent6>
+      <a:hlink>
+        <a:srgbClr val="0000ff"/>
+      </a:hlink>
+      <a:folHlink>
+        <a:srgbClr val="800080"/>
+      </a:folHlink>
+    </a:clrScheme>
+    <a:fontScheme name="Office">
+      <a:majorFont>
+        <a:latin typeface="Arial"/>
+        <a:ea typeface="DejaVu Sans"/>
+        <a:cs typeface="DejaVu Sans"/>
+      </a:majorFont>
+      <a:minorFont>
+        <a:latin typeface="Arial"/>
+        <a:ea typeface="DejaVu Sans"/>
+        <a:cs typeface="DejaVu Sans"/>
+      </a:minorFont>
+    </a:fontScheme>
+    <a:fmtScheme name="Office">
+      <a:fillStyleLst>
+        <a:solidFill>
+          <a:schemeClr val="phClr"/>
+        </a:solidFill>
+        <a:gradFill rotWithShape="1">
+          <a:gsLst>
+            <a:gs pos="0">
+              <a:schemeClr val="phClr">
+                <a:tint val="50000"/>
+                <a:satMod val="300000"/>
+              </a:schemeClr>
+            </a:gs>
+            <a:gs pos="35000">
+              <a:schemeClr val="phClr">
+                <a:tint val="37000"/>
+                <a:satMod val="300000"/>
+              </a:schemeClr>
+            </a:gs>
+            <a:gs pos="100000">
+              <a:schemeClr val="phClr">
+                <a:tint val="15000"/>
+                <a:satMod val="350000"/>
+              </a:schemeClr>
+            </a:gs>
+          </a:gsLst>
+          <a:lin ang="16200000" scaled="1"/>
+        </a:gradFill>
+        <a:gradFill rotWithShape="1">
+          <a:gsLst>
+            <a:gs pos="0">
+              <a:schemeClr val="phClr">
+                <a:shade val="51000"/>
+                <a:satMod val="130000"/>
+              </a:schemeClr>
+            </a:gs>
+            <a:gs pos="80000">
+              <a:schemeClr val="phClr">
+                <a:shade val="93000"/>
+                <a:satMod val="130000"/>
+              </a:schemeClr>
+            </a:gs>
+            <a:gs pos="100000">
+              <a:schemeClr val="phClr">
+                <a:shade val="94000"/>
+                <a:satMod val="135000"/>
+              </a:schemeClr>
+            </a:gs>
+          </a:gsLst>
+          <a:lin ang="16200000" scaled="0"/>
+        </a:gradFill>
+      </a:fillStyleLst>
+      <a:lnStyleLst>
+        <a:ln w="9525" cap="flat" cmpd="sng" algn="ctr">
+          <a:solidFill>
+            <a:schemeClr val="phClr">
+              <a:shade val="95000"/>
+              <a:satMod val="105000"/>
+            </a:schemeClr>
+          </a:solidFill>
+          <a:prstDash val="solid"/>
+          <a:miter/>
+        </a:ln>
+        <a:ln w="25400" cap="flat" cmpd="sng" algn="ctr">
+          <a:solidFill>
+            <a:schemeClr val="phClr"/>
+          </a:solidFill>
+          <a:prstDash val="solid"/>
+          <a:miter/>
+        </a:ln>
+        <a:ln w="38100" cap="flat" cmpd="sng" algn="ctr">
+          <a:solidFill>
+            <a:schemeClr val="phClr"/>
+          </a:solidFill>
+          <a:prstDash val="solid"/>
+          <a:miter/>
+        </a:ln>
+      </a:lnStyleLst>
+      <a:effectStyleLst>
+        <a:effectStyle>
+          <a:effectLst>
+            <a:outerShdw blurRad="40000" dist="20000" dir="5400000" rotWithShape="0">
+              <a:srgbClr val="000000">
+                <a:alpha val="38000"/>
+              </a:srgbClr>
+            </a:outerShdw>
+          </a:effectLst>
+        </a:effectStyle>
+        <a:effectStyle>
+          <a:effectLst>
+            <a:outerShdw blurRad="40000" dist="23000" dir="5400000" rotWithShape="0">
+              <a:srgbClr val="000000">
+                <a:alpha val="35000"/>
+              </a:srgbClr>
+            </a:outerShdw>
+          </a:effectLst>
+        </a:effectStyle>
+        <a:effectStyle>
+          <a:effectLst>
+            <a:outerShdw blurRad="40000" dist="23000" dir="5400000" rotWithShape="0">
+              <a:srgbClr val="000000">
+                <a:alpha val="35000"/>
+              </a:srgbClr>
+            </a:outerShdw>
+          </a:effectLst>
+          <a:scene3d>
+            <a:camera prst="orthographicFront">
+              <a:rot lat="0" lon="0" rev="0"/>
+            </a:camera>
+            <a:lightRig rig="threePt" dir="t">
+              <a:rot lat="0" lon="0" rev="1200000"/>
+            </a:lightRig>
+          </a:scene3d>
+          <a:sp3d>
+            <a:bevelT w="63500" h="25400"/>
+          </a:sp3d>
+        </a:effectStyle>
+      </a:effectStyleLst>
+      <a:bgFillStyleLst>
+        <a:solidFill>
+          <a:schemeClr val="phClr"/>
+        </a:solidFill>
+        <a:gradFill rotWithShape="1">
+          <a:gsLst>
+            <a:gs pos="0">
+              <a:schemeClr val="phClr">
+                <a:tint val="40000"/>
+                <a:satMod val="350000"/>
+              </a:schemeClr>
+            </a:gs>
+            <a:gs pos="40000">
+              <a:schemeClr val="phClr">
+                <a:tint val="45000"/>
+                <a:shade val="99000"/>
+                <a:satMod val="350000"/>
+              </a:schemeClr>
+            </a:gs>
+            <a:gs pos="100000">
+              <a:schemeClr val="phClr">
+                <a:shade val="20000"/>
+                <a:satMod val="255000"/>
+              </a:schemeClr>
+            </a:gs>
+          </a:gsLst>
+          <a:path path="circle">
+            <a:fillToRect l="50000" t="-80000" r="50000" b="180000"/>
+          </a:path>
+        </a:gradFill>
+        <a:gradFill rotWithShape="1">
+          <a:gsLst>
+            <a:gs pos="0">
+              <a:schemeClr val="phClr">
+                <a:tint val="80000"/>
+                <a:satMod val="300000"/>
+              </a:schemeClr>
+            </a:gs>
+            <a:gs pos="100000">
+              <a:schemeClr val="phClr">
+                <a:shade val="30000"/>
+                <a:satMod val="200000"/>
+              </a:schemeClr>
+            </a:gs>
+          </a:gsLst>
+          <a:path path="circle">
+            <a:fillToRect l="50000" t="50000" r="50000" b="50000"/>
+          </a:path>
+        </a:gradFill>
+      </a:bgFillStyleLst>
+    </a:fmtScheme>
+  </a:themeElements>
+</a:theme>
 </file>